--- a/documents/DATN.pptx
+++ b/documents/DATN.pptx
@@ -5,7 +5,7 @@
     <p:sldMasterId id="2147483660" r:id="rId1"/>
   </p:sldMasterIdLst>
   <p:notesMasterIdLst>
-    <p:notesMasterId r:id="rId11"/>
+    <p:notesMasterId r:id="rId12"/>
   </p:notesMasterIdLst>
   <p:sldIdLst>
     <p:sldId id="256" r:id="rId2"/>
@@ -13,10 +13,11 @@
     <p:sldId id="257" r:id="rId4"/>
     <p:sldId id="258" r:id="rId5"/>
     <p:sldId id="259" r:id="rId6"/>
-    <p:sldId id="262" r:id="rId7"/>
-    <p:sldId id="264" r:id="rId8"/>
-    <p:sldId id="265" r:id="rId9"/>
-    <p:sldId id="268" r:id="rId10"/>
+    <p:sldId id="269" r:id="rId7"/>
+    <p:sldId id="262" r:id="rId8"/>
+    <p:sldId id="264" r:id="rId9"/>
+    <p:sldId id="265" r:id="rId10"/>
+    <p:sldId id="268" r:id="rId11"/>
   </p:sldIdLst>
   <p:sldSz cx="9144000" cy="6858000" type="screen4x3"/>
   <p:notesSz cx="6858000" cy="9144000"/>
@@ -4717,11 +4718,11 @@
           <a:p>
             <a:r>
               <a:rPr lang="en-US"/>
-              <a:t>Hiếu</a:t>
+              <a:t>Tân</a:t>
             </a:r>
             <a:r>
               <a:rPr lang="en-US" baseline="0"/>
-              <a:t> hói</a:t>
+              <a:t> Yasuo</a:t>
             </a:r>
             <a:endParaRPr lang="de-DE"/>
           </a:p>
@@ -4753,7 +4754,7 @@
     </p:spTree>
     <p:extLst>
       <p:ext uri="{BB962C8B-B14F-4D97-AF65-F5344CB8AC3E}">
-        <p14:creationId xmlns:p14="http://schemas.microsoft.com/office/powerpoint/2010/main" val="2481634454"/>
+        <p14:creationId xmlns:p14="http://schemas.microsoft.com/office/powerpoint/2010/main" val="4011060903"/>
       </p:ext>
     </p:extLst>
   </p:cSld>
@@ -4807,6 +4808,14 @@
           <a:bodyPr/>
           <a:lstStyle/>
           <a:p>
+            <a:r>
+              <a:rPr lang="en-US"/>
+              <a:t>Hiếu</a:t>
+            </a:r>
+            <a:r>
+              <a:rPr lang="en-US" baseline="0"/>
+              <a:t> hói</a:t>
+            </a:r>
             <a:endParaRPr lang="de-DE"/>
           </a:p>
         </p:txBody>
@@ -4837,7 +4846,7 @@
     </p:spTree>
     <p:extLst>
       <p:ext uri="{BB962C8B-B14F-4D97-AF65-F5344CB8AC3E}">
-        <p14:creationId xmlns:p14="http://schemas.microsoft.com/office/powerpoint/2010/main" val="631320472"/>
+        <p14:creationId xmlns:p14="http://schemas.microsoft.com/office/powerpoint/2010/main" val="2481634454"/>
       </p:ext>
     </p:extLst>
   </p:cSld>
@@ -4891,6 +4900,90 @@
           <a:bodyPr/>
           <a:lstStyle/>
           <a:p>
+            <a:endParaRPr lang="de-DE"/>
+          </a:p>
+        </p:txBody>
+      </p:sp>
+      <p:sp>
+        <p:nvSpPr>
+          <p:cNvPr id="4" name="Slide Number Placeholder 3"/>
+          <p:cNvSpPr>
+            <a:spLocks noGrp="1"/>
+          </p:cNvSpPr>
+          <p:nvPr>
+            <p:ph type="sldNum" sz="quarter" idx="10"/>
+          </p:nvPr>
+        </p:nvSpPr>
+        <p:spPr/>
+        <p:txBody>
+          <a:bodyPr/>
+          <a:lstStyle/>
+          <a:p>
+            <a:fld id="{7BF15471-FB0B-4675-BD56-37F5E3B90169}" type="slidenum">
+              <a:rPr lang="de-DE" smtClean="0"/>
+              <a:t>8</a:t>
+            </a:fld>
+            <a:endParaRPr lang="de-DE"/>
+          </a:p>
+        </p:txBody>
+      </p:sp>
+    </p:spTree>
+    <p:extLst>
+      <p:ext uri="{BB962C8B-B14F-4D97-AF65-F5344CB8AC3E}">
+        <p14:creationId xmlns:p14="http://schemas.microsoft.com/office/powerpoint/2010/main" val="631320472"/>
+      </p:ext>
+    </p:extLst>
+  </p:cSld>
+  <p:clrMapOvr>
+    <a:masterClrMapping/>
+  </p:clrMapOvr>
+</p:notes>
+</file>
+
+<file path=ppt/notesSlides/notesSlide9.xml><?xml version="1.0" encoding="utf-8"?>
+<p:notes xmlns:a="http://schemas.openxmlformats.org/drawingml/2006/main" xmlns:r="http://schemas.openxmlformats.org/officeDocument/2006/relationships" xmlns:p="http://schemas.openxmlformats.org/presentationml/2006/main">
+  <p:cSld>
+    <p:spTree>
+      <p:nvGrpSpPr>
+        <p:cNvPr id="1" name=""/>
+        <p:cNvGrpSpPr/>
+        <p:nvPr/>
+      </p:nvGrpSpPr>
+      <p:grpSpPr>
+        <a:xfrm>
+          <a:off x="0" y="0"/>
+          <a:ext cx="0" cy="0"/>
+          <a:chOff x="0" y="0"/>
+          <a:chExt cx="0" cy="0"/>
+        </a:xfrm>
+      </p:grpSpPr>
+      <p:sp>
+        <p:nvSpPr>
+          <p:cNvPr id="2" name="Slide Image Placeholder 1"/>
+          <p:cNvSpPr>
+            <a:spLocks noGrp="1" noRot="1" noChangeAspect="1"/>
+          </p:cNvSpPr>
+          <p:nvPr>
+            <p:ph type="sldImg"/>
+          </p:nvPr>
+        </p:nvSpPr>
+        <p:spPr/>
+      </p:sp>
+      <p:sp>
+        <p:nvSpPr>
+          <p:cNvPr id="3" name="Notes Placeholder 2"/>
+          <p:cNvSpPr>
+            <a:spLocks noGrp="1"/>
+          </p:cNvSpPr>
+          <p:nvPr>
+            <p:ph type="body" idx="1"/>
+          </p:nvPr>
+        </p:nvSpPr>
+        <p:spPr/>
+        <p:txBody>
+          <a:bodyPr/>
+          <a:lstStyle/>
+          <a:p>
             <a:r>
               <a:rPr lang="en-US"/>
               <a:t>Chắt lọc và tổng hợp thông tin phù hợp cho sinh viên trường nói chung và sinh viên cntt nói riêng.</a:t>
@@ -4941,7 +5034,7 @@
           <a:p>
             <a:fld id="{7BF15471-FB0B-4675-BD56-37F5E3B90169}" type="slidenum">
               <a:rPr lang="de-DE" smtClean="0"/>
-              <a:t>8</a:t>
+              <a:t>9</a:t>
             </a:fld>
             <a:endParaRPr lang="de-DE"/>
           </a:p>
@@ -8199,6 +8292,1211 @@
   <p:transition spd="slow">
     <p:push dir="u"/>
   </p:transition>
+</p:sld>
+</file>
+
+<file path=ppt/slides/slide10.xml><?xml version="1.0" encoding="utf-8"?>
+<p:sld xmlns:a="http://schemas.openxmlformats.org/drawingml/2006/main" xmlns:r="http://schemas.openxmlformats.org/officeDocument/2006/relationships" xmlns:p="http://schemas.openxmlformats.org/presentationml/2006/main">
+  <p:cSld>
+    <p:spTree>
+      <p:nvGrpSpPr>
+        <p:cNvPr id="1" name=""/>
+        <p:cNvGrpSpPr/>
+        <p:nvPr/>
+      </p:nvGrpSpPr>
+      <p:grpSpPr>
+        <a:xfrm>
+          <a:off x="0" y="0"/>
+          <a:ext cx="0" cy="0"/>
+          <a:chOff x="0" y="0"/>
+          <a:chExt cx="0" cy="0"/>
+        </a:xfrm>
+      </p:grpSpPr>
+      <p:sp>
+        <p:nvSpPr>
+          <p:cNvPr id="2" name="Title 1"/>
+          <p:cNvSpPr>
+            <a:spLocks noGrp="1"/>
+          </p:cNvSpPr>
+          <p:nvPr>
+            <p:ph type="title"/>
+          </p:nvPr>
+        </p:nvSpPr>
+        <p:spPr/>
+        <p:txBody>
+          <a:bodyPr/>
+          <a:lstStyle/>
+          <a:p>
+            <a:r>
+              <a:rPr lang="en-US"/>
+              <a:t>Tổng kết</a:t>
+            </a:r>
+            <a:endParaRPr lang="de-DE"/>
+          </a:p>
+        </p:txBody>
+      </p:sp>
+      <p:sp>
+        <p:nvSpPr>
+          <p:cNvPr id="3" name="Content Placeholder 2"/>
+          <p:cNvSpPr>
+            <a:spLocks noGrp="1"/>
+          </p:cNvSpPr>
+          <p:nvPr>
+            <p:ph idx="1"/>
+          </p:nvPr>
+        </p:nvSpPr>
+        <p:spPr>
+          <a:xfrm>
+            <a:off x="266700" y="1690690"/>
+            <a:ext cx="8610600" cy="2009113"/>
+          </a:xfrm>
+        </p:spPr>
+        <p:txBody>
+          <a:bodyPr>
+            <a:normAutofit/>
+          </a:bodyPr>
+          <a:lstStyle/>
+          <a:p>
+            <a:pPr marL="0" indent="0">
+              <a:buNone/>
+            </a:pPr>
+            <a:r>
+              <a:rPr lang="en-US" dirty="0" err="1"/>
+              <a:t>Hạn</a:t>
+            </a:r>
+            <a:r>
+              <a:rPr lang="en-US" dirty="0"/>
+              <a:t> </a:t>
+            </a:r>
+            <a:r>
+              <a:rPr lang="en-US" dirty="0" err="1"/>
+              <a:t>chế</a:t>
+            </a:r>
+            <a:r>
+              <a:rPr lang="en-US" dirty="0"/>
+              <a:t>:</a:t>
+            </a:r>
+          </a:p>
+          <a:p>
+            <a:pPr lvl="1">
+              <a:buBlip>
+                <a:blip r:embed="rId2"/>
+              </a:buBlip>
+            </a:pPr>
+            <a:r>
+              <a:rPr lang="en-US" dirty="0" err="1"/>
+              <a:t>Giới</a:t>
+            </a:r>
+            <a:r>
+              <a:rPr lang="en-US" dirty="0"/>
+              <a:t> </a:t>
+            </a:r>
+            <a:r>
+              <a:rPr lang="en-US" dirty="0" err="1"/>
+              <a:t>hạn</a:t>
+            </a:r>
+            <a:r>
+              <a:rPr lang="en-US" dirty="0"/>
+              <a:t> </a:t>
+            </a:r>
+            <a:r>
+              <a:rPr lang="en-US" dirty="0" err="1"/>
+              <a:t>về</a:t>
+            </a:r>
+            <a:r>
+              <a:rPr lang="en-US" dirty="0"/>
+              <a:t> </a:t>
+            </a:r>
+            <a:r>
+              <a:rPr lang="en-US" dirty="0" err="1"/>
+              <a:t>số</a:t>
+            </a:r>
+            <a:r>
+              <a:rPr lang="en-US" dirty="0"/>
+              <a:t> </a:t>
+            </a:r>
+            <a:r>
+              <a:rPr lang="en-US" dirty="0" err="1"/>
+              <a:t>lượng</a:t>
+            </a:r>
+            <a:r>
+              <a:rPr lang="en-US" dirty="0"/>
+              <a:t> </a:t>
+            </a:r>
+            <a:r>
+              <a:rPr lang="en-US" dirty="0" err="1"/>
+              <a:t>chức</a:t>
+            </a:r>
+            <a:r>
+              <a:rPr lang="en-US" dirty="0"/>
+              <a:t> </a:t>
+            </a:r>
+            <a:r>
+              <a:rPr lang="en-US" dirty="0" err="1"/>
+              <a:t>năng</a:t>
+            </a:r>
+            <a:endParaRPr lang="en-US" dirty="0"/>
+          </a:p>
+          <a:p>
+            <a:pPr lvl="1">
+              <a:buBlip>
+                <a:blip r:embed="rId2"/>
+              </a:buBlip>
+            </a:pPr>
+            <a:r>
+              <a:rPr lang="en-US" dirty="0" err="1"/>
+              <a:t>Tốc</a:t>
+            </a:r>
+            <a:r>
+              <a:rPr lang="en-US" dirty="0"/>
+              <a:t> </a:t>
+            </a:r>
+            <a:r>
+              <a:rPr lang="en-US" dirty="0" err="1"/>
+              <a:t>độ</a:t>
+            </a:r>
+            <a:r>
+              <a:rPr lang="en-US" dirty="0"/>
+              <a:t> </a:t>
+            </a:r>
+            <a:r>
+              <a:rPr lang="en-US" dirty="0" err="1"/>
+              <a:t>xữ</a:t>
+            </a:r>
+            <a:r>
+              <a:rPr lang="en-US" dirty="0"/>
+              <a:t> </a:t>
+            </a:r>
+            <a:r>
+              <a:rPr lang="en-US" dirty="0" err="1"/>
+              <a:t>lý</a:t>
+            </a:r>
+            <a:r>
+              <a:rPr lang="en-US" dirty="0"/>
+              <a:t> </a:t>
+            </a:r>
+            <a:r>
+              <a:rPr lang="en-US" dirty="0" err="1"/>
+              <a:t>còn</a:t>
+            </a:r>
+            <a:r>
+              <a:rPr lang="en-US" dirty="0"/>
+              <a:t> </a:t>
+            </a:r>
+            <a:r>
+              <a:rPr lang="en-US" dirty="0" err="1"/>
+              <a:t>chậm</a:t>
+            </a:r>
+            <a:endParaRPr lang="en-US" dirty="0"/>
+          </a:p>
+          <a:p>
+            <a:pPr lvl="1">
+              <a:buBlip>
+                <a:blip r:embed="rId2"/>
+              </a:buBlip>
+            </a:pPr>
+            <a:r>
+              <a:rPr lang="en-US" dirty="0" err="1"/>
+              <a:t>Dữ</a:t>
+            </a:r>
+            <a:r>
+              <a:rPr lang="en-US" dirty="0"/>
+              <a:t> </a:t>
+            </a:r>
+            <a:r>
+              <a:rPr lang="en-US" dirty="0" err="1"/>
+              <a:t>liệu</a:t>
+            </a:r>
+            <a:r>
+              <a:rPr lang="en-US" dirty="0"/>
+              <a:t> </a:t>
+            </a:r>
+            <a:r>
+              <a:rPr lang="en-US" dirty="0" err="1"/>
+              <a:t>vẫn</a:t>
+            </a:r>
+            <a:r>
+              <a:rPr lang="en-US" dirty="0"/>
+              <a:t> </a:t>
+            </a:r>
+            <a:r>
+              <a:rPr lang="en-US" dirty="0" err="1"/>
+              <a:t>chưa</a:t>
+            </a:r>
+            <a:r>
+              <a:rPr lang="en-US" dirty="0"/>
+              <a:t> </a:t>
+            </a:r>
+            <a:r>
+              <a:rPr lang="en-US" dirty="0" err="1"/>
+              <a:t>tối</a:t>
+            </a:r>
+            <a:r>
+              <a:rPr lang="en-US" dirty="0"/>
+              <a:t> </a:t>
+            </a:r>
+            <a:r>
+              <a:rPr lang="en-US" dirty="0" err="1"/>
+              <a:t>ưu</a:t>
+            </a:r>
+            <a:endParaRPr lang="en-US" dirty="0"/>
+          </a:p>
+          <a:p>
+            <a:pPr marL="457200" lvl="1" indent="0">
+              <a:buNone/>
+            </a:pPr>
+            <a:endParaRPr lang="en-US" dirty="0"/>
+          </a:p>
+          <a:p>
+            <a:pPr lvl="1">
+              <a:buBlip>
+                <a:blip r:embed="rId2"/>
+              </a:buBlip>
+            </a:pPr>
+            <a:endParaRPr lang="de-DE" dirty="0"/>
+          </a:p>
+        </p:txBody>
+      </p:sp>
+      <p:sp>
+        <p:nvSpPr>
+          <p:cNvPr id="4" name="Slide Number Placeholder 3"/>
+          <p:cNvSpPr>
+            <a:spLocks noGrp="1"/>
+          </p:cNvSpPr>
+          <p:nvPr>
+            <p:ph type="sldNum" sz="quarter" idx="12"/>
+          </p:nvPr>
+        </p:nvSpPr>
+        <p:spPr/>
+        <p:txBody>
+          <a:bodyPr/>
+          <a:lstStyle/>
+          <a:p>
+            <a:fld id="{2210AAD2-7BE5-41A1-B723-8B6F5F112607}" type="slidenum">
+              <a:rPr lang="de-DE" smtClean="0"/>
+              <a:pPr/>
+              <a:t>10</a:t>
+            </a:fld>
+            <a:endParaRPr lang="de-DE"/>
+          </a:p>
+        </p:txBody>
+      </p:sp>
+      <p:sp>
+        <p:nvSpPr>
+          <p:cNvPr id="5" name="Content Placeholder 2"/>
+          <p:cNvSpPr txBox="1">
+            <a:spLocks/>
+          </p:cNvSpPr>
+          <p:nvPr/>
+        </p:nvSpPr>
+        <p:spPr>
+          <a:xfrm>
+            <a:off x="266700" y="3967089"/>
+            <a:ext cx="8610600" cy="2262493"/>
+          </a:xfrm>
+          <a:prstGeom prst="rect">
+            <a:avLst/>
+          </a:prstGeom>
+        </p:spPr>
+        <p:txBody>
+          <a:bodyPr vert="horz" lIns="91440" tIns="45720" rIns="91440" bIns="45720" rtlCol="0">
+            <a:normAutofit/>
+          </a:bodyPr>
+          <a:lstStyle>
+            <a:lvl1pPr marL="228600" indent="-228600" algn="l" defTabSz="914400" rtl="0" eaLnBrk="1" latinLnBrk="0" hangingPunct="1">
+              <a:lnSpc>
+                <a:spcPct val="90000"/>
+              </a:lnSpc>
+              <a:spcBef>
+                <a:spcPts val="1000"/>
+              </a:spcBef>
+              <a:buFont typeface="Arial" panose="020B0604020202020204" pitchFamily="34" charset="0"/>
+              <a:buChar char="•"/>
+              <a:defRPr sz="2800" kern="1200">
+                <a:solidFill>
+                  <a:schemeClr val="tx1"/>
+                </a:solidFill>
+                <a:latin typeface="+mn-lt"/>
+                <a:ea typeface="+mn-ea"/>
+                <a:cs typeface="+mn-cs"/>
+              </a:defRPr>
+            </a:lvl1pPr>
+            <a:lvl2pPr marL="685800" indent="-228600" algn="l" defTabSz="914400" rtl="0" eaLnBrk="1" latinLnBrk="0" hangingPunct="1">
+              <a:lnSpc>
+                <a:spcPct val="90000"/>
+              </a:lnSpc>
+              <a:spcBef>
+                <a:spcPts val="500"/>
+              </a:spcBef>
+              <a:buFont typeface="Wingdings" panose="05000000000000000000" pitchFamily="2" charset="2"/>
+              <a:buChar char="§"/>
+              <a:defRPr sz="2400" kern="1200">
+                <a:solidFill>
+                  <a:schemeClr val="tx1"/>
+                </a:solidFill>
+                <a:latin typeface="+mn-lt"/>
+                <a:ea typeface="+mn-ea"/>
+                <a:cs typeface="+mn-cs"/>
+              </a:defRPr>
+            </a:lvl2pPr>
+            <a:lvl3pPr marL="1143000" indent="-228600" algn="l" defTabSz="914400" rtl="0" eaLnBrk="1" latinLnBrk="0" hangingPunct="1">
+              <a:lnSpc>
+                <a:spcPct val="90000"/>
+              </a:lnSpc>
+              <a:spcBef>
+                <a:spcPts val="500"/>
+              </a:spcBef>
+              <a:buFont typeface="Arial" panose="020B0604020202020204" pitchFamily="34" charset="0"/>
+              <a:buChar char="•"/>
+              <a:defRPr sz="2000" kern="1200">
+                <a:solidFill>
+                  <a:schemeClr val="tx1"/>
+                </a:solidFill>
+                <a:latin typeface="+mn-lt"/>
+                <a:ea typeface="+mn-ea"/>
+                <a:cs typeface="+mn-cs"/>
+              </a:defRPr>
+            </a:lvl3pPr>
+            <a:lvl4pPr marL="1600200" indent="-228600" algn="l" defTabSz="914400" rtl="0" eaLnBrk="1" latinLnBrk="0" hangingPunct="1">
+              <a:lnSpc>
+                <a:spcPct val="90000"/>
+              </a:lnSpc>
+              <a:spcBef>
+                <a:spcPts val="500"/>
+              </a:spcBef>
+              <a:buFont typeface="Arial" panose="020B0604020202020204" pitchFamily="34" charset="0"/>
+              <a:buChar char="•"/>
+              <a:defRPr sz="1800" kern="1200">
+                <a:solidFill>
+                  <a:schemeClr val="tx1"/>
+                </a:solidFill>
+                <a:latin typeface="+mn-lt"/>
+                <a:ea typeface="+mn-ea"/>
+                <a:cs typeface="+mn-cs"/>
+              </a:defRPr>
+            </a:lvl4pPr>
+            <a:lvl5pPr marL="2057400" indent="-228600" algn="l" defTabSz="914400" rtl="0" eaLnBrk="1" latinLnBrk="0" hangingPunct="1">
+              <a:lnSpc>
+                <a:spcPct val="90000"/>
+              </a:lnSpc>
+              <a:spcBef>
+                <a:spcPts val="500"/>
+              </a:spcBef>
+              <a:buFont typeface="Arial" panose="020B0604020202020204" pitchFamily="34" charset="0"/>
+              <a:buChar char="•"/>
+              <a:defRPr sz="1800" kern="1200">
+                <a:solidFill>
+                  <a:schemeClr val="tx1"/>
+                </a:solidFill>
+                <a:latin typeface="+mn-lt"/>
+                <a:ea typeface="+mn-ea"/>
+                <a:cs typeface="+mn-cs"/>
+              </a:defRPr>
+            </a:lvl5pPr>
+            <a:lvl6pPr marL="2514600" indent="-228600" algn="l" defTabSz="914400" rtl="0" eaLnBrk="1" latinLnBrk="0" hangingPunct="1">
+              <a:lnSpc>
+                <a:spcPct val="90000"/>
+              </a:lnSpc>
+              <a:spcBef>
+                <a:spcPts val="500"/>
+              </a:spcBef>
+              <a:buFont typeface="Arial" panose="020B0604020202020204" pitchFamily="34" charset="0"/>
+              <a:buChar char="•"/>
+              <a:defRPr sz="1800" kern="1200">
+                <a:solidFill>
+                  <a:schemeClr val="tx1"/>
+                </a:solidFill>
+                <a:latin typeface="+mn-lt"/>
+                <a:ea typeface="+mn-ea"/>
+                <a:cs typeface="+mn-cs"/>
+              </a:defRPr>
+            </a:lvl6pPr>
+            <a:lvl7pPr marL="2971800" indent="-228600" algn="l" defTabSz="914400" rtl="0" eaLnBrk="1" latinLnBrk="0" hangingPunct="1">
+              <a:lnSpc>
+                <a:spcPct val="90000"/>
+              </a:lnSpc>
+              <a:spcBef>
+                <a:spcPts val="500"/>
+              </a:spcBef>
+              <a:buFont typeface="Arial" panose="020B0604020202020204" pitchFamily="34" charset="0"/>
+              <a:buChar char="•"/>
+              <a:defRPr sz="1800" kern="1200">
+                <a:solidFill>
+                  <a:schemeClr val="tx1"/>
+                </a:solidFill>
+                <a:latin typeface="+mn-lt"/>
+                <a:ea typeface="+mn-ea"/>
+                <a:cs typeface="+mn-cs"/>
+              </a:defRPr>
+            </a:lvl7pPr>
+            <a:lvl8pPr marL="3429000" indent="-228600" algn="l" defTabSz="914400" rtl="0" eaLnBrk="1" latinLnBrk="0" hangingPunct="1">
+              <a:lnSpc>
+                <a:spcPct val="90000"/>
+              </a:lnSpc>
+              <a:spcBef>
+                <a:spcPts val="500"/>
+              </a:spcBef>
+              <a:buFont typeface="Arial" panose="020B0604020202020204" pitchFamily="34" charset="0"/>
+              <a:buChar char="•"/>
+              <a:defRPr sz="1800" kern="1200">
+                <a:solidFill>
+                  <a:schemeClr val="tx1"/>
+                </a:solidFill>
+                <a:latin typeface="+mn-lt"/>
+                <a:ea typeface="+mn-ea"/>
+                <a:cs typeface="+mn-cs"/>
+              </a:defRPr>
+            </a:lvl8pPr>
+            <a:lvl9pPr marL="3886200" indent="-228600" algn="l" defTabSz="914400" rtl="0" eaLnBrk="1" latinLnBrk="0" hangingPunct="1">
+              <a:lnSpc>
+                <a:spcPct val="90000"/>
+              </a:lnSpc>
+              <a:spcBef>
+                <a:spcPts val="500"/>
+              </a:spcBef>
+              <a:buFont typeface="Arial" panose="020B0604020202020204" pitchFamily="34" charset="0"/>
+              <a:buChar char="•"/>
+              <a:defRPr sz="1800" kern="1200">
+                <a:solidFill>
+                  <a:schemeClr val="tx1"/>
+                </a:solidFill>
+                <a:latin typeface="+mn-lt"/>
+                <a:ea typeface="+mn-ea"/>
+                <a:cs typeface="+mn-cs"/>
+              </a:defRPr>
+            </a:lvl9pPr>
+          </a:lstStyle>
+          <a:p>
+            <a:pPr marL="0" indent="0">
+              <a:buFont typeface="Arial" panose="020B0604020202020204" pitchFamily="34" charset="0"/>
+              <a:buNone/>
+            </a:pPr>
+            <a:r>
+              <a:rPr lang="en-US" dirty="0" err="1"/>
+              <a:t>Hướng</a:t>
+            </a:r>
+            <a:r>
+              <a:rPr lang="en-US" dirty="0"/>
+              <a:t> </a:t>
+            </a:r>
+            <a:r>
+              <a:rPr lang="en-US" dirty="0" err="1"/>
+              <a:t>phát</a:t>
+            </a:r>
+            <a:r>
+              <a:rPr lang="en-US" dirty="0"/>
+              <a:t> </a:t>
+            </a:r>
+            <a:r>
+              <a:rPr lang="en-US" dirty="0" err="1"/>
+              <a:t>triển</a:t>
+            </a:r>
+            <a:r>
+              <a:rPr lang="en-US" dirty="0"/>
+              <a:t>:</a:t>
+            </a:r>
+          </a:p>
+          <a:p>
+            <a:pPr lvl="1">
+              <a:buBlip>
+                <a:blip r:embed="rId3"/>
+              </a:buBlip>
+            </a:pPr>
+            <a:r>
+              <a:rPr lang="en-US" dirty="0" err="1"/>
+              <a:t>Tìm</a:t>
+            </a:r>
+            <a:r>
+              <a:rPr lang="en-US" dirty="0"/>
+              <a:t> </a:t>
+            </a:r>
+            <a:r>
+              <a:rPr lang="en-US" dirty="0" err="1"/>
+              <a:t>kiếm</a:t>
+            </a:r>
+            <a:r>
+              <a:rPr lang="en-US" dirty="0"/>
+              <a:t> </a:t>
+            </a:r>
+            <a:r>
+              <a:rPr lang="en-US" dirty="0" err="1"/>
+              <a:t>các</a:t>
+            </a:r>
+            <a:r>
+              <a:rPr lang="en-US" dirty="0"/>
+              <a:t> </a:t>
+            </a:r>
+            <a:r>
+              <a:rPr lang="en-US" dirty="0" err="1"/>
+              <a:t>ứng</a:t>
+            </a:r>
+            <a:r>
+              <a:rPr lang="en-US" dirty="0"/>
+              <a:t> </a:t>
+            </a:r>
+            <a:r>
+              <a:rPr lang="en-US" dirty="0" err="1"/>
+              <a:t>viên</a:t>
+            </a:r>
+            <a:r>
+              <a:rPr lang="en-US" dirty="0"/>
+              <a:t> </a:t>
+            </a:r>
+            <a:r>
+              <a:rPr lang="en-US" dirty="0" err="1"/>
+              <a:t>phù</a:t>
+            </a:r>
+            <a:r>
+              <a:rPr lang="en-US" dirty="0"/>
+              <a:t> </a:t>
+            </a:r>
+            <a:r>
+              <a:rPr lang="en-US" dirty="0" err="1"/>
+              <a:t>hợp</a:t>
+            </a:r>
+            <a:r>
+              <a:rPr lang="en-US" dirty="0"/>
+              <a:t> </a:t>
+            </a:r>
+            <a:r>
+              <a:rPr lang="en-US" dirty="0" err="1"/>
+              <a:t>nhất</a:t>
+            </a:r>
+            <a:endParaRPr lang="en-US" dirty="0"/>
+          </a:p>
+          <a:p>
+            <a:pPr lvl="1">
+              <a:buBlip>
+                <a:blip r:embed="rId3"/>
+              </a:buBlip>
+            </a:pPr>
+            <a:r>
+              <a:rPr lang="en-US" dirty="0" err="1"/>
+              <a:t>Phát</a:t>
+            </a:r>
+            <a:r>
+              <a:rPr lang="en-US" dirty="0"/>
+              <a:t> </a:t>
+            </a:r>
+            <a:r>
+              <a:rPr lang="en-US" dirty="0" err="1"/>
+              <a:t>triển</a:t>
+            </a:r>
+            <a:r>
+              <a:rPr lang="en-US" dirty="0"/>
+              <a:t> </a:t>
+            </a:r>
+            <a:r>
+              <a:rPr lang="en-US" dirty="0" err="1"/>
+              <a:t>thêm</a:t>
+            </a:r>
+            <a:r>
+              <a:rPr lang="en-US" dirty="0"/>
+              <a:t> </a:t>
+            </a:r>
+            <a:r>
+              <a:rPr lang="en-US" dirty="0" err="1"/>
+              <a:t>các</a:t>
+            </a:r>
+            <a:r>
+              <a:rPr lang="en-US" dirty="0"/>
+              <a:t> </a:t>
+            </a:r>
+            <a:r>
+              <a:rPr lang="en-US" dirty="0" err="1"/>
+              <a:t>tính</a:t>
+            </a:r>
+            <a:r>
+              <a:rPr lang="en-US" dirty="0"/>
+              <a:t> </a:t>
+            </a:r>
+            <a:r>
+              <a:rPr lang="en-US" dirty="0" err="1"/>
+              <a:t>năng</a:t>
+            </a:r>
+            <a:r>
+              <a:rPr lang="en-US" dirty="0"/>
+              <a:t> </a:t>
+            </a:r>
+            <a:r>
+              <a:rPr lang="en-US" dirty="0" err="1"/>
+              <a:t>đăng</a:t>
+            </a:r>
+            <a:r>
+              <a:rPr lang="en-US" dirty="0"/>
+              <a:t> </a:t>
+            </a:r>
+            <a:r>
+              <a:rPr lang="en-US" dirty="0" err="1"/>
+              <a:t>bài</a:t>
+            </a:r>
+            <a:r>
+              <a:rPr lang="en-US" dirty="0"/>
+              <a:t> </a:t>
+            </a:r>
+            <a:r>
+              <a:rPr lang="en-US" dirty="0" err="1"/>
+              <a:t>viết</a:t>
+            </a:r>
+            <a:r>
+              <a:rPr lang="en-US" dirty="0"/>
+              <a:t>, </a:t>
+            </a:r>
+            <a:r>
+              <a:rPr lang="en-US" dirty="0" err="1"/>
+              <a:t>nhắn</a:t>
+            </a:r>
+            <a:r>
+              <a:rPr lang="en-US" dirty="0"/>
+              <a:t> tin</a:t>
+            </a:r>
+          </a:p>
+          <a:p>
+            <a:pPr lvl="1">
+              <a:buBlip>
+                <a:blip r:embed="rId3"/>
+              </a:buBlip>
+            </a:pPr>
+            <a:r>
+              <a:rPr lang="en-US" dirty="0" err="1"/>
+              <a:t>Cải</a:t>
+            </a:r>
+            <a:r>
+              <a:rPr lang="en-US" dirty="0"/>
+              <a:t> </a:t>
+            </a:r>
+            <a:r>
+              <a:rPr lang="en-US" dirty="0" err="1"/>
+              <a:t>thiện</a:t>
+            </a:r>
+            <a:r>
+              <a:rPr lang="en-US" dirty="0"/>
+              <a:t> </a:t>
+            </a:r>
+            <a:r>
+              <a:rPr lang="en-US" dirty="0" err="1"/>
+              <a:t>tốc</a:t>
+            </a:r>
+            <a:r>
+              <a:rPr lang="en-US" dirty="0"/>
+              <a:t> </a:t>
+            </a:r>
+            <a:r>
+              <a:rPr lang="en-US" dirty="0" err="1"/>
+              <a:t>độ</a:t>
+            </a:r>
+            <a:r>
+              <a:rPr lang="en-US" dirty="0"/>
+              <a:t> </a:t>
+            </a:r>
+            <a:r>
+              <a:rPr lang="en-US" dirty="0" err="1"/>
+              <a:t>xữ</a:t>
+            </a:r>
+            <a:r>
+              <a:rPr lang="en-US" dirty="0"/>
+              <a:t> </a:t>
+            </a:r>
+            <a:r>
+              <a:rPr lang="en-US" dirty="0" err="1"/>
+              <a:t>lý</a:t>
+            </a:r>
+            <a:r>
+              <a:rPr lang="en-US" dirty="0"/>
+              <a:t> </a:t>
+            </a:r>
+            <a:r>
+              <a:rPr lang="en-US" dirty="0" err="1"/>
+              <a:t>dữ</a:t>
+            </a:r>
+            <a:r>
+              <a:rPr lang="en-US" dirty="0"/>
+              <a:t> </a:t>
+            </a:r>
+            <a:r>
+              <a:rPr lang="en-US" dirty="0" err="1"/>
+              <a:t>liệu</a:t>
+            </a:r>
+            <a:endParaRPr lang="en-US" dirty="0"/>
+          </a:p>
+          <a:p>
+            <a:pPr marL="457200" lvl="1" indent="0">
+              <a:buFont typeface="Wingdings" panose="05000000000000000000" pitchFamily="2" charset="2"/>
+              <a:buNone/>
+            </a:pPr>
+            <a:endParaRPr lang="en-US" dirty="0"/>
+          </a:p>
+          <a:p>
+            <a:pPr lvl="1">
+              <a:buFont typeface="Wingdings" panose="05000000000000000000" pitchFamily="2" charset="2"/>
+              <a:buBlip>
+                <a:blip r:embed="rId2"/>
+              </a:buBlip>
+            </a:pPr>
+            <a:endParaRPr lang="de-DE" dirty="0"/>
+          </a:p>
+        </p:txBody>
+      </p:sp>
+    </p:spTree>
+    <p:extLst>
+      <p:ext uri="{BB962C8B-B14F-4D97-AF65-F5344CB8AC3E}">
+        <p14:creationId xmlns:p14="http://schemas.microsoft.com/office/powerpoint/2010/main" val="2807078726"/>
+      </p:ext>
+    </p:extLst>
+  </p:cSld>
+  <p:clrMapOvr>
+    <a:masterClrMapping/>
+  </p:clrMapOvr>
+  <p:timing>
+    <p:tnLst>
+      <p:par>
+        <p:cTn id="1" dur="indefinite" restart="never" nodeType="tmRoot">
+          <p:childTnLst>
+            <p:seq concurrent="1" nextAc="seek">
+              <p:cTn id="2" dur="indefinite" nodeType="mainSeq">
+                <p:childTnLst>
+                  <p:par>
+                    <p:cTn id="3" fill="hold">
+                      <p:stCondLst>
+                        <p:cond delay="indefinite"/>
+                      </p:stCondLst>
+                      <p:childTnLst>
+                        <p:par>
+                          <p:cTn id="4" fill="hold">
+                            <p:stCondLst>
+                              <p:cond delay="0"/>
+                            </p:stCondLst>
+                            <p:childTnLst>
+                              <p:par>
+                                <p:cTn id="5" presetID="22" presetClass="entr" presetSubtype="8" fill="hold" grpId="0" nodeType="clickEffect">
+                                  <p:stCondLst>
+                                    <p:cond delay="0"/>
+                                  </p:stCondLst>
+                                  <p:childTnLst>
+                                    <p:set>
+                                      <p:cBhvr>
+                                        <p:cTn id="6" dur="1" fill="hold">
+                                          <p:stCondLst>
+                                            <p:cond delay="0"/>
+                                          </p:stCondLst>
+                                        </p:cTn>
+                                        <p:tgtEl>
+                                          <p:spTgt spid="3">
+                                            <p:txEl>
+                                              <p:pRg st="0" end="0"/>
+                                            </p:txEl>
+                                          </p:spTgt>
+                                        </p:tgtEl>
+                                        <p:attrNameLst>
+                                          <p:attrName>style.visibility</p:attrName>
+                                        </p:attrNameLst>
+                                      </p:cBhvr>
+                                      <p:to>
+                                        <p:strVal val="visible"/>
+                                      </p:to>
+                                    </p:set>
+                                    <p:animEffect transition="in" filter="wipe(left)">
+                                      <p:cBhvr>
+                                        <p:cTn id="7" dur="500"/>
+                                        <p:tgtEl>
+                                          <p:spTgt spid="3">
+                                            <p:txEl>
+                                              <p:pRg st="0" end="0"/>
+                                            </p:txEl>
+                                          </p:spTgt>
+                                        </p:tgtEl>
+                                      </p:cBhvr>
+                                    </p:animEffect>
+                                  </p:childTnLst>
+                                </p:cTn>
+                              </p:par>
+                            </p:childTnLst>
+                          </p:cTn>
+                        </p:par>
+                        <p:par>
+                          <p:cTn id="8" fill="hold">
+                            <p:stCondLst>
+                              <p:cond delay="500"/>
+                            </p:stCondLst>
+                            <p:childTnLst>
+                              <p:par>
+                                <p:cTn id="9" presetID="22" presetClass="entr" presetSubtype="8" fill="hold" grpId="0" nodeType="afterEffect">
+                                  <p:stCondLst>
+                                    <p:cond delay="0"/>
+                                  </p:stCondLst>
+                                  <p:childTnLst>
+                                    <p:set>
+                                      <p:cBhvr>
+                                        <p:cTn id="10" dur="1" fill="hold">
+                                          <p:stCondLst>
+                                            <p:cond delay="0"/>
+                                          </p:stCondLst>
+                                        </p:cTn>
+                                        <p:tgtEl>
+                                          <p:spTgt spid="3">
+                                            <p:txEl>
+                                              <p:pRg st="1" end="1"/>
+                                            </p:txEl>
+                                          </p:spTgt>
+                                        </p:tgtEl>
+                                        <p:attrNameLst>
+                                          <p:attrName>style.visibility</p:attrName>
+                                        </p:attrNameLst>
+                                      </p:cBhvr>
+                                      <p:to>
+                                        <p:strVal val="visible"/>
+                                      </p:to>
+                                    </p:set>
+                                    <p:animEffect transition="in" filter="wipe(left)">
+                                      <p:cBhvr>
+                                        <p:cTn id="11" dur="500"/>
+                                        <p:tgtEl>
+                                          <p:spTgt spid="3">
+                                            <p:txEl>
+                                              <p:pRg st="1" end="1"/>
+                                            </p:txEl>
+                                          </p:spTgt>
+                                        </p:tgtEl>
+                                      </p:cBhvr>
+                                    </p:animEffect>
+                                  </p:childTnLst>
+                                </p:cTn>
+                              </p:par>
+                            </p:childTnLst>
+                          </p:cTn>
+                        </p:par>
+                        <p:par>
+                          <p:cTn id="12" fill="hold">
+                            <p:stCondLst>
+                              <p:cond delay="1000"/>
+                            </p:stCondLst>
+                            <p:childTnLst>
+                              <p:par>
+                                <p:cTn id="13" presetID="22" presetClass="entr" presetSubtype="8" fill="hold" grpId="0" nodeType="afterEffect">
+                                  <p:stCondLst>
+                                    <p:cond delay="0"/>
+                                  </p:stCondLst>
+                                  <p:childTnLst>
+                                    <p:set>
+                                      <p:cBhvr>
+                                        <p:cTn id="14" dur="1" fill="hold">
+                                          <p:stCondLst>
+                                            <p:cond delay="0"/>
+                                          </p:stCondLst>
+                                        </p:cTn>
+                                        <p:tgtEl>
+                                          <p:spTgt spid="3">
+                                            <p:txEl>
+                                              <p:pRg st="2" end="2"/>
+                                            </p:txEl>
+                                          </p:spTgt>
+                                        </p:tgtEl>
+                                        <p:attrNameLst>
+                                          <p:attrName>style.visibility</p:attrName>
+                                        </p:attrNameLst>
+                                      </p:cBhvr>
+                                      <p:to>
+                                        <p:strVal val="visible"/>
+                                      </p:to>
+                                    </p:set>
+                                    <p:animEffect transition="in" filter="wipe(left)">
+                                      <p:cBhvr>
+                                        <p:cTn id="15" dur="500"/>
+                                        <p:tgtEl>
+                                          <p:spTgt spid="3">
+                                            <p:txEl>
+                                              <p:pRg st="2" end="2"/>
+                                            </p:txEl>
+                                          </p:spTgt>
+                                        </p:tgtEl>
+                                      </p:cBhvr>
+                                    </p:animEffect>
+                                  </p:childTnLst>
+                                </p:cTn>
+                              </p:par>
+                            </p:childTnLst>
+                          </p:cTn>
+                        </p:par>
+                        <p:par>
+                          <p:cTn id="16" fill="hold">
+                            <p:stCondLst>
+                              <p:cond delay="1500"/>
+                            </p:stCondLst>
+                            <p:childTnLst>
+                              <p:par>
+                                <p:cTn id="17" presetID="22" presetClass="entr" presetSubtype="8" fill="hold" grpId="0" nodeType="afterEffect">
+                                  <p:stCondLst>
+                                    <p:cond delay="0"/>
+                                  </p:stCondLst>
+                                  <p:childTnLst>
+                                    <p:set>
+                                      <p:cBhvr>
+                                        <p:cTn id="18" dur="1" fill="hold">
+                                          <p:stCondLst>
+                                            <p:cond delay="0"/>
+                                          </p:stCondLst>
+                                        </p:cTn>
+                                        <p:tgtEl>
+                                          <p:spTgt spid="3">
+                                            <p:txEl>
+                                              <p:pRg st="3" end="3"/>
+                                            </p:txEl>
+                                          </p:spTgt>
+                                        </p:tgtEl>
+                                        <p:attrNameLst>
+                                          <p:attrName>style.visibility</p:attrName>
+                                        </p:attrNameLst>
+                                      </p:cBhvr>
+                                      <p:to>
+                                        <p:strVal val="visible"/>
+                                      </p:to>
+                                    </p:set>
+                                    <p:animEffect transition="in" filter="wipe(left)">
+                                      <p:cBhvr>
+                                        <p:cTn id="19" dur="500"/>
+                                        <p:tgtEl>
+                                          <p:spTgt spid="3">
+                                            <p:txEl>
+                                              <p:pRg st="3" end="3"/>
+                                            </p:txEl>
+                                          </p:spTgt>
+                                        </p:tgtEl>
+                                      </p:cBhvr>
+                                    </p:animEffect>
+                                  </p:childTnLst>
+                                </p:cTn>
+                              </p:par>
+                            </p:childTnLst>
+                          </p:cTn>
+                        </p:par>
+                      </p:childTnLst>
+                    </p:cTn>
+                  </p:par>
+                  <p:par>
+                    <p:cTn id="20" fill="hold">
+                      <p:stCondLst>
+                        <p:cond delay="indefinite"/>
+                      </p:stCondLst>
+                      <p:childTnLst>
+                        <p:par>
+                          <p:cTn id="21" fill="hold">
+                            <p:stCondLst>
+                              <p:cond delay="0"/>
+                            </p:stCondLst>
+                            <p:childTnLst>
+                              <p:par>
+                                <p:cTn id="22" presetID="22" presetClass="entr" presetSubtype="8" fill="hold" grpId="0" nodeType="clickEffect">
+                                  <p:stCondLst>
+                                    <p:cond delay="0"/>
+                                  </p:stCondLst>
+                                  <p:childTnLst>
+                                    <p:set>
+                                      <p:cBhvr>
+                                        <p:cTn id="23" dur="1" fill="hold">
+                                          <p:stCondLst>
+                                            <p:cond delay="0"/>
+                                          </p:stCondLst>
+                                        </p:cTn>
+                                        <p:tgtEl>
+                                          <p:spTgt spid="5">
+                                            <p:txEl>
+                                              <p:pRg st="0" end="0"/>
+                                            </p:txEl>
+                                          </p:spTgt>
+                                        </p:tgtEl>
+                                        <p:attrNameLst>
+                                          <p:attrName>style.visibility</p:attrName>
+                                        </p:attrNameLst>
+                                      </p:cBhvr>
+                                      <p:to>
+                                        <p:strVal val="visible"/>
+                                      </p:to>
+                                    </p:set>
+                                    <p:animEffect transition="in" filter="wipe(left)">
+                                      <p:cBhvr>
+                                        <p:cTn id="24" dur="500"/>
+                                        <p:tgtEl>
+                                          <p:spTgt spid="5">
+                                            <p:txEl>
+                                              <p:pRg st="0" end="0"/>
+                                            </p:txEl>
+                                          </p:spTgt>
+                                        </p:tgtEl>
+                                      </p:cBhvr>
+                                    </p:animEffect>
+                                  </p:childTnLst>
+                                </p:cTn>
+                              </p:par>
+                              <p:par>
+                                <p:cTn id="25" presetID="22" presetClass="entr" presetSubtype="8" fill="hold" grpId="0" nodeType="withEffect">
+                                  <p:stCondLst>
+                                    <p:cond delay="0"/>
+                                  </p:stCondLst>
+                                  <p:childTnLst>
+                                    <p:set>
+                                      <p:cBhvr>
+                                        <p:cTn id="26" dur="1" fill="hold">
+                                          <p:stCondLst>
+                                            <p:cond delay="0"/>
+                                          </p:stCondLst>
+                                        </p:cTn>
+                                        <p:tgtEl>
+                                          <p:spTgt spid="5">
+                                            <p:txEl>
+                                              <p:pRg st="1" end="1"/>
+                                            </p:txEl>
+                                          </p:spTgt>
+                                        </p:tgtEl>
+                                        <p:attrNameLst>
+                                          <p:attrName>style.visibility</p:attrName>
+                                        </p:attrNameLst>
+                                      </p:cBhvr>
+                                      <p:to>
+                                        <p:strVal val="visible"/>
+                                      </p:to>
+                                    </p:set>
+                                    <p:animEffect transition="in" filter="wipe(left)">
+                                      <p:cBhvr>
+                                        <p:cTn id="27" dur="500"/>
+                                        <p:tgtEl>
+                                          <p:spTgt spid="5">
+                                            <p:txEl>
+                                              <p:pRg st="1" end="1"/>
+                                            </p:txEl>
+                                          </p:spTgt>
+                                        </p:tgtEl>
+                                      </p:cBhvr>
+                                    </p:animEffect>
+                                  </p:childTnLst>
+                                </p:cTn>
+                              </p:par>
+                            </p:childTnLst>
+                          </p:cTn>
+                        </p:par>
+                        <p:par>
+                          <p:cTn id="28" fill="hold">
+                            <p:stCondLst>
+                              <p:cond delay="500"/>
+                            </p:stCondLst>
+                            <p:childTnLst>
+                              <p:par>
+                                <p:cTn id="29" presetID="22" presetClass="entr" presetSubtype="8" fill="hold" grpId="0" nodeType="afterEffect">
+                                  <p:stCondLst>
+                                    <p:cond delay="0"/>
+                                  </p:stCondLst>
+                                  <p:childTnLst>
+                                    <p:set>
+                                      <p:cBhvr>
+                                        <p:cTn id="30" dur="1" fill="hold">
+                                          <p:stCondLst>
+                                            <p:cond delay="0"/>
+                                          </p:stCondLst>
+                                        </p:cTn>
+                                        <p:tgtEl>
+                                          <p:spTgt spid="5">
+                                            <p:txEl>
+                                              <p:pRg st="2" end="2"/>
+                                            </p:txEl>
+                                          </p:spTgt>
+                                        </p:tgtEl>
+                                        <p:attrNameLst>
+                                          <p:attrName>style.visibility</p:attrName>
+                                        </p:attrNameLst>
+                                      </p:cBhvr>
+                                      <p:to>
+                                        <p:strVal val="visible"/>
+                                      </p:to>
+                                    </p:set>
+                                    <p:animEffect transition="in" filter="wipe(left)">
+                                      <p:cBhvr>
+                                        <p:cTn id="31" dur="500"/>
+                                        <p:tgtEl>
+                                          <p:spTgt spid="5">
+                                            <p:txEl>
+                                              <p:pRg st="2" end="2"/>
+                                            </p:txEl>
+                                          </p:spTgt>
+                                        </p:tgtEl>
+                                      </p:cBhvr>
+                                    </p:animEffect>
+                                  </p:childTnLst>
+                                </p:cTn>
+                              </p:par>
+                              <p:par>
+                                <p:cTn id="32" presetID="22" presetClass="entr" presetSubtype="8" fill="hold" grpId="0" nodeType="withEffect">
+                                  <p:stCondLst>
+                                    <p:cond delay="0"/>
+                                  </p:stCondLst>
+                                  <p:childTnLst>
+                                    <p:set>
+                                      <p:cBhvr>
+                                        <p:cTn id="33" dur="1" fill="hold">
+                                          <p:stCondLst>
+                                            <p:cond delay="0"/>
+                                          </p:stCondLst>
+                                        </p:cTn>
+                                        <p:tgtEl>
+                                          <p:spTgt spid="5">
+                                            <p:txEl>
+                                              <p:pRg st="3" end="3"/>
+                                            </p:txEl>
+                                          </p:spTgt>
+                                        </p:tgtEl>
+                                        <p:attrNameLst>
+                                          <p:attrName>style.visibility</p:attrName>
+                                        </p:attrNameLst>
+                                      </p:cBhvr>
+                                      <p:to>
+                                        <p:strVal val="visible"/>
+                                      </p:to>
+                                    </p:set>
+                                    <p:animEffect transition="in" filter="wipe(left)">
+                                      <p:cBhvr>
+                                        <p:cTn id="34" dur="500"/>
+                                        <p:tgtEl>
+                                          <p:spTgt spid="5">
+                                            <p:txEl>
+                                              <p:pRg st="3" end="3"/>
+                                            </p:txEl>
+                                          </p:spTgt>
+                                        </p:tgtEl>
+                                      </p:cBhvr>
+                                    </p:animEffect>
+                                  </p:childTnLst>
+                                </p:cTn>
+                              </p:par>
+                            </p:childTnLst>
+                          </p:cTn>
+                        </p:par>
+                      </p:childTnLst>
+                    </p:cTn>
+                  </p:par>
+                </p:childTnLst>
+              </p:cTn>
+              <p:prevCondLst>
+                <p:cond evt="onPrev" delay="0">
+                  <p:tgtEl>
+                    <p:sldTgt/>
+                  </p:tgtEl>
+                </p:cond>
+              </p:prevCondLst>
+              <p:nextCondLst>
+                <p:cond evt="onNext" delay="0">
+                  <p:tgtEl>
+                    <p:sldTgt/>
+                  </p:tgtEl>
+                </p:cond>
+              </p:nextCondLst>
+            </p:seq>
+          </p:childTnLst>
+        </p:cTn>
+      </p:par>
+    </p:tnLst>
+    <p:bldLst>
+      <p:bldP spid="3" grpId="0" uiExpand="1" build="p"/>
+      <p:bldP spid="5" grpId="0" uiExpand="1" build="p"/>
+    </p:bldLst>
+  </p:timing>
 </p:sld>
 </file>
 
@@ -9333,10 +10631,34 @@
           <a:lstStyle/>
           <a:p>
             <a:r>
-              <a:rPr lang="en-US"/>
-              <a:t>Tổng quan hệ thống</a:t>
-            </a:r>
-            <a:endParaRPr lang="de-DE"/>
+              <a:rPr lang="en-US" dirty="0" err="1"/>
+              <a:t>Tổng</a:t>
+            </a:r>
+            <a:r>
+              <a:rPr lang="en-US" dirty="0"/>
+              <a:t> </a:t>
+            </a:r>
+            <a:r>
+              <a:rPr lang="en-US" dirty="0" err="1"/>
+              <a:t>quan</a:t>
+            </a:r>
+            <a:r>
+              <a:rPr lang="en-US" dirty="0"/>
+              <a:t> </a:t>
+            </a:r>
+            <a:r>
+              <a:rPr lang="en-US" dirty="0" err="1"/>
+              <a:t>hệ</a:t>
+            </a:r>
+            <a:r>
+              <a:rPr lang="en-US" dirty="0"/>
+              <a:t> </a:t>
+            </a:r>
+            <a:r>
+              <a:rPr lang="en-US" dirty="0" err="1"/>
+              <a:t>thống</a:t>
+            </a:r>
+            <a:endParaRPr lang="de-DE" dirty="0"/>
           </a:p>
         </p:txBody>
       </p:sp>
@@ -9361,6 +10683,146 @@
               <a:t>4</a:t>
             </a:fld>
             <a:endParaRPr lang="de-DE"/>
+          </a:p>
+        </p:txBody>
+      </p:sp>
+      <p:sp>
+        <p:nvSpPr>
+          <p:cNvPr id="2" name="TextBox 1">
+            <a:extLst>
+              <a:ext uri="{FF2B5EF4-FFF2-40B4-BE49-F238E27FC236}">
+                <a16:creationId xmlns:a16="http://schemas.microsoft.com/office/drawing/2014/main" id="{79C5A8DE-8667-D4DF-ED99-1E202BE9B65B}"/>
+              </a:ext>
+            </a:extLst>
+          </p:cNvPr>
+          <p:cNvSpPr txBox="1"/>
+          <p:nvPr/>
+        </p:nvSpPr>
+        <p:spPr>
+          <a:xfrm>
+            <a:off x="350196" y="2188720"/>
+            <a:ext cx="7480570" cy="2308324"/>
+          </a:xfrm>
+          <a:prstGeom prst="rect">
+            <a:avLst/>
+          </a:prstGeom>
+          <a:noFill/>
+        </p:spPr>
+        <p:txBody>
+          <a:bodyPr wrap="square" rtlCol="0">
+            <a:spAutoFit/>
+          </a:bodyPr>
+          <a:lstStyle/>
+          <a:p>
+            <a:pPr marL="285750" indent="-285750">
+              <a:buFontTx/>
+              <a:buChar char="-"/>
+            </a:pPr>
+            <a:r>
+              <a:rPr lang="en-US" dirty="0"/>
+              <a:t>80+ </a:t>
+            </a:r>
+            <a:r>
+              <a:rPr lang="en-US" b="1" dirty="0"/>
+              <a:t>API</a:t>
+            </a:r>
+          </a:p>
+          <a:p>
+            <a:pPr marL="285750" indent="-285750">
+              <a:buFontTx/>
+              <a:buChar char="-"/>
+            </a:pPr>
+            <a:endParaRPr lang="en-US" dirty="0"/>
+          </a:p>
+          <a:p>
+            <a:pPr marL="285750" indent="-285750">
+              <a:buFontTx/>
+              <a:buChar char="-"/>
+            </a:pPr>
+            <a:r>
+              <a:rPr lang="en-US" dirty="0"/>
+              <a:t>40+ </a:t>
+            </a:r>
+            <a:r>
+              <a:rPr lang="en-US" b="1" dirty="0" err="1"/>
+              <a:t>Bảng</a:t>
+            </a:r>
+            <a:r>
+              <a:rPr lang="en-US" b="1" dirty="0"/>
+              <a:t> </a:t>
+            </a:r>
+            <a:r>
+              <a:rPr lang="en-US" b="1" dirty="0" err="1"/>
+              <a:t>dữ</a:t>
+            </a:r>
+            <a:r>
+              <a:rPr lang="en-US" b="1" dirty="0"/>
+              <a:t> </a:t>
+            </a:r>
+            <a:r>
+              <a:rPr lang="en-US" b="1" dirty="0" err="1"/>
+              <a:t>liệu</a:t>
+            </a:r>
+            <a:endParaRPr lang="en-US" b="1" dirty="0"/>
+          </a:p>
+          <a:p>
+            <a:pPr marL="285750" indent="-285750">
+              <a:buFontTx/>
+              <a:buChar char="-"/>
+            </a:pPr>
+            <a:endParaRPr lang="en-US" b="1" dirty="0"/>
+          </a:p>
+          <a:p>
+            <a:pPr marL="285750" indent="-285750">
+              <a:buFontTx/>
+              <a:buChar char="-"/>
+            </a:pPr>
+            <a:r>
+              <a:rPr lang="en-US" dirty="0"/>
+              <a:t>3 </a:t>
+            </a:r>
+            <a:r>
+              <a:rPr lang="en-US" dirty="0" err="1"/>
+              <a:t>phân</a:t>
+            </a:r>
+            <a:r>
+              <a:rPr lang="en-US" dirty="0"/>
+              <a:t> </a:t>
+            </a:r>
+            <a:r>
+              <a:rPr lang="en-US" dirty="0" err="1"/>
+              <a:t>quyền</a:t>
+            </a:r>
+            <a:r>
+              <a:rPr lang="en-US" dirty="0"/>
+              <a:t> </a:t>
+            </a:r>
+            <a:r>
+              <a:rPr lang="en-US" dirty="0" err="1"/>
+              <a:t>chính</a:t>
+            </a:r>
+            <a:endParaRPr lang="en-US" dirty="0"/>
+          </a:p>
+          <a:p>
+            <a:pPr marL="285750" indent="-285750">
+              <a:buFontTx/>
+              <a:buChar char="-"/>
+            </a:pPr>
+            <a:endParaRPr lang="en-US" dirty="0"/>
+          </a:p>
+          <a:p>
+            <a:pPr marL="285750" indent="-285750">
+              <a:buFontTx/>
+              <a:buChar char="-"/>
+            </a:pPr>
+            <a:endParaRPr lang="en-US" dirty="0"/>
+          </a:p>
+          <a:p>
+            <a:pPr marL="285750" indent="-285750">
+              <a:buFontTx/>
+              <a:buChar char="-"/>
+            </a:pPr>
+            <a:endParaRPr lang="en-US" dirty="0"/>
           </a:p>
         </p:txBody>
       </p:sp>
@@ -9423,7 +10885,67 @@
             </a:r>
             <a:r>
               <a:rPr lang="en-US" dirty="0"/>
-              <a:t> …</a:t>
+              <a:t> </a:t>
+            </a:r>
+            <a:r>
+              <a:rPr lang="en-US" dirty="0" err="1"/>
+              <a:t>từ</a:t>
+            </a:r>
+            <a:r>
+              <a:rPr lang="en-US" dirty="0"/>
+              <a:t> </a:t>
+            </a:r>
+            <a:r>
+              <a:rPr lang="en-US" dirty="0" err="1"/>
+              <a:t>công</a:t>
+            </a:r>
+            <a:r>
+              <a:rPr lang="en-US" dirty="0"/>
+              <a:t> </a:t>
+            </a:r>
+            <a:r>
+              <a:rPr lang="en-US" dirty="0" err="1"/>
+              <a:t>việc</a:t>
+            </a:r>
+            <a:r>
+              <a:rPr lang="en-US" dirty="0"/>
+              <a:t> </a:t>
+            </a:r>
+            <a:r>
+              <a:rPr lang="en-US" dirty="0" err="1"/>
+              <a:t>đến</a:t>
+            </a:r>
+            <a:r>
+              <a:rPr lang="en-US" dirty="0"/>
+              <a:t> </a:t>
+            </a:r>
+            <a:r>
+              <a:rPr lang="en-US" dirty="0" err="1"/>
+              <a:t>kinh</a:t>
+            </a:r>
+            <a:r>
+              <a:rPr lang="en-US" dirty="0"/>
+              <a:t> </a:t>
+            </a:r>
+            <a:r>
+              <a:rPr lang="en-US" dirty="0" err="1"/>
+              <a:t>nghiệm</a:t>
+            </a:r>
+            <a:r>
+              <a:rPr lang="en-US" dirty="0"/>
+              <a:t> </a:t>
+            </a:r>
+            <a:r>
+              <a:rPr lang="en-US" dirty="0" err="1"/>
+              <a:t>làm</a:t>
+            </a:r>
+            <a:r>
+              <a:rPr lang="en-US" dirty="0"/>
+              <a:t> </a:t>
+            </a:r>
+            <a:r>
+              <a:rPr lang="en-US" dirty="0" err="1"/>
+              <a:t>việc</a:t>
             </a:r>
             <a:endParaRPr lang="de-DE" dirty="0"/>
           </a:p>
@@ -9499,10 +11021,66 @@
           <a:lstStyle/>
           <a:p>
             <a:r>
-              <a:rPr lang="en-US"/>
-              <a:t>Công nghệ</a:t>
-            </a:r>
-            <a:endParaRPr lang="de-DE"/>
+              <a:rPr lang="en-US" dirty="0" err="1"/>
+              <a:t>Tính</a:t>
+            </a:r>
+            <a:r>
+              <a:rPr lang="en-US" dirty="0"/>
+              <a:t> </a:t>
+            </a:r>
+            <a:r>
+              <a:rPr lang="en-US" dirty="0" err="1"/>
+              <a:t>điểm</a:t>
+            </a:r>
+            <a:r>
+              <a:rPr lang="en-US" dirty="0"/>
+              <a:t> matching </a:t>
+            </a:r>
+            <a:r>
+              <a:rPr lang="en-US" dirty="0" err="1"/>
+              <a:t>giữa</a:t>
+            </a:r>
+            <a:r>
+              <a:rPr lang="en-US" dirty="0"/>
+              <a:t> </a:t>
+            </a:r>
+            <a:r>
+              <a:rPr lang="en-US" dirty="0" err="1"/>
+              <a:t>công</a:t>
+            </a:r>
+            <a:r>
+              <a:rPr lang="en-US" dirty="0"/>
+              <a:t> </a:t>
+            </a:r>
+            <a:r>
+              <a:rPr lang="en-US" dirty="0" err="1"/>
+              <a:t>việc</a:t>
+            </a:r>
+            <a:r>
+              <a:rPr lang="en-US" dirty="0"/>
+              <a:t> </a:t>
+            </a:r>
+            <a:r>
+              <a:rPr lang="en-US" dirty="0" err="1"/>
+              <a:t>và</a:t>
+            </a:r>
+            <a:r>
+              <a:rPr lang="en-US" dirty="0"/>
+              <a:t> </a:t>
+            </a:r>
+            <a:r>
+              <a:rPr lang="en-US" dirty="0" err="1"/>
+              <a:t>cá</a:t>
+            </a:r>
+            <a:r>
+              <a:rPr lang="en-US" dirty="0"/>
+              <a:t> </a:t>
+            </a:r>
+            <a:r>
+              <a:rPr lang="en-US" dirty="0" err="1"/>
+              <a:t>nhân</a:t>
+            </a:r>
+            <a:endParaRPr lang="de-DE" dirty="0"/>
           </a:p>
         </p:txBody>
       </p:sp>
@@ -9525,6 +11103,1387 @@
               <a:rPr lang="de-DE" smtClean="0"/>
               <a:pPr/>
               <a:t>6</a:t>
+            </a:fld>
+            <a:endParaRPr lang="de-DE"/>
+          </a:p>
+        </p:txBody>
+      </p:sp>
+      <p:sp>
+        <p:nvSpPr>
+          <p:cNvPr id="3" name="TextBox 2">
+            <a:extLst>
+              <a:ext uri="{FF2B5EF4-FFF2-40B4-BE49-F238E27FC236}">
+                <a16:creationId xmlns:a16="http://schemas.microsoft.com/office/drawing/2014/main" id="{BB03312F-27DF-4F76-DF7E-2C78CF2509D9}"/>
+              </a:ext>
+            </a:extLst>
+          </p:cNvPr>
+          <p:cNvSpPr txBox="1"/>
+          <p:nvPr/>
+        </p:nvSpPr>
+        <p:spPr>
+          <a:xfrm>
+            <a:off x="266700" y="2286000"/>
+            <a:ext cx="8137998" cy="3725693"/>
+          </a:xfrm>
+          <a:prstGeom prst="rect">
+            <a:avLst/>
+          </a:prstGeom>
+          <a:noFill/>
+        </p:spPr>
+        <p:txBody>
+          <a:bodyPr wrap="square" rtlCol="0">
+            <a:spAutoFit/>
+          </a:bodyPr>
+          <a:lstStyle/>
+          <a:p>
+            <a:pPr marL="0" marR="0">
+              <a:lnSpc>
+                <a:spcPct val="150000"/>
+              </a:lnSpc>
+              <a:spcBef>
+                <a:spcPts val="0"/>
+              </a:spcBef>
+              <a:spcAft>
+                <a:spcPts val="0"/>
+              </a:spcAft>
+            </a:pPr>
+            <a:r>
+              <a:rPr lang="vi-VN" sz="1800" dirty="0" err="1">
+                <a:effectLst/>
+                <a:latin typeface="Times New Roman" panose="02020603050405020304" pitchFamily="18" charset="0"/>
+                <a:ea typeface="Times New Roman" panose="02020603050405020304" pitchFamily="18" charset="0"/>
+              </a:rPr>
+              <a:t>Point</a:t>
+            </a:r>
+            <a:r>
+              <a:rPr lang="vi-VN" sz="1800" dirty="0">
+                <a:effectLst/>
+                <a:latin typeface="Times New Roman" panose="02020603050405020304" pitchFamily="18" charset="0"/>
+                <a:ea typeface="Times New Roman" panose="02020603050405020304" pitchFamily="18" charset="0"/>
+              </a:rPr>
+              <a:t> = </a:t>
+            </a:r>
+            <a:r>
+              <a:rPr lang="vi-VN" sz="1800" dirty="0" err="1">
+                <a:effectLst/>
+                <a:latin typeface="Times New Roman" panose="02020603050405020304" pitchFamily="18" charset="0"/>
+                <a:ea typeface="Times New Roman" panose="02020603050405020304" pitchFamily="18" charset="0"/>
+              </a:rPr>
+              <a:t>Column</a:t>
+            </a:r>
+            <a:r>
+              <a:rPr lang="vi-VN" sz="1800" dirty="0">
+                <a:effectLst/>
+                <a:latin typeface="Times New Roman" panose="02020603050405020304" pitchFamily="18" charset="0"/>
+                <a:ea typeface="Times New Roman" panose="02020603050405020304" pitchFamily="18" charset="0"/>
+              </a:rPr>
+              <a:t>(</a:t>
+            </a:r>
+            <a:r>
+              <a:rPr lang="vi-VN" sz="1800" dirty="0" err="1">
+                <a:effectLst/>
+                <a:latin typeface="Times New Roman" panose="02020603050405020304" pitchFamily="18" charset="0"/>
+                <a:ea typeface="Times New Roman" panose="02020603050405020304" pitchFamily="18" charset="0"/>
+              </a:rPr>
+              <a:t>position</a:t>
+            </a:r>
+            <a:r>
+              <a:rPr lang="vi-VN" sz="1800" dirty="0">
+                <a:effectLst/>
+                <a:latin typeface="Times New Roman" panose="02020603050405020304" pitchFamily="18" charset="0"/>
+                <a:ea typeface="Times New Roman" panose="02020603050405020304" pitchFamily="18" charset="0"/>
+              </a:rPr>
+              <a:t>)*</a:t>
+            </a:r>
+            <a:r>
+              <a:rPr lang="vi-VN" sz="1800" dirty="0" err="1">
+                <a:effectLst/>
+                <a:latin typeface="Times New Roman" panose="02020603050405020304" pitchFamily="18" charset="0"/>
+                <a:ea typeface="Times New Roman" panose="02020603050405020304" pitchFamily="18" charset="0"/>
+              </a:rPr>
+              <a:t>A</a:t>
+            </a:r>
+            <a:r>
+              <a:rPr lang="vi-VN" sz="1800" baseline="-25000" dirty="0" err="1">
+                <a:effectLst/>
+                <a:latin typeface="Times New Roman" panose="02020603050405020304" pitchFamily="18" charset="0"/>
+                <a:ea typeface="Times New Roman" panose="02020603050405020304" pitchFamily="18" charset="0"/>
+              </a:rPr>
+              <a:t>system</a:t>
+            </a:r>
+            <a:r>
+              <a:rPr lang="vi-VN" sz="1800" baseline="-25000" dirty="0">
+                <a:effectLst/>
+                <a:latin typeface="Times New Roman" panose="02020603050405020304" pitchFamily="18" charset="0"/>
+                <a:ea typeface="Times New Roman" panose="02020603050405020304" pitchFamily="18" charset="0"/>
+              </a:rPr>
+              <a:t>(</a:t>
+            </a:r>
+            <a:r>
+              <a:rPr lang="vi-VN" sz="1800" baseline="-25000" dirty="0" err="1">
+                <a:effectLst/>
+                <a:latin typeface="Times New Roman" panose="02020603050405020304" pitchFamily="18" charset="0"/>
+                <a:ea typeface="Times New Roman" panose="02020603050405020304" pitchFamily="18" charset="0"/>
+              </a:rPr>
+              <a:t>position</a:t>
+            </a:r>
+            <a:r>
+              <a:rPr lang="vi-VN" sz="1800" baseline="-25000" dirty="0">
+                <a:effectLst/>
+                <a:latin typeface="Times New Roman" panose="02020603050405020304" pitchFamily="18" charset="0"/>
+                <a:ea typeface="Times New Roman" panose="02020603050405020304" pitchFamily="18" charset="0"/>
+              </a:rPr>
+              <a:t>)</a:t>
+            </a:r>
+            <a:r>
+              <a:rPr lang="vi-VN" sz="1800" dirty="0">
+                <a:effectLst/>
+                <a:latin typeface="Times New Roman" panose="02020603050405020304" pitchFamily="18" charset="0"/>
+                <a:ea typeface="Times New Roman" panose="02020603050405020304" pitchFamily="18" charset="0"/>
+              </a:rPr>
+              <a:t>*</a:t>
+            </a:r>
+            <a:r>
+              <a:rPr lang="vi-VN" sz="1800" dirty="0" err="1">
+                <a:effectLst/>
+                <a:latin typeface="Times New Roman" panose="02020603050405020304" pitchFamily="18" charset="0"/>
+                <a:ea typeface="Times New Roman" panose="02020603050405020304" pitchFamily="18" charset="0"/>
+              </a:rPr>
+              <a:t>A</a:t>
+            </a:r>
+            <a:r>
+              <a:rPr lang="vi-VN" sz="1800" baseline="-25000" dirty="0" err="1">
+                <a:effectLst/>
+                <a:latin typeface="Times New Roman" panose="02020603050405020304" pitchFamily="18" charset="0"/>
+                <a:ea typeface="Times New Roman" panose="02020603050405020304" pitchFamily="18" charset="0"/>
+              </a:rPr>
+              <a:t>column</a:t>
+            </a:r>
+            <a:r>
+              <a:rPr lang="vi-VN" sz="1800" baseline="-25000" dirty="0">
+                <a:effectLst/>
+                <a:latin typeface="Times New Roman" panose="02020603050405020304" pitchFamily="18" charset="0"/>
+                <a:ea typeface="Times New Roman" panose="02020603050405020304" pitchFamily="18" charset="0"/>
+              </a:rPr>
+              <a:t>(</a:t>
+            </a:r>
+            <a:r>
+              <a:rPr lang="vi-VN" sz="1800" baseline="-25000" dirty="0" err="1">
+                <a:effectLst/>
+                <a:latin typeface="Times New Roman" panose="02020603050405020304" pitchFamily="18" charset="0"/>
+                <a:ea typeface="Times New Roman" panose="02020603050405020304" pitchFamily="18" charset="0"/>
+              </a:rPr>
+              <a:t>posiiton</a:t>
+            </a:r>
+            <a:r>
+              <a:rPr lang="vi-VN" sz="1800" baseline="-25000" dirty="0">
+                <a:effectLst/>
+                <a:latin typeface="Times New Roman" panose="02020603050405020304" pitchFamily="18" charset="0"/>
+                <a:ea typeface="Times New Roman" panose="02020603050405020304" pitchFamily="18" charset="0"/>
+              </a:rPr>
+              <a:t>)</a:t>
+            </a:r>
+            <a:r>
+              <a:rPr lang="vi-VN" sz="1800" dirty="0">
+                <a:effectLst/>
+                <a:latin typeface="Times New Roman" panose="02020603050405020304" pitchFamily="18" charset="0"/>
+                <a:ea typeface="Times New Roman" panose="02020603050405020304" pitchFamily="18" charset="0"/>
+              </a:rPr>
+              <a:t>  + </a:t>
+            </a:r>
+            <a:r>
+              <a:rPr lang="vi-VN" sz="1800" dirty="0" err="1">
+                <a:effectLst/>
+                <a:latin typeface="Times New Roman" panose="02020603050405020304" pitchFamily="18" charset="0"/>
+                <a:ea typeface="Times New Roman" panose="02020603050405020304" pitchFamily="18" charset="0"/>
+              </a:rPr>
+              <a:t>level</a:t>
+            </a:r>
+            <a:r>
+              <a:rPr lang="vi-VN" sz="1800" dirty="0">
+                <a:effectLst/>
+                <a:latin typeface="Times New Roman" panose="02020603050405020304" pitchFamily="18" charset="0"/>
+                <a:ea typeface="Times New Roman" panose="02020603050405020304" pitchFamily="18" charset="0"/>
+              </a:rPr>
+              <a:t>(</a:t>
+            </a:r>
+            <a:r>
+              <a:rPr lang="vi-VN" sz="1800" dirty="0" err="1">
+                <a:effectLst/>
+                <a:latin typeface="Times New Roman" panose="02020603050405020304" pitchFamily="18" charset="0"/>
+                <a:ea typeface="Times New Roman" panose="02020603050405020304" pitchFamily="18" charset="0"/>
+              </a:rPr>
+              <a:t>position</a:t>
+            </a:r>
+            <a:r>
+              <a:rPr lang="vi-VN" sz="1800" dirty="0">
+                <a:effectLst/>
+                <a:latin typeface="Times New Roman" panose="02020603050405020304" pitchFamily="18" charset="0"/>
+                <a:ea typeface="Times New Roman" panose="02020603050405020304" pitchFamily="18" charset="0"/>
+              </a:rPr>
+              <a:t>) + </a:t>
+            </a:r>
+            <a:endParaRPr lang="en-US" sz="1800" dirty="0">
+              <a:effectLst/>
+              <a:latin typeface="Times New Roman" panose="02020603050405020304" pitchFamily="18" charset="0"/>
+              <a:ea typeface="Times New Roman" panose="02020603050405020304" pitchFamily="18" charset="0"/>
+            </a:endParaRPr>
+          </a:p>
+          <a:p>
+            <a:pPr marL="0" marR="0" indent="285750">
+              <a:lnSpc>
+                <a:spcPct val="150000"/>
+              </a:lnSpc>
+              <a:spcBef>
+                <a:spcPts val="0"/>
+              </a:spcBef>
+              <a:spcAft>
+                <a:spcPts val="0"/>
+              </a:spcAft>
+            </a:pPr>
+            <a:r>
+              <a:rPr lang="vi-VN" sz="1800" dirty="0" err="1">
+                <a:effectLst/>
+                <a:latin typeface="Times New Roman" panose="02020603050405020304" pitchFamily="18" charset="0"/>
+                <a:ea typeface="Times New Roman" panose="02020603050405020304" pitchFamily="18" charset="0"/>
+              </a:rPr>
+              <a:t>Column</a:t>
+            </a:r>
+            <a:r>
+              <a:rPr lang="vi-VN" sz="1800" dirty="0">
+                <a:effectLst/>
+                <a:latin typeface="Times New Roman" panose="02020603050405020304" pitchFamily="18" charset="0"/>
+                <a:ea typeface="Times New Roman" panose="02020603050405020304" pitchFamily="18" charset="0"/>
+              </a:rPr>
+              <a:t>(</a:t>
+            </a:r>
+            <a:r>
+              <a:rPr lang="vi-VN" sz="1800" dirty="0" err="1">
+                <a:effectLst/>
+                <a:latin typeface="Times New Roman" panose="02020603050405020304" pitchFamily="18" charset="0"/>
+                <a:ea typeface="Times New Roman" panose="02020603050405020304" pitchFamily="18" charset="0"/>
+              </a:rPr>
+              <a:t>skill</a:t>
+            </a:r>
+            <a:r>
+              <a:rPr lang="vi-VN" sz="1800" dirty="0">
+                <a:effectLst/>
+                <a:latin typeface="Times New Roman" panose="02020603050405020304" pitchFamily="18" charset="0"/>
+                <a:ea typeface="Times New Roman" panose="02020603050405020304" pitchFamily="18" charset="0"/>
+              </a:rPr>
+              <a:t>)*</a:t>
+            </a:r>
+            <a:r>
+              <a:rPr lang="vi-VN" sz="1800" dirty="0" err="1">
+                <a:effectLst/>
+                <a:latin typeface="Times New Roman" panose="02020603050405020304" pitchFamily="18" charset="0"/>
+                <a:ea typeface="Times New Roman" panose="02020603050405020304" pitchFamily="18" charset="0"/>
+              </a:rPr>
+              <a:t>A</a:t>
+            </a:r>
+            <a:r>
+              <a:rPr lang="vi-VN" sz="1800" baseline="-25000" dirty="0" err="1">
+                <a:effectLst/>
+                <a:latin typeface="Times New Roman" panose="02020603050405020304" pitchFamily="18" charset="0"/>
+                <a:ea typeface="Times New Roman" panose="02020603050405020304" pitchFamily="18" charset="0"/>
+              </a:rPr>
+              <a:t>system</a:t>
+            </a:r>
+            <a:r>
+              <a:rPr lang="vi-VN" sz="1800" baseline="-25000" dirty="0">
+                <a:effectLst/>
+                <a:latin typeface="Times New Roman" panose="02020603050405020304" pitchFamily="18" charset="0"/>
+                <a:ea typeface="Times New Roman" panose="02020603050405020304" pitchFamily="18" charset="0"/>
+              </a:rPr>
+              <a:t>(</a:t>
+            </a:r>
+            <a:r>
+              <a:rPr lang="vi-VN" sz="1800" baseline="-25000" dirty="0" err="1">
+                <a:effectLst/>
+                <a:latin typeface="Times New Roman" panose="02020603050405020304" pitchFamily="18" charset="0"/>
+                <a:ea typeface="Times New Roman" panose="02020603050405020304" pitchFamily="18" charset="0"/>
+              </a:rPr>
+              <a:t>skill</a:t>
+            </a:r>
+            <a:r>
+              <a:rPr lang="vi-VN" sz="1800" baseline="-25000" dirty="0">
+                <a:effectLst/>
+                <a:latin typeface="Times New Roman" panose="02020603050405020304" pitchFamily="18" charset="0"/>
+                <a:ea typeface="Times New Roman" panose="02020603050405020304" pitchFamily="18" charset="0"/>
+              </a:rPr>
+              <a:t>)</a:t>
+            </a:r>
+            <a:r>
+              <a:rPr lang="vi-VN" sz="1800" dirty="0">
+                <a:effectLst/>
+                <a:latin typeface="Times New Roman" panose="02020603050405020304" pitchFamily="18" charset="0"/>
+                <a:ea typeface="Times New Roman" panose="02020603050405020304" pitchFamily="18" charset="0"/>
+              </a:rPr>
+              <a:t>*</a:t>
+            </a:r>
+            <a:r>
+              <a:rPr lang="vi-VN" sz="1800" dirty="0" err="1">
+                <a:effectLst/>
+                <a:latin typeface="Times New Roman" panose="02020603050405020304" pitchFamily="18" charset="0"/>
+                <a:ea typeface="Times New Roman" panose="02020603050405020304" pitchFamily="18" charset="0"/>
+              </a:rPr>
+              <a:t>A</a:t>
+            </a:r>
+            <a:r>
+              <a:rPr lang="vi-VN" sz="1800" baseline="-25000" dirty="0" err="1">
+                <a:effectLst/>
+                <a:latin typeface="Times New Roman" panose="02020603050405020304" pitchFamily="18" charset="0"/>
+                <a:ea typeface="Times New Roman" panose="02020603050405020304" pitchFamily="18" charset="0"/>
+              </a:rPr>
+              <a:t>column</a:t>
+            </a:r>
+            <a:r>
+              <a:rPr lang="vi-VN" sz="1800" baseline="-25000" dirty="0">
+                <a:effectLst/>
+                <a:latin typeface="Times New Roman" panose="02020603050405020304" pitchFamily="18" charset="0"/>
+                <a:ea typeface="Times New Roman" panose="02020603050405020304" pitchFamily="18" charset="0"/>
+              </a:rPr>
+              <a:t>(</a:t>
+            </a:r>
+            <a:r>
+              <a:rPr lang="vi-VN" sz="1800" baseline="-25000" dirty="0" err="1">
+                <a:effectLst/>
+                <a:latin typeface="Times New Roman" panose="02020603050405020304" pitchFamily="18" charset="0"/>
+                <a:ea typeface="Times New Roman" panose="02020603050405020304" pitchFamily="18" charset="0"/>
+              </a:rPr>
+              <a:t>skill</a:t>
+            </a:r>
+            <a:r>
+              <a:rPr lang="vi-VN" sz="1800" baseline="-25000" dirty="0">
+                <a:effectLst/>
+                <a:latin typeface="Times New Roman" panose="02020603050405020304" pitchFamily="18" charset="0"/>
+                <a:ea typeface="Times New Roman" panose="02020603050405020304" pitchFamily="18" charset="0"/>
+              </a:rPr>
+              <a:t>)</a:t>
+            </a:r>
+            <a:r>
+              <a:rPr lang="vi-VN" sz="1800" dirty="0">
+                <a:effectLst/>
+                <a:latin typeface="Times New Roman" panose="02020603050405020304" pitchFamily="18" charset="0"/>
+                <a:ea typeface="Times New Roman" panose="02020603050405020304" pitchFamily="18" charset="0"/>
+              </a:rPr>
+              <a:t>  + </a:t>
+            </a:r>
+            <a:r>
+              <a:rPr lang="vi-VN" sz="1800" dirty="0" err="1">
+                <a:effectLst/>
+                <a:latin typeface="Times New Roman" panose="02020603050405020304" pitchFamily="18" charset="0"/>
+                <a:ea typeface="Times New Roman" panose="02020603050405020304" pitchFamily="18" charset="0"/>
+              </a:rPr>
+              <a:t>level</a:t>
+            </a:r>
+            <a:r>
+              <a:rPr lang="vi-VN" sz="1800" dirty="0">
+                <a:effectLst/>
+                <a:latin typeface="Times New Roman" panose="02020603050405020304" pitchFamily="18" charset="0"/>
+                <a:ea typeface="Times New Roman" panose="02020603050405020304" pitchFamily="18" charset="0"/>
+              </a:rPr>
+              <a:t>(</a:t>
+            </a:r>
+            <a:r>
+              <a:rPr lang="vi-VN" sz="1800" dirty="0" err="1">
+                <a:effectLst/>
+                <a:latin typeface="Times New Roman" panose="02020603050405020304" pitchFamily="18" charset="0"/>
+                <a:ea typeface="Times New Roman" panose="02020603050405020304" pitchFamily="18" charset="0"/>
+              </a:rPr>
+              <a:t>skill</a:t>
+            </a:r>
+            <a:r>
+              <a:rPr lang="vi-VN" sz="1800" dirty="0">
+                <a:effectLst/>
+                <a:latin typeface="Times New Roman" panose="02020603050405020304" pitchFamily="18" charset="0"/>
+                <a:ea typeface="Times New Roman" panose="02020603050405020304" pitchFamily="18" charset="0"/>
+              </a:rPr>
+              <a:t>) + …. +</a:t>
+            </a:r>
+            <a:endParaRPr lang="en-US" sz="1800" dirty="0">
+              <a:effectLst/>
+              <a:latin typeface="Times New Roman" panose="02020603050405020304" pitchFamily="18" charset="0"/>
+              <a:ea typeface="Times New Roman" panose="02020603050405020304" pitchFamily="18" charset="0"/>
+            </a:endParaRPr>
+          </a:p>
+          <a:p>
+            <a:pPr marL="0" marR="0" indent="285750">
+              <a:lnSpc>
+                <a:spcPct val="150000"/>
+              </a:lnSpc>
+              <a:spcBef>
+                <a:spcPts val="0"/>
+              </a:spcBef>
+              <a:spcAft>
+                <a:spcPts val="0"/>
+              </a:spcAft>
+            </a:pPr>
+            <a:r>
+              <a:rPr lang="vi-VN" sz="1800" dirty="0" err="1">
+                <a:effectLst/>
+                <a:latin typeface="Times New Roman" panose="02020603050405020304" pitchFamily="18" charset="0"/>
+                <a:ea typeface="Times New Roman" panose="02020603050405020304" pitchFamily="18" charset="0"/>
+              </a:rPr>
+              <a:t>Column</a:t>
+            </a:r>
+            <a:r>
+              <a:rPr lang="vi-VN" sz="1800" dirty="0">
+                <a:effectLst/>
+                <a:latin typeface="Times New Roman" panose="02020603050405020304" pitchFamily="18" charset="0"/>
+                <a:ea typeface="Times New Roman" panose="02020603050405020304" pitchFamily="18" charset="0"/>
+              </a:rPr>
+              <a:t>(</a:t>
+            </a:r>
+            <a:r>
+              <a:rPr lang="vi-VN" sz="1800" dirty="0" err="1">
+                <a:effectLst/>
+                <a:latin typeface="Times New Roman" panose="02020603050405020304" pitchFamily="18" charset="0"/>
+                <a:ea typeface="Times New Roman" panose="02020603050405020304" pitchFamily="18" charset="0"/>
+              </a:rPr>
+              <a:t>certificate</a:t>
+            </a:r>
+            <a:r>
+              <a:rPr lang="vi-VN" sz="1800" dirty="0">
+                <a:effectLst/>
+                <a:latin typeface="Times New Roman" panose="02020603050405020304" pitchFamily="18" charset="0"/>
+                <a:ea typeface="Times New Roman" panose="02020603050405020304" pitchFamily="18" charset="0"/>
+              </a:rPr>
+              <a:t>)*</a:t>
+            </a:r>
+            <a:r>
+              <a:rPr lang="vi-VN" sz="1800" dirty="0" err="1">
+                <a:effectLst/>
+                <a:latin typeface="Times New Roman" panose="02020603050405020304" pitchFamily="18" charset="0"/>
+                <a:ea typeface="Times New Roman" panose="02020603050405020304" pitchFamily="18" charset="0"/>
+              </a:rPr>
+              <a:t>A</a:t>
+            </a:r>
+            <a:r>
+              <a:rPr lang="vi-VN" sz="1800" baseline="-25000" dirty="0" err="1">
+                <a:effectLst/>
+                <a:latin typeface="Times New Roman" panose="02020603050405020304" pitchFamily="18" charset="0"/>
+                <a:ea typeface="Times New Roman" panose="02020603050405020304" pitchFamily="18" charset="0"/>
+              </a:rPr>
+              <a:t>system</a:t>
+            </a:r>
+            <a:r>
+              <a:rPr lang="vi-VN" sz="1800" baseline="-25000" dirty="0">
+                <a:effectLst/>
+                <a:latin typeface="Times New Roman" panose="02020603050405020304" pitchFamily="18" charset="0"/>
+                <a:ea typeface="Times New Roman" panose="02020603050405020304" pitchFamily="18" charset="0"/>
+              </a:rPr>
+              <a:t>(</a:t>
+            </a:r>
+            <a:r>
+              <a:rPr lang="vi-VN" sz="1800" baseline="-25000" dirty="0" err="1">
+                <a:effectLst/>
+                <a:latin typeface="Times New Roman" panose="02020603050405020304" pitchFamily="18" charset="0"/>
+                <a:ea typeface="Times New Roman" panose="02020603050405020304" pitchFamily="18" charset="0"/>
+              </a:rPr>
+              <a:t>certificate</a:t>
+            </a:r>
+            <a:r>
+              <a:rPr lang="vi-VN" sz="1800" baseline="-25000" dirty="0">
+                <a:effectLst/>
+                <a:latin typeface="Times New Roman" panose="02020603050405020304" pitchFamily="18" charset="0"/>
+                <a:ea typeface="Times New Roman" panose="02020603050405020304" pitchFamily="18" charset="0"/>
+              </a:rPr>
+              <a:t>)</a:t>
+            </a:r>
+            <a:r>
+              <a:rPr lang="vi-VN" sz="1800" dirty="0">
+                <a:effectLst/>
+                <a:latin typeface="Times New Roman" panose="02020603050405020304" pitchFamily="18" charset="0"/>
+                <a:ea typeface="Times New Roman" panose="02020603050405020304" pitchFamily="18" charset="0"/>
+              </a:rPr>
+              <a:t>*</a:t>
+            </a:r>
+            <a:r>
+              <a:rPr lang="vi-VN" sz="1800" dirty="0" err="1">
+                <a:effectLst/>
+                <a:latin typeface="Times New Roman" panose="02020603050405020304" pitchFamily="18" charset="0"/>
+                <a:ea typeface="Times New Roman" panose="02020603050405020304" pitchFamily="18" charset="0"/>
+              </a:rPr>
+              <a:t>A</a:t>
+            </a:r>
+            <a:r>
+              <a:rPr lang="vi-VN" sz="1800" baseline="-25000" dirty="0" err="1">
+                <a:effectLst/>
+                <a:latin typeface="Times New Roman" panose="02020603050405020304" pitchFamily="18" charset="0"/>
+                <a:ea typeface="Times New Roman" panose="02020603050405020304" pitchFamily="18" charset="0"/>
+              </a:rPr>
+              <a:t>column</a:t>
+            </a:r>
+            <a:r>
+              <a:rPr lang="vi-VN" sz="1800" baseline="-25000" dirty="0">
+                <a:effectLst/>
+                <a:latin typeface="Times New Roman" panose="02020603050405020304" pitchFamily="18" charset="0"/>
+                <a:ea typeface="Times New Roman" panose="02020603050405020304" pitchFamily="18" charset="0"/>
+              </a:rPr>
+              <a:t>(</a:t>
+            </a:r>
+            <a:r>
+              <a:rPr lang="vi-VN" sz="1800" baseline="-25000" dirty="0" err="1">
+                <a:effectLst/>
+                <a:latin typeface="Times New Roman" panose="02020603050405020304" pitchFamily="18" charset="0"/>
+                <a:ea typeface="Times New Roman" panose="02020603050405020304" pitchFamily="18" charset="0"/>
+              </a:rPr>
+              <a:t>certificate</a:t>
+            </a:r>
+            <a:r>
+              <a:rPr lang="vi-VN" sz="1800" baseline="-25000" dirty="0">
+                <a:effectLst/>
+                <a:latin typeface="Times New Roman" panose="02020603050405020304" pitchFamily="18" charset="0"/>
+                <a:ea typeface="Times New Roman" panose="02020603050405020304" pitchFamily="18" charset="0"/>
+              </a:rPr>
+              <a:t>)</a:t>
+            </a:r>
+            <a:r>
+              <a:rPr lang="vi-VN" sz="1800" dirty="0">
+                <a:effectLst/>
+                <a:latin typeface="Times New Roman" panose="02020603050405020304" pitchFamily="18" charset="0"/>
+                <a:ea typeface="Times New Roman" panose="02020603050405020304" pitchFamily="18" charset="0"/>
+              </a:rPr>
+              <a:t>  + </a:t>
+            </a:r>
+            <a:r>
+              <a:rPr lang="vi-VN" sz="1800" dirty="0" err="1">
+                <a:effectLst/>
+                <a:latin typeface="Times New Roman" panose="02020603050405020304" pitchFamily="18" charset="0"/>
+                <a:ea typeface="Times New Roman" panose="02020603050405020304" pitchFamily="18" charset="0"/>
+              </a:rPr>
+              <a:t>level</a:t>
+            </a:r>
+            <a:r>
+              <a:rPr lang="vi-VN" sz="1800" dirty="0">
+                <a:effectLst/>
+                <a:latin typeface="Times New Roman" panose="02020603050405020304" pitchFamily="18" charset="0"/>
+                <a:ea typeface="Times New Roman" panose="02020603050405020304" pitchFamily="18" charset="0"/>
+              </a:rPr>
+              <a:t>(</a:t>
+            </a:r>
+            <a:r>
+              <a:rPr lang="vi-VN" sz="1800" dirty="0" err="1">
+                <a:effectLst/>
+                <a:latin typeface="Times New Roman" panose="02020603050405020304" pitchFamily="18" charset="0"/>
+                <a:ea typeface="Times New Roman" panose="02020603050405020304" pitchFamily="18" charset="0"/>
+              </a:rPr>
+              <a:t>certificate</a:t>
+            </a:r>
+            <a:r>
+              <a:rPr lang="vi-VN" sz="1800" dirty="0">
+                <a:effectLst/>
+                <a:latin typeface="Times New Roman" panose="02020603050405020304" pitchFamily="18" charset="0"/>
+                <a:ea typeface="Times New Roman" panose="02020603050405020304" pitchFamily="18" charset="0"/>
+              </a:rPr>
+              <a:t>) + …. +</a:t>
+            </a:r>
+            <a:endParaRPr lang="en-US" sz="1800" dirty="0">
+              <a:effectLst/>
+              <a:latin typeface="Times New Roman" panose="02020603050405020304" pitchFamily="18" charset="0"/>
+              <a:ea typeface="Times New Roman" panose="02020603050405020304" pitchFamily="18" charset="0"/>
+            </a:endParaRPr>
+          </a:p>
+          <a:p>
+            <a:pPr marL="0" marR="0" indent="285750">
+              <a:lnSpc>
+                <a:spcPct val="150000"/>
+              </a:lnSpc>
+              <a:spcBef>
+                <a:spcPts val="0"/>
+              </a:spcBef>
+              <a:spcAft>
+                <a:spcPts val="0"/>
+              </a:spcAft>
+            </a:pPr>
+            <a:r>
+              <a:rPr lang="vi-VN" sz="1800" dirty="0" err="1">
+                <a:effectLst/>
+                <a:latin typeface="Times New Roman" panose="02020603050405020304" pitchFamily="18" charset="0"/>
+                <a:ea typeface="Times New Roman" panose="02020603050405020304" pitchFamily="18" charset="0"/>
+              </a:rPr>
+              <a:t>Column</a:t>
+            </a:r>
+            <a:r>
+              <a:rPr lang="vi-VN" sz="1800" dirty="0">
+                <a:effectLst/>
+                <a:latin typeface="Times New Roman" panose="02020603050405020304" pitchFamily="18" charset="0"/>
+                <a:ea typeface="Times New Roman" panose="02020603050405020304" pitchFamily="18" charset="0"/>
+              </a:rPr>
+              <a:t>(</a:t>
+            </a:r>
+            <a:r>
+              <a:rPr lang="vi-VN" sz="1800" dirty="0" err="1">
+                <a:effectLst/>
+                <a:latin typeface="Times New Roman" panose="02020603050405020304" pitchFamily="18" charset="0"/>
+                <a:ea typeface="Times New Roman" panose="02020603050405020304" pitchFamily="18" charset="0"/>
+              </a:rPr>
+              <a:t>school</a:t>
+            </a:r>
+            <a:r>
+              <a:rPr lang="vi-VN" sz="1800" dirty="0">
+                <a:effectLst/>
+                <a:latin typeface="Times New Roman" panose="02020603050405020304" pitchFamily="18" charset="0"/>
+                <a:ea typeface="Times New Roman" panose="02020603050405020304" pitchFamily="18" charset="0"/>
+              </a:rPr>
+              <a:t>)*</a:t>
+            </a:r>
+            <a:r>
+              <a:rPr lang="vi-VN" sz="1800" dirty="0" err="1">
+                <a:effectLst/>
+                <a:latin typeface="Times New Roman" panose="02020603050405020304" pitchFamily="18" charset="0"/>
+                <a:ea typeface="Times New Roman" panose="02020603050405020304" pitchFamily="18" charset="0"/>
+              </a:rPr>
+              <a:t>A</a:t>
+            </a:r>
+            <a:r>
+              <a:rPr lang="vi-VN" sz="1800" baseline="-25000" dirty="0" err="1">
+                <a:effectLst/>
+                <a:latin typeface="Times New Roman" panose="02020603050405020304" pitchFamily="18" charset="0"/>
+                <a:ea typeface="Times New Roman" panose="02020603050405020304" pitchFamily="18" charset="0"/>
+              </a:rPr>
+              <a:t>system</a:t>
+            </a:r>
+            <a:r>
+              <a:rPr lang="vi-VN" sz="1800" baseline="-25000" dirty="0">
+                <a:effectLst/>
+                <a:latin typeface="Times New Roman" panose="02020603050405020304" pitchFamily="18" charset="0"/>
+                <a:ea typeface="Times New Roman" panose="02020603050405020304" pitchFamily="18" charset="0"/>
+              </a:rPr>
+              <a:t>(</a:t>
+            </a:r>
+            <a:r>
+              <a:rPr lang="vi-VN" sz="1800" baseline="-25000" dirty="0" err="1">
+                <a:effectLst/>
+                <a:latin typeface="Times New Roman" panose="02020603050405020304" pitchFamily="18" charset="0"/>
+                <a:ea typeface="Times New Roman" panose="02020603050405020304" pitchFamily="18" charset="0"/>
+              </a:rPr>
+              <a:t>school</a:t>
+            </a:r>
+            <a:r>
+              <a:rPr lang="vi-VN" sz="1800" baseline="-25000" dirty="0">
+                <a:effectLst/>
+                <a:latin typeface="Times New Roman" panose="02020603050405020304" pitchFamily="18" charset="0"/>
+                <a:ea typeface="Times New Roman" panose="02020603050405020304" pitchFamily="18" charset="0"/>
+              </a:rPr>
+              <a:t>)</a:t>
+            </a:r>
+            <a:r>
+              <a:rPr lang="vi-VN" sz="1800" dirty="0">
+                <a:effectLst/>
+                <a:latin typeface="Times New Roman" panose="02020603050405020304" pitchFamily="18" charset="0"/>
+                <a:ea typeface="Times New Roman" panose="02020603050405020304" pitchFamily="18" charset="0"/>
+              </a:rPr>
+              <a:t>*</a:t>
+            </a:r>
+            <a:r>
+              <a:rPr lang="vi-VN" sz="1800" dirty="0" err="1">
+                <a:effectLst/>
+                <a:latin typeface="Times New Roman" panose="02020603050405020304" pitchFamily="18" charset="0"/>
+                <a:ea typeface="Times New Roman" panose="02020603050405020304" pitchFamily="18" charset="0"/>
+              </a:rPr>
+              <a:t>A</a:t>
+            </a:r>
+            <a:r>
+              <a:rPr lang="vi-VN" sz="1800" baseline="-25000" dirty="0" err="1">
+                <a:effectLst/>
+                <a:latin typeface="Times New Roman" panose="02020603050405020304" pitchFamily="18" charset="0"/>
+                <a:ea typeface="Times New Roman" panose="02020603050405020304" pitchFamily="18" charset="0"/>
+              </a:rPr>
+              <a:t>column</a:t>
+            </a:r>
+            <a:r>
+              <a:rPr lang="vi-VN" sz="1800" baseline="-25000" dirty="0">
+                <a:effectLst/>
+                <a:latin typeface="Times New Roman" panose="02020603050405020304" pitchFamily="18" charset="0"/>
+                <a:ea typeface="Times New Roman" panose="02020603050405020304" pitchFamily="18" charset="0"/>
+              </a:rPr>
+              <a:t>(</a:t>
+            </a:r>
+            <a:r>
+              <a:rPr lang="vi-VN" sz="1800" baseline="-25000" dirty="0" err="1">
+                <a:effectLst/>
+                <a:latin typeface="Times New Roman" panose="02020603050405020304" pitchFamily="18" charset="0"/>
+                <a:ea typeface="Times New Roman" panose="02020603050405020304" pitchFamily="18" charset="0"/>
+              </a:rPr>
+              <a:t>school</a:t>
+            </a:r>
+            <a:r>
+              <a:rPr lang="vi-VN" sz="1800" baseline="-25000" dirty="0">
+                <a:effectLst/>
+                <a:latin typeface="Times New Roman" panose="02020603050405020304" pitchFamily="18" charset="0"/>
+                <a:ea typeface="Times New Roman" panose="02020603050405020304" pitchFamily="18" charset="0"/>
+              </a:rPr>
+              <a:t>)</a:t>
+            </a:r>
+            <a:r>
+              <a:rPr lang="vi-VN" sz="1800" dirty="0">
+                <a:effectLst/>
+                <a:latin typeface="Times New Roman" panose="02020603050405020304" pitchFamily="18" charset="0"/>
+                <a:ea typeface="Times New Roman" panose="02020603050405020304" pitchFamily="18" charset="0"/>
+              </a:rPr>
+              <a:t> + …. +</a:t>
+            </a:r>
+            <a:endParaRPr lang="en-US" sz="1800" dirty="0">
+              <a:effectLst/>
+              <a:latin typeface="Times New Roman" panose="02020603050405020304" pitchFamily="18" charset="0"/>
+              <a:ea typeface="Times New Roman" panose="02020603050405020304" pitchFamily="18" charset="0"/>
+            </a:endParaRPr>
+          </a:p>
+          <a:p>
+            <a:pPr marL="0" marR="0" indent="285750">
+              <a:lnSpc>
+                <a:spcPct val="150000"/>
+              </a:lnSpc>
+              <a:spcBef>
+                <a:spcPts val="0"/>
+              </a:spcBef>
+              <a:spcAft>
+                <a:spcPts val="0"/>
+              </a:spcAft>
+            </a:pPr>
+            <a:r>
+              <a:rPr lang="vi-VN" sz="1800" dirty="0" err="1">
+                <a:effectLst/>
+                <a:latin typeface="Times New Roman" panose="02020603050405020304" pitchFamily="18" charset="0"/>
+                <a:ea typeface="Times New Roman" panose="02020603050405020304" pitchFamily="18" charset="0"/>
+              </a:rPr>
+              <a:t>Column</a:t>
+            </a:r>
+            <a:r>
+              <a:rPr lang="vi-VN" sz="1800" dirty="0">
+                <a:effectLst/>
+                <a:latin typeface="Times New Roman" panose="02020603050405020304" pitchFamily="18" charset="0"/>
+                <a:ea typeface="Times New Roman" panose="02020603050405020304" pitchFamily="18" charset="0"/>
+              </a:rPr>
+              <a:t>(</a:t>
+            </a:r>
+            <a:r>
+              <a:rPr lang="vi-VN" sz="1800" dirty="0" err="1">
+                <a:effectLst/>
+                <a:latin typeface="Times New Roman" panose="02020603050405020304" pitchFamily="18" charset="0"/>
+                <a:ea typeface="Times New Roman" panose="02020603050405020304" pitchFamily="18" charset="0"/>
+              </a:rPr>
+              <a:t>workFrom</a:t>
+            </a:r>
+            <a:r>
+              <a:rPr lang="vi-VN" sz="1800" dirty="0">
+                <a:effectLst/>
+                <a:latin typeface="Times New Roman" panose="02020603050405020304" pitchFamily="18" charset="0"/>
+                <a:ea typeface="Times New Roman" panose="02020603050405020304" pitchFamily="18" charset="0"/>
+              </a:rPr>
+              <a:t>)*</a:t>
+            </a:r>
+            <a:r>
+              <a:rPr lang="vi-VN" sz="1800" dirty="0" err="1">
+                <a:effectLst/>
+                <a:latin typeface="Times New Roman" panose="02020603050405020304" pitchFamily="18" charset="0"/>
+                <a:ea typeface="Times New Roman" panose="02020603050405020304" pitchFamily="18" charset="0"/>
+              </a:rPr>
+              <a:t>A</a:t>
+            </a:r>
+            <a:r>
+              <a:rPr lang="vi-VN" sz="1800" baseline="-25000" dirty="0" err="1">
+                <a:effectLst/>
+                <a:latin typeface="Times New Roman" panose="02020603050405020304" pitchFamily="18" charset="0"/>
+                <a:ea typeface="Times New Roman" panose="02020603050405020304" pitchFamily="18" charset="0"/>
+              </a:rPr>
+              <a:t>system</a:t>
+            </a:r>
+            <a:r>
+              <a:rPr lang="vi-VN" sz="1800" baseline="-25000" dirty="0">
+                <a:effectLst/>
+                <a:latin typeface="Times New Roman" panose="02020603050405020304" pitchFamily="18" charset="0"/>
+                <a:ea typeface="Times New Roman" panose="02020603050405020304" pitchFamily="18" charset="0"/>
+              </a:rPr>
+              <a:t>(</a:t>
+            </a:r>
+            <a:r>
+              <a:rPr lang="vi-VN" sz="1800" baseline="-25000" dirty="0" err="1">
+                <a:effectLst/>
+                <a:latin typeface="Times New Roman" panose="02020603050405020304" pitchFamily="18" charset="0"/>
+                <a:ea typeface="Times New Roman" panose="02020603050405020304" pitchFamily="18" charset="0"/>
+              </a:rPr>
+              <a:t>workFrom</a:t>
+            </a:r>
+            <a:r>
+              <a:rPr lang="vi-VN" sz="1800" baseline="-25000" dirty="0">
+                <a:effectLst/>
+                <a:latin typeface="Times New Roman" panose="02020603050405020304" pitchFamily="18" charset="0"/>
+                <a:ea typeface="Times New Roman" panose="02020603050405020304" pitchFamily="18" charset="0"/>
+              </a:rPr>
+              <a:t>)</a:t>
+            </a:r>
+            <a:r>
+              <a:rPr lang="vi-VN" sz="1800" dirty="0">
+                <a:effectLst/>
+                <a:latin typeface="Times New Roman" panose="02020603050405020304" pitchFamily="18" charset="0"/>
+                <a:ea typeface="Times New Roman" panose="02020603050405020304" pitchFamily="18" charset="0"/>
+              </a:rPr>
+              <a:t>*</a:t>
+            </a:r>
+            <a:r>
+              <a:rPr lang="vi-VN" sz="1800" dirty="0" err="1">
+                <a:effectLst/>
+                <a:latin typeface="Times New Roman" panose="02020603050405020304" pitchFamily="18" charset="0"/>
+                <a:ea typeface="Times New Roman" panose="02020603050405020304" pitchFamily="18" charset="0"/>
+              </a:rPr>
+              <a:t>A</a:t>
+            </a:r>
+            <a:r>
+              <a:rPr lang="vi-VN" sz="1800" baseline="-25000" dirty="0" err="1">
+                <a:effectLst/>
+                <a:latin typeface="Times New Roman" panose="02020603050405020304" pitchFamily="18" charset="0"/>
+                <a:ea typeface="Times New Roman" panose="02020603050405020304" pitchFamily="18" charset="0"/>
+              </a:rPr>
+              <a:t>column</a:t>
+            </a:r>
+            <a:r>
+              <a:rPr lang="vi-VN" sz="1800" baseline="-25000" dirty="0">
+                <a:effectLst/>
+                <a:latin typeface="Times New Roman" panose="02020603050405020304" pitchFamily="18" charset="0"/>
+                <a:ea typeface="Times New Roman" panose="02020603050405020304" pitchFamily="18" charset="0"/>
+              </a:rPr>
+              <a:t>(</a:t>
+            </a:r>
+            <a:r>
+              <a:rPr lang="vi-VN" sz="1800" baseline="-25000" dirty="0" err="1">
+                <a:effectLst/>
+                <a:latin typeface="Times New Roman" panose="02020603050405020304" pitchFamily="18" charset="0"/>
+                <a:ea typeface="Times New Roman" panose="02020603050405020304" pitchFamily="18" charset="0"/>
+              </a:rPr>
+              <a:t>workFrom</a:t>
+            </a:r>
+            <a:r>
+              <a:rPr lang="vi-VN" sz="1800" baseline="-25000" dirty="0">
+                <a:effectLst/>
+                <a:latin typeface="Times New Roman" panose="02020603050405020304" pitchFamily="18" charset="0"/>
+                <a:ea typeface="Times New Roman" panose="02020603050405020304" pitchFamily="18" charset="0"/>
+              </a:rPr>
+              <a:t>)</a:t>
+            </a:r>
+            <a:r>
+              <a:rPr lang="vi-VN" sz="1800" dirty="0">
+                <a:effectLst/>
+                <a:latin typeface="Times New Roman" panose="02020603050405020304" pitchFamily="18" charset="0"/>
+                <a:ea typeface="Times New Roman" panose="02020603050405020304" pitchFamily="18" charset="0"/>
+              </a:rPr>
+              <a:t> + … +</a:t>
+            </a:r>
+            <a:endParaRPr lang="en-US" sz="1800" dirty="0">
+              <a:effectLst/>
+              <a:latin typeface="Times New Roman" panose="02020603050405020304" pitchFamily="18" charset="0"/>
+              <a:ea typeface="Times New Roman" panose="02020603050405020304" pitchFamily="18" charset="0"/>
+            </a:endParaRPr>
+          </a:p>
+          <a:p>
+            <a:pPr marL="0" marR="0" indent="285750">
+              <a:lnSpc>
+                <a:spcPct val="150000"/>
+              </a:lnSpc>
+              <a:spcBef>
+                <a:spcPts val="0"/>
+              </a:spcBef>
+              <a:spcAft>
+                <a:spcPts val="0"/>
+              </a:spcAft>
+            </a:pPr>
+            <a:r>
+              <a:rPr lang="vi-VN" sz="1800" dirty="0" err="1">
+                <a:effectLst/>
+                <a:latin typeface="Times New Roman" panose="02020603050405020304" pitchFamily="18" charset="0"/>
+                <a:ea typeface="Times New Roman" panose="02020603050405020304" pitchFamily="18" charset="0"/>
+              </a:rPr>
+              <a:t>Column</a:t>
+            </a:r>
+            <a:r>
+              <a:rPr lang="vi-VN" sz="1800" dirty="0">
+                <a:effectLst/>
+                <a:latin typeface="Times New Roman" panose="02020603050405020304" pitchFamily="18" charset="0"/>
+                <a:ea typeface="Times New Roman" panose="02020603050405020304" pitchFamily="18" charset="0"/>
+              </a:rPr>
+              <a:t>(</a:t>
+            </a:r>
+            <a:r>
+              <a:rPr lang="vi-VN" sz="1800" dirty="0" err="1">
+                <a:effectLst/>
+                <a:latin typeface="Times New Roman" panose="02020603050405020304" pitchFamily="18" charset="0"/>
+                <a:ea typeface="Times New Roman" panose="02020603050405020304" pitchFamily="18" charset="0"/>
+              </a:rPr>
+              <a:t>jobLevel</a:t>
+            </a:r>
+            <a:r>
+              <a:rPr lang="vi-VN" sz="1800" dirty="0">
+                <a:effectLst/>
+                <a:latin typeface="Times New Roman" panose="02020603050405020304" pitchFamily="18" charset="0"/>
+                <a:ea typeface="Times New Roman" panose="02020603050405020304" pitchFamily="18" charset="0"/>
+              </a:rPr>
+              <a:t>)*</a:t>
+            </a:r>
+            <a:r>
+              <a:rPr lang="vi-VN" sz="1800" dirty="0" err="1">
+                <a:effectLst/>
+                <a:latin typeface="Times New Roman" panose="02020603050405020304" pitchFamily="18" charset="0"/>
+                <a:ea typeface="Times New Roman" panose="02020603050405020304" pitchFamily="18" charset="0"/>
+              </a:rPr>
+              <a:t>A</a:t>
+            </a:r>
+            <a:r>
+              <a:rPr lang="vi-VN" sz="1800" baseline="-25000" dirty="0" err="1">
+                <a:effectLst/>
+                <a:latin typeface="Times New Roman" panose="02020603050405020304" pitchFamily="18" charset="0"/>
+                <a:ea typeface="Times New Roman" panose="02020603050405020304" pitchFamily="18" charset="0"/>
+              </a:rPr>
+              <a:t>system</a:t>
+            </a:r>
+            <a:r>
+              <a:rPr lang="vi-VN" sz="1800" baseline="-25000" dirty="0">
+                <a:effectLst/>
+                <a:latin typeface="Times New Roman" panose="02020603050405020304" pitchFamily="18" charset="0"/>
+                <a:ea typeface="Times New Roman" panose="02020603050405020304" pitchFamily="18" charset="0"/>
+              </a:rPr>
+              <a:t>(</a:t>
+            </a:r>
+            <a:r>
+              <a:rPr lang="vi-VN" sz="1800" baseline="-25000" dirty="0" err="1">
+                <a:effectLst/>
+                <a:latin typeface="Times New Roman" panose="02020603050405020304" pitchFamily="18" charset="0"/>
+                <a:ea typeface="Times New Roman" panose="02020603050405020304" pitchFamily="18" charset="0"/>
+              </a:rPr>
+              <a:t>jobLevel</a:t>
+            </a:r>
+            <a:r>
+              <a:rPr lang="vi-VN" sz="1800" baseline="-25000" dirty="0">
+                <a:effectLst/>
+                <a:latin typeface="Times New Roman" panose="02020603050405020304" pitchFamily="18" charset="0"/>
+                <a:ea typeface="Times New Roman" panose="02020603050405020304" pitchFamily="18" charset="0"/>
+              </a:rPr>
+              <a:t>)</a:t>
+            </a:r>
+            <a:r>
+              <a:rPr lang="vi-VN" sz="1800" dirty="0">
+                <a:effectLst/>
+                <a:latin typeface="Times New Roman" panose="02020603050405020304" pitchFamily="18" charset="0"/>
+                <a:ea typeface="Times New Roman" panose="02020603050405020304" pitchFamily="18" charset="0"/>
+              </a:rPr>
+              <a:t>*</a:t>
+            </a:r>
+            <a:r>
+              <a:rPr lang="vi-VN" sz="1800" dirty="0" err="1">
+                <a:effectLst/>
+                <a:latin typeface="Times New Roman" panose="02020603050405020304" pitchFamily="18" charset="0"/>
+                <a:ea typeface="Times New Roman" panose="02020603050405020304" pitchFamily="18" charset="0"/>
+              </a:rPr>
+              <a:t>A</a:t>
+            </a:r>
+            <a:r>
+              <a:rPr lang="vi-VN" sz="1800" baseline="-25000" dirty="0" err="1">
+                <a:effectLst/>
+                <a:latin typeface="Times New Roman" panose="02020603050405020304" pitchFamily="18" charset="0"/>
+                <a:ea typeface="Times New Roman" panose="02020603050405020304" pitchFamily="18" charset="0"/>
+              </a:rPr>
+              <a:t>column</a:t>
+            </a:r>
+            <a:r>
+              <a:rPr lang="vi-VN" sz="1800" baseline="-25000" dirty="0">
+                <a:effectLst/>
+                <a:latin typeface="Times New Roman" panose="02020603050405020304" pitchFamily="18" charset="0"/>
+                <a:ea typeface="Times New Roman" panose="02020603050405020304" pitchFamily="18" charset="0"/>
+              </a:rPr>
+              <a:t>(</a:t>
+            </a:r>
+            <a:r>
+              <a:rPr lang="vi-VN" sz="1800" baseline="-25000" dirty="0" err="1">
+                <a:effectLst/>
+                <a:latin typeface="Times New Roman" panose="02020603050405020304" pitchFamily="18" charset="0"/>
+                <a:ea typeface="Times New Roman" panose="02020603050405020304" pitchFamily="18" charset="0"/>
+              </a:rPr>
+              <a:t>jobLevel</a:t>
+            </a:r>
+            <a:r>
+              <a:rPr lang="vi-VN" sz="1800" baseline="-25000" dirty="0">
+                <a:effectLst/>
+                <a:latin typeface="Times New Roman" panose="02020603050405020304" pitchFamily="18" charset="0"/>
+                <a:ea typeface="Times New Roman" panose="02020603050405020304" pitchFamily="18" charset="0"/>
+              </a:rPr>
+              <a:t>)</a:t>
+            </a:r>
+            <a:r>
+              <a:rPr lang="vi-VN" sz="1800" dirty="0">
+                <a:effectLst/>
+                <a:latin typeface="Times New Roman" panose="02020603050405020304" pitchFamily="18" charset="0"/>
+                <a:ea typeface="Times New Roman" panose="02020603050405020304" pitchFamily="18" charset="0"/>
+              </a:rPr>
+              <a:t> + …. +</a:t>
+            </a:r>
+            <a:endParaRPr lang="en-US" sz="1800" dirty="0">
+              <a:effectLst/>
+              <a:latin typeface="Times New Roman" panose="02020603050405020304" pitchFamily="18" charset="0"/>
+              <a:ea typeface="Times New Roman" panose="02020603050405020304" pitchFamily="18" charset="0"/>
+            </a:endParaRPr>
+          </a:p>
+          <a:p>
+            <a:pPr marL="0" marR="0" indent="285750">
+              <a:lnSpc>
+                <a:spcPct val="150000"/>
+              </a:lnSpc>
+              <a:spcBef>
+                <a:spcPts val="0"/>
+              </a:spcBef>
+              <a:spcAft>
+                <a:spcPts val="0"/>
+              </a:spcAft>
+            </a:pPr>
+            <a:r>
+              <a:rPr lang="vi-VN" sz="1800" dirty="0" err="1">
+                <a:effectLst/>
+                <a:latin typeface="Times New Roman" panose="02020603050405020304" pitchFamily="18" charset="0"/>
+                <a:ea typeface="Times New Roman" panose="02020603050405020304" pitchFamily="18" charset="0"/>
+              </a:rPr>
+              <a:t>Column</a:t>
+            </a:r>
+            <a:r>
+              <a:rPr lang="vi-VN" sz="1800" dirty="0">
+                <a:effectLst/>
+                <a:latin typeface="Times New Roman" panose="02020603050405020304" pitchFamily="18" charset="0"/>
+                <a:ea typeface="Times New Roman" panose="02020603050405020304" pitchFamily="18" charset="0"/>
+              </a:rPr>
+              <a:t>(</a:t>
+            </a:r>
+            <a:r>
+              <a:rPr lang="vi-VN" sz="1800" dirty="0" err="1">
+                <a:effectLst/>
+                <a:latin typeface="Times New Roman" panose="02020603050405020304" pitchFamily="18" charset="0"/>
+                <a:ea typeface="Times New Roman" panose="02020603050405020304" pitchFamily="18" charset="0"/>
+              </a:rPr>
+              <a:t>jobType</a:t>
+            </a:r>
+            <a:r>
+              <a:rPr lang="vi-VN" sz="1800" dirty="0">
+                <a:effectLst/>
+                <a:latin typeface="Times New Roman" panose="02020603050405020304" pitchFamily="18" charset="0"/>
+                <a:ea typeface="Times New Roman" panose="02020603050405020304" pitchFamily="18" charset="0"/>
+              </a:rPr>
+              <a:t>)*</a:t>
+            </a:r>
+            <a:r>
+              <a:rPr lang="vi-VN" sz="1800" dirty="0" err="1">
+                <a:effectLst/>
+                <a:latin typeface="Times New Roman" panose="02020603050405020304" pitchFamily="18" charset="0"/>
+                <a:ea typeface="Times New Roman" panose="02020603050405020304" pitchFamily="18" charset="0"/>
+              </a:rPr>
+              <a:t>A</a:t>
+            </a:r>
+            <a:r>
+              <a:rPr lang="vi-VN" sz="1800" baseline="-25000" dirty="0" err="1">
+                <a:effectLst/>
+                <a:latin typeface="Times New Roman" panose="02020603050405020304" pitchFamily="18" charset="0"/>
+                <a:ea typeface="Times New Roman" panose="02020603050405020304" pitchFamily="18" charset="0"/>
+              </a:rPr>
+              <a:t>system</a:t>
+            </a:r>
+            <a:r>
+              <a:rPr lang="vi-VN" sz="1800" baseline="-25000" dirty="0">
+                <a:effectLst/>
+                <a:latin typeface="Times New Roman" panose="02020603050405020304" pitchFamily="18" charset="0"/>
+                <a:ea typeface="Times New Roman" panose="02020603050405020304" pitchFamily="18" charset="0"/>
+              </a:rPr>
+              <a:t>(</a:t>
+            </a:r>
+            <a:r>
+              <a:rPr lang="vi-VN" sz="1800" baseline="-25000" dirty="0" err="1">
+                <a:effectLst/>
+                <a:latin typeface="Times New Roman" panose="02020603050405020304" pitchFamily="18" charset="0"/>
+                <a:ea typeface="Times New Roman" panose="02020603050405020304" pitchFamily="18" charset="0"/>
+              </a:rPr>
+              <a:t>jobType</a:t>
+            </a:r>
+            <a:r>
+              <a:rPr lang="vi-VN" sz="1800" baseline="-25000" dirty="0">
+                <a:effectLst/>
+                <a:latin typeface="Times New Roman" panose="02020603050405020304" pitchFamily="18" charset="0"/>
+                <a:ea typeface="Times New Roman" panose="02020603050405020304" pitchFamily="18" charset="0"/>
+              </a:rPr>
+              <a:t>)</a:t>
+            </a:r>
+            <a:r>
+              <a:rPr lang="vi-VN" sz="1800" dirty="0">
+                <a:effectLst/>
+                <a:latin typeface="Times New Roman" panose="02020603050405020304" pitchFamily="18" charset="0"/>
+                <a:ea typeface="Times New Roman" panose="02020603050405020304" pitchFamily="18" charset="0"/>
+              </a:rPr>
+              <a:t>*</a:t>
+            </a:r>
+            <a:r>
+              <a:rPr lang="vi-VN" sz="1800" dirty="0" err="1">
+                <a:effectLst/>
+                <a:latin typeface="Times New Roman" panose="02020603050405020304" pitchFamily="18" charset="0"/>
+                <a:ea typeface="Times New Roman" panose="02020603050405020304" pitchFamily="18" charset="0"/>
+              </a:rPr>
+              <a:t>A</a:t>
+            </a:r>
+            <a:r>
+              <a:rPr lang="vi-VN" sz="1800" baseline="-25000" dirty="0" err="1">
+                <a:effectLst/>
+                <a:latin typeface="Times New Roman" panose="02020603050405020304" pitchFamily="18" charset="0"/>
+                <a:ea typeface="Times New Roman" panose="02020603050405020304" pitchFamily="18" charset="0"/>
+              </a:rPr>
+              <a:t>column</a:t>
+            </a:r>
+            <a:r>
+              <a:rPr lang="vi-VN" sz="1800" baseline="-25000" dirty="0">
+                <a:effectLst/>
+                <a:latin typeface="Times New Roman" panose="02020603050405020304" pitchFamily="18" charset="0"/>
+                <a:ea typeface="Times New Roman" panose="02020603050405020304" pitchFamily="18" charset="0"/>
+              </a:rPr>
+              <a:t>(</a:t>
+            </a:r>
+            <a:r>
+              <a:rPr lang="vi-VN" sz="1800" baseline="-25000" dirty="0" err="1">
+                <a:effectLst/>
+                <a:latin typeface="Times New Roman" panose="02020603050405020304" pitchFamily="18" charset="0"/>
+                <a:ea typeface="Times New Roman" panose="02020603050405020304" pitchFamily="18" charset="0"/>
+              </a:rPr>
+              <a:t>jobType</a:t>
+            </a:r>
+            <a:r>
+              <a:rPr lang="vi-VN" sz="1800" baseline="-25000" dirty="0">
+                <a:effectLst/>
+                <a:latin typeface="Times New Roman" panose="02020603050405020304" pitchFamily="18" charset="0"/>
+                <a:ea typeface="Times New Roman" panose="02020603050405020304" pitchFamily="18" charset="0"/>
+              </a:rPr>
+              <a:t>)</a:t>
+            </a:r>
+            <a:r>
+              <a:rPr lang="vi-VN" sz="1800" dirty="0">
+                <a:effectLst/>
+                <a:latin typeface="Times New Roman" panose="02020603050405020304" pitchFamily="18" charset="0"/>
+                <a:ea typeface="Times New Roman" panose="02020603050405020304" pitchFamily="18" charset="0"/>
+              </a:rPr>
+              <a:t> +</a:t>
+            </a:r>
+            <a:endParaRPr lang="en-US" sz="1800" dirty="0">
+              <a:effectLst/>
+              <a:latin typeface="Times New Roman" panose="02020603050405020304" pitchFamily="18" charset="0"/>
+              <a:ea typeface="Times New Roman" panose="02020603050405020304" pitchFamily="18" charset="0"/>
+            </a:endParaRPr>
+          </a:p>
+          <a:p>
+            <a:pPr marL="0" marR="0" indent="285750">
+              <a:lnSpc>
+                <a:spcPct val="150000"/>
+              </a:lnSpc>
+              <a:spcBef>
+                <a:spcPts val="0"/>
+              </a:spcBef>
+              <a:spcAft>
+                <a:spcPts val="0"/>
+              </a:spcAft>
+            </a:pPr>
+            <a:r>
+              <a:rPr lang="vi-VN" sz="1800" dirty="0" err="1">
+                <a:effectLst/>
+                <a:latin typeface="Times New Roman" panose="02020603050405020304" pitchFamily="18" charset="0"/>
+                <a:ea typeface="Times New Roman" panose="02020603050405020304" pitchFamily="18" charset="0"/>
+              </a:rPr>
+              <a:t>Column</a:t>
+            </a:r>
+            <a:r>
+              <a:rPr lang="vi-VN" sz="1800" dirty="0">
+                <a:effectLst/>
+                <a:latin typeface="Times New Roman" panose="02020603050405020304" pitchFamily="18" charset="0"/>
+                <a:ea typeface="Times New Roman" panose="02020603050405020304" pitchFamily="18" charset="0"/>
+              </a:rPr>
+              <a:t>(</a:t>
+            </a:r>
+            <a:r>
+              <a:rPr lang="vi-VN" sz="1800" dirty="0" err="1">
+                <a:effectLst/>
+                <a:latin typeface="Times New Roman" panose="02020603050405020304" pitchFamily="18" charset="0"/>
+                <a:ea typeface="Times New Roman" panose="02020603050405020304" pitchFamily="18" charset="0"/>
+              </a:rPr>
+              <a:t>yoe</a:t>
+            </a:r>
+            <a:r>
+              <a:rPr lang="vi-VN" sz="1800" dirty="0">
+                <a:effectLst/>
+                <a:latin typeface="Times New Roman" panose="02020603050405020304" pitchFamily="18" charset="0"/>
+                <a:ea typeface="Times New Roman" panose="02020603050405020304" pitchFamily="18" charset="0"/>
+              </a:rPr>
+              <a:t>)*</a:t>
+            </a:r>
+            <a:r>
+              <a:rPr lang="vi-VN" sz="1800" dirty="0" err="1">
+                <a:effectLst/>
+                <a:latin typeface="Times New Roman" panose="02020603050405020304" pitchFamily="18" charset="0"/>
+                <a:ea typeface="Times New Roman" panose="02020603050405020304" pitchFamily="18" charset="0"/>
+              </a:rPr>
+              <a:t>A</a:t>
+            </a:r>
+            <a:r>
+              <a:rPr lang="vi-VN" sz="1800" baseline="-25000" dirty="0" err="1">
+                <a:effectLst/>
+                <a:latin typeface="Times New Roman" panose="02020603050405020304" pitchFamily="18" charset="0"/>
+                <a:ea typeface="Times New Roman" panose="02020603050405020304" pitchFamily="18" charset="0"/>
+              </a:rPr>
+              <a:t>system</a:t>
+            </a:r>
+            <a:r>
+              <a:rPr lang="vi-VN" sz="1800" baseline="-25000" dirty="0">
+                <a:effectLst/>
+                <a:latin typeface="Times New Roman" panose="02020603050405020304" pitchFamily="18" charset="0"/>
+                <a:ea typeface="Times New Roman" panose="02020603050405020304" pitchFamily="18" charset="0"/>
+              </a:rPr>
+              <a:t>(</a:t>
+            </a:r>
+            <a:r>
+              <a:rPr lang="vi-VN" sz="1800" baseline="-25000" dirty="0" err="1">
+                <a:effectLst/>
+                <a:latin typeface="Times New Roman" panose="02020603050405020304" pitchFamily="18" charset="0"/>
+                <a:ea typeface="Times New Roman" panose="02020603050405020304" pitchFamily="18" charset="0"/>
+              </a:rPr>
+              <a:t>yoe</a:t>
+            </a:r>
+            <a:r>
+              <a:rPr lang="vi-VN" sz="1800" baseline="-25000" dirty="0">
+                <a:effectLst/>
+                <a:latin typeface="Times New Roman" panose="02020603050405020304" pitchFamily="18" charset="0"/>
+                <a:ea typeface="Times New Roman" panose="02020603050405020304" pitchFamily="18" charset="0"/>
+              </a:rPr>
+              <a:t>)</a:t>
+            </a:r>
+            <a:r>
+              <a:rPr lang="vi-VN" sz="1800" dirty="0">
+                <a:effectLst/>
+                <a:latin typeface="Times New Roman" panose="02020603050405020304" pitchFamily="18" charset="0"/>
+                <a:ea typeface="Times New Roman" panose="02020603050405020304" pitchFamily="18" charset="0"/>
+              </a:rPr>
+              <a:t>*</a:t>
+            </a:r>
+            <a:r>
+              <a:rPr lang="vi-VN" sz="1800" dirty="0" err="1">
+                <a:effectLst/>
+                <a:latin typeface="Times New Roman" panose="02020603050405020304" pitchFamily="18" charset="0"/>
+                <a:ea typeface="Times New Roman" panose="02020603050405020304" pitchFamily="18" charset="0"/>
+              </a:rPr>
+              <a:t>A</a:t>
+            </a:r>
+            <a:r>
+              <a:rPr lang="vi-VN" sz="1800" baseline="-25000" dirty="0" err="1">
+                <a:effectLst/>
+                <a:latin typeface="Times New Roman" panose="02020603050405020304" pitchFamily="18" charset="0"/>
+                <a:ea typeface="Times New Roman" panose="02020603050405020304" pitchFamily="18" charset="0"/>
+              </a:rPr>
+              <a:t>column</a:t>
+            </a:r>
+            <a:r>
+              <a:rPr lang="vi-VN" sz="1800" baseline="-25000" dirty="0">
+                <a:effectLst/>
+                <a:latin typeface="Times New Roman" panose="02020603050405020304" pitchFamily="18" charset="0"/>
+                <a:ea typeface="Times New Roman" panose="02020603050405020304" pitchFamily="18" charset="0"/>
+              </a:rPr>
+              <a:t>(</a:t>
+            </a:r>
+            <a:r>
+              <a:rPr lang="vi-VN" sz="1800" baseline="-25000" dirty="0" err="1">
+                <a:effectLst/>
+                <a:latin typeface="Times New Roman" panose="02020603050405020304" pitchFamily="18" charset="0"/>
+                <a:ea typeface="Times New Roman" panose="02020603050405020304" pitchFamily="18" charset="0"/>
+              </a:rPr>
+              <a:t>yoe</a:t>
+            </a:r>
+            <a:r>
+              <a:rPr lang="vi-VN" sz="1800" baseline="-25000" dirty="0">
+                <a:effectLst/>
+                <a:latin typeface="Times New Roman" panose="02020603050405020304" pitchFamily="18" charset="0"/>
+                <a:ea typeface="Times New Roman" panose="02020603050405020304" pitchFamily="18" charset="0"/>
+              </a:rPr>
+              <a:t>)</a:t>
+            </a:r>
+            <a:endParaRPr lang="en-US" sz="1800" dirty="0">
+              <a:effectLst/>
+              <a:latin typeface="Times New Roman" panose="02020603050405020304" pitchFamily="18" charset="0"/>
+              <a:ea typeface="Times New Roman" panose="02020603050405020304" pitchFamily="18" charset="0"/>
+            </a:endParaRPr>
+          </a:p>
+          <a:p>
+            <a:endParaRPr lang="en-US" dirty="0"/>
+          </a:p>
+        </p:txBody>
+      </p:sp>
+    </p:spTree>
+    <p:extLst>
+      <p:ext uri="{BB962C8B-B14F-4D97-AF65-F5344CB8AC3E}">
+        <p14:creationId xmlns:p14="http://schemas.microsoft.com/office/powerpoint/2010/main" val="120572818"/>
+      </p:ext>
+    </p:extLst>
+  </p:cSld>
+  <p:clrMapOvr>
+    <a:masterClrMapping/>
+  </p:clrMapOvr>
+</p:sld>
+</file>
+
+<file path=ppt/slides/slide7.xml><?xml version="1.0" encoding="utf-8"?>
+<p:sld xmlns:a="http://schemas.openxmlformats.org/drawingml/2006/main" xmlns:r="http://schemas.openxmlformats.org/officeDocument/2006/relationships" xmlns:p="http://schemas.openxmlformats.org/presentationml/2006/main">
+  <p:cSld>
+    <p:spTree>
+      <p:nvGrpSpPr>
+        <p:cNvPr id="1" name=""/>
+        <p:cNvGrpSpPr/>
+        <p:nvPr/>
+      </p:nvGrpSpPr>
+      <p:grpSpPr>
+        <a:xfrm>
+          <a:off x="0" y="0"/>
+          <a:ext cx="0" cy="0"/>
+          <a:chOff x="0" y="0"/>
+          <a:chExt cx="0" cy="0"/>
+        </a:xfrm>
+      </p:grpSpPr>
+      <p:sp>
+        <p:nvSpPr>
+          <p:cNvPr id="2" name="Title 1"/>
+          <p:cNvSpPr>
+            <a:spLocks noGrp="1"/>
+          </p:cNvSpPr>
+          <p:nvPr>
+            <p:ph type="title"/>
+          </p:nvPr>
+        </p:nvSpPr>
+        <p:spPr/>
+        <p:txBody>
+          <a:bodyPr/>
+          <a:lstStyle/>
+          <a:p>
+            <a:r>
+              <a:rPr lang="en-US"/>
+              <a:t>Công nghệ</a:t>
+            </a:r>
+            <a:endParaRPr lang="de-DE"/>
+          </a:p>
+        </p:txBody>
+      </p:sp>
+      <p:sp>
+        <p:nvSpPr>
+          <p:cNvPr id="4" name="Slide Number Placeholder 3"/>
+          <p:cNvSpPr>
+            <a:spLocks noGrp="1"/>
+          </p:cNvSpPr>
+          <p:nvPr>
+            <p:ph type="sldNum" sz="quarter" idx="12"/>
+          </p:nvPr>
+        </p:nvSpPr>
+        <p:spPr/>
+        <p:txBody>
+          <a:bodyPr/>
+          <a:lstStyle/>
+          <a:p>
+            <a:fld id="{2210AAD2-7BE5-41A1-B723-8B6F5F112607}" type="slidenum">
+              <a:rPr lang="de-DE" smtClean="0"/>
+              <a:pPr/>
+              <a:t>7</a:t>
             </a:fld>
             <a:endParaRPr lang="de-DE"/>
           </a:p>
@@ -10523,7 +13482,7 @@
 </p:sld>
 </file>
 
-<file path=ppt/slides/slide7.xml><?xml version="1.0" encoding="utf-8"?>
+<file path=ppt/slides/slide8.xml><?xml version="1.0" encoding="utf-8"?>
 <p:sld xmlns:a="http://schemas.openxmlformats.org/drawingml/2006/main" xmlns:r="http://schemas.openxmlformats.org/officeDocument/2006/relationships" xmlns:p="http://schemas.openxmlformats.org/presentationml/2006/main">
   <p:cSld>
     <p:spTree>
@@ -10599,8 +13558,59 @@
             </a:r>
             <a:r>
               <a:rPr lang="en-US" dirty="0"/>
-              <a:t> …</a:t>
-            </a:r>
+              <a:t> </a:t>
+            </a:r>
+            <a:r>
+              <a:rPr lang="en-US" dirty="0" err="1"/>
+              <a:t>đăng</a:t>
+            </a:r>
+            <a:r>
+              <a:rPr lang="en-US" dirty="0"/>
+              <a:t> </a:t>
+            </a:r>
+            <a:r>
+              <a:rPr lang="en-US" dirty="0" err="1"/>
+              <a:t>tuyển</a:t>
+            </a:r>
+            <a:endParaRPr lang="en-US" dirty="0"/>
+          </a:p>
+          <a:p>
+            <a:pPr marL="514350" indent="-514350">
+              <a:lnSpc>
+                <a:spcPct val="200000"/>
+              </a:lnSpc>
+              <a:buFont typeface="+mj-lt"/>
+              <a:buAutoNum type="arabicPeriod"/>
+            </a:pPr>
+            <a:r>
+              <a:rPr lang="en-US" dirty="0" err="1"/>
+              <a:t>Quy</a:t>
+            </a:r>
+            <a:r>
+              <a:rPr lang="en-US" dirty="0"/>
+              <a:t> </a:t>
+            </a:r>
+            <a:r>
+              <a:rPr lang="en-US" dirty="0" err="1"/>
+              <a:t>trình</a:t>
+            </a:r>
+            <a:r>
+              <a:rPr lang="en-US" dirty="0"/>
+              <a:t> </a:t>
+            </a:r>
+            <a:r>
+              <a:rPr lang="en-US" dirty="0" err="1"/>
+              <a:t>ứng</a:t>
+            </a:r>
+            <a:r>
+              <a:rPr lang="en-US" dirty="0"/>
+              <a:t> </a:t>
+            </a:r>
+            <a:r>
+              <a:rPr lang="en-US" dirty="0" err="1"/>
+              <a:t>tuyển</a:t>
+            </a:r>
+            <a:endParaRPr lang="en-US" dirty="0"/>
           </a:p>
         </p:txBody>
       </p:sp>
@@ -10622,7 +13632,7 @@
             <a:fld id="{2210AAD2-7BE5-41A1-B723-8B6F5F112607}" type="slidenum">
               <a:rPr lang="de-DE" smtClean="0"/>
               <a:pPr/>
-              <a:t>7</a:t>
+              <a:t>8</a:t>
             </a:fld>
             <a:endParaRPr lang="de-DE"/>
           </a:p>
@@ -10707,6 +13717,67 @@
                       </p:childTnLst>
                     </p:cTn>
                   </p:par>
+                  <p:par>
+                    <p:cTn id="8" fill="hold">
+                      <p:stCondLst>
+                        <p:cond delay="indefinite"/>
+                      </p:stCondLst>
+                      <p:childTnLst>
+                        <p:par>
+                          <p:cTn id="9" fill="hold">
+                            <p:stCondLst>
+                              <p:cond delay="0"/>
+                            </p:stCondLst>
+                            <p:childTnLst>
+                              <p:par>
+                                <p:cTn id="10" presetID="22" presetClass="entr" presetSubtype="8" fill="hold" grpId="0" nodeType="clickEffect">
+                                  <p:stCondLst>
+                                    <p:cond delay="0"/>
+                                  </p:stCondLst>
+                                  <p:childTnLst>
+                                    <p:set>
+                                      <p:cBhvr>
+                                        <p:cTn id="11" dur="1" fill="hold">
+                                          <p:stCondLst>
+                                            <p:cond delay="0"/>
+                                          </p:stCondLst>
+                                        </p:cTn>
+                                        <p:tgtEl>
+                                          <p:spTgt spid="3">
+                                            <p:txEl>
+                                              <p:pRg st="1" end="1"/>
+                                            </p:txEl>
+                                          </p:spTgt>
+                                        </p:tgtEl>
+                                        <p:attrNameLst>
+                                          <p:attrName>style.visibility</p:attrName>
+                                        </p:attrNameLst>
+                                      </p:cBhvr>
+                                      <p:to>
+                                        <p:strVal val="visible"/>
+                                      </p:to>
+                                    </p:set>
+                                    <p:animEffect transition="in" filter="wipe(left)">
+                                      <p:cBhvr>
+                                        <p:cTn id="12" dur="500"/>
+                                        <p:tgtEl>
+                                          <p:spTgt spid="3">
+                                            <p:txEl>
+                                              <p:pRg st="1" end="1"/>
+                                            </p:txEl>
+                                          </p:spTgt>
+                                        </p:tgtEl>
+                                      </p:cBhvr>
+                                    </p:animEffect>
+                                  </p:childTnLst>
+                                </p:cTn>
+                              </p:par>
+                            </p:childTnLst>
+                          </p:cTn>
+                        </p:par>
+                      </p:childTnLst>
+                    </p:cTn>
+                  </p:par>
                 </p:childTnLst>
               </p:cTn>
               <p:prevCondLst>
@@ -10735,7 +13806,7 @@
 </p:sld>
 </file>
 
-<file path=ppt/slides/slide8.xml><?xml version="1.0" encoding="utf-8"?>
+<file path=ppt/slides/slide9.xml><?xml version="1.0" encoding="utf-8"?>
 <p:sld xmlns:a="http://schemas.openxmlformats.org/drawingml/2006/main" xmlns:r="http://schemas.openxmlformats.org/officeDocument/2006/relationships" xmlns:p="http://schemas.openxmlformats.org/presentationml/2006/main">
   <p:cSld>
     <p:spTree>
@@ -11131,7 +14202,7 @@
             <a:fld id="{2210AAD2-7BE5-41A1-B723-8B6F5F112607}" type="slidenum">
               <a:rPr lang="de-DE" smtClean="0"/>
               <a:pPr/>
-              <a:t>8</a:t>
+              <a:t>9</a:t>
             </a:fld>
             <a:endParaRPr lang="de-DE"/>
           </a:p>
@@ -11395,1211 +14466,6 @@
     </p:tnLst>
     <p:bldLst>
       <p:bldP spid="3" grpId="0" uiExpand="1" build="p"/>
-    </p:bldLst>
-  </p:timing>
-</p:sld>
-</file>
-
-<file path=ppt/slides/slide9.xml><?xml version="1.0" encoding="utf-8"?>
-<p:sld xmlns:a="http://schemas.openxmlformats.org/drawingml/2006/main" xmlns:r="http://schemas.openxmlformats.org/officeDocument/2006/relationships" xmlns:p="http://schemas.openxmlformats.org/presentationml/2006/main">
-  <p:cSld>
-    <p:spTree>
-      <p:nvGrpSpPr>
-        <p:cNvPr id="1" name=""/>
-        <p:cNvGrpSpPr/>
-        <p:nvPr/>
-      </p:nvGrpSpPr>
-      <p:grpSpPr>
-        <a:xfrm>
-          <a:off x="0" y="0"/>
-          <a:ext cx="0" cy="0"/>
-          <a:chOff x="0" y="0"/>
-          <a:chExt cx="0" cy="0"/>
-        </a:xfrm>
-      </p:grpSpPr>
-      <p:sp>
-        <p:nvSpPr>
-          <p:cNvPr id="2" name="Title 1"/>
-          <p:cNvSpPr>
-            <a:spLocks noGrp="1"/>
-          </p:cNvSpPr>
-          <p:nvPr>
-            <p:ph type="title"/>
-          </p:nvPr>
-        </p:nvSpPr>
-        <p:spPr/>
-        <p:txBody>
-          <a:bodyPr/>
-          <a:lstStyle/>
-          <a:p>
-            <a:r>
-              <a:rPr lang="en-US"/>
-              <a:t>Tổng kết</a:t>
-            </a:r>
-            <a:endParaRPr lang="de-DE"/>
-          </a:p>
-        </p:txBody>
-      </p:sp>
-      <p:sp>
-        <p:nvSpPr>
-          <p:cNvPr id="3" name="Content Placeholder 2"/>
-          <p:cNvSpPr>
-            <a:spLocks noGrp="1"/>
-          </p:cNvSpPr>
-          <p:nvPr>
-            <p:ph idx="1"/>
-          </p:nvPr>
-        </p:nvSpPr>
-        <p:spPr>
-          <a:xfrm>
-            <a:off x="266700" y="1690690"/>
-            <a:ext cx="8610600" cy="2009113"/>
-          </a:xfrm>
-        </p:spPr>
-        <p:txBody>
-          <a:bodyPr>
-            <a:normAutofit/>
-          </a:bodyPr>
-          <a:lstStyle/>
-          <a:p>
-            <a:pPr marL="0" indent="0">
-              <a:buNone/>
-            </a:pPr>
-            <a:r>
-              <a:rPr lang="en-US" dirty="0" err="1"/>
-              <a:t>Hạn</a:t>
-            </a:r>
-            <a:r>
-              <a:rPr lang="en-US" dirty="0"/>
-              <a:t> </a:t>
-            </a:r>
-            <a:r>
-              <a:rPr lang="en-US" dirty="0" err="1"/>
-              <a:t>chế</a:t>
-            </a:r>
-            <a:r>
-              <a:rPr lang="en-US" dirty="0"/>
-              <a:t>:</a:t>
-            </a:r>
-          </a:p>
-          <a:p>
-            <a:pPr lvl="1">
-              <a:buBlip>
-                <a:blip r:embed="rId2"/>
-              </a:buBlip>
-            </a:pPr>
-            <a:r>
-              <a:rPr lang="en-US" dirty="0" err="1"/>
-              <a:t>Giới</a:t>
-            </a:r>
-            <a:r>
-              <a:rPr lang="en-US" dirty="0"/>
-              <a:t> </a:t>
-            </a:r>
-            <a:r>
-              <a:rPr lang="en-US" dirty="0" err="1"/>
-              <a:t>hạn</a:t>
-            </a:r>
-            <a:r>
-              <a:rPr lang="en-US" dirty="0"/>
-              <a:t> </a:t>
-            </a:r>
-            <a:r>
-              <a:rPr lang="en-US" dirty="0" err="1"/>
-              <a:t>về</a:t>
-            </a:r>
-            <a:r>
-              <a:rPr lang="en-US" dirty="0"/>
-              <a:t> </a:t>
-            </a:r>
-            <a:r>
-              <a:rPr lang="en-US" dirty="0" err="1"/>
-              <a:t>số</a:t>
-            </a:r>
-            <a:r>
-              <a:rPr lang="en-US" dirty="0"/>
-              <a:t> </a:t>
-            </a:r>
-            <a:r>
-              <a:rPr lang="en-US" dirty="0" err="1"/>
-              <a:t>lượng</a:t>
-            </a:r>
-            <a:r>
-              <a:rPr lang="en-US" dirty="0"/>
-              <a:t> </a:t>
-            </a:r>
-            <a:r>
-              <a:rPr lang="en-US" dirty="0" err="1"/>
-              <a:t>chức</a:t>
-            </a:r>
-            <a:r>
-              <a:rPr lang="en-US" dirty="0"/>
-              <a:t> </a:t>
-            </a:r>
-            <a:r>
-              <a:rPr lang="en-US" dirty="0" err="1"/>
-              <a:t>năng</a:t>
-            </a:r>
-            <a:endParaRPr lang="en-US" dirty="0"/>
-          </a:p>
-          <a:p>
-            <a:pPr lvl="1">
-              <a:buBlip>
-                <a:blip r:embed="rId2"/>
-              </a:buBlip>
-            </a:pPr>
-            <a:r>
-              <a:rPr lang="en-US" dirty="0" err="1"/>
-              <a:t>Tốc</a:t>
-            </a:r>
-            <a:r>
-              <a:rPr lang="en-US" dirty="0"/>
-              <a:t> </a:t>
-            </a:r>
-            <a:r>
-              <a:rPr lang="en-US" dirty="0" err="1"/>
-              <a:t>độ</a:t>
-            </a:r>
-            <a:r>
-              <a:rPr lang="en-US" dirty="0"/>
-              <a:t> </a:t>
-            </a:r>
-            <a:r>
-              <a:rPr lang="en-US" dirty="0" err="1"/>
-              <a:t>xữ</a:t>
-            </a:r>
-            <a:r>
-              <a:rPr lang="en-US" dirty="0"/>
-              <a:t> </a:t>
-            </a:r>
-            <a:r>
-              <a:rPr lang="en-US" dirty="0" err="1"/>
-              <a:t>lý</a:t>
-            </a:r>
-            <a:r>
-              <a:rPr lang="en-US" dirty="0"/>
-              <a:t> </a:t>
-            </a:r>
-            <a:r>
-              <a:rPr lang="en-US" dirty="0" err="1"/>
-              <a:t>còn</a:t>
-            </a:r>
-            <a:r>
-              <a:rPr lang="en-US" dirty="0"/>
-              <a:t> </a:t>
-            </a:r>
-            <a:r>
-              <a:rPr lang="en-US" dirty="0" err="1"/>
-              <a:t>chậm</a:t>
-            </a:r>
-            <a:endParaRPr lang="en-US" dirty="0"/>
-          </a:p>
-          <a:p>
-            <a:pPr lvl="1">
-              <a:buBlip>
-                <a:blip r:embed="rId2"/>
-              </a:buBlip>
-            </a:pPr>
-            <a:r>
-              <a:rPr lang="en-US" dirty="0" err="1"/>
-              <a:t>Dữ</a:t>
-            </a:r>
-            <a:r>
-              <a:rPr lang="en-US" dirty="0"/>
-              <a:t> </a:t>
-            </a:r>
-            <a:r>
-              <a:rPr lang="en-US" dirty="0" err="1"/>
-              <a:t>liệu</a:t>
-            </a:r>
-            <a:r>
-              <a:rPr lang="en-US" dirty="0"/>
-              <a:t> </a:t>
-            </a:r>
-            <a:r>
-              <a:rPr lang="en-US" dirty="0" err="1"/>
-              <a:t>vẫn</a:t>
-            </a:r>
-            <a:r>
-              <a:rPr lang="en-US" dirty="0"/>
-              <a:t> </a:t>
-            </a:r>
-            <a:r>
-              <a:rPr lang="en-US" dirty="0" err="1"/>
-              <a:t>chưa</a:t>
-            </a:r>
-            <a:r>
-              <a:rPr lang="en-US" dirty="0"/>
-              <a:t> </a:t>
-            </a:r>
-            <a:r>
-              <a:rPr lang="en-US" dirty="0" err="1"/>
-              <a:t>tối</a:t>
-            </a:r>
-            <a:r>
-              <a:rPr lang="en-US" dirty="0"/>
-              <a:t> </a:t>
-            </a:r>
-            <a:r>
-              <a:rPr lang="en-US" dirty="0" err="1"/>
-              <a:t>ưu</a:t>
-            </a:r>
-            <a:endParaRPr lang="en-US" dirty="0"/>
-          </a:p>
-          <a:p>
-            <a:pPr marL="457200" lvl="1" indent="0">
-              <a:buNone/>
-            </a:pPr>
-            <a:endParaRPr lang="en-US" dirty="0"/>
-          </a:p>
-          <a:p>
-            <a:pPr lvl="1">
-              <a:buBlip>
-                <a:blip r:embed="rId2"/>
-              </a:buBlip>
-            </a:pPr>
-            <a:endParaRPr lang="de-DE" dirty="0"/>
-          </a:p>
-        </p:txBody>
-      </p:sp>
-      <p:sp>
-        <p:nvSpPr>
-          <p:cNvPr id="4" name="Slide Number Placeholder 3"/>
-          <p:cNvSpPr>
-            <a:spLocks noGrp="1"/>
-          </p:cNvSpPr>
-          <p:nvPr>
-            <p:ph type="sldNum" sz="quarter" idx="12"/>
-          </p:nvPr>
-        </p:nvSpPr>
-        <p:spPr/>
-        <p:txBody>
-          <a:bodyPr/>
-          <a:lstStyle/>
-          <a:p>
-            <a:fld id="{2210AAD2-7BE5-41A1-B723-8B6F5F112607}" type="slidenum">
-              <a:rPr lang="de-DE" smtClean="0"/>
-              <a:pPr/>
-              <a:t>9</a:t>
-            </a:fld>
-            <a:endParaRPr lang="de-DE"/>
-          </a:p>
-        </p:txBody>
-      </p:sp>
-      <p:sp>
-        <p:nvSpPr>
-          <p:cNvPr id="5" name="Content Placeholder 2"/>
-          <p:cNvSpPr txBox="1">
-            <a:spLocks/>
-          </p:cNvSpPr>
-          <p:nvPr/>
-        </p:nvSpPr>
-        <p:spPr>
-          <a:xfrm>
-            <a:off x="266700" y="3967089"/>
-            <a:ext cx="8610600" cy="2262493"/>
-          </a:xfrm>
-          <a:prstGeom prst="rect">
-            <a:avLst/>
-          </a:prstGeom>
-        </p:spPr>
-        <p:txBody>
-          <a:bodyPr vert="horz" lIns="91440" tIns="45720" rIns="91440" bIns="45720" rtlCol="0">
-            <a:normAutofit/>
-          </a:bodyPr>
-          <a:lstStyle>
-            <a:lvl1pPr marL="228600" indent="-228600" algn="l" defTabSz="914400" rtl="0" eaLnBrk="1" latinLnBrk="0" hangingPunct="1">
-              <a:lnSpc>
-                <a:spcPct val="90000"/>
-              </a:lnSpc>
-              <a:spcBef>
-                <a:spcPts val="1000"/>
-              </a:spcBef>
-              <a:buFont typeface="Arial" panose="020B0604020202020204" pitchFamily="34" charset="0"/>
-              <a:buChar char="•"/>
-              <a:defRPr sz="2800" kern="1200">
-                <a:solidFill>
-                  <a:schemeClr val="tx1"/>
-                </a:solidFill>
-                <a:latin typeface="+mn-lt"/>
-                <a:ea typeface="+mn-ea"/>
-                <a:cs typeface="+mn-cs"/>
-              </a:defRPr>
-            </a:lvl1pPr>
-            <a:lvl2pPr marL="685800" indent="-228600" algn="l" defTabSz="914400" rtl="0" eaLnBrk="1" latinLnBrk="0" hangingPunct="1">
-              <a:lnSpc>
-                <a:spcPct val="90000"/>
-              </a:lnSpc>
-              <a:spcBef>
-                <a:spcPts val="500"/>
-              </a:spcBef>
-              <a:buFont typeface="Wingdings" panose="05000000000000000000" pitchFamily="2" charset="2"/>
-              <a:buChar char="§"/>
-              <a:defRPr sz="2400" kern="1200">
-                <a:solidFill>
-                  <a:schemeClr val="tx1"/>
-                </a:solidFill>
-                <a:latin typeface="+mn-lt"/>
-                <a:ea typeface="+mn-ea"/>
-                <a:cs typeface="+mn-cs"/>
-              </a:defRPr>
-            </a:lvl2pPr>
-            <a:lvl3pPr marL="1143000" indent="-228600" algn="l" defTabSz="914400" rtl="0" eaLnBrk="1" latinLnBrk="0" hangingPunct="1">
-              <a:lnSpc>
-                <a:spcPct val="90000"/>
-              </a:lnSpc>
-              <a:spcBef>
-                <a:spcPts val="500"/>
-              </a:spcBef>
-              <a:buFont typeface="Arial" panose="020B0604020202020204" pitchFamily="34" charset="0"/>
-              <a:buChar char="•"/>
-              <a:defRPr sz="2000" kern="1200">
-                <a:solidFill>
-                  <a:schemeClr val="tx1"/>
-                </a:solidFill>
-                <a:latin typeface="+mn-lt"/>
-                <a:ea typeface="+mn-ea"/>
-                <a:cs typeface="+mn-cs"/>
-              </a:defRPr>
-            </a:lvl3pPr>
-            <a:lvl4pPr marL="1600200" indent="-228600" algn="l" defTabSz="914400" rtl="0" eaLnBrk="1" latinLnBrk="0" hangingPunct="1">
-              <a:lnSpc>
-                <a:spcPct val="90000"/>
-              </a:lnSpc>
-              <a:spcBef>
-                <a:spcPts val="500"/>
-              </a:spcBef>
-              <a:buFont typeface="Arial" panose="020B0604020202020204" pitchFamily="34" charset="0"/>
-              <a:buChar char="•"/>
-              <a:defRPr sz="1800" kern="1200">
-                <a:solidFill>
-                  <a:schemeClr val="tx1"/>
-                </a:solidFill>
-                <a:latin typeface="+mn-lt"/>
-                <a:ea typeface="+mn-ea"/>
-                <a:cs typeface="+mn-cs"/>
-              </a:defRPr>
-            </a:lvl4pPr>
-            <a:lvl5pPr marL="2057400" indent="-228600" algn="l" defTabSz="914400" rtl="0" eaLnBrk="1" latinLnBrk="0" hangingPunct="1">
-              <a:lnSpc>
-                <a:spcPct val="90000"/>
-              </a:lnSpc>
-              <a:spcBef>
-                <a:spcPts val="500"/>
-              </a:spcBef>
-              <a:buFont typeface="Arial" panose="020B0604020202020204" pitchFamily="34" charset="0"/>
-              <a:buChar char="•"/>
-              <a:defRPr sz="1800" kern="1200">
-                <a:solidFill>
-                  <a:schemeClr val="tx1"/>
-                </a:solidFill>
-                <a:latin typeface="+mn-lt"/>
-                <a:ea typeface="+mn-ea"/>
-                <a:cs typeface="+mn-cs"/>
-              </a:defRPr>
-            </a:lvl5pPr>
-            <a:lvl6pPr marL="2514600" indent="-228600" algn="l" defTabSz="914400" rtl="0" eaLnBrk="1" latinLnBrk="0" hangingPunct="1">
-              <a:lnSpc>
-                <a:spcPct val="90000"/>
-              </a:lnSpc>
-              <a:spcBef>
-                <a:spcPts val="500"/>
-              </a:spcBef>
-              <a:buFont typeface="Arial" panose="020B0604020202020204" pitchFamily="34" charset="0"/>
-              <a:buChar char="•"/>
-              <a:defRPr sz="1800" kern="1200">
-                <a:solidFill>
-                  <a:schemeClr val="tx1"/>
-                </a:solidFill>
-                <a:latin typeface="+mn-lt"/>
-                <a:ea typeface="+mn-ea"/>
-                <a:cs typeface="+mn-cs"/>
-              </a:defRPr>
-            </a:lvl6pPr>
-            <a:lvl7pPr marL="2971800" indent="-228600" algn="l" defTabSz="914400" rtl="0" eaLnBrk="1" latinLnBrk="0" hangingPunct="1">
-              <a:lnSpc>
-                <a:spcPct val="90000"/>
-              </a:lnSpc>
-              <a:spcBef>
-                <a:spcPts val="500"/>
-              </a:spcBef>
-              <a:buFont typeface="Arial" panose="020B0604020202020204" pitchFamily="34" charset="0"/>
-              <a:buChar char="•"/>
-              <a:defRPr sz="1800" kern="1200">
-                <a:solidFill>
-                  <a:schemeClr val="tx1"/>
-                </a:solidFill>
-                <a:latin typeface="+mn-lt"/>
-                <a:ea typeface="+mn-ea"/>
-                <a:cs typeface="+mn-cs"/>
-              </a:defRPr>
-            </a:lvl7pPr>
-            <a:lvl8pPr marL="3429000" indent="-228600" algn="l" defTabSz="914400" rtl="0" eaLnBrk="1" latinLnBrk="0" hangingPunct="1">
-              <a:lnSpc>
-                <a:spcPct val="90000"/>
-              </a:lnSpc>
-              <a:spcBef>
-                <a:spcPts val="500"/>
-              </a:spcBef>
-              <a:buFont typeface="Arial" panose="020B0604020202020204" pitchFamily="34" charset="0"/>
-              <a:buChar char="•"/>
-              <a:defRPr sz="1800" kern="1200">
-                <a:solidFill>
-                  <a:schemeClr val="tx1"/>
-                </a:solidFill>
-                <a:latin typeface="+mn-lt"/>
-                <a:ea typeface="+mn-ea"/>
-                <a:cs typeface="+mn-cs"/>
-              </a:defRPr>
-            </a:lvl8pPr>
-            <a:lvl9pPr marL="3886200" indent="-228600" algn="l" defTabSz="914400" rtl="0" eaLnBrk="1" latinLnBrk="0" hangingPunct="1">
-              <a:lnSpc>
-                <a:spcPct val="90000"/>
-              </a:lnSpc>
-              <a:spcBef>
-                <a:spcPts val="500"/>
-              </a:spcBef>
-              <a:buFont typeface="Arial" panose="020B0604020202020204" pitchFamily="34" charset="0"/>
-              <a:buChar char="•"/>
-              <a:defRPr sz="1800" kern="1200">
-                <a:solidFill>
-                  <a:schemeClr val="tx1"/>
-                </a:solidFill>
-                <a:latin typeface="+mn-lt"/>
-                <a:ea typeface="+mn-ea"/>
-                <a:cs typeface="+mn-cs"/>
-              </a:defRPr>
-            </a:lvl9pPr>
-          </a:lstStyle>
-          <a:p>
-            <a:pPr marL="0" indent="0">
-              <a:buFont typeface="Arial" panose="020B0604020202020204" pitchFamily="34" charset="0"/>
-              <a:buNone/>
-            </a:pPr>
-            <a:r>
-              <a:rPr lang="en-US" dirty="0" err="1"/>
-              <a:t>Hướng</a:t>
-            </a:r>
-            <a:r>
-              <a:rPr lang="en-US" dirty="0"/>
-              <a:t> </a:t>
-            </a:r>
-            <a:r>
-              <a:rPr lang="en-US" dirty="0" err="1"/>
-              <a:t>phát</a:t>
-            </a:r>
-            <a:r>
-              <a:rPr lang="en-US" dirty="0"/>
-              <a:t> </a:t>
-            </a:r>
-            <a:r>
-              <a:rPr lang="en-US" dirty="0" err="1"/>
-              <a:t>triển</a:t>
-            </a:r>
-            <a:r>
-              <a:rPr lang="en-US" dirty="0"/>
-              <a:t>:</a:t>
-            </a:r>
-          </a:p>
-          <a:p>
-            <a:pPr lvl="1">
-              <a:buBlip>
-                <a:blip r:embed="rId3"/>
-              </a:buBlip>
-            </a:pPr>
-            <a:r>
-              <a:rPr lang="en-US" dirty="0" err="1"/>
-              <a:t>Tìm</a:t>
-            </a:r>
-            <a:r>
-              <a:rPr lang="en-US" dirty="0"/>
-              <a:t> </a:t>
-            </a:r>
-            <a:r>
-              <a:rPr lang="en-US" dirty="0" err="1"/>
-              <a:t>kiếm</a:t>
-            </a:r>
-            <a:r>
-              <a:rPr lang="en-US" dirty="0"/>
-              <a:t> </a:t>
-            </a:r>
-            <a:r>
-              <a:rPr lang="en-US" dirty="0" err="1"/>
-              <a:t>các</a:t>
-            </a:r>
-            <a:r>
-              <a:rPr lang="en-US" dirty="0"/>
-              <a:t> </a:t>
-            </a:r>
-            <a:r>
-              <a:rPr lang="en-US" dirty="0" err="1"/>
-              <a:t>ứng</a:t>
-            </a:r>
-            <a:r>
-              <a:rPr lang="en-US" dirty="0"/>
-              <a:t> </a:t>
-            </a:r>
-            <a:r>
-              <a:rPr lang="en-US" dirty="0" err="1"/>
-              <a:t>viên</a:t>
-            </a:r>
-            <a:r>
-              <a:rPr lang="en-US" dirty="0"/>
-              <a:t> </a:t>
-            </a:r>
-            <a:r>
-              <a:rPr lang="en-US" dirty="0" err="1"/>
-              <a:t>phù</a:t>
-            </a:r>
-            <a:r>
-              <a:rPr lang="en-US" dirty="0"/>
-              <a:t> </a:t>
-            </a:r>
-            <a:r>
-              <a:rPr lang="en-US" dirty="0" err="1"/>
-              <a:t>hợp</a:t>
-            </a:r>
-            <a:r>
-              <a:rPr lang="en-US" dirty="0"/>
-              <a:t> </a:t>
-            </a:r>
-            <a:r>
-              <a:rPr lang="en-US" dirty="0" err="1"/>
-              <a:t>nhất</a:t>
-            </a:r>
-            <a:endParaRPr lang="en-US" dirty="0"/>
-          </a:p>
-          <a:p>
-            <a:pPr lvl="1">
-              <a:buBlip>
-                <a:blip r:embed="rId3"/>
-              </a:buBlip>
-            </a:pPr>
-            <a:r>
-              <a:rPr lang="en-US" dirty="0" err="1"/>
-              <a:t>Phát</a:t>
-            </a:r>
-            <a:r>
-              <a:rPr lang="en-US" dirty="0"/>
-              <a:t> </a:t>
-            </a:r>
-            <a:r>
-              <a:rPr lang="en-US" dirty="0" err="1"/>
-              <a:t>triển</a:t>
-            </a:r>
-            <a:r>
-              <a:rPr lang="en-US" dirty="0"/>
-              <a:t> </a:t>
-            </a:r>
-            <a:r>
-              <a:rPr lang="en-US" dirty="0" err="1"/>
-              <a:t>thêm</a:t>
-            </a:r>
-            <a:r>
-              <a:rPr lang="en-US" dirty="0"/>
-              <a:t> </a:t>
-            </a:r>
-            <a:r>
-              <a:rPr lang="en-US" dirty="0" err="1"/>
-              <a:t>các</a:t>
-            </a:r>
-            <a:r>
-              <a:rPr lang="en-US" dirty="0"/>
-              <a:t> </a:t>
-            </a:r>
-            <a:r>
-              <a:rPr lang="en-US" dirty="0" err="1"/>
-              <a:t>tính</a:t>
-            </a:r>
-            <a:r>
-              <a:rPr lang="en-US" dirty="0"/>
-              <a:t> </a:t>
-            </a:r>
-            <a:r>
-              <a:rPr lang="en-US" dirty="0" err="1"/>
-              <a:t>năng</a:t>
-            </a:r>
-            <a:r>
-              <a:rPr lang="en-US" dirty="0"/>
-              <a:t> </a:t>
-            </a:r>
-            <a:r>
-              <a:rPr lang="en-US" dirty="0" err="1"/>
-              <a:t>đăng</a:t>
-            </a:r>
-            <a:r>
-              <a:rPr lang="en-US" dirty="0"/>
-              <a:t> </a:t>
-            </a:r>
-            <a:r>
-              <a:rPr lang="en-US" dirty="0" err="1"/>
-              <a:t>bài</a:t>
-            </a:r>
-            <a:r>
-              <a:rPr lang="en-US" dirty="0"/>
-              <a:t> </a:t>
-            </a:r>
-            <a:r>
-              <a:rPr lang="en-US" dirty="0" err="1"/>
-              <a:t>viết</a:t>
-            </a:r>
-            <a:r>
-              <a:rPr lang="en-US" dirty="0"/>
-              <a:t>, </a:t>
-            </a:r>
-            <a:r>
-              <a:rPr lang="en-US" dirty="0" err="1"/>
-              <a:t>nhắn</a:t>
-            </a:r>
-            <a:r>
-              <a:rPr lang="en-US" dirty="0"/>
-              <a:t> tin</a:t>
-            </a:r>
-          </a:p>
-          <a:p>
-            <a:pPr lvl="1">
-              <a:buBlip>
-                <a:blip r:embed="rId3"/>
-              </a:buBlip>
-            </a:pPr>
-            <a:r>
-              <a:rPr lang="en-US" dirty="0" err="1"/>
-              <a:t>Cải</a:t>
-            </a:r>
-            <a:r>
-              <a:rPr lang="en-US" dirty="0"/>
-              <a:t> </a:t>
-            </a:r>
-            <a:r>
-              <a:rPr lang="en-US" dirty="0" err="1"/>
-              <a:t>thiện</a:t>
-            </a:r>
-            <a:r>
-              <a:rPr lang="en-US" dirty="0"/>
-              <a:t> </a:t>
-            </a:r>
-            <a:r>
-              <a:rPr lang="en-US" dirty="0" err="1"/>
-              <a:t>tốc</a:t>
-            </a:r>
-            <a:r>
-              <a:rPr lang="en-US" dirty="0"/>
-              <a:t> </a:t>
-            </a:r>
-            <a:r>
-              <a:rPr lang="en-US" dirty="0" err="1"/>
-              <a:t>độ</a:t>
-            </a:r>
-            <a:r>
-              <a:rPr lang="en-US" dirty="0"/>
-              <a:t> </a:t>
-            </a:r>
-            <a:r>
-              <a:rPr lang="en-US" dirty="0" err="1"/>
-              <a:t>xữ</a:t>
-            </a:r>
-            <a:r>
-              <a:rPr lang="en-US" dirty="0"/>
-              <a:t> </a:t>
-            </a:r>
-            <a:r>
-              <a:rPr lang="en-US" dirty="0" err="1"/>
-              <a:t>lý</a:t>
-            </a:r>
-            <a:r>
-              <a:rPr lang="en-US" dirty="0"/>
-              <a:t> </a:t>
-            </a:r>
-            <a:r>
-              <a:rPr lang="en-US" dirty="0" err="1"/>
-              <a:t>dữ</a:t>
-            </a:r>
-            <a:r>
-              <a:rPr lang="en-US" dirty="0"/>
-              <a:t> </a:t>
-            </a:r>
-            <a:r>
-              <a:rPr lang="en-US" dirty="0" err="1"/>
-              <a:t>liệu</a:t>
-            </a:r>
-            <a:endParaRPr lang="en-US" dirty="0"/>
-          </a:p>
-          <a:p>
-            <a:pPr marL="457200" lvl="1" indent="0">
-              <a:buFont typeface="Wingdings" panose="05000000000000000000" pitchFamily="2" charset="2"/>
-              <a:buNone/>
-            </a:pPr>
-            <a:endParaRPr lang="en-US" dirty="0"/>
-          </a:p>
-          <a:p>
-            <a:pPr lvl="1">
-              <a:buFont typeface="Wingdings" panose="05000000000000000000" pitchFamily="2" charset="2"/>
-              <a:buBlip>
-                <a:blip r:embed="rId2"/>
-              </a:buBlip>
-            </a:pPr>
-            <a:endParaRPr lang="de-DE" dirty="0"/>
-          </a:p>
-        </p:txBody>
-      </p:sp>
-    </p:spTree>
-    <p:extLst>
-      <p:ext uri="{BB962C8B-B14F-4D97-AF65-F5344CB8AC3E}">
-        <p14:creationId xmlns:p14="http://schemas.microsoft.com/office/powerpoint/2010/main" val="2807078726"/>
-      </p:ext>
-    </p:extLst>
-  </p:cSld>
-  <p:clrMapOvr>
-    <a:masterClrMapping/>
-  </p:clrMapOvr>
-  <p:timing>
-    <p:tnLst>
-      <p:par>
-        <p:cTn id="1" dur="indefinite" restart="never" nodeType="tmRoot">
-          <p:childTnLst>
-            <p:seq concurrent="1" nextAc="seek">
-              <p:cTn id="2" dur="indefinite" nodeType="mainSeq">
-                <p:childTnLst>
-                  <p:par>
-                    <p:cTn id="3" fill="hold">
-                      <p:stCondLst>
-                        <p:cond delay="indefinite"/>
-                      </p:stCondLst>
-                      <p:childTnLst>
-                        <p:par>
-                          <p:cTn id="4" fill="hold">
-                            <p:stCondLst>
-                              <p:cond delay="0"/>
-                            </p:stCondLst>
-                            <p:childTnLst>
-                              <p:par>
-                                <p:cTn id="5" presetID="22" presetClass="entr" presetSubtype="8" fill="hold" grpId="0" nodeType="clickEffect">
-                                  <p:stCondLst>
-                                    <p:cond delay="0"/>
-                                  </p:stCondLst>
-                                  <p:childTnLst>
-                                    <p:set>
-                                      <p:cBhvr>
-                                        <p:cTn id="6" dur="1" fill="hold">
-                                          <p:stCondLst>
-                                            <p:cond delay="0"/>
-                                          </p:stCondLst>
-                                        </p:cTn>
-                                        <p:tgtEl>
-                                          <p:spTgt spid="3">
-                                            <p:txEl>
-                                              <p:pRg st="0" end="0"/>
-                                            </p:txEl>
-                                          </p:spTgt>
-                                        </p:tgtEl>
-                                        <p:attrNameLst>
-                                          <p:attrName>style.visibility</p:attrName>
-                                        </p:attrNameLst>
-                                      </p:cBhvr>
-                                      <p:to>
-                                        <p:strVal val="visible"/>
-                                      </p:to>
-                                    </p:set>
-                                    <p:animEffect transition="in" filter="wipe(left)">
-                                      <p:cBhvr>
-                                        <p:cTn id="7" dur="500"/>
-                                        <p:tgtEl>
-                                          <p:spTgt spid="3">
-                                            <p:txEl>
-                                              <p:pRg st="0" end="0"/>
-                                            </p:txEl>
-                                          </p:spTgt>
-                                        </p:tgtEl>
-                                      </p:cBhvr>
-                                    </p:animEffect>
-                                  </p:childTnLst>
-                                </p:cTn>
-                              </p:par>
-                            </p:childTnLst>
-                          </p:cTn>
-                        </p:par>
-                        <p:par>
-                          <p:cTn id="8" fill="hold">
-                            <p:stCondLst>
-                              <p:cond delay="500"/>
-                            </p:stCondLst>
-                            <p:childTnLst>
-                              <p:par>
-                                <p:cTn id="9" presetID="22" presetClass="entr" presetSubtype="8" fill="hold" grpId="0" nodeType="afterEffect">
-                                  <p:stCondLst>
-                                    <p:cond delay="0"/>
-                                  </p:stCondLst>
-                                  <p:childTnLst>
-                                    <p:set>
-                                      <p:cBhvr>
-                                        <p:cTn id="10" dur="1" fill="hold">
-                                          <p:stCondLst>
-                                            <p:cond delay="0"/>
-                                          </p:stCondLst>
-                                        </p:cTn>
-                                        <p:tgtEl>
-                                          <p:spTgt spid="3">
-                                            <p:txEl>
-                                              <p:pRg st="1" end="1"/>
-                                            </p:txEl>
-                                          </p:spTgt>
-                                        </p:tgtEl>
-                                        <p:attrNameLst>
-                                          <p:attrName>style.visibility</p:attrName>
-                                        </p:attrNameLst>
-                                      </p:cBhvr>
-                                      <p:to>
-                                        <p:strVal val="visible"/>
-                                      </p:to>
-                                    </p:set>
-                                    <p:animEffect transition="in" filter="wipe(left)">
-                                      <p:cBhvr>
-                                        <p:cTn id="11" dur="500"/>
-                                        <p:tgtEl>
-                                          <p:spTgt spid="3">
-                                            <p:txEl>
-                                              <p:pRg st="1" end="1"/>
-                                            </p:txEl>
-                                          </p:spTgt>
-                                        </p:tgtEl>
-                                      </p:cBhvr>
-                                    </p:animEffect>
-                                  </p:childTnLst>
-                                </p:cTn>
-                              </p:par>
-                            </p:childTnLst>
-                          </p:cTn>
-                        </p:par>
-                        <p:par>
-                          <p:cTn id="12" fill="hold">
-                            <p:stCondLst>
-                              <p:cond delay="1000"/>
-                            </p:stCondLst>
-                            <p:childTnLst>
-                              <p:par>
-                                <p:cTn id="13" presetID="22" presetClass="entr" presetSubtype="8" fill="hold" grpId="0" nodeType="afterEffect">
-                                  <p:stCondLst>
-                                    <p:cond delay="0"/>
-                                  </p:stCondLst>
-                                  <p:childTnLst>
-                                    <p:set>
-                                      <p:cBhvr>
-                                        <p:cTn id="14" dur="1" fill="hold">
-                                          <p:stCondLst>
-                                            <p:cond delay="0"/>
-                                          </p:stCondLst>
-                                        </p:cTn>
-                                        <p:tgtEl>
-                                          <p:spTgt spid="3">
-                                            <p:txEl>
-                                              <p:pRg st="2" end="2"/>
-                                            </p:txEl>
-                                          </p:spTgt>
-                                        </p:tgtEl>
-                                        <p:attrNameLst>
-                                          <p:attrName>style.visibility</p:attrName>
-                                        </p:attrNameLst>
-                                      </p:cBhvr>
-                                      <p:to>
-                                        <p:strVal val="visible"/>
-                                      </p:to>
-                                    </p:set>
-                                    <p:animEffect transition="in" filter="wipe(left)">
-                                      <p:cBhvr>
-                                        <p:cTn id="15" dur="500"/>
-                                        <p:tgtEl>
-                                          <p:spTgt spid="3">
-                                            <p:txEl>
-                                              <p:pRg st="2" end="2"/>
-                                            </p:txEl>
-                                          </p:spTgt>
-                                        </p:tgtEl>
-                                      </p:cBhvr>
-                                    </p:animEffect>
-                                  </p:childTnLst>
-                                </p:cTn>
-                              </p:par>
-                            </p:childTnLst>
-                          </p:cTn>
-                        </p:par>
-                        <p:par>
-                          <p:cTn id="16" fill="hold">
-                            <p:stCondLst>
-                              <p:cond delay="1500"/>
-                            </p:stCondLst>
-                            <p:childTnLst>
-                              <p:par>
-                                <p:cTn id="17" presetID="22" presetClass="entr" presetSubtype="8" fill="hold" grpId="0" nodeType="afterEffect">
-                                  <p:stCondLst>
-                                    <p:cond delay="0"/>
-                                  </p:stCondLst>
-                                  <p:childTnLst>
-                                    <p:set>
-                                      <p:cBhvr>
-                                        <p:cTn id="18" dur="1" fill="hold">
-                                          <p:stCondLst>
-                                            <p:cond delay="0"/>
-                                          </p:stCondLst>
-                                        </p:cTn>
-                                        <p:tgtEl>
-                                          <p:spTgt spid="3">
-                                            <p:txEl>
-                                              <p:pRg st="3" end="3"/>
-                                            </p:txEl>
-                                          </p:spTgt>
-                                        </p:tgtEl>
-                                        <p:attrNameLst>
-                                          <p:attrName>style.visibility</p:attrName>
-                                        </p:attrNameLst>
-                                      </p:cBhvr>
-                                      <p:to>
-                                        <p:strVal val="visible"/>
-                                      </p:to>
-                                    </p:set>
-                                    <p:animEffect transition="in" filter="wipe(left)">
-                                      <p:cBhvr>
-                                        <p:cTn id="19" dur="500"/>
-                                        <p:tgtEl>
-                                          <p:spTgt spid="3">
-                                            <p:txEl>
-                                              <p:pRg st="3" end="3"/>
-                                            </p:txEl>
-                                          </p:spTgt>
-                                        </p:tgtEl>
-                                      </p:cBhvr>
-                                    </p:animEffect>
-                                  </p:childTnLst>
-                                </p:cTn>
-                              </p:par>
-                            </p:childTnLst>
-                          </p:cTn>
-                        </p:par>
-                      </p:childTnLst>
-                    </p:cTn>
-                  </p:par>
-                  <p:par>
-                    <p:cTn id="20" fill="hold">
-                      <p:stCondLst>
-                        <p:cond delay="indefinite"/>
-                      </p:stCondLst>
-                      <p:childTnLst>
-                        <p:par>
-                          <p:cTn id="21" fill="hold">
-                            <p:stCondLst>
-                              <p:cond delay="0"/>
-                            </p:stCondLst>
-                            <p:childTnLst>
-                              <p:par>
-                                <p:cTn id="22" presetID="22" presetClass="entr" presetSubtype="8" fill="hold" grpId="0" nodeType="clickEffect">
-                                  <p:stCondLst>
-                                    <p:cond delay="0"/>
-                                  </p:stCondLst>
-                                  <p:childTnLst>
-                                    <p:set>
-                                      <p:cBhvr>
-                                        <p:cTn id="23" dur="1" fill="hold">
-                                          <p:stCondLst>
-                                            <p:cond delay="0"/>
-                                          </p:stCondLst>
-                                        </p:cTn>
-                                        <p:tgtEl>
-                                          <p:spTgt spid="5">
-                                            <p:txEl>
-                                              <p:pRg st="0" end="0"/>
-                                            </p:txEl>
-                                          </p:spTgt>
-                                        </p:tgtEl>
-                                        <p:attrNameLst>
-                                          <p:attrName>style.visibility</p:attrName>
-                                        </p:attrNameLst>
-                                      </p:cBhvr>
-                                      <p:to>
-                                        <p:strVal val="visible"/>
-                                      </p:to>
-                                    </p:set>
-                                    <p:animEffect transition="in" filter="wipe(left)">
-                                      <p:cBhvr>
-                                        <p:cTn id="24" dur="500"/>
-                                        <p:tgtEl>
-                                          <p:spTgt spid="5">
-                                            <p:txEl>
-                                              <p:pRg st="0" end="0"/>
-                                            </p:txEl>
-                                          </p:spTgt>
-                                        </p:tgtEl>
-                                      </p:cBhvr>
-                                    </p:animEffect>
-                                  </p:childTnLst>
-                                </p:cTn>
-                              </p:par>
-                              <p:par>
-                                <p:cTn id="25" presetID="22" presetClass="entr" presetSubtype="8" fill="hold" grpId="0" nodeType="withEffect">
-                                  <p:stCondLst>
-                                    <p:cond delay="0"/>
-                                  </p:stCondLst>
-                                  <p:childTnLst>
-                                    <p:set>
-                                      <p:cBhvr>
-                                        <p:cTn id="26" dur="1" fill="hold">
-                                          <p:stCondLst>
-                                            <p:cond delay="0"/>
-                                          </p:stCondLst>
-                                        </p:cTn>
-                                        <p:tgtEl>
-                                          <p:spTgt spid="5">
-                                            <p:txEl>
-                                              <p:pRg st="1" end="1"/>
-                                            </p:txEl>
-                                          </p:spTgt>
-                                        </p:tgtEl>
-                                        <p:attrNameLst>
-                                          <p:attrName>style.visibility</p:attrName>
-                                        </p:attrNameLst>
-                                      </p:cBhvr>
-                                      <p:to>
-                                        <p:strVal val="visible"/>
-                                      </p:to>
-                                    </p:set>
-                                    <p:animEffect transition="in" filter="wipe(left)">
-                                      <p:cBhvr>
-                                        <p:cTn id="27" dur="500"/>
-                                        <p:tgtEl>
-                                          <p:spTgt spid="5">
-                                            <p:txEl>
-                                              <p:pRg st="1" end="1"/>
-                                            </p:txEl>
-                                          </p:spTgt>
-                                        </p:tgtEl>
-                                      </p:cBhvr>
-                                    </p:animEffect>
-                                  </p:childTnLst>
-                                </p:cTn>
-                              </p:par>
-                            </p:childTnLst>
-                          </p:cTn>
-                        </p:par>
-                        <p:par>
-                          <p:cTn id="28" fill="hold">
-                            <p:stCondLst>
-                              <p:cond delay="500"/>
-                            </p:stCondLst>
-                            <p:childTnLst>
-                              <p:par>
-                                <p:cTn id="29" presetID="22" presetClass="entr" presetSubtype="8" fill="hold" grpId="0" nodeType="afterEffect">
-                                  <p:stCondLst>
-                                    <p:cond delay="0"/>
-                                  </p:stCondLst>
-                                  <p:childTnLst>
-                                    <p:set>
-                                      <p:cBhvr>
-                                        <p:cTn id="30" dur="1" fill="hold">
-                                          <p:stCondLst>
-                                            <p:cond delay="0"/>
-                                          </p:stCondLst>
-                                        </p:cTn>
-                                        <p:tgtEl>
-                                          <p:spTgt spid="5">
-                                            <p:txEl>
-                                              <p:pRg st="2" end="2"/>
-                                            </p:txEl>
-                                          </p:spTgt>
-                                        </p:tgtEl>
-                                        <p:attrNameLst>
-                                          <p:attrName>style.visibility</p:attrName>
-                                        </p:attrNameLst>
-                                      </p:cBhvr>
-                                      <p:to>
-                                        <p:strVal val="visible"/>
-                                      </p:to>
-                                    </p:set>
-                                    <p:animEffect transition="in" filter="wipe(left)">
-                                      <p:cBhvr>
-                                        <p:cTn id="31" dur="500"/>
-                                        <p:tgtEl>
-                                          <p:spTgt spid="5">
-                                            <p:txEl>
-                                              <p:pRg st="2" end="2"/>
-                                            </p:txEl>
-                                          </p:spTgt>
-                                        </p:tgtEl>
-                                      </p:cBhvr>
-                                    </p:animEffect>
-                                  </p:childTnLst>
-                                </p:cTn>
-                              </p:par>
-                              <p:par>
-                                <p:cTn id="32" presetID="22" presetClass="entr" presetSubtype="8" fill="hold" grpId="0" nodeType="withEffect">
-                                  <p:stCondLst>
-                                    <p:cond delay="0"/>
-                                  </p:stCondLst>
-                                  <p:childTnLst>
-                                    <p:set>
-                                      <p:cBhvr>
-                                        <p:cTn id="33" dur="1" fill="hold">
-                                          <p:stCondLst>
-                                            <p:cond delay="0"/>
-                                          </p:stCondLst>
-                                        </p:cTn>
-                                        <p:tgtEl>
-                                          <p:spTgt spid="5">
-                                            <p:txEl>
-                                              <p:pRg st="3" end="3"/>
-                                            </p:txEl>
-                                          </p:spTgt>
-                                        </p:tgtEl>
-                                        <p:attrNameLst>
-                                          <p:attrName>style.visibility</p:attrName>
-                                        </p:attrNameLst>
-                                      </p:cBhvr>
-                                      <p:to>
-                                        <p:strVal val="visible"/>
-                                      </p:to>
-                                    </p:set>
-                                    <p:animEffect transition="in" filter="wipe(left)">
-                                      <p:cBhvr>
-                                        <p:cTn id="34" dur="500"/>
-                                        <p:tgtEl>
-                                          <p:spTgt spid="5">
-                                            <p:txEl>
-                                              <p:pRg st="3" end="3"/>
-                                            </p:txEl>
-                                          </p:spTgt>
-                                        </p:tgtEl>
-                                      </p:cBhvr>
-                                    </p:animEffect>
-                                  </p:childTnLst>
-                                </p:cTn>
-                              </p:par>
-                            </p:childTnLst>
-                          </p:cTn>
-                        </p:par>
-                      </p:childTnLst>
-                    </p:cTn>
-                  </p:par>
-                </p:childTnLst>
-              </p:cTn>
-              <p:prevCondLst>
-                <p:cond evt="onPrev" delay="0">
-                  <p:tgtEl>
-                    <p:sldTgt/>
-                  </p:tgtEl>
-                </p:cond>
-              </p:prevCondLst>
-              <p:nextCondLst>
-                <p:cond evt="onNext" delay="0">
-                  <p:tgtEl>
-                    <p:sldTgt/>
-                  </p:tgtEl>
-                </p:cond>
-              </p:nextCondLst>
-            </p:seq>
-          </p:childTnLst>
-        </p:cTn>
-      </p:par>
-    </p:tnLst>
-    <p:bldLst>
-      <p:bldP spid="3" grpId="0" uiExpand="1" build="p"/>
-      <p:bldP spid="5" grpId="0" uiExpand="1" build="p"/>
     </p:bldLst>
   </p:timing>
 </p:sld>

--- a/documents/DATN.pptx
+++ b/documents/DATN.pptx
@@ -898,14 +898,14 @@
         <a:p>
           <a:pPr algn="l"/>
           <a:r>
-            <a:rPr lang="en-US">
+            <a:rPr lang="en-US" dirty="0">
               <a:solidFill>
                 <a:schemeClr val="bg1"/>
               </a:solidFill>
               <a:latin typeface="Times New Roman" panose="02020603050405020304" pitchFamily="18" charset="0"/>
               <a:cs typeface="Times New Roman" panose="02020603050405020304" pitchFamily="18" charset="0"/>
             </a:rPr>
-            <a:t>THỰC TRẠNG</a:t>
+            <a:t>GIỚI THIỆU</a:t>
           </a:r>
         </a:p>
       </dgm:t>
@@ -1592,14 +1592,14 @@
             <a:buNone/>
           </a:pPr>
           <a:r>
-            <a:rPr lang="en-US" sz="3400" kern="1200">
+            <a:rPr lang="en-US" sz="3400" kern="1200" dirty="0">
               <a:solidFill>
                 <a:schemeClr val="bg1"/>
               </a:solidFill>
               <a:latin typeface="Times New Roman" panose="02020603050405020304" pitchFamily="18" charset="0"/>
               <a:cs typeface="Times New Roman" panose="02020603050405020304" pitchFamily="18" charset="0"/>
             </a:rPr>
-            <a:t>THỰC TRẠNG</a:t>
+            <a:t>GIỚI THIỆU</a:t>
           </a:r>
         </a:p>
       </dsp:txBody>
@@ -3960,7 +3960,7 @@
           <a:p>
             <a:fld id="{47B4F0E5-FA5B-4C8E-8772-562A41709B92}" type="datetimeFigureOut">
               <a:rPr lang="de-DE" smtClean="0"/>
-              <a:t>13.07.2022</a:t>
+              <a:t>18.07.2022</a:t>
             </a:fld>
             <a:endParaRPr lang="de-DE"/>
           </a:p>
@@ -5184,7 +5184,7 @@
           <a:p>
             <a:fld id="{9F4FA3F8-F4E3-4DDD-A8C1-F0A5EB9A6C48}" type="datetime1">
               <a:rPr lang="de-DE" smtClean="0"/>
-              <a:t>13.07.2022</a:t>
+              <a:t>18.07.2022</a:t>
             </a:fld>
             <a:endParaRPr lang="de-DE"/>
           </a:p>
@@ -5354,7 +5354,7 @@
           <a:p>
             <a:fld id="{B2575B6D-8322-4BC9-8839-96B3DFDCA2AC}" type="datetime1">
               <a:rPr lang="de-DE" smtClean="0"/>
-              <a:t>13.07.2022</a:t>
+              <a:t>18.07.2022</a:t>
             </a:fld>
             <a:endParaRPr lang="de-DE"/>
           </a:p>
@@ -5534,7 +5534,7 @@
           <a:p>
             <a:fld id="{92685AEF-900B-4F3A-9F76-4EEE9F095A2E}" type="datetime1">
               <a:rPr lang="de-DE" smtClean="0"/>
-              <a:t>13.07.2022</a:t>
+              <a:t>18.07.2022</a:t>
             </a:fld>
             <a:endParaRPr lang="de-DE"/>
           </a:p>
@@ -5720,7 +5720,7 @@
           <a:p>
             <a:fld id="{2752C806-D38C-41BC-B35B-DD506AFAF9F0}" type="datetime1">
               <a:rPr lang="de-DE" smtClean="0"/>
-              <a:t>13.07.2022</a:t>
+              <a:t>18.07.2022</a:t>
             </a:fld>
             <a:endParaRPr lang="de-DE"/>
           </a:p>
@@ -5986,7 +5986,7 @@
           <a:p>
             <a:fld id="{6E339CD7-94F2-47E8-A98C-36FBB9B1B89E}" type="datetime1">
               <a:rPr lang="de-DE" smtClean="0"/>
-              <a:t>13.07.2022</a:t>
+              <a:t>18.07.2022</a:t>
             </a:fld>
             <a:endParaRPr lang="de-DE"/>
           </a:p>
@@ -6218,7 +6218,7 @@
           <a:p>
             <a:fld id="{49C93994-B60C-4267-B09E-6D3413A1848E}" type="datetime1">
               <a:rPr lang="de-DE" smtClean="0"/>
-              <a:t>13.07.2022</a:t>
+              <a:t>18.07.2022</a:t>
             </a:fld>
             <a:endParaRPr lang="de-DE"/>
           </a:p>
@@ -6585,7 +6585,7 @@
           <a:p>
             <a:fld id="{4CAC6C42-9BE1-4B02-B2E4-33E3A2F7A137}" type="datetime1">
               <a:rPr lang="de-DE" smtClean="0"/>
-              <a:t>13.07.2022</a:t>
+              <a:t>18.07.2022</a:t>
             </a:fld>
             <a:endParaRPr lang="de-DE"/>
           </a:p>
@@ -6703,7 +6703,7 @@
           <a:p>
             <a:fld id="{77E91419-0523-4DFB-BE4C-A71716047A94}" type="datetime1">
               <a:rPr lang="de-DE" smtClean="0"/>
-              <a:t>13.07.2022</a:t>
+              <a:t>18.07.2022</a:t>
             </a:fld>
             <a:endParaRPr lang="de-DE"/>
           </a:p>
@@ -6798,7 +6798,7 @@
           <a:p>
             <a:fld id="{FB46E8CC-A018-41F6-9D0D-83D14C1F9F8D}" type="datetime1">
               <a:rPr lang="de-DE" smtClean="0"/>
-              <a:t>13.07.2022</a:t>
+              <a:t>18.07.2022</a:t>
             </a:fld>
             <a:endParaRPr lang="de-DE"/>
           </a:p>
@@ -7075,7 +7075,7 @@
           <a:p>
             <a:fld id="{24BA11C9-51B0-4F3F-A5A3-B5DF064F00E5}" type="datetime1">
               <a:rPr lang="de-DE" smtClean="0"/>
-              <a:t>13.07.2022</a:t>
+              <a:t>18.07.2022</a:t>
             </a:fld>
             <a:endParaRPr lang="de-DE"/>
           </a:p>
@@ -7332,7 +7332,7 @@
           <a:p>
             <a:fld id="{38924669-DE1E-41F3-B4B9-C8C747145D8B}" type="datetime1">
               <a:rPr lang="de-DE" smtClean="0"/>
-              <a:t>13.07.2022</a:t>
+              <a:t>18.07.2022</a:t>
             </a:fld>
             <a:endParaRPr lang="de-DE"/>
           </a:p>
@@ -7555,7 +7555,7 @@
           <a:p>
             <a:fld id="{E896873E-6FE5-4544-8883-D00AC79BE818}" type="datetime1">
               <a:rPr lang="de-DE" smtClean="0"/>
-              <a:t>13.07.2022</a:t>
+              <a:t>18.07.2022</a:t>
             </a:fld>
             <a:endParaRPr lang="de-DE"/>
           </a:p>
@@ -9562,7 +9562,7 @@
           <p:nvPr>
             <p:extLst>
               <p:ext uri="{D42A27DB-BD31-4B8C-83A1-F6EECF244321}">
-                <p14:modId xmlns:p14="http://schemas.microsoft.com/office/powerpoint/2010/main" val="1550499812"/>
+                <p14:modId xmlns:p14="http://schemas.microsoft.com/office/powerpoint/2010/main" val="1238700020"/>
               </p:ext>
             </p:extLst>
           </p:nvPr>
@@ -9744,10 +9744,18 @@
           <a:lstStyle/>
           <a:p>
             <a:r>
-              <a:rPr lang="en-US"/>
-              <a:t>Thực trạng chung</a:t>
-            </a:r>
-            <a:endParaRPr lang="de-DE"/>
+              <a:rPr lang="en-US" dirty="0" err="1"/>
+              <a:t>Giới</a:t>
+            </a:r>
+            <a:r>
+              <a:rPr lang="en-US" dirty="0"/>
+              <a:t> </a:t>
+            </a:r>
+            <a:r>
+              <a:rPr lang="en-US" dirty="0" err="1"/>
+              <a:t>thiệu</a:t>
+            </a:r>
+            <a:endParaRPr lang="de-DE" dirty="0"/>
           </a:p>
         </p:txBody>
       </p:sp>
@@ -9814,21 +9822,20 @@
           <p:nvPr/>
         </p:nvPicPr>
         <p:blipFill>
-          <a:blip r:embed="rId4">
+          <a:blip r:embed="rId4" cstate="print">
             <a:extLst>
               <a:ext uri="{28A0092B-C50C-407E-A947-70E740481C1C}">
                 <a14:useLocalDpi xmlns:a14="http://schemas.microsoft.com/office/drawing/2010/main" val="0"/>
               </a:ext>
             </a:extLst>
           </a:blip>
-          <a:stretch>
-            <a:fillRect/>
-          </a:stretch>
+          <a:srcRect/>
+          <a:stretch/>
         </p:blipFill>
         <p:spPr>
           <a:xfrm>
-            <a:off x="2190094" y="2549922"/>
-            <a:ext cx="450056" cy="607219"/>
+            <a:off x="2190094" y="2564178"/>
+            <a:ext cx="450056" cy="578707"/>
           </a:xfrm>
           <a:prstGeom prst="rect">
             <a:avLst/>
@@ -9844,21 +9851,20 @@
           <p:nvPr/>
         </p:nvPicPr>
         <p:blipFill>
-          <a:blip r:embed="rId5">
+          <a:blip r:embed="rId5" cstate="print">
             <a:extLst>
               <a:ext uri="{28A0092B-C50C-407E-A947-70E740481C1C}">
                 <a14:useLocalDpi xmlns:a14="http://schemas.microsoft.com/office/drawing/2010/main" val="0"/>
               </a:ext>
             </a:extLst>
           </a:blip>
-          <a:stretch>
-            <a:fillRect/>
-          </a:stretch>
+          <a:srcRect/>
+          <a:stretch/>
         </p:blipFill>
         <p:spPr>
           <a:xfrm>
-            <a:off x="1195748" y="3842124"/>
-            <a:ext cx="614363" cy="614363"/>
+            <a:off x="1221112" y="3842124"/>
+            <a:ext cx="563635" cy="614363"/>
           </a:xfrm>
           <a:prstGeom prst="rect">
             <a:avLst/>
@@ -9874,21 +9880,20 @@
           <p:nvPr/>
         </p:nvPicPr>
         <p:blipFill>
-          <a:blip r:embed="rId6">
+          <a:blip r:embed="rId6" cstate="print">
             <a:extLst>
               <a:ext uri="{28A0092B-C50C-407E-A947-70E740481C1C}">
                 <a14:useLocalDpi xmlns:a14="http://schemas.microsoft.com/office/drawing/2010/main" val="0"/>
               </a:ext>
             </a:extLst>
           </a:blip>
-          <a:stretch>
-            <a:fillRect/>
-          </a:stretch>
+          <a:srcRect/>
+          <a:stretch/>
         </p:blipFill>
         <p:spPr>
           <a:xfrm>
-            <a:off x="6772498" y="3842124"/>
-            <a:ext cx="550069" cy="550069"/>
+            <a:off x="6786118" y="3842124"/>
+            <a:ext cx="704180" cy="740869"/>
           </a:xfrm>
           <a:prstGeom prst="rect">
             <a:avLst/>

--- a/documents/DATN.pptx
+++ b/documents/DATN.pptx
@@ -5,19 +5,17 @@
     <p:sldMasterId id="2147483660" r:id="rId1"/>
   </p:sldMasterIdLst>
   <p:notesMasterIdLst>
-    <p:notesMasterId r:id="rId12"/>
+    <p:notesMasterId r:id="rId10"/>
   </p:notesMasterIdLst>
   <p:sldIdLst>
     <p:sldId id="256" r:id="rId2"/>
     <p:sldId id="266" r:id="rId3"/>
     <p:sldId id="257" r:id="rId4"/>
-    <p:sldId id="258" r:id="rId5"/>
-    <p:sldId id="259" r:id="rId6"/>
-    <p:sldId id="269" r:id="rId7"/>
-    <p:sldId id="262" r:id="rId8"/>
-    <p:sldId id="264" r:id="rId9"/>
-    <p:sldId id="265" r:id="rId10"/>
-    <p:sldId id="268" r:id="rId11"/>
+    <p:sldId id="262" r:id="rId5"/>
+    <p:sldId id="258" r:id="rId6"/>
+    <p:sldId id="264" r:id="rId7"/>
+    <p:sldId id="265" r:id="rId8"/>
+    <p:sldId id="268" r:id="rId9"/>
   </p:sldIdLst>
   <p:sldSz cx="9144000" cy="6858000" type="screen4x3"/>
   <p:notesSz cx="6858000" cy="9144000"/>
@@ -932,92 +930,6 @@
         </a:p>
       </dgm:t>
     </dgm:pt>
-    <dgm:pt modelId="{07B3F4E4-DAE0-410E-B9CA-7CC7B29CDDEB}">
-      <dgm:prSet/>
-      <dgm:spPr/>
-      <dgm:t>
-        <a:bodyPr/>
-        <a:lstStyle/>
-        <a:p>
-          <a:pPr algn="l"/>
-          <a:r>
-            <a:rPr lang="en-US">
-              <a:solidFill>
-                <a:schemeClr val="bg1"/>
-              </a:solidFill>
-              <a:latin typeface="Times New Roman" panose="02020603050405020304" pitchFamily="18" charset="0"/>
-              <a:cs typeface="Times New Roman" panose="02020603050405020304" pitchFamily="18" charset="0"/>
-            </a:rPr>
-            <a:t>DEMO</a:t>
-          </a:r>
-        </a:p>
-      </dgm:t>
-    </dgm:pt>
-    <dgm:pt modelId="{0AFD31F0-ECA3-4F54-B0E5-B0EE9CD0A363}" type="parTrans" cxnId="{0EBD01F9-FE60-426A-9991-AEC86A5E1977}">
-      <dgm:prSet/>
-      <dgm:spPr/>
-      <dgm:t>
-        <a:bodyPr/>
-        <a:lstStyle/>
-        <a:p>
-          <a:endParaRPr lang="en-US"/>
-        </a:p>
-      </dgm:t>
-    </dgm:pt>
-    <dgm:pt modelId="{25860D98-54B5-4DC6-8315-2B31FFA71C8D}" type="sibTrans" cxnId="{0EBD01F9-FE60-426A-9991-AEC86A5E1977}">
-      <dgm:prSet/>
-      <dgm:spPr/>
-      <dgm:t>
-        <a:bodyPr/>
-        <a:lstStyle/>
-        <a:p>
-          <a:endParaRPr lang="en-US"/>
-        </a:p>
-      </dgm:t>
-    </dgm:pt>
-    <dgm:pt modelId="{08B0ABFF-8760-4D73-8B97-6ED262F59698}">
-      <dgm:prSet/>
-      <dgm:spPr/>
-      <dgm:t>
-        <a:bodyPr/>
-        <a:lstStyle/>
-        <a:p>
-          <a:pPr algn="l"/>
-          <a:r>
-            <a:rPr lang="en-US">
-              <a:solidFill>
-                <a:schemeClr val="bg1"/>
-              </a:solidFill>
-              <a:latin typeface="Times New Roman" panose="02020603050405020304" pitchFamily="18" charset="0"/>
-              <a:cs typeface="Times New Roman" panose="02020603050405020304" pitchFamily="18" charset="0"/>
-            </a:rPr>
-            <a:t>TỔNG KẾT</a:t>
-          </a:r>
-        </a:p>
-      </dgm:t>
-    </dgm:pt>
-    <dgm:pt modelId="{AE9797E7-E3C7-443C-8119-E7913B4C4CF7}" type="parTrans" cxnId="{74F0AFCC-AF05-4D96-A635-BBF03C6D0D02}">
-      <dgm:prSet/>
-      <dgm:spPr/>
-      <dgm:t>
-        <a:bodyPr/>
-        <a:lstStyle/>
-        <a:p>
-          <a:endParaRPr lang="en-US"/>
-        </a:p>
-      </dgm:t>
-    </dgm:pt>
-    <dgm:pt modelId="{A2371585-D6E9-4FC0-93A7-A471BD53B6AB}" type="sibTrans" cxnId="{74F0AFCC-AF05-4D96-A635-BBF03C6D0D02}">
-      <dgm:prSet/>
-      <dgm:spPr/>
-      <dgm:t>
-        <a:bodyPr/>
-        <a:lstStyle/>
-        <a:p>
-          <a:endParaRPr lang="en-US"/>
-        </a:p>
-      </dgm:t>
-    </dgm:pt>
     <dgm:pt modelId="{A0E85583-6C46-46EA-A9B4-15C05ABE4F2E}">
       <dgm:prSet/>
       <dgm:spPr/>
@@ -1027,14 +939,14 @@
         <a:p>
           <a:pPr algn="l"/>
           <a:r>
-            <a:rPr lang="en-US">
+            <a:rPr lang="en-US" dirty="0">
               <a:solidFill>
                 <a:schemeClr val="bg1"/>
               </a:solidFill>
               <a:latin typeface="Times New Roman" panose="02020603050405020304" pitchFamily="18" charset="0"/>
               <a:cs typeface="Times New Roman" panose="02020603050405020304" pitchFamily="18" charset="0"/>
             </a:rPr>
-            <a:t>TỔNG QUAN HỆ THỐNG</a:t>
+            <a:t>PHÂN TÍCH HỆ THỐNG</a:t>
           </a:r>
         </a:p>
       </dgm:t>
@@ -1061,7 +973,7 @@
         </a:p>
       </dgm:t>
     </dgm:pt>
-    <dgm:pt modelId="{007D253A-D8E4-4DB1-87D6-97CB3400ABE2}">
+    <dgm:pt modelId="{B235FA58-5A69-4F74-BDC9-39BB7437D648}">
       <dgm:prSet/>
       <dgm:spPr/>
       <dgm:t>
@@ -1077,94 +989,15 @@
               <a:latin typeface="Times New Roman" panose="02020603050405020304" pitchFamily="18" charset="0"/>
               <a:cs typeface="Times New Roman" panose="02020603050405020304" pitchFamily="18" charset="0"/>
             </a:rPr>
-            <a:t>CHỨC NĂNG</a:t>
+            <a:t>TỔNG KẾTDEMO</a:t>
           </a:r>
-        </a:p>
-      </dgm:t>
-    </dgm:pt>
-    <dgm:pt modelId="{AAB0FDEB-9760-473B-8812-47662A7ED2FF}" type="parTrans" cxnId="{C4D5B4C0-4AF5-40A3-938E-C8662FEF6621}">
-      <dgm:prSet/>
-      <dgm:spPr/>
-      <dgm:t>
-        <a:bodyPr/>
-        <a:lstStyle/>
-        <a:p>
-          <a:endParaRPr lang="en-US"/>
-        </a:p>
-      </dgm:t>
-    </dgm:pt>
-    <dgm:pt modelId="{6A3BA81C-C29D-42D5-8F8A-863F9BF9B7E5}" type="sibTrans" cxnId="{C4D5B4C0-4AF5-40A3-938E-C8662FEF6621}">
-      <dgm:prSet/>
-      <dgm:spPr/>
-      <dgm:t>
-        <a:bodyPr/>
-        <a:lstStyle/>
-        <a:p>
-          <a:endParaRPr lang="en-US"/>
-        </a:p>
-      </dgm:t>
-    </dgm:pt>
-    <dgm:pt modelId="{FAE02DE8-8877-417C-BB21-D262DBF52A1C}">
-      <dgm:prSet/>
-      <dgm:spPr/>
-      <dgm:t>
-        <a:bodyPr/>
-        <a:lstStyle/>
-        <a:p>
-          <a:pPr algn="l"/>
-          <a:r>
-            <a:rPr lang="en-US">
-              <a:solidFill>
-                <a:schemeClr val="bg1"/>
-              </a:solidFill>
-              <a:latin typeface="Times New Roman" panose="02020603050405020304" pitchFamily="18" charset="0"/>
-              <a:cs typeface="Times New Roman" panose="02020603050405020304" pitchFamily="18" charset="0"/>
-            </a:rPr>
-            <a:t>CƠ SỞ DỮ LIỆU</a:t>
-          </a:r>
-        </a:p>
-      </dgm:t>
-    </dgm:pt>
-    <dgm:pt modelId="{BB98E9AD-7688-41DA-A5C9-4066B2A1CCD5}" type="sibTrans" cxnId="{3B3E5E8A-F3DB-4C8A-B30B-5F015D090538}">
-      <dgm:prSet/>
-      <dgm:spPr/>
-      <dgm:t>
-        <a:bodyPr/>
-        <a:lstStyle/>
-        <a:p>
-          <a:endParaRPr lang="en-US"/>
-        </a:p>
-      </dgm:t>
-    </dgm:pt>
-    <dgm:pt modelId="{57300E30-D831-4800-8034-CF548A6B5C00}" type="parTrans" cxnId="{3B3E5E8A-F3DB-4C8A-B30B-5F015D090538}">
-      <dgm:prSet/>
-      <dgm:spPr/>
-      <dgm:t>
-        <a:bodyPr/>
-        <a:lstStyle/>
-        <a:p>
-          <a:endParaRPr lang="en-US"/>
-        </a:p>
-      </dgm:t>
-    </dgm:pt>
-    <dgm:pt modelId="{B235FA58-5A69-4F74-BDC9-39BB7437D648}">
-      <dgm:prSet/>
-      <dgm:spPr/>
-      <dgm:t>
-        <a:bodyPr/>
-        <a:lstStyle/>
-        <a:p>
-          <a:pPr algn="l"/>
-          <a:r>
-            <a:rPr lang="en-US" dirty="0">
-              <a:solidFill>
-                <a:schemeClr val="bg1"/>
-              </a:solidFill>
-              <a:latin typeface="Times New Roman" panose="02020603050405020304" pitchFamily="18" charset="0"/>
-              <a:cs typeface="Times New Roman" panose="02020603050405020304" pitchFamily="18" charset="0"/>
-            </a:rPr>
-            <a:t>CÔNG NGHỆ</a:t>
-          </a:r>
+          <a:endParaRPr lang="en-US" dirty="0">
+            <a:solidFill>
+              <a:schemeClr val="bg1"/>
+            </a:solidFill>
+            <a:latin typeface="Times New Roman" panose="02020603050405020304" pitchFamily="18" charset="0"/>
+            <a:cs typeface="Times New Roman" panose="02020603050405020304" pitchFamily="18" charset="0"/>
+          </a:endParaRPr>
         </a:p>
       </dgm:t>
     </dgm:pt>
@@ -1190,6 +1023,49 @@
         </a:p>
       </dgm:t>
     </dgm:pt>
+    <dgm:pt modelId="{007D253A-D8E4-4DB1-87D6-97CB3400ABE2}">
+      <dgm:prSet/>
+      <dgm:spPr/>
+      <dgm:t>
+        <a:bodyPr/>
+        <a:lstStyle/>
+        <a:p>
+          <a:pPr algn="l"/>
+          <a:r>
+            <a:rPr lang="en-US" dirty="0">
+              <a:solidFill>
+                <a:schemeClr val="bg1"/>
+              </a:solidFill>
+              <a:latin typeface="Times New Roman" panose="02020603050405020304" pitchFamily="18" charset="0"/>
+              <a:cs typeface="Times New Roman" panose="02020603050405020304" pitchFamily="18" charset="0"/>
+            </a:rPr>
+            <a:t>DEMO</a:t>
+          </a:r>
+        </a:p>
+      </dgm:t>
+    </dgm:pt>
+    <dgm:pt modelId="{6A3BA81C-C29D-42D5-8F8A-863F9BF9B7E5}" type="sibTrans" cxnId="{C4D5B4C0-4AF5-40A3-938E-C8662FEF6621}">
+      <dgm:prSet/>
+      <dgm:spPr/>
+      <dgm:t>
+        <a:bodyPr/>
+        <a:lstStyle/>
+        <a:p>
+          <a:endParaRPr lang="en-US"/>
+        </a:p>
+      </dgm:t>
+    </dgm:pt>
+    <dgm:pt modelId="{AAB0FDEB-9760-473B-8812-47662A7ED2FF}" type="parTrans" cxnId="{C4D5B4C0-4AF5-40A3-938E-C8662FEF6621}">
+      <dgm:prSet/>
+      <dgm:spPr/>
+      <dgm:t>
+        <a:bodyPr/>
+        <a:lstStyle/>
+        <a:p>
+          <a:endParaRPr lang="en-US"/>
+        </a:p>
+      </dgm:t>
+    </dgm:pt>
     <dgm:pt modelId="{EA6E8EB6-F97F-4048-83FD-2B58D315673B}" type="pres">
       <dgm:prSet presAssocID="{40793FB4-7277-4BC1-9C85-00F330C31225}" presName="linearFlow" presStyleCnt="0">
         <dgm:presLayoutVars>
@@ -1204,7 +1080,7 @@
       <dgm:spPr/>
     </dgm:pt>
     <dgm:pt modelId="{CD9105A0-9B74-44E3-92E4-D86C21EDFEE0}" type="pres">
-      <dgm:prSet presAssocID="{E83EAE5D-7288-47C9-B6E4-AFA73CCAD23C}" presName="imgShp" presStyleLbl="fgImgPlace1" presStyleIdx="0" presStyleCnt="7"/>
+      <dgm:prSet presAssocID="{E83EAE5D-7288-47C9-B6E4-AFA73CCAD23C}" presName="imgShp" presStyleLbl="fgImgPlace1" presStyleIdx="0" presStyleCnt="4"/>
       <dgm:spPr>
         <a:blipFill>
           <a:blip xmlns:r="http://schemas.openxmlformats.org/officeDocument/2006/relationships" r:embed="rId1" cstate="print">
@@ -1222,7 +1098,7 @@
       </dgm:spPr>
     </dgm:pt>
     <dgm:pt modelId="{646017B0-2186-43AA-8B88-00C85A8E6001}" type="pres">
-      <dgm:prSet presAssocID="{E83EAE5D-7288-47C9-B6E4-AFA73CCAD23C}" presName="txShp" presStyleLbl="node1" presStyleIdx="0" presStyleCnt="7">
+      <dgm:prSet presAssocID="{E83EAE5D-7288-47C9-B6E4-AFA73CCAD23C}" presName="txShp" presStyleLbl="node1" presStyleIdx="0" presStyleCnt="4">
         <dgm:presLayoutVars>
           <dgm:bulletEnabled val="1"/>
         </dgm:presLayoutVars>
@@ -1238,7 +1114,7 @@
       <dgm:spPr/>
     </dgm:pt>
     <dgm:pt modelId="{6D3925D2-90A9-414E-B6BB-F1C53D123784}" type="pres">
-      <dgm:prSet presAssocID="{A0E85583-6C46-46EA-A9B4-15C05ABE4F2E}" presName="imgShp" presStyleLbl="fgImgPlace1" presStyleIdx="1" presStyleCnt="7"/>
+      <dgm:prSet presAssocID="{A0E85583-6C46-46EA-A9B4-15C05ABE4F2E}" presName="imgShp" presStyleLbl="fgImgPlace1" presStyleIdx="1" presStyleCnt="4"/>
       <dgm:spPr>
         <a:blipFill>
           <a:blip xmlns:r="http://schemas.openxmlformats.org/officeDocument/2006/relationships" r:embed="rId2" cstate="print">
@@ -1256,7 +1132,7 @@
       </dgm:spPr>
     </dgm:pt>
     <dgm:pt modelId="{328D3233-0660-4654-9753-1CFA49E48D43}" type="pres">
-      <dgm:prSet presAssocID="{A0E85583-6C46-46EA-A9B4-15C05ABE4F2E}" presName="txShp" presStyleLbl="node1" presStyleIdx="1" presStyleCnt="7">
+      <dgm:prSet presAssocID="{A0E85583-6C46-46EA-A9B4-15C05ABE4F2E}" presName="txShp" presStyleLbl="node1" presStyleIdx="1" presStyleCnt="4">
         <dgm:presLayoutVars>
           <dgm:bulletEnabled val="1"/>
         </dgm:presLayoutVars>
@@ -1272,7 +1148,7 @@
       <dgm:spPr/>
     </dgm:pt>
     <dgm:pt modelId="{C2A00E8C-7074-4C1E-9C81-0746A74825C9}" type="pres">
-      <dgm:prSet presAssocID="{007D253A-D8E4-4DB1-87D6-97CB3400ABE2}" presName="imgShp" presStyleLbl="fgImgPlace1" presStyleIdx="2" presStyleCnt="7"/>
+      <dgm:prSet presAssocID="{007D253A-D8E4-4DB1-87D6-97CB3400ABE2}" presName="imgShp" presStyleLbl="fgImgPlace1" presStyleIdx="2" presStyleCnt="4"/>
       <dgm:spPr>
         <a:blipFill>
           <a:blip xmlns:r="http://schemas.openxmlformats.org/officeDocument/2006/relationships" r:embed="rId3" cstate="print">
@@ -1290,7 +1166,7 @@
       </dgm:spPr>
     </dgm:pt>
     <dgm:pt modelId="{A4AB7DE9-3496-4DA4-B0BC-001DFBA01CB0}" type="pres">
-      <dgm:prSet presAssocID="{007D253A-D8E4-4DB1-87D6-97CB3400ABE2}" presName="txShp" presStyleLbl="node1" presStyleIdx="2" presStyleCnt="7">
+      <dgm:prSet presAssocID="{007D253A-D8E4-4DB1-87D6-97CB3400ABE2}" presName="txShp" presStyleLbl="node1" presStyleIdx="2" presStyleCnt="4">
         <dgm:presLayoutVars>
           <dgm:bulletEnabled val="1"/>
         </dgm:presLayoutVars>
@@ -1306,7 +1182,7 @@
       <dgm:spPr/>
     </dgm:pt>
     <dgm:pt modelId="{A2D8EC38-22A1-44B0-8456-91A93B21C990}" type="pres">
-      <dgm:prSet presAssocID="{B235FA58-5A69-4F74-BDC9-39BB7437D648}" presName="imgShp" presStyleLbl="fgImgPlace1" presStyleIdx="3" presStyleCnt="7"/>
+      <dgm:prSet presAssocID="{B235FA58-5A69-4F74-BDC9-39BB7437D648}" presName="imgShp" presStyleLbl="fgImgPlace1" presStyleIdx="3" presStyleCnt="4"/>
       <dgm:spPr>
         <a:blipFill>
           <a:blip xmlns:r="http://schemas.openxmlformats.org/officeDocument/2006/relationships" r:embed="rId4" cstate="print">
@@ -1324,109 +1200,7 @@
       </dgm:spPr>
     </dgm:pt>
     <dgm:pt modelId="{0B143BCB-7255-4461-B7FB-BB2664301E21}" type="pres">
-      <dgm:prSet presAssocID="{B235FA58-5A69-4F74-BDC9-39BB7437D648}" presName="txShp" presStyleLbl="node1" presStyleIdx="3" presStyleCnt="7">
-        <dgm:presLayoutVars>
-          <dgm:bulletEnabled val="1"/>
-        </dgm:presLayoutVars>
-      </dgm:prSet>
-      <dgm:spPr/>
-    </dgm:pt>
-    <dgm:pt modelId="{BDF8D332-9A05-42B6-96DC-B820EE3693D1}" type="pres">
-      <dgm:prSet presAssocID="{2F39F3F1-CBD9-4395-AACB-65DB6369D1C6}" presName="spacing" presStyleCnt="0"/>
-      <dgm:spPr/>
-    </dgm:pt>
-    <dgm:pt modelId="{A572BD3B-73B7-4178-AE77-BB87441D0E32}" type="pres">
-      <dgm:prSet presAssocID="{FAE02DE8-8877-417C-BB21-D262DBF52A1C}" presName="composite" presStyleCnt="0"/>
-      <dgm:spPr/>
-    </dgm:pt>
-    <dgm:pt modelId="{9019A78D-3B1D-490F-BA04-50C2A63132D5}" type="pres">
-      <dgm:prSet presAssocID="{FAE02DE8-8877-417C-BB21-D262DBF52A1C}" presName="imgShp" presStyleLbl="fgImgPlace1" presStyleIdx="4" presStyleCnt="7"/>
-      <dgm:spPr>
-        <a:blipFill>
-          <a:blip xmlns:r="http://schemas.openxmlformats.org/officeDocument/2006/relationships" r:embed="rId5" cstate="print">
-            <a:extLst>
-              <a:ext uri="{28A0092B-C50C-407E-A947-70E740481C1C}">
-                <a14:useLocalDpi xmlns:a14="http://schemas.microsoft.com/office/drawing/2010/main" val="0"/>
-              </a:ext>
-            </a:extLst>
-          </a:blip>
-          <a:srcRect/>
-          <a:stretch>
-            <a:fillRect/>
-          </a:stretch>
-        </a:blipFill>
-      </dgm:spPr>
-    </dgm:pt>
-    <dgm:pt modelId="{565A664B-89F0-4EBC-90C5-083C12FEC352}" type="pres">
-      <dgm:prSet presAssocID="{FAE02DE8-8877-417C-BB21-D262DBF52A1C}" presName="txShp" presStyleLbl="node1" presStyleIdx="4" presStyleCnt="7">
-        <dgm:presLayoutVars>
-          <dgm:bulletEnabled val="1"/>
-        </dgm:presLayoutVars>
-      </dgm:prSet>
-      <dgm:spPr/>
-    </dgm:pt>
-    <dgm:pt modelId="{FB6EF7AB-2F2D-461A-A8C9-5E65898A4264}" type="pres">
-      <dgm:prSet presAssocID="{BB98E9AD-7688-41DA-A5C9-4066B2A1CCD5}" presName="spacing" presStyleCnt="0"/>
-      <dgm:spPr/>
-    </dgm:pt>
-    <dgm:pt modelId="{6F955D4E-BBA7-44C1-B2DD-09081FCD5454}" type="pres">
-      <dgm:prSet presAssocID="{07B3F4E4-DAE0-410E-B9CA-7CC7B29CDDEB}" presName="composite" presStyleCnt="0"/>
-      <dgm:spPr/>
-    </dgm:pt>
-    <dgm:pt modelId="{3311EEC5-9E7C-411D-9F9B-90B9EC8C302A}" type="pres">
-      <dgm:prSet presAssocID="{07B3F4E4-DAE0-410E-B9CA-7CC7B29CDDEB}" presName="imgShp" presStyleLbl="fgImgPlace1" presStyleIdx="5" presStyleCnt="7"/>
-      <dgm:spPr>
-        <a:blipFill>
-          <a:blip xmlns:r="http://schemas.openxmlformats.org/officeDocument/2006/relationships" r:embed="rId6" cstate="print">
-            <a:extLst>
-              <a:ext uri="{28A0092B-C50C-407E-A947-70E740481C1C}">
-                <a14:useLocalDpi xmlns:a14="http://schemas.microsoft.com/office/drawing/2010/main" val="0"/>
-              </a:ext>
-            </a:extLst>
-          </a:blip>
-          <a:srcRect/>
-          <a:stretch>
-            <a:fillRect/>
-          </a:stretch>
-        </a:blipFill>
-      </dgm:spPr>
-    </dgm:pt>
-    <dgm:pt modelId="{9D63E5E5-1DF3-4105-B145-83B750EFA732}" type="pres">
-      <dgm:prSet presAssocID="{07B3F4E4-DAE0-410E-B9CA-7CC7B29CDDEB}" presName="txShp" presStyleLbl="node1" presStyleIdx="5" presStyleCnt="7">
-        <dgm:presLayoutVars>
-          <dgm:bulletEnabled val="1"/>
-        </dgm:presLayoutVars>
-      </dgm:prSet>
-      <dgm:spPr/>
-    </dgm:pt>
-    <dgm:pt modelId="{89AC8832-A1D1-47FD-8CA5-077438DD8D07}" type="pres">
-      <dgm:prSet presAssocID="{25860D98-54B5-4DC6-8315-2B31FFA71C8D}" presName="spacing" presStyleCnt="0"/>
-      <dgm:spPr/>
-    </dgm:pt>
-    <dgm:pt modelId="{84E6D466-7C5C-4DDE-87E7-CC4FF0C57402}" type="pres">
-      <dgm:prSet presAssocID="{08B0ABFF-8760-4D73-8B97-6ED262F59698}" presName="composite" presStyleCnt="0"/>
-      <dgm:spPr/>
-    </dgm:pt>
-    <dgm:pt modelId="{1F52C7BE-148A-4B9D-98C8-8ABAE6FD9A5D}" type="pres">
-      <dgm:prSet presAssocID="{08B0ABFF-8760-4D73-8B97-6ED262F59698}" presName="imgShp" presStyleLbl="fgImgPlace1" presStyleIdx="6" presStyleCnt="7"/>
-      <dgm:spPr>
-        <a:blipFill>
-          <a:blip xmlns:r="http://schemas.openxmlformats.org/officeDocument/2006/relationships" r:embed="rId7" cstate="print">
-            <a:extLst>
-              <a:ext uri="{28A0092B-C50C-407E-A947-70E740481C1C}">
-                <a14:useLocalDpi xmlns:a14="http://schemas.microsoft.com/office/drawing/2010/main" val="0"/>
-              </a:ext>
-            </a:extLst>
-          </a:blip>
-          <a:srcRect/>
-          <a:stretch>
-            <a:fillRect/>
-          </a:stretch>
-        </a:blipFill>
-      </dgm:spPr>
-    </dgm:pt>
-    <dgm:pt modelId="{57966BE9-7BE3-477F-BACD-DEBEC538C119}" type="pres">
-      <dgm:prSet presAssocID="{08B0ABFF-8760-4D73-8B97-6ED262F59698}" presName="txShp" presStyleLbl="node1" presStyleIdx="6" presStyleCnt="7">
+      <dgm:prSet presAssocID="{B235FA58-5A69-4F74-BDC9-39BB7437D648}" presName="txShp" presStyleLbl="node1" presStyleIdx="3" presStyleCnt="4">
         <dgm:presLayoutVars>
           <dgm:bulletEnabled val="1"/>
         </dgm:presLayoutVars>
@@ -1437,19 +1211,13 @@
   <dgm:cxnLst>
     <dgm:cxn modelId="{0346931F-B158-4AF7-8FA9-48BC484BC605}" type="presOf" srcId="{B235FA58-5A69-4F74-BDC9-39BB7437D648}" destId="{0B143BCB-7255-4461-B7FB-BB2664301E21}" srcOrd="0" destOrd="0" presId="urn:microsoft.com/office/officeart/2005/8/layout/vList3"/>
     <dgm:cxn modelId="{5E735627-3D2A-414D-9839-86AEF61BABF9}" type="presOf" srcId="{A0E85583-6C46-46EA-A9B4-15C05ABE4F2E}" destId="{328D3233-0660-4654-9753-1CFA49E48D43}" srcOrd="0" destOrd="0" presId="urn:microsoft.com/office/officeart/2005/8/layout/vList3"/>
-    <dgm:cxn modelId="{8D46D134-8A73-4E06-9633-6AD9F9A9F345}" type="presOf" srcId="{FAE02DE8-8877-417C-BB21-D262DBF52A1C}" destId="{565A664B-89F0-4EBC-90C5-083C12FEC352}" srcOrd="0" destOrd="0" presId="urn:microsoft.com/office/officeart/2005/8/layout/vList3"/>
     <dgm:cxn modelId="{DEDB5C3D-5E9B-47A3-B54E-993F21D8D194}" srcId="{40793FB4-7277-4BC1-9C85-00F330C31225}" destId="{B235FA58-5A69-4F74-BDC9-39BB7437D648}" srcOrd="3" destOrd="0" parTransId="{CBBC2FB1-35F5-4D31-8152-901B7E4A19DE}" sibTransId="{2F39F3F1-CBD9-4395-AACB-65DB6369D1C6}"/>
     <dgm:cxn modelId="{21A2993F-3882-4940-893B-F8C38F081AAF}" type="presOf" srcId="{40793FB4-7277-4BC1-9C85-00F330C31225}" destId="{EA6E8EB6-F97F-4048-83FD-2B58D315673B}" srcOrd="0" destOrd="0" presId="urn:microsoft.com/office/officeart/2005/8/layout/vList3"/>
     <dgm:cxn modelId="{CDF2E56B-D0D7-48C4-8B21-9C16F582E7B9}" type="presOf" srcId="{007D253A-D8E4-4DB1-87D6-97CB3400ABE2}" destId="{A4AB7DE9-3496-4DA4-B0BC-001DFBA01CB0}" srcOrd="0" destOrd="0" presId="urn:microsoft.com/office/officeart/2005/8/layout/vList3"/>
-    <dgm:cxn modelId="{CD5AB771-A615-43FD-A900-5CC2CBFD43D0}" type="presOf" srcId="{07B3F4E4-DAE0-410E-B9CA-7CC7B29CDDEB}" destId="{9D63E5E5-1DF3-4105-B145-83B750EFA732}" srcOrd="0" destOrd="0" presId="urn:microsoft.com/office/officeart/2005/8/layout/vList3"/>
-    <dgm:cxn modelId="{3B3E5E8A-F3DB-4C8A-B30B-5F015D090538}" srcId="{40793FB4-7277-4BC1-9C85-00F330C31225}" destId="{FAE02DE8-8877-417C-BB21-D262DBF52A1C}" srcOrd="4" destOrd="0" parTransId="{57300E30-D831-4800-8034-CF548A6B5C00}" sibTransId="{BB98E9AD-7688-41DA-A5C9-4066B2A1CCD5}"/>
-    <dgm:cxn modelId="{CA08D2B5-1578-431F-B914-529218354D0C}" type="presOf" srcId="{08B0ABFF-8760-4D73-8B97-6ED262F59698}" destId="{57966BE9-7BE3-477F-BACD-DEBEC538C119}" srcOrd="0" destOrd="0" presId="urn:microsoft.com/office/officeart/2005/8/layout/vList3"/>
     <dgm:cxn modelId="{C4D5B4C0-4AF5-40A3-938E-C8662FEF6621}" srcId="{40793FB4-7277-4BC1-9C85-00F330C31225}" destId="{007D253A-D8E4-4DB1-87D6-97CB3400ABE2}" srcOrd="2" destOrd="0" parTransId="{AAB0FDEB-9760-473B-8812-47662A7ED2FF}" sibTransId="{6A3BA81C-C29D-42D5-8F8A-863F9BF9B7E5}"/>
     <dgm:cxn modelId="{ACE6A9C3-75C5-453C-84F4-E075B5A5CA7C}" type="presOf" srcId="{E83EAE5D-7288-47C9-B6E4-AFA73CCAD23C}" destId="{646017B0-2186-43AA-8B88-00C85A8E6001}" srcOrd="0" destOrd="0" presId="urn:microsoft.com/office/officeart/2005/8/layout/vList3"/>
-    <dgm:cxn modelId="{74F0AFCC-AF05-4D96-A635-BBF03C6D0D02}" srcId="{40793FB4-7277-4BC1-9C85-00F330C31225}" destId="{08B0ABFF-8760-4D73-8B97-6ED262F59698}" srcOrd="6" destOrd="0" parTransId="{AE9797E7-E3C7-443C-8119-E7913B4C4CF7}" sibTransId="{A2371585-D6E9-4FC0-93A7-A471BD53B6AB}"/>
     <dgm:cxn modelId="{7A56D9D7-3718-4B96-A046-D2ED98F43841}" srcId="{40793FB4-7277-4BC1-9C85-00F330C31225}" destId="{A0E85583-6C46-46EA-A9B4-15C05ABE4F2E}" srcOrd="1" destOrd="0" parTransId="{B1B6DDDD-2F0C-489A-B368-22807F5BF21E}" sibTransId="{9CA5EE2B-1D99-4BF8-BC37-1B2B921418E5}"/>
     <dgm:cxn modelId="{3F4725DB-C180-4877-9611-487F09D33A67}" srcId="{40793FB4-7277-4BC1-9C85-00F330C31225}" destId="{E83EAE5D-7288-47C9-B6E4-AFA73CCAD23C}" srcOrd="0" destOrd="0" parTransId="{47C85E42-FCA3-420F-9ED5-BB03659F8F9B}" sibTransId="{C974FCA8-1069-4268-B4AE-22B77F5738FB}"/>
-    <dgm:cxn modelId="{0EBD01F9-FE60-426A-9991-AEC86A5E1977}" srcId="{40793FB4-7277-4BC1-9C85-00F330C31225}" destId="{07B3F4E4-DAE0-410E-B9CA-7CC7B29CDDEB}" srcOrd="5" destOrd="0" parTransId="{0AFD31F0-ECA3-4F54-B0E5-B0EE9CD0A363}" sibTransId="{25860D98-54B5-4DC6-8315-2B31FFA71C8D}"/>
     <dgm:cxn modelId="{F51619A2-F830-462A-BA9F-BF81BF9A3666}" type="presParOf" srcId="{EA6E8EB6-F97F-4048-83FD-2B58D315673B}" destId="{9962822B-FB22-42F9-B6FF-AD8298931554}" srcOrd="0" destOrd="0" presId="urn:microsoft.com/office/officeart/2005/8/layout/vList3"/>
     <dgm:cxn modelId="{FDFB0F74-7A98-465E-B40C-BE6A202246BC}" type="presParOf" srcId="{9962822B-FB22-42F9-B6FF-AD8298931554}" destId="{CD9105A0-9B74-44E3-92E4-D86C21EDFEE0}" srcOrd="0" destOrd="0" presId="urn:microsoft.com/office/officeart/2005/8/layout/vList3"/>
     <dgm:cxn modelId="{9760D238-B945-4F1E-B63A-A831EB51522C}" type="presParOf" srcId="{9962822B-FB22-42F9-B6FF-AD8298931554}" destId="{646017B0-2186-43AA-8B88-00C85A8E6001}" srcOrd="1" destOrd="0" presId="urn:microsoft.com/office/officeart/2005/8/layout/vList3"/>
@@ -1465,18 +1233,6 @@
     <dgm:cxn modelId="{EDAEC598-0FAD-4CB3-B867-68130110BABE}" type="presParOf" srcId="{EA6E8EB6-F97F-4048-83FD-2B58D315673B}" destId="{3EAD5AF4-9A3A-4C4F-A3CF-4EC2AA59B1D4}" srcOrd="6" destOrd="0" presId="urn:microsoft.com/office/officeart/2005/8/layout/vList3"/>
     <dgm:cxn modelId="{604C69EB-E6D2-44A1-81DE-BB2CD43DBAED}" type="presParOf" srcId="{3EAD5AF4-9A3A-4C4F-A3CF-4EC2AA59B1D4}" destId="{A2D8EC38-22A1-44B0-8456-91A93B21C990}" srcOrd="0" destOrd="0" presId="urn:microsoft.com/office/officeart/2005/8/layout/vList3"/>
     <dgm:cxn modelId="{D482E8CB-79D6-4576-A445-1C2D18DD6192}" type="presParOf" srcId="{3EAD5AF4-9A3A-4C4F-A3CF-4EC2AA59B1D4}" destId="{0B143BCB-7255-4461-B7FB-BB2664301E21}" srcOrd="1" destOrd="0" presId="urn:microsoft.com/office/officeart/2005/8/layout/vList3"/>
-    <dgm:cxn modelId="{6E4E212A-D413-40AD-AE76-5E42736A47FB}" type="presParOf" srcId="{EA6E8EB6-F97F-4048-83FD-2B58D315673B}" destId="{BDF8D332-9A05-42B6-96DC-B820EE3693D1}" srcOrd="7" destOrd="0" presId="urn:microsoft.com/office/officeart/2005/8/layout/vList3"/>
-    <dgm:cxn modelId="{6B879188-77F3-43A3-BABE-D31F92000995}" type="presParOf" srcId="{EA6E8EB6-F97F-4048-83FD-2B58D315673B}" destId="{A572BD3B-73B7-4178-AE77-BB87441D0E32}" srcOrd="8" destOrd="0" presId="urn:microsoft.com/office/officeart/2005/8/layout/vList3"/>
-    <dgm:cxn modelId="{2ABDD973-6F19-4819-A9A8-81680DE8E002}" type="presParOf" srcId="{A572BD3B-73B7-4178-AE77-BB87441D0E32}" destId="{9019A78D-3B1D-490F-BA04-50C2A63132D5}" srcOrd="0" destOrd="0" presId="urn:microsoft.com/office/officeart/2005/8/layout/vList3"/>
-    <dgm:cxn modelId="{58E32C2A-555F-461B-8ED1-76361E8B3D60}" type="presParOf" srcId="{A572BD3B-73B7-4178-AE77-BB87441D0E32}" destId="{565A664B-89F0-4EBC-90C5-083C12FEC352}" srcOrd="1" destOrd="0" presId="urn:microsoft.com/office/officeart/2005/8/layout/vList3"/>
-    <dgm:cxn modelId="{D0AAE21F-B21A-48EF-81ED-754F2FD8EF94}" type="presParOf" srcId="{EA6E8EB6-F97F-4048-83FD-2B58D315673B}" destId="{FB6EF7AB-2F2D-461A-A8C9-5E65898A4264}" srcOrd="9" destOrd="0" presId="urn:microsoft.com/office/officeart/2005/8/layout/vList3"/>
-    <dgm:cxn modelId="{BD96092F-7FDA-4633-AD0C-6CDF022D8472}" type="presParOf" srcId="{EA6E8EB6-F97F-4048-83FD-2B58D315673B}" destId="{6F955D4E-BBA7-44C1-B2DD-09081FCD5454}" srcOrd="10" destOrd="0" presId="urn:microsoft.com/office/officeart/2005/8/layout/vList3"/>
-    <dgm:cxn modelId="{0FA6FD90-704D-4E33-A31D-AC928A08153C}" type="presParOf" srcId="{6F955D4E-BBA7-44C1-B2DD-09081FCD5454}" destId="{3311EEC5-9E7C-411D-9F9B-90B9EC8C302A}" srcOrd="0" destOrd="0" presId="urn:microsoft.com/office/officeart/2005/8/layout/vList3"/>
-    <dgm:cxn modelId="{FFCD3064-E73F-46AA-9063-B0F3348024BD}" type="presParOf" srcId="{6F955D4E-BBA7-44C1-B2DD-09081FCD5454}" destId="{9D63E5E5-1DF3-4105-B145-83B750EFA732}" srcOrd="1" destOrd="0" presId="urn:microsoft.com/office/officeart/2005/8/layout/vList3"/>
-    <dgm:cxn modelId="{0D9EFC87-DC18-44A1-A146-968406651C4B}" type="presParOf" srcId="{EA6E8EB6-F97F-4048-83FD-2B58D315673B}" destId="{89AC8832-A1D1-47FD-8CA5-077438DD8D07}" srcOrd="11" destOrd="0" presId="urn:microsoft.com/office/officeart/2005/8/layout/vList3"/>
-    <dgm:cxn modelId="{4514E7A2-4840-4DCE-8438-DF77E3F28B75}" type="presParOf" srcId="{EA6E8EB6-F97F-4048-83FD-2B58D315673B}" destId="{84E6D466-7C5C-4DDE-87E7-CC4FF0C57402}" srcOrd="12" destOrd="0" presId="urn:microsoft.com/office/officeart/2005/8/layout/vList3"/>
-    <dgm:cxn modelId="{6AD519C8-973B-4E61-A713-BAB92DA1511D}" type="presParOf" srcId="{84E6D466-7C5C-4DDE-87E7-CC4FF0C57402}" destId="{1F52C7BE-148A-4B9D-98C8-8ABAE6FD9A5D}" srcOrd="0" destOrd="0" presId="urn:microsoft.com/office/officeart/2005/8/layout/vList3"/>
-    <dgm:cxn modelId="{2A7AEA25-30BB-4B1B-91D1-5EE7B7CE1706}" type="presParOf" srcId="{84E6D466-7C5C-4DDE-87E7-CC4FF0C57402}" destId="{57966BE9-7BE3-477F-BACD-DEBEC538C119}" srcOrd="1" destOrd="0" presId="urn:microsoft.com/office/officeart/2005/8/layout/vList3"/>
   </dgm:cxnLst>
   <dgm:bg/>
   <dgm:whole/>
@@ -1503,8 +1259,8 @@
       </dsp:nvSpPr>
       <dsp:spPr>
         <a:xfrm rot="10800000">
-          <a:off x="1621772" y="4930"/>
-          <a:ext cx="5692388" cy="751903"/>
+          <a:off x="1771593" y="2558"/>
+          <a:ext cx="5692388" cy="1351185"/>
         </a:xfrm>
         <a:prstGeom prst="homePlate">
           <a:avLst/>
@@ -1574,12 +1330,12 @@
         </a:fontRef>
       </dsp:style>
       <dsp:txBody>
-        <a:bodyPr spcFirstLastPara="0" vert="horz" wrap="square" lIns="331568" tIns="129540" rIns="241808" bIns="129540" numCol="1" spcCol="1270" anchor="ctr" anchorCtr="0">
+        <a:bodyPr spcFirstLastPara="0" vert="horz" wrap="square" lIns="595835" tIns="148590" rIns="277368" bIns="148590" numCol="1" spcCol="1270" anchor="ctr" anchorCtr="0">
           <a:noAutofit/>
         </a:bodyPr>
         <a:lstStyle/>
         <a:p>
-          <a:pPr marL="0" lvl="0" indent="0" algn="l" defTabSz="1511300">
+          <a:pPr marL="0" lvl="0" indent="0" algn="l" defTabSz="1733550">
             <a:lnSpc>
               <a:spcPct val="90000"/>
             </a:lnSpc>
@@ -1592,7 +1348,7 @@
             <a:buNone/>
           </a:pPr>
           <a:r>
-            <a:rPr lang="en-US" sz="3400" kern="1200" dirty="0">
+            <a:rPr lang="en-US" sz="3900" kern="1200" dirty="0">
               <a:solidFill>
                 <a:schemeClr val="bg1"/>
               </a:solidFill>
@@ -1604,8 +1360,8 @@
         </a:p>
       </dsp:txBody>
       <dsp:txXfrm rot="10800000">
-        <a:off x="1809748" y="4930"/>
-        <a:ext cx="5504412" cy="751903"/>
+        <a:off x="2109389" y="2558"/>
+        <a:ext cx="5354592" cy="1351185"/>
       </dsp:txXfrm>
     </dsp:sp>
     <dsp:sp modelId="{CD9105A0-9B74-44E3-92E4-D86C21EDFEE0}">
@@ -1615,8 +1371,8 @@
       </dsp:nvSpPr>
       <dsp:spPr>
         <a:xfrm>
-          <a:off x="1245821" y="4930"/>
-          <a:ext cx="751903" cy="751903"/>
+          <a:off x="1096000" y="2558"/>
+          <a:ext cx="1351185" cy="1351185"/>
         </a:xfrm>
         <a:prstGeom prst="ellipse">
           <a:avLst/>
@@ -1668,8 +1424,8 @@
       </dsp:nvSpPr>
       <dsp:spPr>
         <a:xfrm rot="10800000">
-          <a:off x="1621772" y="981282"/>
-          <a:ext cx="5692388" cy="751903"/>
+          <a:off x="1771593" y="1757083"/>
+          <a:ext cx="5692388" cy="1351185"/>
         </a:xfrm>
         <a:prstGeom prst="homePlate">
           <a:avLst/>
@@ -1739,12 +1495,12 @@
         </a:fontRef>
       </dsp:style>
       <dsp:txBody>
-        <a:bodyPr spcFirstLastPara="0" vert="horz" wrap="square" lIns="331568" tIns="129540" rIns="241808" bIns="129540" numCol="1" spcCol="1270" anchor="ctr" anchorCtr="0">
+        <a:bodyPr spcFirstLastPara="0" vert="horz" wrap="square" lIns="595835" tIns="148590" rIns="277368" bIns="148590" numCol="1" spcCol="1270" anchor="ctr" anchorCtr="0">
           <a:noAutofit/>
         </a:bodyPr>
         <a:lstStyle/>
         <a:p>
-          <a:pPr marL="0" lvl="0" indent="0" algn="l" defTabSz="1511300">
+          <a:pPr marL="0" lvl="0" indent="0" algn="l" defTabSz="1733550">
             <a:lnSpc>
               <a:spcPct val="90000"/>
             </a:lnSpc>
@@ -1757,20 +1513,20 @@
             <a:buNone/>
           </a:pPr>
           <a:r>
-            <a:rPr lang="en-US" sz="3400" kern="1200">
+            <a:rPr lang="en-US" sz="3900" kern="1200" dirty="0">
               <a:solidFill>
                 <a:schemeClr val="bg1"/>
               </a:solidFill>
               <a:latin typeface="Times New Roman" panose="02020603050405020304" pitchFamily="18" charset="0"/>
               <a:cs typeface="Times New Roman" panose="02020603050405020304" pitchFamily="18" charset="0"/>
             </a:rPr>
-            <a:t>TỔNG QUAN HỆ THỐNG</a:t>
+            <a:t>PHÂN TÍCH HỆ THỐNG</a:t>
           </a:r>
         </a:p>
       </dsp:txBody>
       <dsp:txXfrm rot="10800000">
-        <a:off x="1809748" y="981282"/>
-        <a:ext cx="5504412" cy="751903"/>
+        <a:off x="2109389" y="1757083"/>
+        <a:ext cx="5354592" cy="1351185"/>
       </dsp:txXfrm>
     </dsp:sp>
     <dsp:sp modelId="{6D3925D2-90A9-414E-B6BB-F1C53D123784}">
@@ -1780,8 +1536,8 @@
       </dsp:nvSpPr>
       <dsp:spPr>
         <a:xfrm>
-          <a:off x="1245821" y="981282"/>
-          <a:ext cx="751903" cy="751903"/>
+          <a:off x="1096000" y="1757083"/>
+          <a:ext cx="1351185" cy="1351185"/>
         </a:xfrm>
         <a:prstGeom prst="ellipse">
           <a:avLst/>
@@ -1833,8 +1589,8 @@
       </dsp:nvSpPr>
       <dsp:spPr>
         <a:xfrm rot="10800000">
-          <a:off x="1621772" y="1957634"/>
-          <a:ext cx="5692388" cy="751903"/>
+          <a:off x="1771593" y="3511607"/>
+          <a:ext cx="5692388" cy="1351185"/>
         </a:xfrm>
         <a:prstGeom prst="homePlate">
           <a:avLst/>
@@ -1904,12 +1660,12 @@
         </a:fontRef>
       </dsp:style>
       <dsp:txBody>
-        <a:bodyPr spcFirstLastPara="0" vert="horz" wrap="square" lIns="331568" tIns="129540" rIns="241808" bIns="129540" numCol="1" spcCol="1270" anchor="ctr" anchorCtr="0">
+        <a:bodyPr spcFirstLastPara="0" vert="horz" wrap="square" lIns="595835" tIns="148590" rIns="277368" bIns="148590" numCol="1" spcCol="1270" anchor="ctr" anchorCtr="0">
           <a:noAutofit/>
         </a:bodyPr>
         <a:lstStyle/>
         <a:p>
-          <a:pPr marL="0" lvl="0" indent="0" algn="l" defTabSz="1511300">
+          <a:pPr marL="0" lvl="0" indent="0" algn="l" defTabSz="1733550">
             <a:lnSpc>
               <a:spcPct val="90000"/>
             </a:lnSpc>
@@ -1922,20 +1678,20 @@
             <a:buNone/>
           </a:pPr>
           <a:r>
-            <a:rPr lang="en-US" sz="3400" kern="1200">
+            <a:rPr lang="en-US" sz="3900" kern="1200" dirty="0">
               <a:solidFill>
                 <a:schemeClr val="bg1"/>
               </a:solidFill>
               <a:latin typeface="Times New Roman" panose="02020603050405020304" pitchFamily="18" charset="0"/>
               <a:cs typeface="Times New Roman" panose="02020603050405020304" pitchFamily="18" charset="0"/>
             </a:rPr>
-            <a:t>CHỨC NĂNG</a:t>
+            <a:t>DEMO</a:t>
           </a:r>
         </a:p>
       </dsp:txBody>
       <dsp:txXfrm rot="10800000">
-        <a:off x="1809748" y="1957634"/>
-        <a:ext cx="5504412" cy="751903"/>
+        <a:off x="2109389" y="3511607"/>
+        <a:ext cx="5354592" cy="1351185"/>
       </dsp:txXfrm>
     </dsp:sp>
     <dsp:sp modelId="{C2A00E8C-7074-4C1E-9C81-0746A74825C9}">
@@ -1945,8 +1701,8 @@
       </dsp:nvSpPr>
       <dsp:spPr>
         <a:xfrm>
-          <a:off x="1245821" y="1957634"/>
-          <a:ext cx="751903" cy="751903"/>
+          <a:off x="1096000" y="3511607"/>
+          <a:ext cx="1351185" cy="1351185"/>
         </a:xfrm>
         <a:prstGeom prst="ellipse">
           <a:avLst/>
@@ -1998,8 +1754,8 @@
       </dsp:nvSpPr>
       <dsp:spPr>
         <a:xfrm rot="10800000">
-          <a:off x="1621772" y="2933986"/>
-          <a:ext cx="5692388" cy="751903"/>
+          <a:off x="1771593" y="5266132"/>
+          <a:ext cx="5692388" cy="1351185"/>
         </a:xfrm>
         <a:prstGeom prst="homePlate">
           <a:avLst/>
@@ -2069,12 +1825,12 @@
         </a:fontRef>
       </dsp:style>
       <dsp:txBody>
-        <a:bodyPr spcFirstLastPara="0" vert="horz" wrap="square" lIns="331568" tIns="129540" rIns="241808" bIns="129540" numCol="1" spcCol="1270" anchor="ctr" anchorCtr="0">
+        <a:bodyPr spcFirstLastPara="0" vert="horz" wrap="square" lIns="595835" tIns="148590" rIns="277368" bIns="148590" numCol="1" spcCol="1270" anchor="ctr" anchorCtr="0">
           <a:noAutofit/>
         </a:bodyPr>
         <a:lstStyle/>
         <a:p>
-          <a:pPr marL="0" lvl="0" indent="0" algn="l" defTabSz="1511300">
+          <a:pPr marL="0" lvl="0" indent="0" algn="l" defTabSz="1733550">
             <a:lnSpc>
               <a:spcPct val="90000"/>
             </a:lnSpc>
@@ -2087,20 +1843,27 @@
             <a:buNone/>
           </a:pPr>
           <a:r>
-            <a:rPr lang="en-US" sz="3400" kern="1200" dirty="0">
+            <a:rPr lang="en-US" sz="3900" kern="1200">
               <a:solidFill>
                 <a:schemeClr val="bg1"/>
               </a:solidFill>
               <a:latin typeface="Times New Roman" panose="02020603050405020304" pitchFamily="18" charset="0"/>
               <a:cs typeface="Times New Roman" panose="02020603050405020304" pitchFamily="18" charset="0"/>
             </a:rPr>
-            <a:t>CÔNG NGHỆ</a:t>
+            <a:t>TỔNG KẾTDEMO</a:t>
           </a:r>
+          <a:endParaRPr lang="en-US" sz="3900" kern="1200" dirty="0">
+            <a:solidFill>
+              <a:schemeClr val="bg1"/>
+            </a:solidFill>
+            <a:latin typeface="Times New Roman" panose="02020603050405020304" pitchFamily="18" charset="0"/>
+            <a:cs typeface="Times New Roman" panose="02020603050405020304" pitchFamily="18" charset="0"/>
+          </a:endParaRPr>
         </a:p>
       </dsp:txBody>
       <dsp:txXfrm rot="10800000">
-        <a:off x="1809748" y="2933986"/>
-        <a:ext cx="5504412" cy="751903"/>
+        <a:off x="2109389" y="5266132"/>
+        <a:ext cx="5354592" cy="1351185"/>
       </dsp:txXfrm>
     </dsp:sp>
     <dsp:sp modelId="{A2D8EC38-22A1-44B0-8456-91A93B21C990}">
@@ -2110,509 +1873,14 @@
       </dsp:nvSpPr>
       <dsp:spPr>
         <a:xfrm>
-          <a:off x="1245821" y="2933986"/>
-          <a:ext cx="751903" cy="751903"/>
+          <a:off x="1096000" y="5266132"/>
+          <a:ext cx="1351185" cy="1351185"/>
         </a:xfrm>
         <a:prstGeom prst="ellipse">
           <a:avLst/>
         </a:prstGeom>
         <a:blipFill>
           <a:blip xmlns:r="http://schemas.openxmlformats.org/officeDocument/2006/relationships" r:embed="rId4" cstate="print">
-            <a:extLst>
-              <a:ext uri="{28A0092B-C50C-407E-A947-70E740481C1C}">
-                <a14:useLocalDpi xmlns:a14="http://schemas.microsoft.com/office/drawing/2010/main" val="0"/>
-              </a:ext>
-            </a:extLst>
-          </a:blip>
-          <a:srcRect/>
-          <a:stretch>
-            <a:fillRect/>
-          </a:stretch>
-        </a:blipFill>
-        <a:ln w="6350" cap="flat" cmpd="sng" algn="ctr">
-          <a:solidFill>
-            <a:schemeClr val="lt1">
-              <a:hueOff val="0"/>
-              <a:satOff val="0"/>
-              <a:lumOff val="0"/>
-              <a:alphaOff val="0"/>
-            </a:schemeClr>
-          </a:solidFill>
-          <a:prstDash val="solid"/>
-          <a:miter lim="800000"/>
-        </a:ln>
-        <a:effectLst/>
-      </dsp:spPr>
-      <dsp:style>
-        <a:lnRef idx="1">
-          <a:scrgbClr r="0" g="0" b="0"/>
-        </a:lnRef>
-        <a:fillRef idx="1">
-          <a:scrgbClr r="0" g="0" b="0"/>
-        </a:fillRef>
-        <a:effectRef idx="1">
-          <a:scrgbClr r="0" g="0" b="0"/>
-        </a:effectRef>
-        <a:fontRef idx="minor"/>
-      </dsp:style>
-    </dsp:sp>
-    <dsp:sp modelId="{565A664B-89F0-4EBC-90C5-083C12FEC352}">
-      <dsp:nvSpPr>
-        <dsp:cNvPr id="0" name=""/>
-        <dsp:cNvSpPr/>
-      </dsp:nvSpPr>
-      <dsp:spPr>
-        <a:xfrm rot="10800000">
-          <a:off x="1621772" y="3910338"/>
-          <a:ext cx="5692388" cy="751903"/>
-        </a:xfrm>
-        <a:prstGeom prst="homePlate">
-          <a:avLst/>
-        </a:prstGeom>
-        <a:gradFill rotWithShape="0">
-          <a:gsLst>
-            <a:gs pos="0">
-              <a:schemeClr val="accent1">
-                <a:hueOff val="0"/>
-                <a:satOff val="0"/>
-                <a:lumOff val="0"/>
-                <a:alphaOff val="0"/>
-                <a:lumMod val="110000"/>
-                <a:satMod val="105000"/>
-                <a:tint val="67000"/>
-              </a:schemeClr>
-            </a:gs>
-            <a:gs pos="50000">
-              <a:schemeClr val="accent1">
-                <a:hueOff val="0"/>
-                <a:satOff val="0"/>
-                <a:lumOff val="0"/>
-                <a:alphaOff val="0"/>
-                <a:lumMod val="105000"/>
-                <a:satMod val="103000"/>
-                <a:tint val="73000"/>
-              </a:schemeClr>
-            </a:gs>
-            <a:gs pos="100000">
-              <a:schemeClr val="accent1">
-                <a:hueOff val="0"/>
-                <a:satOff val="0"/>
-                <a:lumOff val="0"/>
-                <a:alphaOff val="0"/>
-                <a:lumMod val="105000"/>
-                <a:satMod val="109000"/>
-                <a:tint val="81000"/>
-              </a:schemeClr>
-            </a:gs>
-          </a:gsLst>
-          <a:lin ang="5400000" scaled="0"/>
-        </a:gradFill>
-        <a:ln>
-          <a:noFill/>
-        </a:ln>
-        <a:effectLst/>
-        <a:scene3d>
-          <a:camera prst="orthographicFront"/>
-          <a:lightRig rig="flat" dir="t"/>
-        </a:scene3d>
-        <a:sp3d prstMaterial="dkEdge">
-          <a:bevelT w="8200" h="38100"/>
-        </a:sp3d>
-      </dsp:spPr>
-      <dsp:style>
-        <a:lnRef idx="0">
-          <a:scrgbClr r="0" g="0" b="0"/>
-        </a:lnRef>
-        <a:fillRef idx="2">
-          <a:scrgbClr r="0" g="0" b="0"/>
-        </a:fillRef>
-        <a:effectRef idx="1">
-          <a:scrgbClr r="0" g="0" b="0"/>
-        </a:effectRef>
-        <a:fontRef idx="minor">
-          <a:schemeClr val="dk1"/>
-        </a:fontRef>
-      </dsp:style>
-      <dsp:txBody>
-        <a:bodyPr spcFirstLastPara="0" vert="horz" wrap="square" lIns="331568" tIns="129540" rIns="241808" bIns="129540" numCol="1" spcCol="1270" anchor="ctr" anchorCtr="0">
-          <a:noAutofit/>
-        </a:bodyPr>
-        <a:lstStyle/>
-        <a:p>
-          <a:pPr marL="0" lvl="0" indent="0" algn="l" defTabSz="1511300">
-            <a:lnSpc>
-              <a:spcPct val="90000"/>
-            </a:lnSpc>
-            <a:spcBef>
-              <a:spcPct val="0"/>
-            </a:spcBef>
-            <a:spcAft>
-              <a:spcPct val="35000"/>
-            </a:spcAft>
-            <a:buNone/>
-          </a:pPr>
-          <a:r>
-            <a:rPr lang="en-US" sz="3400" kern="1200">
-              <a:solidFill>
-                <a:schemeClr val="bg1"/>
-              </a:solidFill>
-              <a:latin typeface="Times New Roman" panose="02020603050405020304" pitchFamily="18" charset="0"/>
-              <a:cs typeface="Times New Roman" panose="02020603050405020304" pitchFamily="18" charset="0"/>
-            </a:rPr>
-            <a:t>CƠ SỞ DỮ LIỆU</a:t>
-          </a:r>
-        </a:p>
-      </dsp:txBody>
-      <dsp:txXfrm rot="10800000">
-        <a:off x="1809748" y="3910338"/>
-        <a:ext cx="5504412" cy="751903"/>
-      </dsp:txXfrm>
-    </dsp:sp>
-    <dsp:sp modelId="{9019A78D-3B1D-490F-BA04-50C2A63132D5}">
-      <dsp:nvSpPr>
-        <dsp:cNvPr id="0" name=""/>
-        <dsp:cNvSpPr/>
-      </dsp:nvSpPr>
-      <dsp:spPr>
-        <a:xfrm>
-          <a:off x="1245821" y="3910338"/>
-          <a:ext cx="751903" cy="751903"/>
-        </a:xfrm>
-        <a:prstGeom prst="ellipse">
-          <a:avLst/>
-        </a:prstGeom>
-        <a:blipFill>
-          <a:blip xmlns:r="http://schemas.openxmlformats.org/officeDocument/2006/relationships" r:embed="rId5" cstate="print">
-            <a:extLst>
-              <a:ext uri="{28A0092B-C50C-407E-A947-70E740481C1C}">
-                <a14:useLocalDpi xmlns:a14="http://schemas.microsoft.com/office/drawing/2010/main" val="0"/>
-              </a:ext>
-            </a:extLst>
-          </a:blip>
-          <a:srcRect/>
-          <a:stretch>
-            <a:fillRect/>
-          </a:stretch>
-        </a:blipFill>
-        <a:ln w="6350" cap="flat" cmpd="sng" algn="ctr">
-          <a:solidFill>
-            <a:schemeClr val="lt1">
-              <a:hueOff val="0"/>
-              <a:satOff val="0"/>
-              <a:lumOff val="0"/>
-              <a:alphaOff val="0"/>
-            </a:schemeClr>
-          </a:solidFill>
-          <a:prstDash val="solid"/>
-          <a:miter lim="800000"/>
-        </a:ln>
-        <a:effectLst/>
-      </dsp:spPr>
-      <dsp:style>
-        <a:lnRef idx="1">
-          <a:scrgbClr r="0" g="0" b="0"/>
-        </a:lnRef>
-        <a:fillRef idx="1">
-          <a:scrgbClr r="0" g="0" b="0"/>
-        </a:fillRef>
-        <a:effectRef idx="1">
-          <a:scrgbClr r="0" g="0" b="0"/>
-        </a:effectRef>
-        <a:fontRef idx="minor"/>
-      </dsp:style>
-    </dsp:sp>
-    <dsp:sp modelId="{9D63E5E5-1DF3-4105-B145-83B750EFA732}">
-      <dsp:nvSpPr>
-        <dsp:cNvPr id="0" name=""/>
-        <dsp:cNvSpPr/>
-      </dsp:nvSpPr>
-      <dsp:spPr>
-        <a:xfrm rot="10800000">
-          <a:off x="1621772" y="4886690"/>
-          <a:ext cx="5692388" cy="751903"/>
-        </a:xfrm>
-        <a:prstGeom prst="homePlate">
-          <a:avLst/>
-        </a:prstGeom>
-        <a:gradFill rotWithShape="0">
-          <a:gsLst>
-            <a:gs pos="0">
-              <a:schemeClr val="accent1">
-                <a:hueOff val="0"/>
-                <a:satOff val="0"/>
-                <a:lumOff val="0"/>
-                <a:alphaOff val="0"/>
-                <a:lumMod val="110000"/>
-                <a:satMod val="105000"/>
-                <a:tint val="67000"/>
-              </a:schemeClr>
-            </a:gs>
-            <a:gs pos="50000">
-              <a:schemeClr val="accent1">
-                <a:hueOff val="0"/>
-                <a:satOff val="0"/>
-                <a:lumOff val="0"/>
-                <a:alphaOff val="0"/>
-                <a:lumMod val="105000"/>
-                <a:satMod val="103000"/>
-                <a:tint val="73000"/>
-              </a:schemeClr>
-            </a:gs>
-            <a:gs pos="100000">
-              <a:schemeClr val="accent1">
-                <a:hueOff val="0"/>
-                <a:satOff val="0"/>
-                <a:lumOff val="0"/>
-                <a:alphaOff val="0"/>
-                <a:lumMod val="105000"/>
-                <a:satMod val="109000"/>
-                <a:tint val="81000"/>
-              </a:schemeClr>
-            </a:gs>
-          </a:gsLst>
-          <a:lin ang="5400000" scaled="0"/>
-        </a:gradFill>
-        <a:ln>
-          <a:noFill/>
-        </a:ln>
-        <a:effectLst/>
-        <a:scene3d>
-          <a:camera prst="orthographicFront"/>
-          <a:lightRig rig="flat" dir="t"/>
-        </a:scene3d>
-        <a:sp3d prstMaterial="dkEdge">
-          <a:bevelT w="8200" h="38100"/>
-        </a:sp3d>
-      </dsp:spPr>
-      <dsp:style>
-        <a:lnRef idx="0">
-          <a:scrgbClr r="0" g="0" b="0"/>
-        </a:lnRef>
-        <a:fillRef idx="2">
-          <a:scrgbClr r="0" g="0" b="0"/>
-        </a:fillRef>
-        <a:effectRef idx="1">
-          <a:scrgbClr r="0" g="0" b="0"/>
-        </a:effectRef>
-        <a:fontRef idx="minor">
-          <a:schemeClr val="dk1"/>
-        </a:fontRef>
-      </dsp:style>
-      <dsp:txBody>
-        <a:bodyPr spcFirstLastPara="0" vert="horz" wrap="square" lIns="331568" tIns="129540" rIns="241808" bIns="129540" numCol="1" spcCol="1270" anchor="ctr" anchorCtr="0">
-          <a:noAutofit/>
-        </a:bodyPr>
-        <a:lstStyle/>
-        <a:p>
-          <a:pPr marL="0" lvl="0" indent="0" algn="l" defTabSz="1511300">
-            <a:lnSpc>
-              <a:spcPct val="90000"/>
-            </a:lnSpc>
-            <a:spcBef>
-              <a:spcPct val="0"/>
-            </a:spcBef>
-            <a:spcAft>
-              <a:spcPct val="35000"/>
-            </a:spcAft>
-            <a:buNone/>
-          </a:pPr>
-          <a:r>
-            <a:rPr lang="en-US" sz="3400" kern="1200">
-              <a:solidFill>
-                <a:schemeClr val="bg1"/>
-              </a:solidFill>
-              <a:latin typeface="Times New Roman" panose="02020603050405020304" pitchFamily="18" charset="0"/>
-              <a:cs typeface="Times New Roman" panose="02020603050405020304" pitchFamily="18" charset="0"/>
-            </a:rPr>
-            <a:t>DEMO</a:t>
-          </a:r>
-        </a:p>
-      </dsp:txBody>
-      <dsp:txXfrm rot="10800000">
-        <a:off x="1809748" y="4886690"/>
-        <a:ext cx="5504412" cy="751903"/>
-      </dsp:txXfrm>
-    </dsp:sp>
-    <dsp:sp modelId="{3311EEC5-9E7C-411D-9F9B-90B9EC8C302A}">
-      <dsp:nvSpPr>
-        <dsp:cNvPr id="0" name=""/>
-        <dsp:cNvSpPr/>
-      </dsp:nvSpPr>
-      <dsp:spPr>
-        <a:xfrm>
-          <a:off x="1245821" y="4886690"/>
-          <a:ext cx="751903" cy="751903"/>
-        </a:xfrm>
-        <a:prstGeom prst="ellipse">
-          <a:avLst/>
-        </a:prstGeom>
-        <a:blipFill>
-          <a:blip xmlns:r="http://schemas.openxmlformats.org/officeDocument/2006/relationships" r:embed="rId6" cstate="print">
-            <a:extLst>
-              <a:ext uri="{28A0092B-C50C-407E-A947-70E740481C1C}">
-                <a14:useLocalDpi xmlns:a14="http://schemas.microsoft.com/office/drawing/2010/main" val="0"/>
-              </a:ext>
-            </a:extLst>
-          </a:blip>
-          <a:srcRect/>
-          <a:stretch>
-            <a:fillRect/>
-          </a:stretch>
-        </a:blipFill>
-        <a:ln w="6350" cap="flat" cmpd="sng" algn="ctr">
-          <a:solidFill>
-            <a:schemeClr val="lt1">
-              <a:hueOff val="0"/>
-              <a:satOff val="0"/>
-              <a:lumOff val="0"/>
-              <a:alphaOff val="0"/>
-            </a:schemeClr>
-          </a:solidFill>
-          <a:prstDash val="solid"/>
-          <a:miter lim="800000"/>
-        </a:ln>
-        <a:effectLst/>
-      </dsp:spPr>
-      <dsp:style>
-        <a:lnRef idx="1">
-          <a:scrgbClr r="0" g="0" b="0"/>
-        </a:lnRef>
-        <a:fillRef idx="1">
-          <a:scrgbClr r="0" g="0" b="0"/>
-        </a:fillRef>
-        <a:effectRef idx="1">
-          <a:scrgbClr r="0" g="0" b="0"/>
-        </a:effectRef>
-        <a:fontRef idx="minor"/>
-      </dsp:style>
-    </dsp:sp>
-    <dsp:sp modelId="{57966BE9-7BE3-477F-BACD-DEBEC538C119}">
-      <dsp:nvSpPr>
-        <dsp:cNvPr id="0" name=""/>
-        <dsp:cNvSpPr/>
-      </dsp:nvSpPr>
-      <dsp:spPr>
-        <a:xfrm rot="10800000">
-          <a:off x="1621772" y="5863042"/>
-          <a:ext cx="5692388" cy="751903"/>
-        </a:xfrm>
-        <a:prstGeom prst="homePlate">
-          <a:avLst/>
-        </a:prstGeom>
-        <a:gradFill rotWithShape="0">
-          <a:gsLst>
-            <a:gs pos="0">
-              <a:schemeClr val="accent1">
-                <a:hueOff val="0"/>
-                <a:satOff val="0"/>
-                <a:lumOff val="0"/>
-                <a:alphaOff val="0"/>
-                <a:lumMod val="110000"/>
-                <a:satMod val="105000"/>
-                <a:tint val="67000"/>
-              </a:schemeClr>
-            </a:gs>
-            <a:gs pos="50000">
-              <a:schemeClr val="accent1">
-                <a:hueOff val="0"/>
-                <a:satOff val="0"/>
-                <a:lumOff val="0"/>
-                <a:alphaOff val="0"/>
-                <a:lumMod val="105000"/>
-                <a:satMod val="103000"/>
-                <a:tint val="73000"/>
-              </a:schemeClr>
-            </a:gs>
-            <a:gs pos="100000">
-              <a:schemeClr val="accent1">
-                <a:hueOff val="0"/>
-                <a:satOff val="0"/>
-                <a:lumOff val="0"/>
-                <a:alphaOff val="0"/>
-                <a:lumMod val="105000"/>
-                <a:satMod val="109000"/>
-                <a:tint val="81000"/>
-              </a:schemeClr>
-            </a:gs>
-          </a:gsLst>
-          <a:lin ang="5400000" scaled="0"/>
-        </a:gradFill>
-        <a:ln>
-          <a:noFill/>
-        </a:ln>
-        <a:effectLst/>
-        <a:scene3d>
-          <a:camera prst="orthographicFront"/>
-          <a:lightRig rig="flat" dir="t"/>
-        </a:scene3d>
-        <a:sp3d prstMaterial="dkEdge">
-          <a:bevelT w="8200" h="38100"/>
-        </a:sp3d>
-      </dsp:spPr>
-      <dsp:style>
-        <a:lnRef idx="0">
-          <a:scrgbClr r="0" g="0" b="0"/>
-        </a:lnRef>
-        <a:fillRef idx="2">
-          <a:scrgbClr r="0" g="0" b="0"/>
-        </a:fillRef>
-        <a:effectRef idx="1">
-          <a:scrgbClr r="0" g="0" b="0"/>
-        </a:effectRef>
-        <a:fontRef idx="minor">
-          <a:schemeClr val="dk1"/>
-        </a:fontRef>
-      </dsp:style>
-      <dsp:txBody>
-        <a:bodyPr spcFirstLastPara="0" vert="horz" wrap="square" lIns="331568" tIns="129540" rIns="241808" bIns="129540" numCol="1" spcCol="1270" anchor="ctr" anchorCtr="0">
-          <a:noAutofit/>
-        </a:bodyPr>
-        <a:lstStyle/>
-        <a:p>
-          <a:pPr marL="0" lvl="0" indent="0" algn="l" defTabSz="1511300">
-            <a:lnSpc>
-              <a:spcPct val="90000"/>
-            </a:lnSpc>
-            <a:spcBef>
-              <a:spcPct val="0"/>
-            </a:spcBef>
-            <a:spcAft>
-              <a:spcPct val="35000"/>
-            </a:spcAft>
-            <a:buNone/>
-          </a:pPr>
-          <a:r>
-            <a:rPr lang="en-US" sz="3400" kern="1200">
-              <a:solidFill>
-                <a:schemeClr val="bg1"/>
-              </a:solidFill>
-              <a:latin typeface="Times New Roman" panose="02020603050405020304" pitchFamily="18" charset="0"/>
-              <a:cs typeface="Times New Roman" panose="02020603050405020304" pitchFamily="18" charset="0"/>
-            </a:rPr>
-            <a:t>TỔNG KẾT</a:t>
-          </a:r>
-        </a:p>
-      </dsp:txBody>
-      <dsp:txXfrm rot="10800000">
-        <a:off x="1809748" y="5863042"/>
-        <a:ext cx="5504412" cy="751903"/>
-      </dsp:txXfrm>
-    </dsp:sp>
-    <dsp:sp modelId="{1F52C7BE-148A-4B9D-98C8-8ABAE6FD9A5D}">
-      <dsp:nvSpPr>
-        <dsp:cNvPr id="0" name=""/>
-        <dsp:cNvSpPr/>
-      </dsp:nvSpPr>
-      <dsp:spPr>
-        <a:xfrm>
-          <a:off x="1245821" y="5863042"/>
-          <a:ext cx="751903" cy="751903"/>
-        </a:xfrm>
-        <a:prstGeom prst="ellipse">
-          <a:avLst/>
-        </a:prstGeom>
-        <a:blipFill>
-          <a:blip xmlns:r="http://schemas.openxmlformats.org/officeDocument/2006/relationships" r:embed="rId7" cstate="print">
             <a:extLst>
               <a:ext uri="{28A0092B-C50C-407E-A947-70E740481C1C}">
                 <a14:useLocalDpi xmlns:a14="http://schemas.microsoft.com/office/drawing/2010/main" val="0"/>
@@ -3960,7 +3228,7 @@
           <a:p>
             <a:fld id="{47B4F0E5-FA5B-4C8E-8772-562A41709B92}" type="datetimeFigureOut">
               <a:rPr lang="de-DE" smtClean="0"/>
-              <a:t>18.07.2022</a:t>
+              <a:t>20.07.2022</a:t>
             </a:fld>
             <a:endParaRPr lang="de-DE"/>
           </a:p>
@@ -4538,7 +3806,11 @@
           <a:p>
             <a:r>
               <a:rPr lang="en-US"/>
-              <a:t>Thịnh</a:t>
+              <a:t>Hiếu</a:t>
+            </a:r>
+            <a:r>
+              <a:rPr lang="en-US" baseline="0"/>
+              <a:t> hói</a:t>
             </a:r>
             <a:endParaRPr lang="de-DE"/>
           </a:p>
@@ -4570,7 +3842,7 @@
     </p:spTree>
     <p:extLst>
       <p:ext uri="{BB962C8B-B14F-4D97-AF65-F5344CB8AC3E}">
-        <p14:creationId xmlns:p14="http://schemas.microsoft.com/office/powerpoint/2010/main" val="398662092"/>
+        <p14:creationId xmlns:p14="http://schemas.microsoft.com/office/powerpoint/2010/main" val="906056253"/>
       </p:ext>
     </p:extLst>
   </p:cSld>
@@ -4626,11 +3898,7 @@
           <a:p>
             <a:r>
               <a:rPr lang="en-US"/>
-              <a:t>Tân</a:t>
-            </a:r>
-            <a:r>
-              <a:rPr lang="en-US" baseline="0"/>
-              <a:t> Yasuo</a:t>
+              <a:t>Thịnh</a:t>
             </a:r>
             <a:endParaRPr lang="de-DE"/>
           </a:p>
@@ -4662,7 +3930,7 @@
     </p:spTree>
     <p:extLst>
       <p:ext uri="{BB962C8B-B14F-4D97-AF65-F5344CB8AC3E}">
-        <p14:creationId xmlns:p14="http://schemas.microsoft.com/office/powerpoint/2010/main" val="2874698270"/>
+        <p14:creationId xmlns:p14="http://schemas.microsoft.com/office/powerpoint/2010/main" val="398662092"/>
       </p:ext>
     </p:extLst>
   </p:cSld>
@@ -4716,14 +3984,6 @@
           <a:bodyPr/>
           <a:lstStyle/>
           <a:p>
-            <a:r>
-              <a:rPr lang="en-US"/>
-              <a:t>Tân</a:t>
-            </a:r>
-            <a:r>
-              <a:rPr lang="en-US" baseline="0"/>
-              <a:t> Yasuo</a:t>
-            </a:r>
             <a:endParaRPr lang="de-DE"/>
           </a:p>
         </p:txBody>
@@ -4754,7 +4014,7 @@
     </p:spTree>
     <p:extLst>
       <p:ext uri="{BB962C8B-B14F-4D97-AF65-F5344CB8AC3E}">
-        <p14:creationId xmlns:p14="http://schemas.microsoft.com/office/powerpoint/2010/main" val="4011060903"/>
+        <p14:creationId xmlns:p14="http://schemas.microsoft.com/office/powerpoint/2010/main" val="631320472"/>
       </p:ext>
     </p:extLst>
   </p:cSld>
@@ -4810,182 +4070,6 @@
           <a:p>
             <a:r>
               <a:rPr lang="en-US"/>
-              <a:t>Hiếu</a:t>
-            </a:r>
-            <a:r>
-              <a:rPr lang="en-US" baseline="0"/>
-              <a:t> hói</a:t>
-            </a:r>
-            <a:endParaRPr lang="de-DE"/>
-          </a:p>
-        </p:txBody>
-      </p:sp>
-      <p:sp>
-        <p:nvSpPr>
-          <p:cNvPr id="4" name="Slide Number Placeholder 3"/>
-          <p:cNvSpPr>
-            <a:spLocks noGrp="1"/>
-          </p:cNvSpPr>
-          <p:nvPr>
-            <p:ph type="sldNum" sz="quarter" idx="10"/>
-          </p:nvPr>
-        </p:nvSpPr>
-        <p:spPr/>
-        <p:txBody>
-          <a:bodyPr/>
-          <a:lstStyle/>
-          <a:p>
-            <a:fld id="{7BF15471-FB0B-4675-BD56-37F5E3B90169}" type="slidenum">
-              <a:rPr lang="de-DE" smtClean="0"/>
-              <a:t>7</a:t>
-            </a:fld>
-            <a:endParaRPr lang="de-DE"/>
-          </a:p>
-        </p:txBody>
-      </p:sp>
-    </p:spTree>
-    <p:extLst>
-      <p:ext uri="{BB962C8B-B14F-4D97-AF65-F5344CB8AC3E}">
-        <p14:creationId xmlns:p14="http://schemas.microsoft.com/office/powerpoint/2010/main" val="2481634454"/>
-      </p:ext>
-    </p:extLst>
-  </p:cSld>
-  <p:clrMapOvr>
-    <a:masterClrMapping/>
-  </p:clrMapOvr>
-</p:notes>
-</file>
-
-<file path=ppt/notesSlides/notesSlide8.xml><?xml version="1.0" encoding="utf-8"?>
-<p:notes xmlns:a="http://schemas.openxmlformats.org/drawingml/2006/main" xmlns:r="http://schemas.openxmlformats.org/officeDocument/2006/relationships" xmlns:p="http://schemas.openxmlformats.org/presentationml/2006/main">
-  <p:cSld>
-    <p:spTree>
-      <p:nvGrpSpPr>
-        <p:cNvPr id="1" name=""/>
-        <p:cNvGrpSpPr/>
-        <p:nvPr/>
-      </p:nvGrpSpPr>
-      <p:grpSpPr>
-        <a:xfrm>
-          <a:off x="0" y="0"/>
-          <a:ext cx="0" cy="0"/>
-          <a:chOff x="0" y="0"/>
-          <a:chExt cx="0" cy="0"/>
-        </a:xfrm>
-      </p:grpSpPr>
-      <p:sp>
-        <p:nvSpPr>
-          <p:cNvPr id="2" name="Slide Image Placeholder 1"/>
-          <p:cNvSpPr>
-            <a:spLocks noGrp="1" noRot="1" noChangeAspect="1"/>
-          </p:cNvSpPr>
-          <p:nvPr>
-            <p:ph type="sldImg"/>
-          </p:nvPr>
-        </p:nvSpPr>
-        <p:spPr/>
-      </p:sp>
-      <p:sp>
-        <p:nvSpPr>
-          <p:cNvPr id="3" name="Notes Placeholder 2"/>
-          <p:cNvSpPr>
-            <a:spLocks noGrp="1"/>
-          </p:cNvSpPr>
-          <p:nvPr>
-            <p:ph type="body" idx="1"/>
-          </p:nvPr>
-        </p:nvSpPr>
-        <p:spPr/>
-        <p:txBody>
-          <a:bodyPr/>
-          <a:lstStyle/>
-          <a:p>
-            <a:endParaRPr lang="de-DE"/>
-          </a:p>
-        </p:txBody>
-      </p:sp>
-      <p:sp>
-        <p:nvSpPr>
-          <p:cNvPr id="4" name="Slide Number Placeholder 3"/>
-          <p:cNvSpPr>
-            <a:spLocks noGrp="1"/>
-          </p:cNvSpPr>
-          <p:nvPr>
-            <p:ph type="sldNum" sz="quarter" idx="10"/>
-          </p:nvPr>
-        </p:nvSpPr>
-        <p:spPr/>
-        <p:txBody>
-          <a:bodyPr/>
-          <a:lstStyle/>
-          <a:p>
-            <a:fld id="{7BF15471-FB0B-4675-BD56-37F5E3B90169}" type="slidenum">
-              <a:rPr lang="de-DE" smtClean="0"/>
-              <a:t>8</a:t>
-            </a:fld>
-            <a:endParaRPr lang="de-DE"/>
-          </a:p>
-        </p:txBody>
-      </p:sp>
-    </p:spTree>
-    <p:extLst>
-      <p:ext uri="{BB962C8B-B14F-4D97-AF65-F5344CB8AC3E}">
-        <p14:creationId xmlns:p14="http://schemas.microsoft.com/office/powerpoint/2010/main" val="631320472"/>
-      </p:ext>
-    </p:extLst>
-  </p:cSld>
-  <p:clrMapOvr>
-    <a:masterClrMapping/>
-  </p:clrMapOvr>
-</p:notes>
-</file>
-
-<file path=ppt/notesSlides/notesSlide9.xml><?xml version="1.0" encoding="utf-8"?>
-<p:notes xmlns:a="http://schemas.openxmlformats.org/drawingml/2006/main" xmlns:r="http://schemas.openxmlformats.org/officeDocument/2006/relationships" xmlns:p="http://schemas.openxmlformats.org/presentationml/2006/main">
-  <p:cSld>
-    <p:spTree>
-      <p:nvGrpSpPr>
-        <p:cNvPr id="1" name=""/>
-        <p:cNvGrpSpPr/>
-        <p:nvPr/>
-      </p:nvGrpSpPr>
-      <p:grpSpPr>
-        <a:xfrm>
-          <a:off x="0" y="0"/>
-          <a:ext cx="0" cy="0"/>
-          <a:chOff x="0" y="0"/>
-          <a:chExt cx="0" cy="0"/>
-        </a:xfrm>
-      </p:grpSpPr>
-      <p:sp>
-        <p:nvSpPr>
-          <p:cNvPr id="2" name="Slide Image Placeholder 1"/>
-          <p:cNvSpPr>
-            <a:spLocks noGrp="1" noRot="1" noChangeAspect="1"/>
-          </p:cNvSpPr>
-          <p:nvPr>
-            <p:ph type="sldImg"/>
-          </p:nvPr>
-        </p:nvSpPr>
-        <p:spPr/>
-      </p:sp>
-      <p:sp>
-        <p:nvSpPr>
-          <p:cNvPr id="3" name="Notes Placeholder 2"/>
-          <p:cNvSpPr>
-            <a:spLocks noGrp="1"/>
-          </p:cNvSpPr>
-          <p:nvPr>
-            <p:ph type="body" idx="1"/>
-          </p:nvPr>
-        </p:nvSpPr>
-        <p:spPr/>
-        <p:txBody>
-          <a:bodyPr/>
-          <a:lstStyle/>
-          <a:p>
-            <a:r>
-              <a:rPr lang="en-US"/>
               <a:t>Chắt lọc và tổng hợp thông tin phù hợp cho sinh viên trường nói chung và sinh viên cntt nói riêng.</a:t>
             </a:r>
           </a:p>
@@ -5034,7 +4118,7 @@
           <a:p>
             <a:fld id="{7BF15471-FB0B-4675-BD56-37F5E3B90169}" type="slidenum">
               <a:rPr lang="de-DE" smtClean="0"/>
-              <a:t>9</a:t>
+              <a:t>7</a:t>
             </a:fld>
             <a:endParaRPr lang="de-DE"/>
           </a:p>
@@ -5184,7 +4268,7 @@
           <a:p>
             <a:fld id="{9F4FA3F8-F4E3-4DDD-A8C1-F0A5EB9A6C48}" type="datetime1">
               <a:rPr lang="de-DE" smtClean="0"/>
-              <a:t>18.07.2022</a:t>
+              <a:t>20.07.2022</a:t>
             </a:fld>
             <a:endParaRPr lang="de-DE"/>
           </a:p>
@@ -5354,7 +4438,7 @@
           <a:p>
             <a:fld id="{B2575B6D-8322-4BC9-8839-96B3DFDCA2AC}" type="datetime1">
               <a:rPr lang="de-DE" smtClean="0"/>
-              <a:t>18.07.2022</a:t>
+              <a:t>20.07.2022</a:t>
             </a:fld>
             <a:endParaRPr lang="de-DE"/>
           </a:p>
@@ -5534,7 +4618,7 @@
           <a:p>
             <a:fld id="{92685AEF-900B-4F3A-9F76-4EEE9F095A2E}" type="datetime1">
               <a:rPr lang="de-DE" smtClean="0"/>
-              <a:t>18.07.2022</a:t>
+              <a:t>20.07.2022</a:t>
             </a:fld>
             <a:endParaRPr lang="de-DE"/>
           </a:p>
@@ -5720,7 +4804,7 @@
           <a:p>
             <a:fld id="{2752C806-D38C-41BC-B35B-DD506AFAF9F0}" type="datetime1">
               <a:rPr lang="de-DE" smtClean="0"/>
-              <a:t>18.07.2022</a:t>
+              <a:t>20.07.2022</a:t>
             </a:fld>
             <a:endParaRPr lang="de-DE"/>
           </a:p>
@@ -5986,7 +5070,7 @@
           <a:p>
             <a:fld id="{6E339CD7-94F2-47E8-A98C-36FBB9B1B89E}" type="datetime1">
               <a:rPr lang="de-DE" smtClean="0"/>
-              <a:t>18.07.2022</a:t>
+              <a:t>20.07.2022</a:t>
             </a:fld>
             <a:endParaRPr lang="de-DE"/>
           </a:p>
@@ -6218,7 +5302,7 @@
           <a:p>
             <a:fld id="{49C93994-B60C-4267-B09E-6D3413A1848E}" type="datetime1">
               <a:rPr lang="de-DE" smtClean="0"/>
-              <a:t>18.07.2022</a:t>
+              <a:t>20.07.2022</a:t>
             </a:fld>
             <a:endParaRPr lang="de-DE"/>
           </a:p>
@@ -6585,7 +5669,7 @@
           <a:p>
             <a:fld id="{4CAC6C42-9BE1-4B02-B2E4-33E3A2F7A137}" type="datetime1">
               <a:rPr lang="de-DE" smtClean="0"/>
-              <a:t>18.07.2022</a:t>
+              <a:t>20.07.2022</a:t>
             </a:fld>
             <a:endParaRPr lang="de-DE"/>
           </a:p>
@@ -6703,7 +5787,7 @@
           <a:p>
             <a:fld id="{77E91419-0523-4DFB-BE4C-A71716047A94}" type="datetime1">
               <a:rPr lang="de-DE" smtClean="0"/>
-              <a:t>18.07.2022</a:t>
+              <a:t>20.07.2022</a:t>
             </a:fld>
             <a:endParaRPr lang="de-DE"/>
           </a:p>
@@ -6798,7 +5882,7 @@
           <a:p>
             <a:fld id="{FB46E8CC-A018-41F6-9D0D-83D14C1F9F8D}" type="datetime1">
               <a:rPr lang="de-DE" smtClean="0"/>
-              <a:t>18.07.2022</a:t>
+              <a:t>20.07.2022</a:t>
             </a:fld>
             <a:endParaRPr lang="de-DE"/>
           </a:p>
@@ -7075,7 +6159,7 @@
           <a:p>
             <a:fld id="{24BA11C9-51B0-4F3F-A5A3-B5DF064F00E5}" type="datetime1">
               <a:rPr lang="de-DE" smtClean="0"/>
-              <a:t>18.07.2022</a:t>
+              <a:t>20.07.2022</a:t>
             </a:fld>
             <a:endParaRPr lang="de-DE"/>
           </a:p>
@@ -7332,7 +6416,7 @@
           <a:p>
             <a:fld id="{38924669-DE1E-41F3-B4B9-C8C747145D8B}" type="datetime1">
               <a:rPr lang="de-DE" smtClean="0"/>
-              <a:t>18.07.2022</a:t>
+              <a:t>20.07.2022</a:t>
             </a:fld>
             <a:endParaRPr lang="de-DE"/>
           </a:p>
@@ -7555,7 +6639,7 @@
           <a:p>
             <a:fld id="{E896873E-6FE5-4544-8883-D00AC79BE818}" type="datetime1">
               <a:rPr lang="de-DE" smtClean="0"/>
-              <a:t>18.07.2022</a:t>
+              <a:t>20.07.2022</a:t>
             </a:fld>
             <a:endParaRPr lang="de-DE"/>
           </a:p>
@@ -8295,1211 +7379,6 @@
 </p:sld>
 </file>
 
-<file path=ppt/slides/slide10.xml><?xml version="1.0" encoding="utf-8"?>
-<p:sld xmlns:a="http://schemas.openxmlformats.org/drawingml/2006/main" xmlns:r="http://schemas.openxmlformats.org/officeDocument/2006/relationships" xmlns:p="http://schemas.openxmlformats.org/presentationml/2006/main">
-  <p:cSld>
-    <p:spTree>
-      <p:nvGrpSpPr>
-        <p:cNvPr id="1" name=""/>
-        <p:cNvGrpSpPr/>
-        <p:nvPr/>
-      </p:nvGrpSpPr>
-      <p:grpSpPr>
-        <a:xfrm>
-          <a:off x="0" y="0"/>
-          <a:ext cx="0" cy="0"/>
-          <a:chOff x="0" y="0"/>
-          <a:chExt cx="0" cy="0"/>
-        </a:xfrm>
-      </p:grpSpPr>
-      <p:sp>
-        <p:nvSpPr>
-          <p:cNvPr id="2" name="Title 1"/>
-          <p:cNvSpPr>
-            <a:spLocks noGrp="1"/>
-          </p:cNvSpPr>
-          <p:nvPr>
-            <p:ph type="title"/>
-          </p:nvPr>
-        </p:nvSpPr>
-        <p:spPr/>
-        <p:txBody>
-          <a:bodyPr/>
-          <a:lstStyle/>
-          <a:p>
-            <a:r>
-              <a:rPr lang="en-US"/>
-              <a:t>Tổng kết</a:t>
-            </a:r>
-            <a:endParaRPr lang="de-DE"/>
-          </a:p>
-        </p:txBody>
-      </p:sp>
-      <p:sp>
-        <p:nvSpPr>
-          <p:cNvPr id="3" name="Content Placeholder 2"/>
-          <p:cNvSpPr>
-            <a:spLocks noGrp="1"/>
-          </p:cNvSpPr>
-          <p:nvPr>
-            <p:ph idx="1"/>
-          </p:nvPr>
-        </p:nvSpPr>
-        <p:spPr>
-          <a:xfrm>
-            <a:off x="266700" y="1690690"/>
-            <a:ext cx="8610600" cy="2009113"/>
-          </a:xfrm>
-        </p:spPr>
-        <p:txBody>
-          <a:bodyPr>
-            <a:normAutofit/>
-          </a:bodyPr>
-          <a:lstStyle/>
-          <a:p>
-            <a:pPr marL="0" indent="0">
-              <a:buNone/>
-            </a:pPr>
-            <a:r>
-              <a:rPr lang="en-US" dirty="0" err="1"/>
-              <a:t>Hạn</a:t>
-            </a:r>
-            <a:r>
-              <a:rPr lang="en-US" dirty="0"/>
-              <a:t> </a:t>
-            </a:r>
-            <a:r>
-              <a:rPr lang="en-US" dirty="0" err="1"/>
-              <a:t>chế</a:t>
-            </a:r>
-            <a:r>
-              <a:rPr lang="en-US" dirty="0"/>
-              <a:t>:</a:t>
-            </a:r>
-          </a:p>
-          <a:p>
-            <a:pPr lvl="1">
-              <a:buBlip>
-                <a:blip r:embed="rId2"/>
-              </a:buBlip>
-            </a:pPr>
-            <a:r>
-              <a:rPr lang="en-US" dirty="0" err="1"/>
-              <a:t>Giới</a:t>
-            </a:r>
-            <a:r>
-              <a:rPr lang="en-US" dirty="0"/>
-              <a:t> </a:t>
-            </a:r>
-            <a:r>
-              <a:rPr lang="en-US" dirty="0" err="1"/>
-              <a:t>hạn</a:t>
-            </a:r>
-            <a:r>
-              <a:rPr lang="en-US" dirty="0"/>
-              <a:t> </a:t>
-            </a:r>
-            <a:r>
-              <a:rPr lang="en-US" dirty="0" err="1"/>
-              <a:t>về</a:t>
-            </a:r>
-            <a:r>
-              <a:rPr lang="en-US" dirty="0"/>
-              <a:t> </a:t>
-            </a:r>
-            <a:r>
-              <a:rPr lang="en-US" dirty="0" err="1"/>
-              <a:t>số</a:t>
-            </a:r>
-            <a:r>
-              <a:rPr lang="en-US" dirty="0"/>
-              <a:t> </a:t>
-            </a:r>
-            <a:r>
-              <a:rPr lang="en-US" dirty="0" err="1"/>
-              <a:t>lượng</a:t>
-            </a:r>
-            <a:r>
-              <a:rPr lang="en-US" dirty="0"/>
-              <a:t> </a:t>
-            </a:r>
-            <a:r>
-              <a:rPr lang="en-US" dirty="0" err="1"/>
-              <a:t>chức</a:t>
-            </a:r>
-            <a:r>
-              <a:rPr lang="en-US" dirty="0"/>
-              <a:t> </a:t>
-            </a:r>
-            <a:r>
-              <a:rPr lang="en-US" dirty="0" err="1"/>
-              <a:t>năng</a:t>
-            </a:r>
-            <a:endParaRPr lang="en-US" dirty="0"/>
-          </a:p>
-          <a:p>
-            <a:pPr lvl="1">
-              <a:buBlip>
-                <a:blip r:embed="rId2"/>
-              </a:buBlip>
-            </a:pPr>
-            <a:r>
-              <a:rPr lang="en-US" dirty="0" err="1"/>
-              <a:t>Tốc</a:t>
-            </a:r>
-            <a:r>
-              <a:rPr lang="en-US" dirty="0"/>
-              <a:t> </a:t>
-            </a:r>
-            <a:r>
-              <a:rPr lang="en-US" dirty="0" err="1"/>
-              <a:t>độ</a:t>
-            </a:r>
-            <a:r>
-              <a:rPr lang="en-US" dirty="0"/>
-              <a:t> </a:t>
-            </a:r>
-            <a:r>
-              <a:rPr lang="en-US" dirty="0" err="1"/>
-              <a:t>xữ</a:t>
-            </a:r>
-            <a:r>
-              <a:rPr lang="en-US" dirty="0"/>
-              <a:t> </a:t>
-            </a:r>
-            <a:r>
-              <a:rPr lang="en-US" dirty="0" err="1"/>
-              <a:t>lý</a:t>
-            </a:r>
-            <a:r>
-              <a:rPr lang="en-US" dirty="0"/>
-              <a:t> </a:t>
-            </a:r>
-            <a:r>
-              <a:rPr lang="en-US" dirty="0" err="1"/>
-              <a:t>còn</a:t>
-            </a:r>
-            <a:r>
-              <a:rPr lang="en-US" dirty="0"/>
-              <a:t> </a:t>
-            </a:r>
-            <a:r>
-              <a:rPr lang="en-US" dirty="0" err="1"/>
-              <a:t>chậm</a:t>
-            </a:r>
-            <a:endParaRPr lang="en-US" dirty="0"/>
-          </a:p>
-          <a:p>
-            <a:pPr lvl="1">
-              <a:buBlip>
-                <a:blip r:embed="rId2"/>
-              </a:buBlip>
-            </a:pPr>
-            <a:r>
-              <a:rPr lang="en-US" dirty="0" err="1"/>
-              <a:t>Dữ</a:t>
-            </a:r>
-            <a:r>
-              <a:rPr lang="en-US" dirty="0"/>
-              <a:t> </a:t>
-            </a:r>
-            <a:r>
-              <a:rPr lang="en-US" dirty="0" err="1"/>
-              <a:t>liệu</a:t>
-            </a:r>
-            <a:r>
-              <a:rPr lang="en-US" dirty="0"/>
-              <a:t> </a:t>
-            </a:r>
-            <a:r>
-              <a:rPr lang="en-US" dirty="0" err="1"/>
-              <a:t>vẫn</a:t>
-            </a:r>
-            <a:r>
-              <a:rPr lang="en-US" dirty="0"/>
-              <a:t> </a:t>
-            </a:r>
-            <a:r>
-              <a:rPr lang="en-US" dirty="0" err="1"/>
-              <a:t>chưa</a:t>
-            </a:r>
-            <a:r>
-              <a:rPr lang="en-US" dirty="0"/>
-              <a:t> </a:t>
-            </a:r>
-            <a:r>
-              <a:rPr lang="en-US" dirty="0" err="1"/>
-              <a:t>tối</a:t>
-            </a:r>
-            <a:r>
-              <a:rPr lang="en-US" dirty="0"/>
-              <a:t> </a:t>
-            </a:r>
-            <a:r>
-              <a:rPr lang="en-US" dirty="0" err="1"/>
-              <a:t>ưu</a:t>
-            </a:r>
-            <a:endParaRPr lang="en-US" dirty="0"/>
-          </a:p>
-          <a:p>
-            <a:pPr marL="457200" lvl="1" indent="0">
-              <a:buNone/>
-            </a:pPr>
-            <a:endParaRPr lang="en-US" dirty="0"/>
-          </a:p>
-          <a:p>
-            <a:pPr lvl="1">
-              <a:buBlip>
-                <a:blip r:embed="rId2"/>
-              </a:buBlip>
-            </a:pPr>
-            <a:endParaRPr lang="de-DE" dirty="0"/>
-          </a:p>
-        </p:txBody>
-      </p:sp>
-      <p:sp>
-        <p:nvSpPr>
-          <p:cNvPr id="4" name="Slide Number Placeholder 3"/>
-          <p:cNvSpPr>
-            <a:spLocks noGrp="1"/>
-          </p:cNvSpPr>
-          <p:nvPr>
-            <p:ph type="sldNum" sz="quarter" idx="12"/>
-          </p:nvPr>
-        </p:nvSpPr>
-        <p:spPr/>
-        <p:txBody>
-          <a:bodyPr/>
-          <a:lstStyle/>
-          <a:p>
-            <a:fld id="{2210AAD2-7BE5-41A1-B723-8B6F5F112607}" type="slidenum">
-              <a:rPr lang="de-DE" smtClean="0"/>
-              <a:pPr/>
-              <a:t>10</a:t>
-            </a:fld>
-            <a:endParaRPr lang="de-DE"/>
-          </a:p>
-        </p:txBody>
-      </p:sp>
-      <p:sp>
-        <p:nvSpPr>
-          <p:cNvPr id="5" name="Content Placeholder 2"/>
-          <p:cNvSpPr txBox="1">
-            <a:spLocks/>
-          </p:cNvSpPr>
-          <p:nvPr/>
-        </p:nvSpPr>
-        <p:spPr>
-          <a:xfrm>
-            <a:off x="266700" y="3967089"/>
-            <a:ext cx="8610600" cy="2262493"/>
-          </a:xfrm>
-          <a:prstGeom prst="rect">
-            <a:avLst/>
-          </a:prstGeom>
-        </p:spPr>
-        <p:txBody>
-          <a:bodyPr vert="horz" lIns="91440" tIns="45720" rIns="91440" bIns="45720" rtlCol="0">
-            <a:normAutofit/>
-          </a:bodyPr>
-          <a:lstStyle>
-            <a:lvl1pPr marL="228600" indent="-228600" algn="l" defTabSz="914400" rtl="0" eaLnBrk="1" latinLnBrk="0" hangingPunct="1">
-              <a:lnSpc>
-                <a:spcPct val="90000"/>
-              </a:lnSpc>
-              <a:spcBef>
-                <a:spcPts val="1000"/>
-              </a:spcBef>
-              <a:buFont typeface="Arial" panose="020B0604020202020204" pitchFamily="34" charset="0"/>
-              <a:buChar char="•"/>
-              <a:defRPr sz="2800" kern="1200">
-                <a:solidFill>
-                  <a:schemeClr val="tx1"/>
-                </a:solidFill>
-                <a:latin typeface="+mn-lt"/>
-                <a:ea typeface="+mn-ea"/>
-                <a:cs typeface="+mn-cs"/>
-              </a:defRPr>
-            </a:lvl1pPr>
-            <a:lvl2pPr marL="685800" indent="-228600" algn="l" defTabSz="914400" rtl="0" eaLnBrk="1" latinLnBrk="0" hangingPunct="1">
-              <a:lnSpc>
-                <a:spcPct val="90000"/>
-              </a:lnSpc>
-              <a:spcBef>
-                <a:spcPts val="500"/>
-              </a:spcBef>
-              <a:buFont typeface="Wingdings" panose="05000000000000000000" pitchFamily="2" charset="2"/>
-              <a:buChar char="§"/>
-              <a:defRPr sz="2400" kern="1200">
-                <a:solidFill>
-                  <a:schemeClr val="tx1"/>
-                </a:solidFill>
-                <a:latin typeface="+mn-lt"/>
-                <a:ea typeface="+mn-ea"/>
-                <a:cs typeface="+mn-cs"/>
-              </a:defRPr>
-            </a:lvl2pPr>
-            <a:lvl3pPr marL="1143000" indent="-228600" algn="l" defTabSz="914400" rtl="0" eaLnBrk="1" latinLnBrk="0" hangingPunct="1">
-              <a:lnSpc>
-                <a:spcPct val="90000"/>
-              </a:lnSpc>
-              <a:spcBef>
-                <a:spcPts val="500"/>
-              </a:spcBef>
-              <a:buFont typeface="Arial" panose="020B0604020202020204" pitchFamily="34" charset="0"/>
-              <a:buChar char="•"/>
-              <a:defRPr sz="2000" kern="1200">
-                <a:solidFill>
-                  <a:schemeClr val="tx1"/>
-                </a:solidFill>
-                <a:latin typeface="+mn-lt"/>
-                <a:ea typeface="+mn-ea"/>
-                <a:cs typeface="+mn-cs"/>
-              </a:defRPr>
-            </a:lvl3pPr>
-            <a:lvl4pPr marL="1600200" indent="-228600" algn="l" defTabSz="914400" rtl="0" eaLnBrk="1" latinLnBrk="0" hangingPunct="1">
-              <a:lnSpc>
-                <a:spcPct val="90000"/>
-              </a:lnSpc>
-              <a:spcBef>
-                <a:spcPts val="500"/>
-              </a:spcBef>
-              <a:buFont typeface="Arial" panose="020B0604020202020204" pitchFamily="34" charset="0"/>
-              <a:buChar char="•"/>
-              <a:defRPr sz="1800" kern="1200">
-                <a:solidFill>
-                  <a:schemeClr val="tx1"/>
-                </a:solidFill>
-                <a:latin typeface="+mn-lt"/>
-                <a:ea typeface="+mn-ea"/>
-                <a:cs typeface="+mn-cs"/>
-              </a:defRPr>
-            </a:lvl4pPr>
-            <a:lvl5pPr marL="2057400" indent="-228600" algn="l" defTabSz="914400" rtl="0" eaLnBrk="1" latinLnBrk="0" hangingPunct="1">
-              <a:lnSpc>
-                <a:spcPct val="90000"/>
-              </a:lnSpc>
-              <a:spcBef>
-                <a:spcPts val="500"/>
-              </a:spcBef>
-              <a:buFont typeface="Arial" panose="020B0604020202020204" pitchFamily="34" charset="0"/>
-              <a:buChar char="•"/>
-              <a:defRPr sz="1800" kern="1200">
-                <a:solidFill>
-                  <a:schemeClr val="tx1"/>
-                </a:solidFill>
-                <a:latin typeface="+mn-lt"/>
-                <a:ea typeface="+mn-ea"/>
-                <a:cs typeface="+mn-cs"/>
-              </a:defRPr>
-            </a:lvl5pPr>
-            <a:lvl6pPr marL="2514600" indent="-228600" algn="l" defTabSz="914400" rtl="0" eaLnBrk="1" latinLnBrk="0" hangingPunct="1">
-              <a:lnSpc>
-                <a:spcPct val="90000"/>
-              </a:lnSpc>
-              <a:spcBef>
-                <a:spcPts val="500"/>
-              </a:spcBef>
-              <a:buFont typeface="Arial" panose="020B0604020202020204" pitchFamily="34" charset="0"/>
-              <a:buChar char="•"/>
-              <a:defRPr sz="1800" kern="1200">
-                <a:solidFill>
-                  <a:schemeClr val="tx1"/>
-                </a:solidFill>
-                <a:latin typeface="+mn-lt"/>
-                <a:ea typeface="+mn-ea"/>
-                <a:cs typeface="+mn-cs"/>
-              </a:defRPr>
-            </a:lvl6pPr>
-            <a:lvl7pPr marL="2971800" indent="-228600" algn="l" defTabSz="914400" rtl="0" eaLnBrk="1" latinLnBrk="0" hangingPunct="1">
-              <a:lnSpc>
-                <a:spcPct val="90000"/>
-              </a:lnSpc>
-              <a:spcBef>
-                <a:spcPts val="500"/>
-              </a:spcBef>
-              <a:buFont typeface="Arial" panose="020B0604020202020204" pitchFamily="34" charset="0"/>
-              <a:buChar char="•"/>
-              <a:defRPr sz="1800" kern="1200">
-                <a:solidFill>
-                  <a:schemeClr val="tx1"/>
-                </a:solidFill>
-                <a:latin typeface="+mn-lt"/>
-                <a:ea typeface="+mn-ea"/>
-                <a:cs typeface="+mn-cs"/>
-              </a:defRPr>
-            </a:lvl7pPr>
-            <a:lvl8pPr marL="3429000" indent="-228600" algn="l" defTabSz="914400" rtl="0" eaLnBrk="1" latinLnBrk="0" hangingPunct="1">
-              <a:lnSpc>
-                <a:spcPct val="90000"/>
-              </a:lnSpc>
-              <a:spcBef>
-                <a:spcPts val="500"/>
-              </a:spcBef>
-              <a:buFont typeface="Arial" panose="020B0604020202020204" pitchFamily="34" charset="0"/>
-              <a:buChar char="•"/>
-              <a:defRPr sz="1800" kern="1200">
-                <a:solidFill>
-                  <a:schemeClr val="tx1"/>
-                </a:solidFill>
-                <a:latin typeface="+mn-lt"/>
-                <a:ea typeface="+mn-ea"/>
-                <a:cs typeface="+mn-cs"/>
-              </a:defRPr>
-            </a:lvl8pPr>
-            <a:lvl9pPr marL="3886200" indent="-228600" algn="l" defTabSz="914400" rtl="0" eaLnBrk="1" latinLnBrk="0" hangingPunct="1">
-              <a:lnSpc>
-                <a:spcPct val="90000"/>
-              </a:lnSpc>
-              <a:spcBef>
-                <a:spcPts val="500"/>
-              </a:spcBef>
-              <a:buFont typeface="Arial" panose="020B0604020202020204" pitchFamily="34" charset="0"/>
-              <a:buChar char="•"/>
-              <a:defRPr sz="1800" kern="1200">
-                <a:solidFill>
-                  <a:schemeClr val="tx1"/>
-                </a:solidFill>
-                <a:latin typeface="+mn-lt"/>
-                <a:ea typeface="+mn-ea"/>
-                <a:cs typeface="+mn-cs"/>
-              </a:defRPr>
-            </a:lvl9pPr>
-          </a:lstStyle>
-          <a:p>
-            <a:pPr marL="0" indent="0">
-              <a:buFont typeface="Arial" panose="020B0604020202020204" pitchFamily="34" charset="0"/>
-              <a:buNone/>
-            </a:pPr>
-            <a:r>
-              <a:rPr lang="en-US" dirty="0" err="1"/>
-              <a:t>Hướng</a:t>
-            </a:r>
-            <a:r>
-              <a:rPr lang="en-US" dirty="0"/>
-              <a:t> </a:t>
-            </a:r>
-            <a:r>
-              <a:rPr lang="en-US" dirty="0" err="1"/>
-              <a:t>phát</a:t>
-            </a:r>
-            <a:r>
-              <a:rPr lang="en-US" dirty="0"/>
-              <a:t> </a:t>
-            </a:r>
-            <a:r>
-              <a:rPr lang="en-US" dirty="0" err="1"/>
-              <a:t>triển</a:t>
-            </a:r>
-            <a:r>
-              <a:rPr lang="en-US" dirty="0"/>
-              <a:t>:</a:t>
-            </a:r>
-          </a:p>
-          <a:p>
-            <a:pPr lvl="1">
-              <a:buBlip>
-                <a:blip r:embed="rId3"/>
-              </a:buBlip>
-            </a:pPr>
-            <a:r>
-              <a:rPr lang="en-US" dirty="0" err="1"/>
-              <a:t>Tìm</a:t>
-            </a:r>
-            <a:r>
-              <a:rPr lang="en-US" dirty="0"/>
-              <a:t> </a:t>
-            </a:r>
-            <a:r>
-              <a:rPr lang="en-US" dirty="0" err="1"/>
-              <a:t>kiếm</a:t>
-            </a:r>
-            <a:r>
-              <a:rPr lang="en-US" dirty="0"/>
-              <a:t> </a:t>
-            </a:r>
-            <a:r>
-              <a:rPr lang="en-US" dirty="0" err="1"/>
-              <a:t>các</a:t>
-            </a:r>
-            <a:r>
-              <a:rPr lang="en-US" dirty="0"/>
-              <a:t> </a:t>
-            </a:r>
-            <a:r>
-              <a:rPr lang="en-US" dirty="0" err="1"/>
-              <a:t>ứng</a:t>
-            </a:r>
-            <a:r>
-              <a:rPr lang="en-US" dirty="0"/>
-              <a:t> </a:t>
-            </a:r>
-            <a:r>
-              <a:rPr lang="en-US" dirty="0" err="1"/>
-              <a:t>viên</a:t>
-            </a:r>
-            <a:r>
-              <a:rPr lang="en-US" dirty="0"/>
-              <a:t> </a:t>
-            </a:r>
-            <a:r>
-              <a:rPr lang="en-US" dirty="0" err="1"/>
-              <a:t>phù</a:t>
-            </a:r>
-            <a:r>
-              <a:rPr lang="en-US" dirty="0"/>
-              <a:t> </a:t>
-            </a:r>
-            <a:r>
-              <a:rPr lang="en-US" dirty="0" err="1"/>
-              <a:t>hợp</a:t>
-            </a:r>
-            <a:r>
-              <a:rPr lang="en-US" dirty="0"/>
-              <a:t> </a:t>
-            </a:r>
-            <a:r>
-              <a:rPr lang="en-US" dirty="0" err="1"/>
-              <a:t>nhất</a:t>
-            </a:r>
-            <a:endParaRPr lang="en-US" dirty="0"/>
-          </a:p>
-          <a:p>
-            <a:pPr lvl="1">
-              <a:buBlip>
-                <a:blip r:embed="rId3"/>
-              </a:buBlip>
-            </a:pPr>
-            <a:r>
-              <a:rPr lang="en-US" dirty="0" err="1"/>
-              <a:t>Phát</a:t>
-            </a:r>
-            <a:r>
-              <a:rPr lang="en-US" dirty="0"/>
-              <a:t> </a:t>
-            </a:r>
-            <a:r>
-              <a:rPr lang="en-US" dirty="0" err="1"/>
-              <a:t>triển</a:t>
-            </a:r>
-            <a:r>
-              <a:rPr lang="en-US" dirty="0"/>
-              <a:t> </a:t>
-            </a:r>
-            <a:r>
-              <a:rPr lang="en-US" dirty="0" err="1"/>
-              <a:t>thêm</a:t>
-            </a:r>
-            <a:r>
-              <a:rPr lang="en-US" dirty="0"/>
-              <a:t> </a:t>
-            </a:r>
-            <a:r>
-              <a:rPr lang="en-US" dirty="0" err="1"/>
-              <a:t>các</a:t>
-            </a:r>
-            <a:r>
-              <a:rPr lang="en-US" dirty="0"/>
-              <a:t> </a:t>
-            </a:r>
-            <a:r>
-              <a:rPr lang="en-US" dirty="0" err="1"/>
-              <a:t>tính</a:t>
-            </a:r>
-            <a:r>
-              <a:rPr lang="en-US" dirty="0"/>
-              <a:t> </a:t>
-            </a:r>
-            <a:r>
-              <a:rPr lang="en-US" dirty="0" err="1"/>
-              <a:t>năng</a:t>
-            </a:r>
-            <a:r>
-              <a:rPr lang="en-US" dirty="0"/>
-              <a:t> </a:t>
-            </a:r>
-            <a:r>
-              <a:rPr lang="en-US" dirty="0" err="1"/>
-              <a:t>đăng</a:t>
-            </a:r>
-            <a:r>
-              <a:rPr lang="en-US" dirty="0"/>
-              <a:t> </a:t>
-            </a:r>
-            <a:r>
-              <a:rPr lang="en-US" dirty="0" err="1"/>
-              <a:t>bài</a:t>
-            </a:r>
-            <a:r>
-              <a:rPr lang="en-US" dirty="0"/>
-              <a:t> </a:t>
-            </a:r>
-            <a:r>
-              <a:rPr lang="en-US" dirty="0" err="1"/>
-              <a:t>viết</a:t>
-            </a:r>
-            <a:r>
-              <a:rPr lang="en-US" dirty="0"/>
-              <a:t>, </a:t>
-            </a:r>
-            <a:r>
-              <a:rPr lang="en-US" dirty="0" err="1"/>
-              <a:t>nhắn</a:t>
-            </a:r>
-            <a:r>
-              <a:rPr lang="en-US" dirty="0"/>
-              <a:t> tin</a:t>
-            </a:r>
-          </a:p>
-          <a:p>
-            <a:pPr lvl="1">
-              <a:buBlip>
-                <a:blip r:embed="rId3"/>
-              </a:buBlip>
-            </a:pPr>
-            <a:r>
-              <a:rPr lang="en-US" dirty="0" err="1"/>
-              <a:t>Cải</a:t>
-            </a:r>
-            <a:r>
-              <a:rPr lang="en-US" dirty="0"/>
-              <a:t> </a:t>
-            </a:r>
-            <a:r>
-              <a:rPr lang="en-US" dirty="0" err="1"/>
-              <a:t>thiện</a:t>
-            </a:r>
-            <a:r>
-              <a:rPr lang="en-US" dirty="0"/>
-              <a:t> </a:t>
-            </a:r>
-            <a:r>
-              <a:rPr lang="en-US" dirty="0" err="1"/>
-              <a:t>tốc</a:t>
-            </a:r>
-            <a:r>
-              <a:rPr lang="en-US" dirty="0"/>
-              <a:t> </a:t>
-            </a:r>
-            <a:r>
-              <a:rPr lang="en-US" dirty="0" err="1"/>
-              <a:t>độ</a:t>
-            </a:r>
-            <a:r>
-              <a:rPr lang="en-US" dirty="0"/>
-              <a:t> </a:t>
-            </a:r>
-            <a:r>
-              <a:rPr lang="en-US" dirty="0" err="1"/>
-              <a:t>xữ</a:t>
-            </a:r>
-            <a:r>
-              <a:rPr lang="en-US" dirty="0"/>
-              <a:t> </a:t>
-            </a:r>
-            <a:r>
-              <a:rPr lang="en-US" dirty="0" err="1"/>
-              <a:t>lý</a:t>
-            </a:r>
-            <a:r>
-              <a:rPr lang="en-US" dirty="0"/>
-              <a:t> </a:t>
-            </a:r>
-            <a:r>
-              <a:rPr lang="en-US" dirty="0" err="1"/>
-              <a:t>dữ</a:t>
-            </a:r>
-            <a:r>
-              <a:rPr lang="en-US" dirty="0"/>
-              <a:t> </a:t>
-            </a:r>
-            <a:r>
-              <a:rPr lang="en-US" dirty="0" err="1"/>
-              <a:t>liệu</a:t>
-            </a:r>
-            <a:endParaRPr lang="en-US" dirty="0"/>
-          </a:p>
-          <a:p>
-            <a:pPr marL="457200" lvl="1" indent="0">
-              <a:buFont typeface="Wingdings" panose="05000000000000000000" pitchFamily="2" charset="2"/>
-              <a:buNone/>
-            </a:pPr>
-            <a:endParaRPr lang="en-US" dirty="0"/>
-          </a:p>
-          <a:p>
-            <a:pPr lvl="1">
-              <a:buFont typeface="Wingdings" panose="05000000000000000000" pitchFamily="2" charset="2"/>
-              <a:buBlip>
-                <a:blip r:embed="rId2"/>
-              </a:buBlip>
-            </a:pPr>
-            <a:endParaRPr lang="de-DE" dirty="0"/>
-          </a:p>
-        </p:txBody>
-      </p:sp>
-    </p:spTree>
-    <p:extLst>
-      <p:ext uri="{BB962C8B-B14F-4D97-AF65-F5344CB8AC3E}">
-        <p14:creationId xmlns:p14="http://schemas.microsoft.com/office/powerpoint/2010/main" val="2807078726"/>
-      </p:ext>
-    </p:extLst>
-  </p:cSld>
-  <p:clrMapOvr>
-    <a:masterClrMapping/>
-  </p:clrMapOvr>
-  <p:timing>
-    <p:tnLst>
-      <p:par>
-        <p:cTn id="1" dur="indefinite" restart="never" nodeType="tmRoot">
-          <p:childTnLst>
-            <p:seq concurrent="1" nextAc="seek">
-              <p:cTn id="2" dur="indefinite" nodeType="mainSeq">
-                <p:childTnLst>
-                  <p:par>
-                    <p:cTn id="3" fill="hold">
-                      <p:stCondLst>
-                        <p:cond delay="indefinite"/>
-                      </p:stCondLst>
-                      <p:childTnLst>
-                        <p:par>
-                          <p:cTn id="4" fill="hold">
-                            <p:stCondLst>
-                              <p:cond delay="0"/>
-                            </p:stCondLst>
-                            <p:childTnLst>
-                              <p:par>
-                                <p:cTn id="5" presetID="22" presetClass="entr" presetSubtype="8" fill="hold" grpId="0" nodeType="clickEffect">
-                                  <p:stCondLst>
-                                    <p:cond delay="0"/>
-                                  </p:stCondLst>
-                                  <p:childTnLst>
-                                    <p:set>
-                                      <p:cBhvr>
-                                        <p:cTn id="6" dur="1" fill="hold">
-                                          <p:stCondLst>
-                                            <p:cond delay="0"/>
-                                          </p:stCondLst>
-                                        </p:cTn>
-                                        <p:tgtEl>
-                                          <p:spTgt spid="3">
-                                            <p:txEl>
-                                              <p:pRg st="0" end="0"/>
-                                            </p:txEl>
-                                          </p:spTgt>
-                                        </p:tgtEl>
-                                        <p:attrNameLst>
-                                          <p:attrName>style.visibility</p:attrName>
-                                        </p:attrNameLst>
-                                      </p:cBhvr>
-                                      <p:to>
-                                        <p:strVal val="visible"/>
-                                      </p:to>
-                                    </p:set>
-                                    <p:animEffect transition="in" filter="wipe(left)">
-                                      <p:cBhvr>
-                                        <p:cTn id="7" dur="500"/>
-                                        <p:tgtEl>
-                                          <p:spTgt spid="3">
-                                            <p:txEl>
-                                              <p:pRg st="0" end="0"/>
-                                            </p:txEl>
-                                          </p:spTgt>
-                                        </p:tgtEl>
-                                      </p:cBhvr>
-                                    </p:animEffect>
-                                  </p:childTnLst>
-                                </p:cTn>
-                              </p:par>
-                            </p:childTnLst>
-                          </p:cTn>
-                        </p:par>
-                        <p:par>
-                          <p:cTn id="8" fill="hold">
-                            <p:stCondLst>
-                              <p:cond delay="500"/>
-                            </p:stCondLst>
-                            <p:childTnLst>
-                              <p:par>
-                                <p:cTn id="9" presetID="22" presetClass="entr" presetSubtype="8" fill="hold" grpId="0" nodeType="afterEffect">
-                                  <p:stCondLst>
-                                    <p:cond delay="0"/>
-                                  </p:stCondLst>
-                                  <p:childTnLst>
-                                    <p:set>
-                                      <p:cBhvr>
-                                        <p:cTn id="10" dur="1" fill="hold">
-                                          <p:stCondLst>
-                                            <p:cond delay="0"/>
-                                          </p:stCondLst>
-                                        </p:cTn>
-                                        <p:tgtEl>
-                                          <p:spTgt spid="3">
-                                            <p:txEl>
-                                              <p:pRg st="1" end="1"/>
-                                            </p:txEl>
-                                          </p:spTgt>
-                                        </p:tgtEl>
-                                        <p:attrNameLst>
-                                          <p:attrName>style.visibility</p:attrName>
-                                        </p:attrNameLst>
-                                      </p:cBhvr>
-                                      <p:to>
-                                        <p:strVal val="visible"/>
-                                      </p:to>
-                                    </p:set>
-                                    <p:animEffect transition="in" filter="wipe(left)">
-                                      <p:cBhvr>
-                                        <p:cTn id="11" dur="500"/>
-                                        <p:tgtEl>
-                                          <p:spTgt spid="3">
-                                            <p:txEl>
-                                              <p:pRg st="1" end="1"/>
-                                            </p:txEl>
-                                          </p:spTgt>
-                                        </p:tgtEl>
-                                      </p:cBhvr>
-                                    </p:animEffect>
-                                  </p:childTnLst>
-                                </p:cTn>
-                              </p:par>
-                            </p:childTnLst>
-                          </p:cTn>
-                        </p:par>
-                        <p:par>
-                          <p:cTn id="12" fill="hold">
-                            <p:stCondLst>
-                              <p:cond delay="1000"/>
-                            </p:stCondLst>
-                            <p:childTnLst>
-                              <p:par>
-                                <p:cTn id="13" presetID="22" presetClass="entr" presetSubtype="8" fill="hold" grpId="0" nodeType="afterEffect">
-                                  <p:stCondLst>
-                                    <p:cond delay="0"/>
-                                  </p:stCondLst>
-                                  <p:childTnLst>
-                                    <p:set>
-                                      <p:cBhvr>
-                                        <p:cTn id="14" dur="1" fill="hold">
-                                          <p:stCondLst>
-                                            <p:cond delay="0"/>
-                                          </p:stCondLst>
-                                        </p:cTn>
-                                        <p:tgtEl>
-                                          <p:spTgt spid="3">
-                                            <p:txEl>
-                                              <p:pRg st="2" end="2"/>
-                                            </p:txEl>
-                                          </p:spTgt>
-                                        </p:tgtEl>
-                                        <p:attrNameLst>
-                                          <p:attrName>style.visibility</p:attrName>
-                                        </p:attrNameLst>
-                                      </p:cBhvr>
-                                      <p:to>
-                                        <p:strVal val="visible"/>
-                                      </p:to>
-                                    </p:set>
-                                    <p:animEffect transition="in" filter="wipe(left)">
-                                      <p:cBhvr>
-                                        <p:cTn id="15" dur="500"/>
-                                        <p:tgtEl>
-                                          <p:spTgt spid="3">
-                                            <p:txEl>
-                                              <p:pRg st="2" end="2"/>
-                                            </p:txEl>
-                                          </p:spTgt>
-                                        </p:tgtEl>
-                                      </p:cBhvr>
-                                    </p:animEffect>
-                                  </p:childTnLst>
-                                </p:cTn>
-                              </p:par>
-                            </p:childTnLst>
-                          </p:cTn>
-                        </p:par>
-                        <p:par>
-                          <p:cTn id="16" fill="hold">
-                            <p:stCondLst>
-                              <p:cond delay="1500"/>
-                            </p:stCondLst>
-                            <p:childTnLst>
-                              <p:par>
-                                <p:cTn id="17" presetID="22" presetClass="entr" presetSubtype="8" fill="hold" grpId="0" nodeType="afterEffect">
-                                  <p:stCondLst>
-                                    <p:cond delay="0"/>
-                                  </p:stCondLst>
-                                  <p:childTnLst>
-                                    <p:set>
-                                      <p:cBhvr>
-                                        <p:cTn id="18" dur="1" fill="hold">
-                                          <p:stCondLst>
-                                            <p:cond delay="0"/>
-                                          </p:stCondLst>
-                                        </p:cTn>
-                                        <p:tgtEl>
-                                          <p:spTgt spid="3">
-                                            <p:txEl>
-                                              <p:pRg st="3" end="3"/>
-                                            </p:txEl>
-                                          </p:spTgt>
-                                        </p:tgtEl>
-                                        <p:attrNameLst>
-                                          <p:attrName>style.visibility</p:attrName>
-                                        </p:attrNameLst>
-                                      </p:cBhvr>
-                                      <p:to>
-                                        <p:strVal val="visible"/>
-                                      </p:to>
-                                    </p:set>
-                                    <p:animEffect transition="in" filter="wipe(left)">
-                                      <p:cBhvr>
-                                        <p:cTn id="19" dur="500"/>
-                                        <p:tgtEl>
-                                          <p:spTgt spid="3">
-                                            <p:txEl>
-                                              <p:pRg st="3" end="3"/>
-                                            </p:txEl>
-                                          </p:spTgt>
-                                        </p:tgtEl>
-                                      </p:cBhvr>
-                                    </p:animEffect>
-                                  </p:childTnLst>
-                                </p:cTn>
-                              </p:par>
-                            </p:childTnLst>
-                          </p:cTn>
-                        </p:par>
-                      </p:childTnLst>
-                    </p:cTn>
-                  </p:par>
-                  <p:par>
-                    <p:cTn id="20" fill="hold">
-                      <p:stCondLst>
-                        <p:cond delay="indefinite"/>
-                      </p:stCondLst>
-                      <p:childTnLst>
-                        <p:par>
-                          <p:cTn id="21" fill="hold">
-                            <p:stCondLst>
-                              <p:cond delay="0"/>
-                            </p:stCondLst>
-                            <p:childTnLst>
-                              <p:par>
-                                <p:cTn id="22" presetID="22" presetClass="entr" presetSubtype="8" fill="hold" grpId="0" nodeType="clickEffect">
-                                  <p:stCondLst>
-                                    <p:cond delay="0"/>
-                                  </p:stCondLst>
-                                  <p:childTnLst>
-                                    <p:set>
-                                      <p:cBhvr>
-                                        <p:cTn id="23" dur="1" fill="hold">
-                                          <p:stCondLst>
-                                            <p:cond delay="0"/>
-                                          </p:stCondLst>
-                                        </p:cTn>
-                                        <p:tgtEl>
-                                          <p:spTgt spid="5">
-                                            <p:txEl>
-                                              <p:pRg st="0" end="0"/>
-                                            </p:txEl>
-                                          </p:spTgt>
-                                        </p:tgtEl>
-                                        <p:attrNameLst>
-                                          <p:attrName>style.visibility</p:attrName>
-                                        </p:attrNameLst>
-                                      </p:cBhvr>
-                                      <p:to>
-                                        <p:strVal val="visible"/>
-                                      </p:to>
-                                    </p:set>
-                                    <p:animEffect transition="in" filter="wipe(left)">
-                                      <p:cBhvr>
-                                        <p:cTn id="24" dur="500"/>
-                                        <p:tgtEl>
-                                          <p:spTgt spid="5">
-                                            <p:txEl>
-                                              <p:pRg st="0" end="0"/>
-                                            </p:txEl>
-                                          </p:spTgt>
-                                        </p:tgtEl>
-                                      </p:cBhvr>
-                                    </p:animEffect>
-                                  </p:childTnLst>
-                                </p:cTn>
-                              </p:par>
-                              <p:par>
-                                <p:cTn id="25" presetID="22" presetClass="entr" presetSubtype="8" fill="hold" grpId="0" nodeType="withEffect">
-                                  <p:stCondLst>
-                                    <p:cond delay="0"/>
-                                  </p:stCondLst>
-                                  <p:childTnLst>
-                                    <p:set>
-                                      <p:cBhvr>
-                                        <p:cTn id="26" dur="1" fill="hold">
-                                          <p:stCondLst>
-                                            <p:cond delay="0"/>
-                                          </p:stCondLst>
-                                        </p:cTn>
-                                        <p:tgtEl>
-                                          <p:spTgt spid="5">
-                                            <p:txEl>
-                                              <p:pRg st="1" end="1"/>
-                                            </p:txEl>
-                                          </p:spTgt>
-                                        </p:tgtEl>
-                                        <p:attrNameLst>
-                                          <p:attrName>style.visibility</p:attrName>
-                                        </p:attrNameLst>
-                                      </p:cBhvr>
-                                      <p:to>
-                                        <p:strVal val="visible"/>
-                                      </p:to>
-                                    </p:set>
-                                    <p:animEffect transition="in" filter="wipe(left)">
-                                      <p:cBhvr>
-                                        <p:cTn id="27" dur="500"/>
-                                        <p:tgtEl>
-                                          <p:spTgt spid="5">
-                                            <p:txEl>
-                                              <p:pRg st="1" end="1"/>
-                                            </p:txEl>
-                                          </p:spTgt>
-                                        </p:tgtEl>
-                                      </p:cBhvr>
-                                    </p:animEffect>
-                                  </p:childTnLst>
-                                </p:cTn>
-                              </p:par>
-                            </p:childTnLst>
-                          </p:cTn>
-                        </p:par>
-                        <p:par>
-                          <p:cTn id="28" fill="hold">
-                            <p:stCondLst>
-                              <p:cond delay="500"/>
-                            </p:stCondLst>
-                            <p:childTnLst>
-                              <p:par>
-                                <p:cTn id="29" presetID="22" presetClass="entr" presetSubtype="8" fill="hold" grpId="0" nodeType="afterEffect">
-                                  <p:stCondLst>
-                                    <p:cond delay="0"/>
-                                  </p:stCondLst>
-                                  <p:childTnLst>
-                                    <p:set>
-                                      <p:cBhvr>
-                                        <p:cTn id="30" dur="1" fill="hold">
-                                          <p:stCondLst>
-                                            <p:cond delay="0"/>
-                                          </p:stCondLst>
-                                        </p:cTn>
-                                        <p:tgtEl>
-                                          <p:spTgt spid="5">
-                                            <p:txEl>
-                                              <p:pRg st="2" end="2"/>
-                                            </p:txEl>
-                                          </p:spTgt>
-                                        </p:tgtEl>
-                                        <p:attrNameLst>
-                                          <p:attrName>style.visibility</p:attrName>
-                                        </p:attrNameLst>
-                                      </p:cBhvr>
-                                      <p:to>
-                                        <p:strVal val="visible"/>
-                                      </p:to>
-                                    </p:set>
-                                    <p:animEffect transition="in" filter="wipe(left)">
-                                      <p:cBhvr>
-                                        <p:cTn id="31" dur="500"/>
-                                        <p:tgtEl>
-                                          <p:spTgt spid="5">
-                                            <p:txEl>
-                                              <p:pRg st="2" end="2"/>
-                                            </p:txEl>
-                                          </p:spTgt>
-                                        </p:tgtEl>
-                                      </p:cBhvr>
-                                    </p:animEffect>
-                                  </p:childTnLst>
-                                </p:cTn>
-                              </p:par>
-                              <p:par>
-                                <p:cTn id="32" presetID="22" presetClass="entr" presetSubtype="8" fill="hold" grpId="0" nodeType="withEffect">
-                                  <p:stCondLst>
-                                    <p:cond delay="0"/>
-                                  </p:stCondLst>
-                                  <p:childTnLst>
-                                    <p:set>
-                                      <p:cBhvr>
-                                        <p:cTn id="33" dur="1" fill="hold">
-                                          <p:stCondLst>
-                                            <p:cond delay="0"/>
-                                          </p:stCondLst>
-                                        </p:cTn>
-                                        <p:tgtEl>
-                                          <p:spTgt spid="5">
-                                            <p:txEl>
-                                              <p:pRg st="3" end="3"/>
-                                            </p:txEl>
-                                          </p:spTgt>
-                                        </p:tgtEl>
-                                        <p:attrNameLst>
-                                          <p:attrName>style.visibility</p:attrName>
-                                        </p:attrNameLst>
-                                      </p:cBhvr>
-                                      <p:to>
-                                        <p:strVal val="visible"/>
-                                      </p:to>
-                                    </p:set>
-                                    <p:animEffect transition="in" filter="wipe(left)">
-                                      <p:cBhvr>
-                                        <p:cTn id="34" dur="500"/>
-                                        <p:tgtEl>
-                                          <p:spTgt spid="5">
-                                            <p:txEl>
-                                              <p:pRg st="3" end="3"/>
-                                            </p:txEl>
-                                          </p:spTgt>
-                                        </p:tgtEl>
-                                      </p:cBhvr>
-                                    </p:animEffect>
-                                  </p:childTnLst>
-                                </p:cTn>
-                              </p:par>
-                            </p:childTnLst>
-                          </p:cTn>
-                        </p:par>
-                      </p:childTnLst>
-                    </p:cTn>
-                  </p:par>
-                </p:childTnLst>
-              </p:cTn>
-              <p:prevCondLst>
-                <p:cond evt="onPrev" delay="0">
-                  <p:tgtEl>
-                    <p:sldTgt/>
-                  </p:tgtEl>
-                </p:cond>
-              </p:prevCondLst>
-              <p:nextCondLst>
-                <p:cond evt="onNext" delay="0">
-                  <p:tgtEl>
-                    <p:sldTgt/>
-                  </p:tgtEl>
-                </p:cond>
-              </p:nextCondLst>
-            </p:seq>
-          </p:childTnLst>
-        </p:cTn>
-      </p:par>
-    </p:tnLst>
-    <p:bldLst>
-      <p:bldP spid="3" grpId="0" uiExpand="1" build="p"/>
-      <p:bldP spid="5" grpId="0" uiExpand="1" build="p"/>
-    </p:bldLst>
-  </p:timing>
-</p:sld>
-</file>
-
 <file path=ppt/slides/slide2.xml><?xml version="1.0" encoding="utf-8"?>
 <p:sld xmlns:a="http://schemas.openxmlformats.org/drawingml/2006/main" xmlns:r="http://schemas.openxmlformats.org/officeDocument/2006/relationships" xmlns:p="http://schemas.openxmlformats.org/presentationml/2006/main">
   <p:cSld>
@@ -9562,7 +7441,7 @@
           <p:nvPr>
             <p:extLst>
               <p:ext uri="{D42A27DB-BD31-4B8C-83A1-F6EECF244321}">
-                <p14:modId xmlns:p14="http://schemas.microsoft.com/office/powerpoint/2010/main" val="1238700020"/>
+                <p14:modId xmlns:p14="http://schemas.microsoft.com/office/powerpoint/2010/main" val="2270859323"/>
               </p:ext>
             </p:extLst>
           </p:nvPr>
@@ -10622,7 +8501,7 @@
       </p:grpSpPr>
       <p:sp>
         <p:nvSpPr>
-          <p:cNvPr id="6" name="Title 5"/>
+          <p:cNvPr id="2" name="Title 1"/>
           <p:cNvSpPr>
             <a:spLocks noGrp="1"/>
           </p:cNvSpPr>
@@ -10637,7 +8516,7 @@
           <a:p>
             <a:r>
               <a:rPr lang="en-US" dirty="0" err="1"/>
-              <a:t>Tổng</a:t>
+              <a:t>Giới</a:t>
             </a:r>
             <a:r>
               <a:rPr lang="en-US" dirty="0"/>
@@ -10645,23 +8524,7 @@
             </a:r>
             <a:r>
               <a:rPr lang="en-US" dirty="0" err="1"/>
-              <a:t>quan</a:t>
-            </a:r>
-            <a:r>
-              <a:rPr lang="en-US" dirty="0"/>
-              <a:t> </a:t>
-            </a:r>
-            <a:r>
-              <a:rPr lang="en-US" dirty="0" err="1"/>
-              <a:t>hệ</a:t>
-            </a:r>
-            <a:r>
-              <a:rPr lang="en-US" dirty="0"/>
-              <a:t> </a:t>
-            </a:r>
-            <a:r>
-              <a:rPr lang="en-US" dirty="0" err="1"/>
-              <a:t>thống</a:t>
+              <a:t>thiệu</a:t>
             </a:r>
             <a:endParaRPr lang="de-DE" dirty="0"/>
           </a:p>
@@ -10686,1809 +8549,6 @@
               <a:rPr lang="de-DE" smtClean="0"/>
               <a:pPr/>
               <a:t>4</a:t>
-            </a:fld>
-            <a:endParaRPr lang="de-DE"/>
-          </a:p>
-        </p:txBody>
-      </p:sp>
-      <p:sp>
-        <p:nvSpPr>
-          <p:cNvPr id="2" name="TextBox 1">
-            <a:extLst>
-              <a:ext uri="{FF2B5EF4-FFF2-40B4-BE49-F238E27FC236}">
-                <a16:creationId xmlns:a16="http://schemas.microsoft.com/office/drawing/2014/main" id="{79C5A8DE-8667-D4DF-ED99-1E202BE9B65B}"/>
-              </a:ext>
-            </a:extLst>
-          </p:cNvPr>
-          <p:cNvSpPr txBox="1"/>
-          <p:nvPr/>
-        </p:nvSpPr>
-        <p:spPr>
-          <a:xfrm>
-            <a:off x="350196" y="2188720"/>
-            <a:ext cx="7480570" cy="2308324"/>
-          </a:xfrm>
-          <a:prstGeom prst="rect">
-            <a:avLst/>
-          </a:prstGeom>
-          <a:noFill/>
-        </p:spPr>
-        <p:txBody>
-          <a:bodyPr wrap="square" rtlCol="0">
-            <a:spAutoFit/>
-          </a:bodyPr>
-          <a:lstStyle/>
-          <a:p>
-            <a:pPr marL="285750" indent="-285750">
-              <a:buFontTx/>
-              <a:buChar char="-"/>
-            </a:pPr>
-            <a:r>
-              <a:rPr lang="en-US" dirty="0"/>
-              <a:t>80+ </a:t>
-            </a:r>
-            <a:r>
-              <a:rPr lang="en-US" b="1" dirty="0"/>
-              <a:t>API</a:t>
-            </a:r>
-          </a:p>
-          <a:p>
-            <a:pPr marL="285750" indent="-285750">
-              <a:buFontTx/>
-              <a:buChar char="-"/>
-            </a:pPr>
-            <a:endParaRPr lang="en-US" dirty="0"/>
-          </a:p>
-          <a:p>
-            <a:pPr marL="285750" indent="-285750">
-              <a:buFontTx/>
-              <a:buChar char="-"/>
-            </a:pPr>
-            <a:r>
-              <a:rPr lang="en-US" dirty="0"/>
-              <a:t>40+ </a:t>
-            </a:r>
-            <a:r>
-              <a:rPr lang="en-US" b="1" dirty="0" err="1"/>
-              <a:t>Bảng</a:t>
-            </a:r>
-            <a:r>
-              <a:rPr lang="en-US" b="1" dirty="0"/>
-              <a:t> </a:t>
-            </a:r>
-            <a:r>
-              <a:rPr lang="en-US" b="1" dirty="0" err="1"/>
-              <a:t>dữ</a:t>
-            </a:r>
-            <a:r>
-              <a:rPr lang="en-US" b="1" dirty="0"/>
-              <a:t> </a:t>
-            </a:r>
-            <a:r>
-              <a:rPr lang="en-US" b="1" dirty="0" err="1"/>
-              <a:t>liệu</a:t>
-            </a:r>
-            <a:endParaRPr lang="en-US" b="1" dirty="0"/>
-          </a:p>
-          <a:p>
-            <a:pPr marL="285750" indent="-285750">
-              <a:buFontTx/>
-              <a:buChar char="-"/>
-            </a:pPr>
-            <a:endParaRPr lang="en-US" b="1" dirty="0"/>
-          </a:p>
-          <a:p>
-            <a:pPr marL="285750" indent="-285750">
-              <a:buFontTx/>
-              <a:buChar char="-"/>
-            </a:pPr>
-            <a:r>
-              <a:rPr lang="en-US" dirty="0"/>
-              <a:t>3 </a:t>
-            </a:r>
-            <a:r>
-              <a:rPr lang="en-US" dirty="0" err="1"/>
-              <a:t>phân</a:t>
-            </a:r>
-            <a:r>
-              <a:rPr lang="en-US" dirty="0"/>
-              <a:t> </a:t>
-            </a:r>
-            <a:r>
-              <a:rPr lang="en-US" dirty="0" err="1"/>
-              <a:t>quyền</a:t>
-            </a:r>
-            <a:r>
-              <a:rPr lang="en-US" dirty="0"/>
-              <a:t> </a:t>
-            </a:r>
-            <a:r>
-              <a:rPr lang="en-US" dirty="0" err="1"/>
-              <a:t>chính</a:t>
-            </a:r>
-            <a:endParaRPr lang="en-US" dirty="0"/>
-          </a:p>
-          <a:p>
-            <a:pPr marL="285750" indent="-285750">
-              <a:buFontTx/>
-              <a:buChar char="-"/>
-            </a:pPr>
-            <a:endParaRPr lang="en-US" dirty="0"/>
-          </a:p>
-          <a:p>
-            <a:pPr marL="285750" indent="-285750">
-              <a:buFontTx/>
-              <a:buChar char="-"/>
-            </a:pPr>
-            <a:endParaRPr lang="en-US" dirty="0"/>
-          </a:p>
-          <a:p>
-            <a:pPr marL="285750" indent="-285750">
-              <a:buFontTx/>
-              <a:buChar char="-"/>
-            </a:pPr>
-            <a:endParaRPr lang="en-US" dirty="0"/>
-          </a:p>
-        </p:txBody>
-      </p:sp>
-    </p:spTree>
-    <p:extLst>
-      <p:ext uri="{BB962C8B-B14F-4D97-AF65-F5344CB8AC3E}">
-        <p14:creationId xmlns:p14="http://schemas.microsoft.com/office/powerpoint/2010/main" val="2224299541"/>
-      </p:ext>
-    </p:extLst>
-  </p:cSld>
-  <p:clrMapOvr>
-    <a:masterClrMapping/>
-  </p:clrMapOvr>
-</p:sld>
-</file>
-
-<file path=ppt/slides/slide5.xml><?xml version="1.0" encoding="utf-8"?>
-<p:sld xmlns:a="http://schemas.openxmlformats.org/drawingml/2006/main" xmlns:r="http://schemas.openxmlformats.org/officeDocument/2006/relationships" xmlns:p="http://schemas.openxmlformats.org/presentationml/2006/main">
-  <p:cSld>
-    <p:spTree>
-      <p:nvGrpSpPr>
-        <p:cNvPr id="1" name=""/>
-        <p:cNvGrpSpPr/>
-        <p:nvPr/>
-      </p:nvGrpSpPr>
-      <p:grpSpPr>
-        <a:xfrm>
-          <a:off x="0" y="0"/>
-          <a:ext cx="0" cy="0"/>
-          <a:chOff x="0" y="0"/>
-          <a:chExt cx="0" cy="0"/>
-        </a:xfrm>
-      </p:grpSpPr>
-      <p:sp>
-        <p:nvSpPr>
-          <p:cNvPr id="2" name="Title 1"/>
-          <p:cNvSpPr>
-            <a:spLocks noGrp="1"/>
-          </p:cNvSpPr>
-          <p:nvPr>
-            <p:ph type="title"/>
-          </p:nvPr>
-        </p:nvSpPr>
-        <p:spPr/>
-        <p:txBody>
-          <a:bodyPr/>
-          <a:lstStyle/>
-          <a:p>
-            <a:r>
-              <a:rPr lang="en-US" dirty="0" err="1"/>
-              <a:t>Quy</a:t>
-            </a:r>
-            <a:r>
-              <a:rPr lang="en-US" dirty="0"/>
-              <a:t> </a:t>
-            </a:r>
-            <a:r>
-              <a:rPr lang="en-US" dirty="0" err="1"/>
-              <a:t>trình</a:t>
-            </a:r>
-            <a:r>
-              <a:rPr lang="en-US" dirty="0"/>
-              <a:t> </a:t>
-            </a:r>
-            <a:r>
-              <a:rPr lang="en-US" dirty="0" err="1"/>
-              <a:t>từ</a:t>
-            </a:r>
-            <a:r>
-              <a:rPr lang="en-US" dirty="0"/>
-              <a:t> </a:t>
-            </a:r>
-            <a:r>
-              <a:rPr lang="en-US" dirty="0" err="1"/>
-              <a:t>công</a:t>
-            </a:r>
-            <a:r>
-              <a:rPr lang="en-US" dirty="0"/>
-              <a:t> </a:t>
-            </a:r>
-            <a:r>
-              <a:rPr lang="en-US" dirty="0" err="1"/>
-              <a:t>việc</a:t>
-            </a:r>
-            <a:r>
-              <a:rPr lang="en-US" dirty="0"/>
-              <a:t> </a:t>
-            </a:r>
-            <a:r>
-              <a:rPr lang="en-US" dirty="0" err="1"/>
-              <a:t>đến</a:t>
-            </a:r>
-            <a:r>
-              <a:rPr lang="en-US" dirty="0"/>
-              <a:t> </a:t>
-            </a:r>
-            <a:r>
-              <a:rPr lang="en-US" dirty="0" err="1"/>
-              <a:t>kinh</a:t>
-            </a:r>
-            <a:r>
-              <a:rPr lang="en-US" dirty="0"/>
-              <a:t> </a:t>
-            </a:r>
-            <a:r>
-              <a:rPr lang="en-US" dirty="0" err="1"/>
-              <a:t>nghiệm</a:t>
-            </a:r>
-            <a:r>
-              <a:rPr lang="en-US" dirty="0"/>
-              <a:t> </a:t>
-            </a:r>
-            <a:r>
-              <a:rPr lang="en-US" dirty="0" err="1"/>
-              <a:t>làm</a:t>
-            </a:r>
-            <a:r>
-              <a:rPr lang="en-US" dirty="0"/>
-              <a:t> </a:t>
-            </a:r>
-            <a:r>
-              <a:rPr lang="en-US" dirty="0" err="1"/>
-              <a:t>việc</a:t>
-            </a:r>
-            <a:endParaRPr lang="de-DE" dirty="0"/>
-          </a:p>
-        </p:txBody>
-      </p:sp>
-      <p:sp>
-        <p:nvSpPr>
-          <p:cNvPr id="4" name="Slide Number Placeholder 3"/>
-          <p:cNvSpPr>
-            <a:spLocks noGrp="1"/>
-          </p:cNvSpPr>
-          <p:nvPr>
-            <p:ph type="sldNum" sz="quarter" idx="12"/>
-          </p:nvPr>
-        </p:nvSpPr>
-        <p:spPr/>
-        <p:txBody>
-          <a:bodyPr/>
-          <a:lstStyle/>
-          <a:p>
-            <a:fld id="{2210AAD2-7BE5-41A1-B723-8B6F5F112607}" type="slidenum">
-              <a:rPr lang="de-DE" smtClean="0"/>
-              <a:pPr/>
-              <a:t>5</a:t>
-            </a:fld>
-            <a:endParaRPr lang="de-DE"/>
-          </a:p>
-        </p:txBody>
-      </p:sp>
-    </p:spTree>
-    <p:extLst>
-      <p:ext uri="{BB962C8B-B14F-4D97-AF65-F5344CB8AC3E}">
-        <p14:creationId xmlns:p14="http://schemas.microsoft.com/office/powerpoint/2010/main" val="1219313099"/>
-      </p:ext>
-    </p:extLst>
-  </p:cSld>
-  <p:clrMapOvr>
-    <a:masterClrMapping/>
-  </p:clrMapOvr>
-</p:sld>
-</file>
-
-<file path=ppt/slides/slide6.xml><?xml version="1.0" encoding="utf-8"?>
-<p:sld xmlns:a="http://schemas.openxmlformats.org/drawingml/2006/main" xmlns:r="http://schemas.openxmlformats.org/officeDocument/2006/relationships" xmlns:p="http://schemas.openxmlformats.org/presentationml/2006/main">
-  <p:cSld>
-    <p:spTree>
-      <p:nvGrpSpPr>
-        <p:cNvPr id="1" name=""/>
-        <p:cNvGrpSpPr/>
-        <p:nvPr/>
-      </p:nvGrpSpPr>
-      <p:grpSpPr>
-        <a:xfrm>
-          <a:off x="0" y="0"/>
-          <a:ext cx="0" cy="0"/>
-          <a:chOff x="0" y="0"/>
-          <a:chExt cx="0" cy="0"/>
-        </a:xfrm>
-      </p:grpSpPr>
-      <p:sp>
-        <p:nvSpPr>
-          <p:cNvPr id="2" name="Title 1"/>
-          <p:cNvSpPr>
-            <a:spLocks noGrp="1"/>
-          </p:cNvSpPr>
-          <p:nvPr>
-            <p:ph type="title"/>
-          </p:nvPr>
-        </p:nvSpPr>
-        <p:spPr/>
-        <p:txBody>
-          <a:bodyPr/>
-          <a:lstStyle/>
-          <a:p>
-            <a:r>
-              <a:rPr lang="en-US" dirty="0" err="1"/>
-              <a:t>Tính</a:t>
-            </a:r>
-            <a:r>
-              <a:rPr lang="en-US" dirty="0"/>
-              <a:t> </a:t>
-            </a:r>
-            <a:r>
-              <a:rPr lang="en-US" dirty="0" err="1"/>
-              <a:t>điểm</a:t>
-            </a:r>
-            <a:r>
-              <a:rPr lang="en-US" dirty="0"/>
-              <a:t> matching </a:t>
-            </a:r>
-            <a:r>
-              <a:rPr lang="en-US" dirty="0" err="1"/>
-              <a:t>giữa</a:t>
-            </a:r>
-            <a:r>
-              <a:rPr lang="en-US" dirty="0"/>
-              <a:t> </a:t>
-            </a:r>
-            <a:r>
-              <a:rPr lang="en-US" dirty="0" err="1"/>
-              <a:t>công</a:t>
-            </a:r>
-            <a:r>
-              <a:rPr lang="en-US" dirty="0"/>
-              <a:t> </a:t>
-            </a:r>
-            <a:r>
-              <a:rPr lang="en-US" dirty="0" err="1"/>
-              <a:t>việc</a:t>
-            </a:r>
-            <a:r>
-              <a:rPr lang="en-US" dirty="0"/>
-              <a:t> </a:t>
-            </a:r>
-            <a:r>
-              <a:rPr lang="en-US" dirty="0" err="1"/>
-              <a:t>và</a:t>
-            </a:r>
-            <a:r>
-              <a:rPr lang="en-US" dirty="0"/>
-              <a:t> </a:t>
-            </a:r>
-            <a:r>
-              <a:rPr lang="en-US" dirty="0" err="1"/>
-              <a:t>cá</a:t>
-            </a:r>
-            <a:r>
-              <a:rPr lang="en-US" dirty="0"/>
-              <a:t> </a:t>
-            </a:r>
-            <a:r>
-              <a:rPr lang="en-US" dirty="0" err="1"/>
-              <a:t>nhân</a:t>
-            </a:r>
-            <a:endParaRPr lang="de-DE" dirty="0"/>
-          </a:p>
-        </p:txBody>
-      </p:sp>
-      <p:sp>
-        <p:nvSpPr>
-          <p:cNvPr id="4" name="Slide Number Placeholder 3"/>
-          <p:cNvSpPr>
-            <a:spLocks noGrp="1"/>
-          </p:cNvSpPr>
-          <p:nvPr>
-            <p:ph type="sldNum" sz="quarter" idx="12"/>
-          </p:nvPr>
-        </p:nvSpPr>
-        <p:spPr/>
-        <p:txBody>
-          <a:bodyPr/>
-          <a:lstStyle/>
-          <a:p>
-            <a:fld id="{2210AAD2-7BE5-41A1-B723-8B6F5F112607}" type="slidenum">
-              <a:rPr lang="de-DE" smtClean="0"/>
-              <a:pPr/>
-              <a:t>6</a:t>
-            </a:fld>
-            <a:endParaRPr lang="de-DE"/>
-          </a:p>
-        </p:txBody>
-      </p:sp>
-      <p:sp>
-        <p:nvSpPr>
-          <p:cNvPr id="3" name="TextBox 2">
-            <a:extLst>
-              <a:ext uri="{FF2B5EF4-FFF2-40B4-BE49-F238E27FC236}">
-                <a16:creationId xmlns:a16="http://schemas.microsoft.com/office/drawing/2014/main" id="{BB03312F-27DF-4F76-DF7E-2C78CF2509D9}"/>
-              </a:ext>
-            </a:extLst>
-          </p:cNvPr>
-          <p:cNvSpPr txBox="1"/>
-          <p:nvPr/>
-        </p:nvSpPr>
-        <p:spPr>
-          <a:xfrm>
-            <a:off x="266700" y="2286000"/>
-            <a:ext cx="8137998" cy="3725693"/>
-          </a:xfrm>
-          <a:prstGeom prst="rect">
-            <a:avLst/>
-          </a:prstGeom>
-          <a:noFill/>
-        </p:spPr>
-        <p:txBody>
-          <a:bodyPr wrap="square" rtlCol="0">
-            <a:spAutoFit/>
-          </a:bodyPr>
-          <a:lstStyle/>
-          <a:p>
-            <a:pPr marL="0" marR="0">
-              <a:lnSpc>
-                <a:spcPct val="150000"/>
-              </a:lnSpc>
-              <a:spcBef>
-                <a:spcPts val="0"/>
-              </a:spcBef>
-              <a:spcAft>
-                <a:spcPts val="0"/>
-              </a:spcAft>
-            </a:pPr>
-            <a:r>
-              <a:rPr lang="vi-VN" sz="1800" dirty="0" err="1">
-                <a:effectLst/>
-                <a:latin typeface="Times New Roman" panose="02020603050405020304" pitchFamily="18" charset="0"/>
-                <a:ea typeface="Times New Roman" panose="02020603050405020304" pitchFamily="18" charset="0"/>
-              </a:rPr>
-              <a:t>Point</a:t>
-            </a:r>
-            <a:r>
-              <a:rPr lang="vi-VN" sz="1800" dirty="0">
-                <a:effectLst/>
-                <a:latin typeface="Times New Roman" panose="02020603050405020304" pitchFamily="18" charset="0"/>
-                <a:ea typeface="Times New Roman" panose="02020603050405020304" pitchFamily="18" charset="0"/>
-              </a:rPr>
-              <a:t> = </a:t>
-            </a:r>
-            <a:r>
-              <a:rPr lang="vi-VN" sz="1800" dirty="0" err="1">
-                <a:effectLst/>
-                <a:latin typeface="Times New Roman" panose="02020603050405020304" pitchFamily="18" charset="0"/>
-                <a:ea typeface="Times New Roman" panose="02020603050405020304" pitchFamily="18" charset="0"/>
-              </a:rPr>
-              <a:t>Column</a:t>
-            </a:r>
-            <a:r>
-              <a:rPr lang="vi-VN" sz="1800" dirty="0">
-                <a:effectLst/>
-                <a:latin typeface="Times New Roman" panose="02020603050405020304" pitchFamily="18" charset="0"/>
-                <a:ea typeface="Times New Roman" panose="02020603050405020304" pitchFamily="18" charset="0"/>
-              </a:rPr>
-              <a:t>(</a:t>
-            </a:r>
-            <a:r>
-              <a:rPr lang="vi-VN" sz="1800" dirty="0" err="1">
-                <a:effectLst/>
-                <a:latin typeface="Times New Roman" panose="02020603050405020304" pitchFamily="18" charset="0"/>
-                <a:ea typeface="Times New Roman" panose="02020603050405020304" pitchFamily="18" charset="0"/>
-              </a:rPr>
-              <a:t>position</a:t>
-            </a:r>
-            <a:r>
-              <a:rPr lang="vi-VN" sz="1800" dirty="0">
-                <a:effectLst/>
-                <a:latin typeface="Times New Roman" panose="02020603050405020304" pitchFamily="18" charset="0"/>
-                <a:ea typeface="Times New Roman" panose="02020603050405020304" pitchFamily="18" charset="0"/>
-              </a:rPr>
-              <a:t>)*</a:t>
-            </a:r>
-            <a:r>
-              <a:rPr lang="vi-VN" sz="1800" dirty="0" err="1">
-                <a:effectLst/>
-                <a:latin typeface="Times New Roman" panose="02020603050405020304" pitchFamily="18" charset="0"/>
-                <a:ea typeface="Times New Roman" panose="02020603050405020304" pitchFamily="18" charset="0"/>
-              </a:rPr>
-              <a:t>A</a:t>
-            </a:r>
-            <a:r>
-              <a:rPr lang="vi-VN" sz="1800" baseline="-25000" dirty="0" err="1">
-                <a:effectLst/>
-                <a:latin typeface="Times New Roman" panose="02020603050405020304" pitchFamily="18" charset="0"/>
-                <a:ea typeface="Times New Roman" panose="02020603050405020304" pitchFamily="18" charset="0"/>
-              </a:rPr>
-              <a:t>system</a:t>
-            </a:r>
-            <a:r>
-              <a:rPr lang="vi-VN" sz="1800" baseline="-25000" dirty="0">
-                <a:effectLst/>
-                <a:latin typeface="Times New Roman" panose="02020603050405020304" pitchFamily="18" charset="0"/>
-                <a:ea typeface="Times New Roman" panose="02020603050405020304" pitchFamily="18" charset="0"/>
-              </a:rPr>
-              <a:t>(</a:t>
-            </a:r>
-            <a:r>
-              <a:rPr lang="vi-VN" sz="1800" baseline="-25000" dirty="0" err="1">
-                <a:effectLst/>
-                <a:latin typeface="Times New Roman" panose="02020603050405020304" pitchFamily="18" charset="0"/>
-                <a:ea typeface="Times New Roman" panose="02020603050405020304" pitchFamily="18" charset="0"/>
-              </a:rPr>
-              <a:t>position</a:t>
-            </a:r>
-            <a:r>
-              <a:rPr lang="vi-VN" sz="1800" baseline="-25000" dirty="0">
-                <a:effectLst/>
-                <a:latin typeface="Times New Roman" panose="02020603050405020304" pitchFamily="18" charset="0"/>
-                <a:ea typeface="Times New Roman" panose="02020603050405020304" pitchFamily="18" charset="0"/>
-              </a:rPr>
-              <a:t>)</a:t>
-            </a:r>
-            <a:r>
-              <a:rPr lang="vi-VN" sz="1800" dirty="0">
-                <a:effectLst/>
-                <a:latin typeface="Times New Roman" panose="02020603050405020304" pitchFamily="18" charset="0"/>
-                <a:ea typeface="Times New Roman" panose="02020603050405020304" pitchFamily="18" charset="0"/>
-              </a:rPr>
-              <a:t>*</a:t>
-            </a:r>
-            <a:r>
-              <a:rPr lang="vi-VN" sz="1800" dirty="0" err="1">
-                <a:effectLst/>
-                <a:latin typeface="Times New Roman" panose="02020603050405020304" pitchFamily="18" charset="0"/>
-                <a:ea typeface="Times New Roman" panose="02020603050405020304" pitchFamily="18" charset="0"/>
-              </a:rPr>
-              <a:t>A</a:t>
-            </a:r>
-            <a:r>
-              <a:rPr lang="vi-VN" sz="1800" baseline="-25000" dirty="0" err="1">
-                <a:effectLst/>
-                <a:latin typeface="Times New Roman" panose="02020603050405020304" pitchFamily="18" charset="0"/>
-                <a:ea typeface="Times New Roman" panose="02020603050405020304" pitchFamily="18" charset="0"/>
-              </a:rPr>
-              <a:t>column</a:t>
-            </a:r>
-            <a:r>
-              <a:rPr lang="vi-VN" sz="1800" baseline="-25000" dirty="0">
-                <a:effectLst/>
-                <a:latin typeface="Times New Roman" panose="02020603050405020304" pitchFamily="18" charset="0"/>
-                <a:ea typeface="Times New Roman" panose="02020603050405020304" pitchFamily="18" charset="0"/>
-              </a:rPr>
-              <a:t>(</a:t>
-            </a:r>
-            <a:r>
-              <a:rPr lang="vi-VN" sz="1800" baseline="-25000" dirty="0" err="1">
-                <a:effectLst/>
-                <a:latin typeface="Times New Roman" panose="02020603050405020304" pitchFamily="18" charset="0"/>
-                <a:ea typeface="Times New Roman" panose="02020603050405020304" pitchFamily="18" charset="0"/>
-              </a:rPr>
-              <a:t>posiiton</a:t>
-            </a:r>
-            <a:r>
-              <a:rPr lang="vi-VN" sz="1800" baseline="-25000" dirty="0">
-                <a:effectLst/>
-                <a:latin typeface="Times New Roman" panose="02020603050405020304" pitchFamily="18" charset="0"/>
-                <a:ea typeface="Times New Roman" panose="02020603050405020304" pitchFamily="18" charset="0"/>
-              </a:rPr>
-              <a:t>)</a:t>
-            </a:r>
-            <a:r>
-              <a:rPr lang="vi-VN" sz="1800" dirty="0">
-                <a:effectLst/>
-                <a:latin typeface="Times New Roman" panose="02020603050405020304" pitchFamily="18" charset="0"/>
-                <a:ea typeface="Times New Roman" panose="02020603050405020304" pitchFamily="18" charset="0"/>
-              </a:rPr>
-              <a:t>  + </a:t>
-            </a:r>
-            <a:r>
-              <a:rPr lang="vi-VN" sz="1800" dirty="0" err="1">
-                <a:effectLst/>
-                <a:latin typeface="Times New Roman" panose="02020603050405020304" pitchFamily="18" charset="0"/>
-                <a:ea typeface="Times New Roman" panose="02020603050405020304" pitchFamily="18" charset="0"/>
-              </a:rPr>
-              <a:t>level</a:t>
-            </a:r>
-            <a:r>
-              <a:rPr lang="vi-VN" sz="1800" dirty="0">
-                <a:effectLst/>
-                <a:latin typeface="Times New Roman" panose="02020603050405020304" pitchFamily="18" charset="0"/>
-                <a:ea typeface="Times New Roman" panose="02020603050405020304" pitchFamily="18" charset="0"/>
-              </a:rPr>
-              <a:t>(</a:t>
-            </a:r>
-            <a:r>
-              <a:rPr lang="vi-VN" sz="1800" dirty="0" err="1">
-                <a:effectLst/>
-                <a:latin typeface="Times New Roman" panose="02020603050405020304" pitchFamily="18" charset="0"/>
-                <a:ea typeface="Times New Roman" panose="02020603050405020304" pitchFamily="18" charset="0"/>
-              </a:rPr>
-              <a:t>position</a:t>
-            </a:r>
-            <a:r>
-              <a:rPr lang="vi-VN" sz="1800" dirty="0">
-                <a:effectLst/>
-                <a:latin typeface="Times New Roman" panose="02020603050405020304" pitchFamily="18" charset="0"/>
-                <a:ea typeface="Times New Roman" panose="02020603050405020304" pitchFamily="18" charset="0"/>
-              </a:rPr>
-              <a:t>) + </a:t>
-            </a:r>
-            <a:endParaRPr lang="en-US" sz="1800" dirty="0">
-              <a:effectLst/>
-              <a:latin typeface="Times New Roman" panose="02020603050405020304" pitchFamily="18" charset="0"/>
-              <a:ea typeface="Times New Roman" panose="02020603050405020304" pitchFamily="18" charset="0"/>
-            </a:endParaRPr>
-          </a:p>
-          <a:p>
-            <a:pPr marL="0" marR="0" indent="285750">
-              <a:lnSpc>
-                <a:spcPct val="150000"/>
-              </a:lnSpc>
-              <a:spcBef>
-                <a:spcPts val="0"/>
-              </a:spcBef>
-              <a:spcAft>
-                <a:spcPts val="0"/>
-              </a:spcAft>
-            </a:pPr>
-            <a:r>
-              <a:rPr lang="vi-VN" sz="1800" dirty="0" err="1">
-                <a:effectLst/>
-                <a:latin typeface="Times New Roman" panose="02020603050405020304" pitchFamily="18" charset="0"/>
-                <a:ea typeface="Times New Roman" panose="02020603050405020304" pitchFamily="18" charset="0"/>
-              </a:rPr>
-              <a:t>Column</a:t>
-            </a:r>
-            <a:r>
-              <a:rPr lang="vi-VN" sz="1800" dirty="0">
-                <a:effectLst/>
-                <a:latin typeface="Times New Roman" panose="02020603050405020304" pitchFamily="18" charset="0"/>
-                <a:ea typeface="Times New Roman" panose="02020603050405020304" pitchFamily="18" charset="0"/>
-              </a:rPr>
-              <a:t>(</a:t>
-            </a:r>
-            <a:r>
-              <a:rPr lang="vi-VN" sz="1800" dirty="0" err="1">
-                <a:effectLst/>
-                <a:latin typeface="Times New Roman" panose="02020603050405020304" pitchFamily="18" charset="0"/>
-                <a:ea typeface="Times New Roman" panose="02020603050405020304" pitchFamily="18" charset="0"/>
-              </a:rPr>
-              <a:t>skill</a:t>
-            </a:r>
-            <a:r>
-              <a:rPr lang="vi-VN" sz="1800" dirty="0">
-                <a:effectLst/>
-                <a:latin typeface="Times New Roman" panose="02020603050405020304" pitchFamily="18" charset="0"/>
-                <a:ea typeface="Times New Roman" panose="02020603050405020304" pitchFamily="18" charset="0"/>
-              </a:rPr>
-              <a:t>)*</a:t>
-            </a:r>
-            <a:r>
-              <a:rPr lang="vi-VN" sz="1800" dirty="0" err="1">
-                <a:effectLst/>
-                <a:latin typeface="Times New Roman" panose="02020603050405020304" pitchFamily="18" charset="0"/>
-                <a:ea typeface="Times New Roman" panose="02020603050405020304" pitchFamily="18" charset="0"/>
-              </a:rPr>
-              <a:t>A</a:t>
-            </a:r>
-            <a:r>
-              <a:rPr lang="vi-VN" sz="1800" baseline="-25000" dirty="0" err="1">
-                <a:effectLst/>
-                <a:latin typeface="Times New Roman" panose="02020603050405020304" pitchFamily="18" charset="0"/>
-                <a:ea typeface="Times New Roman" panose="02020603050405020304" pitchFamily="18" charset="0"/>
-              </a:rPr>
-              <a:t>system</a:t>
-            </a:r>
-            <a:r>
-              <a:rPr lang="vi-VN" sz="1800" baseline="-25000" dirty="0">
-                <a:effectLst/>
-                <a:latin typeface="Times New Roman" panose="02020603050405020304" pitchFamily="18" charset="0"/>
-                <a:ea typeface="Times New Roman" panose="02020603050405020304" pitchFamily="18" charset="0"/>
-              </a:rPr>
-              <a:t>(</a:t>
-            </a:r>
-            <a:r>
-              <a:rPr lang="vi-VN" sz="1800" baseline="-25000" dirty="0" err="1">
-                <a:effectLst/>
-                <a:latin typeface="Times New Roman" panose="02020603050405020304" pitchFamily="18" charset="0"/>
-                <a:ea typeface="Times New Roman" panose="02020603050405020304" pitchFamily="18" charset="0"/>
-              </a:rPr>
-              <a:t>skill</a:t>
-            </a:r>
-            <a:r>
-              <a:rPr lang="vi-VN" sz="1800" baseline="-25000" dirty="0">
-                <a:effectLst/>
-                <a:latin typeface="Times New Roman" panose="02020603050405020304" pitchFamily="18" charset="0"/>
-                <a:ea typeface="Times New Roman" panose="02020603050405020304" pitchFamily="18" charset="0"/>
-              </a:rPr>
-              <a:t>)</a:t>
-            </a:r>
-            <a:r>
-              <a:rPr lang="vi-VN" sz="1800" dirty="0">
-                <a:effectLst/>
-                <a:latin typeface="Times New Roman" panose="02020603050405020304" pitchFamily="18" charset="0"/>
-                <a:ea typeface="Times New Roman" panose="02020603050405020304" pitchFamily="18" charset="0"/>
-              </a:rPr>
-              <a:t>*</a:t>
-            </a:r>
-            <a:r>
-              <a:rPr lang="vi-VN" sz="1800" dirty="0" err="1">
-                <a:effectLst/>
-                <a:latin typeface="Times New Roman" panose="02020603050405020304" pitchFamily="18" charset="0"/>
-                <a:ea typeface="Times New Roman" panose="02020603050405020304" pitchFamily="18" charset="0"/>
-              </a:rPr>
-              <a:t>A</a:t>
-            </a:r>
-            <a:r>
-              <a:rPr lang="vi-VN" sz="1800" baseline="-25000" dirty="0" err="1">
-                <a:effectLst/>
-                <a:latin typeface="Times New Roman" panose="02020603050405020304" pitchFamily="18" charset="0"/>
-                <a:ea typeface="Times New Roman" panose="02020603050405020304" pitchFamily="18" charset="0"/>
-              </a:rPr>
-              <a:t>column</a:t>
-            </a:r>
-            <a:r>
-              <a:rPr lang="vi-VN" sz="1800" baseline="-25000" dirty="0">
-                <a:effectLst/>
-                <a:latin typeface="Times New Roman" panose="02020603050405020304" pitchFamily="18" charset="0"/>
-                <a:ea typeface="Times New Roman" panose="02020603050405020304" pitchFamily="18" charset="0"/>
-              </a:rPr>
-              <a:t>(</a:t>
-            </a:r>
-            <a:r>
-              <a:rPr lang="vi-VN" sz="1800" baseline="-25000" dirty="0" err="1">
-                <a:effectLst/>
-                <a:latin typeface="Times New Roman" panose="02020603050405020304" pitchFamily="18" charset="0"/>
-                <a:ea typeface="Times New Roman" panose="02020603050405020304" pitchFamily="18" charset="0"/>
-              </a:rPr>
-              <a:t>skill</a:t>
-            </a:r>
-            <a:r>
-              <a:rPr lang="vi-VN" sz="1800" baseline="-25000" dirty="0">
-                <a:effectLst/>
-                <a:latin typeface="Times New Roman" panose="02020603050405020304" pitchFamily="18" charset="0"/>
-                <a:ea typeface="Times New Roman" panose="02020603050405020304" pitchFamily="18" charset="0"/>
-              </a:rPr>
-              <a:t>)</a:t>
-            </a:r>
-            <a:r>
-              <a:rPr lang="vi-VN" sz="1800" dirty="0">
-                <a:effectLst/>
-                <a:latin typeface="Times New Roman" panose="02020603050405020304" pitchFamily="18" charset="0"/>
-                <a:ea typeface="Times New Roman" panose="02020603050405020304" pitchFamily="18" charset="0"/>
-              </a:rPr>
-              <a:t>  + </a:t>
-            </a:r>
-            <a:r>
-              <a:rPr lang="vi-VN" sz="1800" dirty="0" err="1">
-                <a:effectLst/>
-                <a:latin typeface="Times New Roman" panose="02020603050405020304" pitchFamily="18" charset="0"/>
-                <a:ea typeface="Times New Roman" panose="02020603050405020304" pitchFamily="18" charset="0"/>
-              </a:rPr>
-              <a:t>level</a:t>
-            </a:r>
-            <a:r>
-              <a:rPr lang="vi-VN" sz="1800" dirty="0">
-                <a:effectLst/>
-                <a:latin typeface="Times New Roman" panose="02020603050405020304" pitchFamily="18" charset="0"/>
-                <a:ea typeface="Times New Roman" panose="02020603050405020304" pitchFamily="18" charset="0"/>
-              </a:rPr>
-              <a:t>(</a:t>
-            </a:r>
-            <a:r>
-              <a:rPr lang="vi-VN" sz="1800" dirty="0" err="1">
-                <a:effectLst/>
-                <a:latin typeface="Times New Roman" panose="02020603050405020304" pitchFamily="18" charset="0"/>
-                <a:ea typeface="Times New Roman" panose="02020603050405020304" pitchFamily="18" charset="0"/>
-              </a:rPr>
-              <a:t>skill</a:t>
-            </a:r>
-            <a:r>
-              <a:rPr lang="vi-VN" sz="1800" dirty="0">
-                <a:effectLst/>
-                <a:latin typeface="Times New Roman" panose="02020603050405020304" pitchFamily="18" charset="0"/>
-                <a:ea typeface="Times New Roman" panose="02020603050405020304" pitchFamily="18" charset="0"/>
-              </a:rPr>
-              <a:t>) + …. +</a:t>
-            </a:r>
-            <a:endParaRPr lang="en-US" sz="1800" dirty="0">
-              <a:effectLst/>
-              <a:latin typeface="Times New Roman" panose="02020603050405020304" pitchFamily="18" charset="0"/>
-              <a:ea typeface="Times New Roman" panose="02020603050405020304" pitchFamily="18" charset="0"/>
-            </a:endParaRPr>
-          </a:p>
-          <a:p>
-            <a:pPr marL="0" marR="0" indent="285750">
-              <a:lnSpc>
-                <a:spcPct val="150000"/>
-              </a:lnSpc>
-              <a:spcBef>
-                <a:spcPts val="0"/>
-              </a:spcBef>
-              <a:spcAft>
-                <a:spcPts val="0"/>
-              </a:spcAft>
-            </a:pPr>
-            <a:r>
-              <a:rPr lang="vi-VN" sz="1800" dirty="0" err="1">
-                <a:effectLst/>
-                <a:latin typeface="Times New Roman" panose="02020603050405020304" pitchFamily="18" charset="0"/>
-                <a:ea typeface="Times New Roman" panose="02020603050405020304" pitchFamily="18" charset="0"/>
-              </a:rPr>
-              <a:t>Column</a:t>
-            </a:r>
-            <a:r>
-              <a:rPr lang="vi-VN" sz="1800" dirty="0">
-                <a:effectLst/>
-                <a:latin typeface="Times New Roman" panose="02020603050405020304" pitchFamily="18" charset="0"/>
-                <a:ea typeface="Times New Roman" panose="02020603050405020304" pitchFamily="18" charset="0"/>
-              </a:rPr>
-              <a:t>(</a:t>
-            </a:r>
-            <a:r>
-              <a:rPr lang="vi-VN" sz="1800" dirty="0" err="1">
-                <a:effectLst/>
-                <a:latin typeface="Times New Roman" panose="02020603050405020304" pitchFamily="18" charset="0"/>
-                <a:ea typeface="Times New Roman" panose="02020603050405020304" pitchFamily="18" charset="0"/>
-              </a:rPr>
-              <a:t>certificate</a:t>
-            </a:r>
-            <a:r>
-              <a:rPr lang="vi-VN" sz="1800" dirty="0">
-                <a:effectLst/>
-                <a:latin typeface="Times New Roman" panose="02020603050405020304" pitchFamily="18" charset="0"/>
-                <a:ea typeface="Times New Roman" panose="02020603050405020304" pitchFamily="18" charset="0"/>
-              </a:rPr>
-              <a:t>)*</a:t>
-            </a:r>
-            <a:r>
-              <a:rPr lang="vi-VN" sz="1800" dirty="0" err="1">
-                <a:effectLst/>
-                <a:latin typeface="Times New Roman" panose="02020603050405020304" pitchFamily="18" charset="0"/>
-                <a:ea typeface="Times New Roman" panose="02020603050405020304" pitchFamily="18" charset="0"/>
-              </a:rPr>
-              <a:t>A</a:t>
-            </a:r>
-            <a:r>
-              <a:rPr lang="vi-VN" sz="1800" baseline="-25000" dirty="0" err="1">
-                <a:effectLst/>
-                <a:latin typeface="Times New Roman" panose="02020603050405020304" pitchFamily="18" charset="0"/>
-                <a:ea typeface="Times New Roman" panose="02020603050405020304" pitchFamily="18" charset="0"/>
-              </a:rPr>
-              <a:t>system</a:t>
-            </a:r>
-            <a:r>
-              <a:rPr lang="vi-VN" sz="1800" baseline="-25000" dirty="0">
-                <a:effectLst/>
-                <a:latin typeface="Times New Roman" panose="02020603050405020304" pitchFamily="18" charset="0"/>
-                <a:ea typeface="Times New Roman" panose="02020603050405020304" pitchFamily="18" charset="0"/>
-              </a:rPr>
-              <a:t>(</a:t>
-            </a:r>
-            <a:r>
-              <a:rPr lang="vi-VN" sz="1800" baseline="-25000" dirty="0" err="1">
-                <a:effectLst/>
-                <a:latin typeface="Times New Roman" panose="02020603050405020304" pitchFamily="18" charset="0"/>
-                <a:ea typeface="Times New Roman" panose="02020603050405020304" pitchFamily="18" charset="0"/>
-              </a:rPr>
-              <a:t>certificate</a:t>
-            </a:r>
-            <a:r>
-              <a:rPr lang="vi-VN" sz="1800" baseline="-25000" dirty="0">
-                <a:effectLst/>
-                <a:latin typeface="Times New Roman" panose="02020603050405020304" pitchFamily="18" charset="0"/>
-                <a:ea typeface="Times New Roman" panose="02020603050405020304" pitchFamily="18" charset="0"/>
-              </a:rPr>
-              <a:t>)</a:t>
-            </a:r>
-            <a:r>
-              <a:rPr lang="vi-VN" sz="1800" dirty="0">
-                <a:effectLst/>
-                <a:latin typeface="Times New Roman" panose="02020603050405020304" pitchFamily="18" charset="0"/>
-                <a:ea typeface="Times New Roman" panose="02020603050405020304" pitchFamily="18" charset="0"/>
-              </a:rPr>
-              <a:t>*</a:t>
-            </a:r>
-            <a:r>
-              <a:rPr lang="vi-VN" sz="1800" dirty="0" err="1">
-                <a:effectLst/>
-                <a:latin typeface="Times New Roman" panose="02020603050405020304" pitchFamily="18" charset="0"/>
-                <a:ea typeface="Times New Roman" panose="02020603050405020304" pitchFamily="18" charset="0"/>
-              </a:rPr>
-              <a:t>A</a:t>
-            </a:r>
-            <a:r>
-              <a:rPr lang="vi-VN" sz="1800" baseline="-25000" dirty="0" err="1">
-                <a:effectLst/>
-                <a:latin typeface="Times New Roman" panose="02020603050405020304" pitchFamily="18" charset="0"/>
-                <a:ea typeface="Times New Roman" panose="02020603050405020304" pitchFamily="18" charset="0"/>
-              </a:rPr>
-              <a:t>column</a:t>
-            </a:r>
-            <a:r>
-              <a:rPr lang="vi-VN" sz="1800" baseline="-25000" dirty="0">
-                <a:effectLst/>
-                <a:latin typeface="Times New Roman" panose="02020603050405020304" pitchFamily="18" charset="0"/>
-                <a:ea typeface="Times New Roman" panose="02020603050405020304" pitchFamily="18" charset="0"/>
-              </a:rPr>
-              <a:t>(</a:t>
-            </a:r>
-            <a:r>
-              <a:rPr lang="vi-VN" sz="1800" baseline="-25000" dirty="0" err="1">
-                <a:effectLst/>
-                <a:latin typeface="Times New Roman" panose="02020603050405020304" pitchFamily="18" charset="0"/>
-                <a:ea typeface="Times New Roman" panose="02020603050405020304" pitchFamily="18" charset="0"/>
-              </a:rPr>
-              <a:t>certificate</a:t>
-            </a:r>
-            <a:r>
-              <a:rPr lang="vi-VN" sz="1800" baseline="-25000" dirty="0">
-                <a:effectLst/>
-                <a:latin typeface="Times New Roman" panose="02020603050405020304" pitchFamily="18" charset="0"/>
-                <a:ea typeface="Times New Roman" panose="02020603050405020304" pitchFamily="18" charset="0"/>
-              </a:rPr>
-              <a:t>)</a:t>
-            </a:r>
-            <a:r>
-              <a:rPr lang="vi-VN" sz="1800" dirty="0">
-                <a:effectLst/>
-                <a:latin typeface="Times New Roman" panose="02020603050405020304" pitchFamily="18" charset="0"/>
-                <a:ea typeface="Times New Roman" panose="02020603050405020304" pitchFamily="18" charset="0"/>
-              </a:rPr>
-              <a:t>  + </a:t>
-            </a:r>
-            <a:r>
-              <a:rPr lang="vi-VN" sz="1800" dirty="0" err="1">
-                <a:effectLst/>
-                <a:latin typeface="Times New Roman" panose="02020603050405020304" pitchFamily="18" charset="0"/>
-                <a:ea typeface="Times New Roman" panose="02020603050405020304" pitchFamily="18" charset="0"/>
-              </a:rPr>
-              <a:t>level</a:t>
-            </a:r>
-            <a:r>
-              <a:rPr lang="vi-VN" sz="1800" dirty="0">
-                <a:effectLst/>
-                <a:latin typeface="Times New Roman" panose="02020603050405020304" pitchFamily="18" charset="0"/>
-                <a:ea typeface="Times New Roman" panose="02020603050405020304" pitchFamily="18" charset="0"/>
-              </a:rPr>
-              <a:t>(</a:t>
-            </a:r>
-            <a:r>
-              <a:rPr lang="vi-VN" sz="1800" dirty="0" err="1">
-                <a:effectLst/>
-                <a:latin typeface="Times New Roman" panose="02020603050405020304" pitchFamily="18" charset="0"/>
-                <a:ea typeface="Times New Roman" panose="02020603050405020304" pitchFamily="18" charset="0"/>
-              </a:rPr>
-              <a:t>certificate</a:t>
-            </a:r>
-            <a:r>
-              <a:rPr lang="vi-VN" sz="1800" dirty="0">
-                <a:effectLst/>
-                <a:latin typeface="Times New Roman" panose="02020603050405020304" pitchFamily="18" charset="0"/>
-                <a:ea typeface="Times New Roman" panose="02020603050405020304" pitchFamily="18" charset="0"/>
-              </a:rPr>
-              <a:t>) + …. +</a:t>
-            </a:r>
-            <a:endParaRPr lang="en-US" sz="1800" dirty="0">
-              <a:effectLst/>
-              <a:latin typeface="Times New Roman" panose="02020603050405020304" pitchFamily="18" charset="0"/>
-              <a:ea typeface="Times New Roman" panose="02020603050405020304" pitchFamily="18" charset="0"/>
-            </a:endParaRPr>
-          </a:p>
-          <a:p>
-            <a:pPr marL="0" marR="0" indent="285750">
-              <a:lnSpc>
-                <a:spcPct val="150000"/>
-              </a:lnSpc>
-              <a:spcBef>
-                <a:spcPts val="0"/>
-              </a:spcBef>
-              <a:spcAft>
-                <a:spcPts val="0"/>
-              </a:spcAft>
-            </a:pPr>
-            <a:r>
-              <a:rPr lang="vi-VN" sz="1800" dirty="0" err="1">
-                <a:effectLst/>
-                <a:latin typeface="Times New Roman" panose="02020603050405020304" pitchFamily="18" charset="0"/>
-                <a:ea typeface="Times New Roman" panose="02020603050405020304" pitchFamily="18" charset="0"/>
-              </a:rPr>
-              <a:t>Column</a:t>
-            </a:r>
-            <a:r>
-              <a:rPr lang="vi-VN" sz="1800" dirty="0">
-                <a:effectLst/>
-                <a:latin typeface="Times New Roman" panose="02020603050405020304" pitchFamily="18" charset="0"/>
-                <a:ea typeface="Times New Roman" panose="02020603050405020304" pitchFamily="18" charset="0"/>
-              </a:rPr>
-              <a:t>(</a:t>
-            </a:r>
-            <a:r>
-              <a:rPr lang="vi-VN" sz="1800" dirty="0" err="1">
-                <a:effectLst/>
-                <a:latin typeface="Times New Roman" panose="02020603050405020304" pitchFamily="18" charset="0"/>
-                <a:ea typeface="Times New Roman" panose="02020603050405020304" pitchFamily="18" charset="0"/>
-              </a:rPr>
-              <a:t>school</a:t>
-            </a:r>
-            <a:r>
-              <a:rPr lang="vi-VN" sz="1800" dirty="0">
-                <a:effectLst/>
-                <a:latin typeface="Times New Roman" panose="02020603050405020304" pitchFamily="18" charset="0"/>
-                <a:ea typeface="Times New Roman" panose="02020603050405020304" pitchFamily="18" charset="0"/>
-              </a:rPr>
-              <a:t>)*</a:t>
-            </a:r>
-            <a:r>
-              <a:rPr lang="vi-VN" sz="1800" dirty="0" err="1">
-                <a:effectLst/>
-                <a:latin typeface="Times New Roman" panose="02020603050405020304" pitchFamily="18" charset="0"/>
-                <a:ea typeface="Times New Roman" panose="02020603050405020304" pitchFamily="18" charset="0"/>
-              </a:rPr>
-              <a:t>A</a:t>
-            </a:r>
-            <a:r>
-              <a:rPr lang="vi-VN" sz="1800" baseline="-25000" dirty="0" err="1">
-                <a:effectLst/>
-                <a:latin typeface="Times New Roman" panose="02020603050405020304" pitchFamily="18" charset="0"/>
-                <a:ea typeface="Times New Roman" panose="02020603050405020304" pitchFamily="18" charset="0"/>
-              </a:rPr>
-              <a:t>system</a:t>
-            </a:r>
-            <a:r>
-              <a:rPr lang="vi-VN" sz="1800" baseline="-25000" dirty="0">
-                <a:effectLst/>
-                <a:latin typeface="Times New Roman" panose="02020603050405020304" pitchFamily="18" charset="0"/>
-                <a:ea typeface="Times New Roman" panose="02020603050405020304" pitchFamily="18" charset="0"/>
-              </a:rPr>
-              <a:t>(</a:t>
-            </a:r>
-            <a:r>
-              <a:rPr lang="vi-VN" sz="1800" baseline="-25000" dirty="0" err="1">
-                <a:effectLst/>
-                <a:latin typeface="Times New Roman" panose="02020603050405020304" pitchFamily="18" charset="0"/>
-                <a:ea typeface="Times New Roman" panose="02020603050405020304" pitchFamily="18" charset="0"/>
-              </a:rPr>
-              <a:t>school</a:t>
-            </a:r>
-            <a:r>
-              <a:rPr lang="vi-VN" sz="1800" baseline="-25000" dirty="0">
-                <a:effectLst/>
-                <a:latin typeface="Times New Roman" panose="02020603050405020304" pitchFamily="18" charset="0"/>
-                <a:ea typeface="Times New Roman" panose="02020603050405020304" pitchFamily="18" charset="0"/>
-              </a:rPr>
-              <a:t>)</a:t>
-            </a:r>
-            <a:r>
-              <a:rPr lang="vi-VN" sz="1800" dirty="0">
-                <a:effectLst/>
-                <a:latin typeface="Times New Roman" panose="02020603050405020304" pitchFamily="18" charset="0"/>
-                <a:ea typeface="Times New Roman" panose="02020603050405020304" pitchFamily="18" charset="0"/>
-              </a:rPr>
-              <a:t>*</a:t>
-            </a:r>
-            <a:r>
-              <a:rPr lang="vi-VN" sz="1800" dirty="0" err="1">
-                <a:effectLst/>
-                <a:latin typeface="Times New Roman" panose="02020603050405020304" pitchFamily="18" charset="0"/>
-                <a:ea typeface="Times New Roman" panose="02020603050405020304" pitchFamily="18" charset="0"/>
-              </a:rPr>
-              <a:t>A</a:t>
-            </a:r>
-            <a:r>
-              <a:rPr lang="vi-VN" sz="1800" baseline="-25000" dirty="0" err="1">
-                <a:effectLst/>
-                <a:latin typeface="Times New Roman" panose="02020603050405020304" pitchFamily="18" charset="0"/>
-                <a:ea typeface="Times New Roman" panose="02020603050405020304" pitchFamily="18" charset="0"/>
-              </a:rPr>
-              <a:t>column</a:t>
-            </a:r>
-            <a:r>
-              <a:rPr lang="vi-VN" sz="1800" baseline="-25000" dirty="0">
-                <a:effectLst/>
-                <a:latin typeface="Times New Roman" panose="02020603050405020304" pitchFamily="18" charset="0"/>
-                <a:ea typeface="Times New Roman" panose="02020603050405020304" pitchFamily="18" charset="0"/>
-              </a:rPr>
-              <a:t>(</a:t>
-            </a:r>
-            <a:r>
-              <a:rPr lang="vi-VN" sz="1800" baseline="-25000" dirty="0" err="1">
-                <a:effectLst/>
-                <a:latin typeface="Times New Roman" panose="02020603050405020304" pitchFamily="18" charset="0"/>
-                <a:ea typeface="Times New Roman" panose="02020603050405020304" pitchFamily="18" charset="0"/>
-              </a:rPr>
-              <a:t>school</a:t>
-            </a:r>
-            <a:r>
-              <a:rPr lang="vi-VN" sz="1800" baseline="-25000" dirty="0">
-                <a:effectLst/>
-                <a:latin typeface="Times New Roman" panose="02020603050405020304" pitchFamily="18" charset="0"/>
-                <a:ea typeface="Times New Roman" panose="02020603050405020304" pitchFamily="18" charset="0"/>
-              </a:rPr>
-              <a:t>)</a:t>
-            </a:r>
-            <a:r>
-              <a:rPr lang="vi-VN" sz="1800" dirty="0">
-                <a:effectLst/>
-                <a:latin typeface="Times New Roman" panose="02020603050405020304" pitchFamily="18" charset="0"/>
-                <a:ea typeface="Times New Roman" panose="02020603050405020304" pitchFamily="18" charset="0"/>
-              </a:rPr>
-              <a:t> + …. +</a:t>
-            </a:r>
-            <a:endParaRPr lang="en-US" sz="1800" dirty="0">
-              <a:effectLst/>
-              <a:latin typeface="Times New Roman" panose="02020603050405020304" pitchFamily="18" charset="0"/>
-              <a:ea typeface="Times New Roman" panose="02020603050405020304" pitchFamily="18" charset="0"/>
-            </a:endParaRPr>
-          </a:p>
-          <a:p>
-            <a:pPr marL="0" marR="0" indent="285750">
-              <a:lnSpc>
-                <a:spcPct val="150000"/>
-              </a:lnSpc>
-              <a:spcBef>
-                <a:spcPts val="0"/>
-              </a:spcBef>
-              <a:spcAft>
-                <a:spcPts val="0"/>
-              </a:spcAft>
-            </a:pPr>
-            <a:r>
-              <a:rPr lang="vi-VN" sz="1800" dirty="0" err="1">
-                <a:effectLst/>
-                <a:latin typeface="Times New Roman" panose="02020603050405020304" pitchFamily="18" charset="0"/>
-                <a:ea typeface="Times New Roman" panose="02020603050405020304" pitchFamily="18" charset="0"/>
-              </a:rPr>
-              <a:t>Column</a:t>
-            </a:r>
-            <a:r>
-              <a:rPr lang="vi-VN" sz="1800" dirty="0">
-                <a:effectLst/>
-                <a:latin typeface="Times New Roman" panose="02020603050405020304" pitchFamily="18" charset="0"/>
-                <a:ea typeface="Times New Roman" panose="02020603050405020304" pitchFamily="18" charset="0"/>
-              </a:rPr>
-              <a:t>(</a:t>
-            </a:r>
-            <a:r>
-              <a:rPr lang="vi-VN" sz="1800" dirty="0" err="1">
-                <a:effectLst/>
-                <a:latin typeface="Times New Roman" panose="02020603050405020304" pitchFamily="18" charset="0"/>
-                <a:ea typeface="Times New Roman" panose="02020603050405020304" pitchFamily="18" charset="0"/>
-              </a:rPr>
-              <a:t>workFrom</a:t>
-            </a:r>
-            <a:r>
-              <a:rPr lang="vi-VN" sz="1800" dirty="0">
-                <a:effectLst/>
-                <a:latin typeface="Times New Roman" panose="02020603050405020304" pitchFamily="18" charset="0"/>
-                <a:ea typeface="Times New Roman" panose="02020603050405020304" pitchFamily="18" charset="0"/>
-              </a:rPr>
-              <a:t>)*</a:t>
-            </a:r>
-            <a:r>
-              <a:rPr lang="vi-VN" sz="1800" dirty="0" err="1">
-                <a:effectLst/>
-                <a:latin typeface="Times New Roman" panose="02020603050405020304" pitchFamily="18" charset="0"/>
-                <a:ea typeface="Times New Roman" panose="02020603050405020304" pitchFamily="18" charset="0"/>
-              </a:rPr>
-              <a:t>A</a:t>
-            </a:r>
-            <a:r>
-              <a:rPr lang="vi-VN" sz="1800" baseline="-25000" dirty="0" err="1">
-                <a:effectLst/>
-                <a:latin typeface="Times New Roman" panose="02020603050405020304" pitchFamily="18" charset="0"/>
-                <a:ea typeface="Times New Roman" panose="02020603050405020304" pitchFamily="18" charset="0"/>
-              </a:rPr>
-              <a:t>system</a:t>
-            </a:r>
-            <a:r>
-              <a:rPr lang="vi-VN" sz="1800" baseline="-25000" dirty="0">
-                <a:effectLst/>
-                <a:latin typeface="Times New Roman" panose="02020603050405020304" pitchFamily="18" charset="0"/>
-                <a:ea typeface="Times New Roman" panose="02020603050405020304" pitchFamily="18" charset="0"/>
-              </a:rPr>
-              <a:t>(</a:t>
-            </a:r>
-            <a:r>
-              <a:rPr lang="vi-VN" sz="1800" baseline="-25000" dirty="0" err="1">
-                <a:effectLst/>
-                <a:latin typeface="Times New Roman" panose="02020603050405020304" pitchFamily="18" charset="0"/>
-                <a:ea typeface="Times New Roman" panose="02020603050405020304" pitchFamily="18" charset="0"/>
-              </a:rPr>
-              <a:t>workFrom</a:t>
-            </a:r>
-            <a:r>
-              <a:rPr lang="vi-VN" sz="1800" baseline="-25000" dirty="0">
-                <a:effectLst/>
-                <a:latin typeface="Times New Roman" panose="02020603050405020304" pitchFamily="18" charset="0"/>
-                <a:ea typeface="Times New Roman" panose="02020603050405020304" pitchFamily="18" charset="0"/>
-              </a:rPr>
-              <a:t>)</a:t>
-            </a:r>
-            <a:r>
-              <a:rPr lang="vi-VN" sz="1800" dirty="0">
-                <a:effectLst/>
-                <a:latin typeface="Times New Roman" panose="02020603050405020304" pitchFamily="18" charset="0"/>
-                <a:ea typeface="Times New Roman" panose="02020603050405020304" pitchFamily="18" charset="0"/>
-              </a:rPr>
-              <a:t>*</a:t>
-            </a:r>
-            <a:r>
-              <a:rPr lang="vi-VN" sz="1800" dirty="0" err="1">
-                <a:effectLst/>
-                <a:latin typeface="Times New Roman" panose="02020603050405020304" pitchFamily="18" charset="0"/>
-                <a:ea typeface="Times New Roman" panose="02020603050405020304" pitchFamily="18" charset="0"/>
-              </a:rPr>
-              <a:t>A</a:t>
-            </a:r>
-            <a:r>
-              <a:rPr lang="vi-VN" sz="1800" baseline="-25000" dirty="0" err="1">
-                <a:effectLst/>
-                <a:latin typeface="Times New Roman" panose="02020603050405020304" pitchFamily="18" charset="0"/>
-                <a:ea typeface="Times New Roman" panose="02020603050405020304" pitchFamily="18" charset="0"/>
-              </a:rPr>
-              <a:t>column</a:t>
-            </a:r>
-            <a:r>
-              <a:rPr lang="vi-VN" sz="1800" baseline="-25000" dirty="0">
-                <a:effectLst/>
-                <a:latin typeface="Times New Roman" panose="02020603050405020304" pitchFamily="18" charset="0"/>
-                <a:ea typeface="Times New Roman" panose="02020603050405020304" pitchFamily="18" charset="0"/>
-              </a:rPr>
-              <a:t>(</a:t>
-            </a:r>
-            <a:r>
-              <a:rPr lang="vi-VN" sz="1800" baseline="-25000" dirty="0" err="1">
-                <a:effectLst/>
-                <a:latin typeface="Times New Roman" panose="02020603050405020304" pitchFamily="18" charset="0"/>
-                <a:ea typeface="Times New Roman" panose="02020603050405020304" pitchFamily="18" charset="0"/>
-              </a:rPr>
-              <a:t>workFrom</a:t>
-            </a:r>
-            <a:r>
-              <a:rPr lang="vi-VN" sz="1800" baseline="-25000" dirty="0">
-                <a:effectLst/>
-                <a:latin typeface="Times New Roman" panose="02020603050405020304" pitchFamily="18" charset="0"/>
-                <a:ea typeface="Times New Roman" panose="02020603050405020304" pitchFamily="18" charset="0"/>
-              </a:rPr>
-              <a:t>)</a:t>
-            </a:r>
-            <a:r>
-              <a:rPr lang="vi-VN" sz="1800" dirty="0">
-                <a:effectLst/>
-                <a:latin typeface="Times New Roman" panose="02020603050405020304" pitchFamily="18" charset="0"/>
-                <a:ea typeface="Times New Roman" panose="02020603050405020304" pitchFamily="18" charset="0"/>
-              </a:rPr>
-              <a:t> + … +</a:t>
-            </a:r>
-            <a:endParaRPr lang="en-US" sz="1800" dirty="0">
-              <a:effectLst/>
-              <a:latin typeface="Times New Roman" panose="02020603050405020304" pitchFamily="18" charset="0"/>
-              <a:ea typeface="Times New Roman" panose="02020603050405020304" pitchFamily="18" charset="0"/>
-            </a:endParaRPr>
-          </a:p>
-          <a:p>
-            <a:pPr marL="0" marR="0" indent="285750">
-              <a:lnSpc>
-                <a:spcPct val="150000"/>
-              </a:lnSpc>
-              <a:spcBef>
-                <a:spcPts val="0"/>
-              </a:spcBef>
-              <a:spcAft>
-                <a:spcPts val="0"/>
-              </a:spcAft>
-            </a:pPr>
-            <a:r>
-              <a:rPr lang="vi-VN" sz="1800" dirty="0" err="1">
-                <a:effectLst/>
-                <a:latin typeface="Times New Roman" panose="02020603050405020304" pitchFamily="18" charset="0"/>
-                <a:ea typeface="Times New Roman" panose="02020603050405020304" pitchFamily="18" charset="0"/>
-              </a:rPr>
-              <a:t>Column</a:t>
-            </a:r>
-            <a:r>
-              <a:rPr lang="vi-VN" sz="1800" dirty="0">
-                <a:effectLst/>
-                <a:latin typeface="Times New Roman" panose="02020603050405020304" pitchFamily="18" charset="0"/>
-                <a:ea typeface="Times New Roman" panose="02020603050405020304" pitchFamily="18" charset="0"/>
-              </a:rPr>
-              <a:t>(</a:t>
-            </a:r>
-            <a:r>
-              <a:rPr lang="vi-VN" sz="1800" dirty="0" err="1">
-                <a:effectLst/>
-                <a:latin typeface="Times New Roman" panose="02020603050405020304" pitchFamily="18" charset="0"/>
-                <a:ea typeface="Times New Roman" panose="02020603050405020304" pitchFamily="18" charset="0"/>
-              </a:rPr>
-              <a:t>jobLevel</a:t>
-            </a:r>
-            <a:r>
-              <a:rPr lang="vi-VN" sz="1800" dirty="0">
-                <a:effectLst/>
-                <a:latin typeface="Times New Roman" panose="02020603050405020304" pitchFamily="18" charset="0"/>
-                <a:ea typeface="Times New Roman" panose="02020603050405020304" pitchFamily="18" charset="0"/>
-              </a:rPr>
-              <a:t>)*</a:t>
-            </a:r>
-            <a:r>
-              <a:rPr lang="vi-VN" sz="1800" dirty="0" err="1">
-                <a:effectLst/>
-                <a:latin typeface="Times New Roman" panose="02020603050405020304" pitchFamily="18" charset="0"/>
-                <a:ea typeface="Times New Roman" panose="02020603050405020304" pitchFamily="18" charset="0"/>
-              </a:rPr>
-              <a:t>A</a:t>
-            </a:r>
-            <a:r>
-              <a:rPr lang="vi-VN" sz="1800" baseline="-25000" dirty="0" err="1">
-                <a:effectLst/>
-                <a:latin typeface="Times New Roman" panose="02020603050405020304" pitchFamily="18" charset="0"/>
-                <a:ea typeface="Times New Roman" panose="02020603050405020304" pitchFamily="18" charset="0"/>
-              </a:rPr>
-              <a:t>system</a:t>
-            </a:r>
-            <a:r>
-              <a:rPr lang="vi-VN" sz="1800" baseline="-25000" dirty="0">
-                <a:effectLst/>
-                <a:latin typeface="Times New Roman" panose="02020603050405020304" pitchFamily="18" charset="0"/>
-                <a:ea typeface="Times New Roman" panose="02020603050405020304" pitchFamily="18" charset="0"/>
-              </a:rPr>
-              <a:t>(</a:t>
-            </a:r>
-            <a:r>
-              <a:rPr lang="vi-VN" sz="1800" baseline="-25000" dirty="0" err="1">
-                <a:effectLst/>
-                <a:latin typeface="Times New Roman" panose="02020603050405020304" pitchFamily="18" charset="0"/>
-                <a:ea typeface="Times New Roman" panose="02020603050405020304" pitchFamily="18" charset="0"/>
-              </a:rPr>
-              <a:t>jobLevel</a:t>
-            </a:r>
-            <a:r>
-              <a:rPr lang="vi-VN" sz="1800" baseline="-25000" dirty="0">
-                <a:effectLst/>
-                <a:latin typeface="Times New Roman" panose="02020603050405020304" pitchFamily="18" charset="0"/>
-                <a:ea typeface="Times New Roman" panose="02020603050405020304" pitchFamily="18" charset="0"/>
-              </a:rPr>
-              <a:t>)</a:t>
-            </a:r>
-            <a:r>
-              <a:rPr lang="vi-VN" sz="1800" dirty="0">
-                <a:effectLst/>
-                <a:latin typeface="Times New Roman" panose="02020603050405020304" pitchFamily="18" charset="0"/>
-                <a:ea typeface="Times New Roman" panose="02020603050405020304" pitchFamily="18" charset="0"/>
-              </a:rPr>
-              <a:t>*</a:t>
-            </a:r>
-            <a:r>
-              <a:rPr lang="vi-VN" sz="1800" dirty="0" err="1">
-                <a:effectLst/>
-                <a:latin typeface="Times New Roman" panose="02020603050405020304" pitchFamily="18" charset="0"/>
-                <a:ea typeface="Times New Roman" panose="02020603050405020304" pitchFamily="18" charset="0"/>
-              </a:rPr>
-              <a:t>A</a:t>
-            </a:r>
-            <a:r>
-              <a:rPr lang="vi-VN" sz="1800" baseline="-25000" dirty="0" err="1">
-                <a:effectLst/>
-                <a:latin typeface="Times New Roman" panose="02020603050405020304" pitchFamily="18" charset="0"/>
-                <a:ea typeface="Times New Roman" panose="02020603050405020304" pitchFamily="18" charset="0"/>
-              </a:rPr>
-              <a:t>column</a:t>
-            </a:r>
-            <a:r>
-              <a:rPr lang="vi-VN" sz="1800" baseline="-25000" dirty="0">
-                <a:effectLst/>
-                <a:latin typeface="Times New Roman" panose="02020603050405020304" pitchFamily="18" charset="0"/>
-                <a:ea typeface="Times New Roman" panose="02020603050405020304" pitchFamily="18" charset="0"/>
-              </a:rPr>
-              <a:t>(</a:t>
-            </a:r>
-            <a:r>
-              <a:rPr lang="vi-VN" sz="1800" baseline="-25000" dirty="0" err="1">
-                <a:effectLst/>
-                <a:latin typeface="Times New Roman" panose="02020603050405020304" pitchFamily="18" charset="0"/>
-                <a:ea typeface="Times New Roman" panose="02020603050405020304" pitchFamily="18" charset="0"/>
-              </a:rPr>
-              <a:t>jobLevel</a:t>
-            </a:r>
-            <a:r>
-              <a:rPr lang="vi-VN" sz="1800" baseline="-25000" dirty="0">
-                <a:effectLst/>
-                <a:latin typeface="Times New Roman" panose="02020603050405020304" pitchFamily="18" charset="0"/>
-                <a:ea typeface="Times New Roman" panose="02020603050405020304" pitchFamily="18" charset="0"/>
-              </a:rPr>
-              <a:t>)</a:t>
-            </a:r>
-            <a:r>
-              <a:rPr lang="vi-VN" sz="1800" dirty="0">
-                <a:effectLst/>
-                <a:latin typeface="Times New Roman" panose="02020603050405020304" pitchFamily="18" charset="0"/>
-                <a:ea typeface="Times New Roman" panose="02020603050405020304" pitchFamily="18" charset="0"/>
-              </a:rPr>
-              <a:t> + …. +</a:t>
-            </a:r>
-            <a:endParaRPr lang="en-US" sz="1800" dirty="0">
-              <a:effectLst/>
-              <a:latin typeface="Times New Roman" panose="02020603050405020304" pitchFamily="18" charset="0"/>
-              <a:ea typeface="Times New Roman" panose="02020603050405020304" pitchFamily="18" charset="0"/>
-            </a:endParaRPr>
-          </a:p>
-          <a:p>
-            <a:pPr marL="0" marR="0" indent="285750">
-              <a:lnSpc>
-                <a:spcPct val="150000"/>
-              </a:lnSpc>
-              <a:spcBef>
-                <a:spcPts val="0"/>
-              </a:spcBef>
-              <a:spcAft>
-                <a:spcPts val="0"/>
-              </a:spcAft>
-            </a:pPr>
-            <a:r>
-              <a:rPr lang="vi-VN" sz="1800" dirty="0" err="1">
-                <a:effectLst/>
-                <a:latin typeface="Times New Roman" panose="02020603050405020304" pitchFamily="18" charset="0"/>
-                <a:ea typeface="Times New Roman" panose="02020603050405020304" pitchFamily="18" charset="0"/>
-              </a:rPr>
-              <a:t>Column</a:t>
-            </a:r>
-            <a:r>
-              <a:rPr lang="vi-VN" sz="1800" dirty="0">
-                <a:effectLst/>
-                <a:latin typeface="Times New Roman" panose="02020603050405020304" pitchFamily="18" charset="0"/>
-                <a:ea typeface="Times New Roman" panose="02020603050405020304" pitchFamily="18" charset="0"/>
-              </a:rPr>
-              <a:t>(</a:t>
-            </a:r>
-            <a:r>
-              <a:rPr lang="vi-VN" sz="1800" dirty="0" err="1">
-                <a:effectLst/>
-                <a:latin typeface="Times New Roman" panose="02020603050405020304" pitchFamily="18" charset="0"/>
-                <a:ea typeface="Times New Roman" panose="02020603050405020304" pitchFamily="18" charset="0"/>
-              </a:rPr>
-              <a:t>jobType</a:t>
-            </a:r>
-            <a:r>
-              <a:rPr lang="vi-VN" sz="1800" dirty="0">
-                <a:effectLst/>
-                <a:latin typeface="Times New Roman" panose="02020603050405020304" pitchFamily="18" charset="0"/>
-                <a:ea typeface="Times New Roman" panose="02020603050405020304" pitchFamily="18" charset="0"/>
-              </a:rPr>
-              <a:t>)*</a:t>
-            </a:r>
-            <a:r>
-              <a:rPr lang="vi-VN" sz="1800" dirty="0" err="1">
-                <a:effectLst/>
-                <a:latin typeface="Times New Roman" panose="02020603050405020304" pitchFamily="18" charset="0"/>
-                <a:ea typeface="Times New Roman" panose="02020603050405020304" pitchFamily="18" charset="0"/>
-              </a:rPr>
-              <a:t>A</a:t>
-            </a:r>
-            <a:r>
-              <a:rPr lang="vi-VN" sz="1800" baseline="-25000" dirty="0" err="1">
-                <a:effectLst/>
-                <a:latin typeface="Times New Roman" panose="02020603050405020304" pitchFamily="18" charset="0"/>
-                <a:ea typeface="Times New Roman" panose="02020603050405020304" pitchFamily="18" charset="0"/>
-              </a:rPr>
-              <a:t>system</a:t>
-            </a:r>
-            <a:r>
-              <a:rPr lang="vi-VN" sz="1800" baseline="-25000" dirty="0">
-                <a:effectLst/>
-                <a:latin typeface="Times New Roman" panose="02020603050405020304" pitchFamily="18" charset="0"/>
-                <a:ea typeface="Times New Roman" panose="02020603050405020304" pitchFamily="18" charset="0"/>
-              </a:rPr>
-              <a:t>(</a:t>
-            </a:r>
-            <a:r>
-              <a:rPr lang="vi-VN" sz="1800" baseline="-25000" dirty="0" err="1">
-                <a:effectLst/>
-                <a:latin typeface="Times New Roman" panose="02020603050405020304" pitchFamily="18" charset="0"/>
-                <a:ea typeface="Times New Roman" panose="02020603050405020304" pitchFamily="18" charset="0"/>
-              </a:rPr>
-              <a:t>jobType</a:t>
-            </a:r>
-            <a:r>
-              <a:rPr lang="vi-VN" sz="1800" baseline="-25000" dirty="0">
-                <a:effectLst/>
-                <a:latin typeface="Times New Roman" panose="02020603050405020304" pitchFamily="18" charset="0"/>
-                <a:ea typeface="Times New Roman" panose="02020603050405020304" pitchFamily="18" charset="0"/>
-              </a:rPr>
-              <a:t>)</a:t>
-            </a:r>
-            <a:r>
-              <a:rPr lang="vi-VN" sz="1800" dirty="0">
-                <a:effectLst/>
-                <a:latin typeface="Times New Roman" panose="02020603050405020304" pitchFamily="18" charset="0"/>
-                <a:ea typeface="Times New Roman" panose="02020603050405020304" pitchFamily="18" charset="0"/>
-              </a:rPr>
-              <a:t>*</a:t>
-            </a:r>
-            <a:r>
-              <a:rPr lang="vi-VN" sz="1800" dirty="0" err="1">
-                <a:effectLst/>
-                <a:latin typeface="Times New Roman" panose="02020603050405020304" pitchFamily="18" charset="0"/>
-                <a:ea typeface="Times New Roman" panose="02020603050405020304" pitchFamily="18" charset="0"/>
-              </a:rPr>
-              <a:t>A</a:t>
-            </a:r>
-            <a:r>
-              <a:rPr lang="vi-VN" sz="1800" baseline="-25000" dirty="0" err="1">
-                <a:effectLst/>
-                <a:latin typeface="Times New Roman" panose="02020603050405020304" pitchFamily="18" charset="0"/>
-                <a:ea typeface="Times New Roman" panose="02020603050405020304" pitchFamily="18" charset="0"/>
-              </a:rPr>
-              <a:t>column</a:t>
-            </a:r>
-            <a:r>
-              <a:rPr lang="vi-VN" sz="1800" baseline="-25000" dirty="0">
-                <a:effectLst/>
-                <a:latin typeface="Times New Roman" panose="02020603050405020304" pitchFamily="18" charset="0"/>
-                <a:ea typeface="Times New Roman" panose="02020603050405020304" pitchFamily="18" charset="0"/>
-              </a:rPr>
-              <a:t>(</a:t>
-            </a:r>
-            <a:r>
-              <a:rPr lang="vi-VN" sz="1800" baseline="-25000" dirty="0" err="1">
-                <a:effectLst/>
-                <a:latin typeface="Times New Roman" panose="02020603050405020304" pitchFamily="18" charset="0"/>
-                <a:ea typeface="Times New Roman" panose="02020603050405020304" pitchFamily="18" charset="0"/>
-              </a:rPr>
-              <a:t>jobType</a:t>
-            </a:r>
-            <a:r>
-              <a:rPr lang="vi-VN" sz="1800" baseline="-25000" dirty="0">
-                <a:effectLst/>
-                <a:latin typeface="Times New Roman" panose="02020603050405020304" pitchFamily="18" charset="0"/>
-                <a:ea typeface="Times New Roman" panose="02020603050405020304" pitchFamily="18" charset="0"/>
-              </a:rPr>
-              <a:t>)</a:t>
-            </a:r>
-            <a:r>
-              <a:rPr lang="vi-VN" sz="1800" dirty="0">
-                <a:effectLst/>
-                <a:latin typeface="Times New Roman" panose="02020603050405020304" pitchFamily="18" charset="0"/>
-                <a:ea typeface="Times New Roman" panose="02020603050405020304" pitchFamily="18" charset="0"/>
-              </a:rPr>
-              <a:t> +</a:t>
-            </a:r>
-            <a:endParaRPr lang="en-US" sz="1800" dirty="0">
-              <a:effectLst/>
-              <a:latin typeface="Times New Roman" panose="02020603050405020304" pitchFamily="18" charset="0"/>
-              <a:ea typeface="Times New Roman" panose="02020603050405020304" pitchFamily="18" charset="0"/>
-            </a:endParaRPr>
-          </a:p>
-          <a:p>
-            <a:pPr marL="0" marR="0" indent="285750">
-              <a:lnSpc>
-                <a:spcPct val="150000"/>
-              </a:lnSpc>
-              <a:spcBef>
-                <a:spcPts val="0"/>
-              </a:spcBef>
-              <a:spcAft>
-                <a:spcPts val="0"/>
-              </a:spcAft>
-            </a:pPr>
-            <a:r>
-              <a:rPr lang="vi-VN" sz="1800" dirty="0" err="1">
-                <a:effectLst/>
-                <a:latin typeface="Times New Roman" panose="02020603050405020304" pitchFamily="18" charset="0"/>
-                <a:ea typeface="Times New Roman" panose="02020603050405020304" pitchFamily="18" charset="0"/>
-              </a:rPr>
-              <a:t>Column</a:t>
-            </a:r>
-            <a:r>
-              <a:rPr lang="vi-VN" sz="1800" dirty="0">
-                <a:effectLst/>
-                <a:latin typeface="Times New Roman" panose="02020603050405020304" pitchFamily="18" charset="0"/>
-                <a:ea typeface="Times New Roman" panose="02020603050405020304" pitchFamily="18" charset="0"/>
-              </a:rPr>
-              <a:t>(</a:t>
-            </a:r>
-            <a:r>
-              <a:rPr lang="vi-VN" sz="1800" dirty="0" err="1">
-                <a:effectLst/>
-                <a:latin typeface="Times New Roman" panose="02020603050405020304" pitchFamily="18" charset="0"/>
-                <a:ea typeface="Times New Roman" panose="02020603050405020304" pitchFamily="18" charset="0"/>
-              </a:rPr>
-              <a:t>yoe</a:t>
-            </a:r>
-            <a:r>
-              <a:rPr lang="vi-VN" sz="1800" dirty="0">
-                <a:effectLst/>
-                <a:latin typeface="Times New Roman" panose="02020603050405020304" pitchFamily="18" charset="0"/>
-                <a:ea typeface="Times New Roman" panose="02020603050405020304" pitchFamily="18" charset="0"/>
-              </a:rPr>
-              <a:t>)*</a:t>
-            </a:r>
-            <a:r>
-              <a:rPr lang="vi-VN" sz="1800" dirty="0" err="1">
-                <a:effectLst/>
-                <a:latin typeface="Times New Roman" panose="02020603050405020304" pitchFamily="18" charset="0"/>
-                <a:ea typeface="Times New Roman" panose="02020603050405020304" pitchFamily="18" charset="0"/>
-              </a:rPr>
-              <a:t>A</a:t>
-            </a:r>
-            <a:r>
-              <a:rPr lang="vi-VN" sz="1800" baseline="-25000" dirty="0" err="1">
-                <a:effectLst/>
-                <a:latin typeface="Times New Roman" panose="02020603050405020304" pitchFamily="18" charset="0"/>
-                <a:ea typeface="Times New Roman" panose="02020603050405020304" pitchFamily="18" charset="0"/>
-              </a:rPr>
-              <a:t>system</a:t>
-            </a:r>
-            <a:r>
-              <a:rPr lang="vi-VN" sz="1800" baseline="-25000" dirty="0">
-                <a:effectLst/>
-                <a:latin typeface="Times New Roman" panose="02020603050405020304" pitchFamily="18" charset="0"/>
-                <a:ea typeface="Times New Roman" panose="02020603050405020304" pitchFamily="18" charset="0"/>
-              </a:rPr>
-              <a:t>(</a:t>
-            </a:r>
-            <a:r>
-              <a:rPr lang="vi-VN" sz="1800" baseline="-25000" dirty="0" err="1">
-                <a:effectLst/>
-                <a:latin typeface="Times New Roman" panose="02020603050405020304" pitchFamily="18" charset="0"/>
-                <a:ea typeface="Times New Roman" panose="02020603050405020304" pitchFamily="18" charset="0"/>
-              </a:rPr>
-              <a:t>yoe</a:t>
-            </a:r>
-            <a:r>
-              <a:rPr lang="vi-VN" sz="1800" baseline="-25000" dirty="0">
-                <a:effectLst/>
-                <a:latin typeface="Times New Roman" panose="02020603050405020304" pitchFamily="18" charset="0"/>
-                <a:ea typeface="Times New Roman" panose="02020603050405020304" pitchFamily="18" charset="0"/>
-              </a:rPr>
-              <a:t>)</a:t>
-            </a:r>
-            <a:r>
-              <a:rPr lang="vi-VN" sz="1800" dirty="0">
-                <a:effectLst/>
-                <a:latin typeface="Times New Roman" panose="02020603050405020304" pitchFamily="18" charset="0"/>
-                <a:ea typeface="Times New Roman" panose="02020603050405020304" pitchFamily="18" charset="0"/>
-              </a:rPr>
-              <a:t>*</a:t>
-            </a:r>
-            <a:r>
-              <a:rPr lang="vi-VN" sz="1800" dirty="0" err="1">
-                <a:effectLst/>
-                <a:latin typeface="Times New Roman" panose="02020603050405020304" pitchFamily="18" charset="0"/>
-                <a:ea typeface="Times New Roman" panose="02020603050405020304" pitchFamily="18" charset="0"/>
-              </a:rPr>
-              <a:t>A</a:t>
-            </a:r>
-            <a:r>
-              <a:rPr lang="vi-VN" sz="1800" baseline="-25000" dirty="0" err="1">
-                <a:effectLst/>
-                <a:latin typeface="Times New Roman" panose="02020603050405020304" pitchFamily="18" charset="0"/>
-                <a:ea typeface="Times New Roman" panose="02020603050405020304" pitchFamily="18" charset="0"/>
-              </a:rPr>
-              <a:t>column</a:t>
-            </a:r>
-            <a:r>
-              <a:rPr lang="vi-VN" sz="1800" baseline="-25000" dirty="0">
-                <a:effectLst/>
-                <a:latin typeface="Times New Roman" panose="02020603050405020304" pitchFamily="18" charset="0"/>
-                <a:ea typeface="Times New Roman" panose="02020603050405020304" pitchFamily="18" charset="0"/>
-              </a:rPr>
-              <a:t>(</a:t>
-            </a:r>
-            <a:r>
-              <a:rPr lang="vi-VN" sz="1800" baseline="-25000" dirty="0" err="1">
-                <a:effectLst/>
-                <a:latin typeface="Times New Roman" panose="02020603050405020304" pitchFamily="18" charset="0"/>
-                <a:ea typeface="Times New Roman" panose="02020603050405020304" pitchFamily="18" charset="0"/>
-              </a:rPr>
-              <a:t>yoe</a:t>
-            </a:r>
-            <a:r>
-              <a:rPr lang="vi-VN" sz="1800" baseline="-25000" dirty="0">
-                <a:effectLst/>
-                <a:latin typeface="Times New Roman" panose="02020603050405020304" pitchFamily="18" charset="0"/>
-                <a:ea typeface="Times New Roman" panose="02020603050405020304" pitchFamily="18" charset="0"/>
-              </a:rPr>
-              <a:t>)</a:t>
-            </a:r>
-            <a:endParaRPr lang="en-US" sz="1800" dirty="0">
-              <a:effectLst/>
-              <a:latin typeface="Times New Roman" panose="02020603050405020304" pitchFamily="18" charset="0"/>
-              <a:ea typeface="Times New Roman" panose="02020603050405020304" pitchFamily="18" charset="0"/>
-            </a:endParaRPr>
-          </a:p>
-          <a:p>
-            <a:endParaRPr lang="en-US" dirty="0"/>
-          </a:p>
-        </p:txBody>
-      </p:sp>
-    </p:spTree>
-    <p:extLst>
-      <p:ext uri="{BB962C8B-B14F-4D97-AF65-F5344CB8AC3E}">
-        <p14:creationId xmlns:p14="http://schemas.microsoft.com/office/powerpoint/2010/main" val="120572818"/>
-      </p:ext>
-    </p:extLst>
-  </p:cSld>
-  <p:clrMapOvr>
-    <a:masterClrMapping/>
-  </p:clrMapOvr>
-</p:sld>
-</file>
-
-<file path=ppt/slides/slide7.xml><?xml version="1.0" encoding="utf-8"?>
-<p:sld xmlns:a="http://schemas.openxmlformats.org/drawingml/2006/main" xmlns:r="http://schemas.openxmlformats.org/officeDocument/2006/relationships" xmlns:p="http://schemas.openxmlformats.org/presentationml/2006/main">
-  <p:cSld>
-    <p:spTree>
-      <p:nvGrpSpPr>
-        <p:cNvPr id="1" name=""/>
-        <p:cNvGrpSpPr/>
-        <p:nvPr/>
-      </p:nvGrpSpPr>
-      <p:grpSpPr>
-        <a:xfrm>
-          <a:off x="0" y="0"/>
-          <a:ext cx="0" cy="0"/>
-          <a:chOff x="0" y="0"/>
-          <a:chExt cx="0" cy="0"/>
-        </a:xfrm>
-      </p:grpSpPr>
-      <p:sp>
-        <p:nvSpPr>
-          <p:cNvPr id="2" name="Title 1"/>
-          <p:cNvSpPr>
-            <a:spLocks noGrp="1"/>
-          </p:cNvSpPr>
-          <p:nvPr>
-            <p:ph type="title"/>
-          </p:nvPr>
-        </p:nvSpPr>
-        <p:spPr/>
-        <p:txBody>
-          <a:bodyPr/>
-          <a:lstStyle/>
-          <a:p>
-            <a:r>
-              <a:rPr lang="en-US"/>
-              <a:t>Công nghệ</a:t>
-            </a:r>
-            <a:endParaRPr lang="de-DE"/>
-          </a:p>
-        </p:txBody>
-      </p:sp>
-      <p:sp>
-        <p:nvSpPr>
-          <p:cNvPr id="4" name="Slide Number Placeholder 3"/>
-          <p:cNvSpPr>
-            <a:spLocks noGrp="1"/>
-          </p:cNvSpPr>
-          <p:nvPr>
-            <p:ph type="sldNum" sz="quarter" idx="12"/>
-          </p:nvPr>
-        </p:nvSpPr>
-        <p:spPr/>
-        <p:txBody>
-          <a:bodyPr/>
-          <a:lstStyle/>
-          <a:p>
-            <a:fld id="{2210AAD2-7BE5-41A1-B723-8B6F5F112607}" type="slidenum">
-              <a:rPr lang="de-DE" smtClean="0"/>
-              <a:pPr/>
-              <a:t>7</a:t>
             </a:fld>
             <a:endParaRPr lang="de-DE"/>
           </a:p>
@@ -12748,7 +8808,7 @@
     </p:spTree>
     <p:extLst>
       <p:ext uri="{BB962C8B-B14F-4D97-AF65-F5344CB8AC3E}">
-        <p14:creationId xmlns:p14="http://schemas.microsoft.com/office/powerpoint/2010/main" val="2014044782"/>
+        <p14:creationId xmlns:p14="http://schemas.microsoft.com/office/powerpoint/2010/main" val="1335097161"/>
       </p:ext>
     </p:extLst>
   </p:cSld>
@@ -13487,7 +9547,415 @@
 </p:sld>
 </file>
 
-<file path=ppt/slides/slide8.xml><?xml version="1.0" encoding="utf-8"?>
+<file path=ppt/slides/slide5.xml><?xml version="1.0" encoding="utf-8"?>
+<p:sld xmlns:a="http://schemas.openxmlformats.org/drawingml/2006/main" xmlns:r="http://schemas.openxmlformats.org/officeDocument/2006/relationships" xmlns:p="http://schemas.openxmlformats.org/presentationml/2006/main">
+  <p:cSld>
+    <p:spTree>
+      <p:nvGrpSpPr>
+        <p:cNvPr id="1" name=""/>
+        <p:cNvGrpSpPr/>
+        <p:nvPr/>
+      </p:nvGrpSpPr>
+      <p:grpSpPr>
+        <a:xfrm>
+          <a:off x="0" y="0"/>
+          <a:ext cx="0" cy="0"/>
+          <a:chOff x="0" y="0"/>
+          <a:chExt cx="0" cy="0"/>
+        </a:xfrm>
+      </p:grpSpPr>
+      <p:sp>
+        <p:nvSpPr>
+          <p:cNvPr id="6" name="Title 5"/>
+          <p:cNvSpPr>
+            <a:spLocks noGrp="1"/>
+          </p:cNvSpPr>
+          <p:nvPr>
+            <p:ph type="title"/>
+          </p:nvPr>
+        </p:nvSpPr>
+        <p:spPr/>
+        <p:txBody>
+          <a:bodyPr/>
+          <a:lstStyle/>
+          <a:p>
+            <a:r>
+              <a:rPr lang="en-US" dirty="0" err="1"/>
+              <a:t>Phân</a:t>
+            </a:r>
+            <a:r>
+              <a:rPr lang="en-US" dirty="0"/>
+              <a:t> </a:t>
+            </a:r>
+            <a:r>
+              <a:rPr lang="en-US" dirty="0" err="1"/>
+              <a:t>tích</a:t>
+            </a:r>
+            <a:endParaRPr lang="de-DE" dirty="0"/>
+          </a:p>
+        </p:txBody>
+      </p:sp>
+      <p:sp>
+        <p:nvSpPr>
+          <p:cNvPr id="4" name="Slide Number Placeholder 3"/>
+          <p:cNvSpPr>
+            <a:spLocks noGrp="1"/>
+          </p:cNvSpPr>
+          <p:nvPr>
+            <p:ph type="sldNum" sz="quarter" idx="12"/>
+          </p:nvPr>
+        </p:nvSpPr>
+        <p:spPr/>
+        <p:txBody>
+          <a:bodyPr/>
+          <a:lstStyle/>
+          <a:p>
+            <a:fld id="{2210AAD2-7BE5-41A1-B723-8B6F5F112607}" type="slidenum">
+              <a:rPr lang="de-DE" smtClean="0"/>
+              <a:pPr/>
+              <a:t>5</a:t>
+            </a:fld>
+            <a:endParaRPr lang="de-DE"/>
+          </a:p>
+        </p:txBody>
+      </p:sp>
+      <p:sp>
+        <p:nvSpPr>
+          <p:cNvPr id="2" name="TextBox 1">
+            <a:extLst>
+              <a:ext uri="{FF2B5EF4-FFF2-40B4-BE49-F238E27FC236}">
+                <a16:creationId xmlns:a16="http://schemas.microsoft.com/office/drawing/2014/main" id="{79C5A8DE-8667-D4DF-ED99-1E202BE9B65B}"/>
+              </a:ext>
+            </a:extLst>
+          </p:cNvPr>
+          <p:cNvSpPr txBox="1"/>
+          <p:nvPr/>
+        </p:nvSpPr>
+        <p:spPr>
+          <a:xfrm>
+            <a:off x="350196" y="2188720"/>
+            <a:ext cx="7480570" cy="3000821"/>
+          </a:xfrm>
+          <a:prstGeom prst="rect">
+            <a:avLst/>
+          </a:prstGeom>
+          <a:noFill/>
+        </p:spPr>
+        <p:txBody>
+          <a:bodyPr wrap="square" rtlCol="0">
+            <a:spAutoFit/>
+          </a:bodyPr>
+          <a:lstStyle/>
+          <a:p>
+            <a:pPr marL="285750" indent="-285750">
+              <a:buFontTx/>
+              <a:buChar char="-"/>
+            </a:pPr>
+            <a:r>
+              <a:rPr lang="en-US" dirty="0"/>
+              <a:t>3 </a:t>
+            </a:r>
+            <a:r>
+              <a:rPr lang="en-US" b="1" dirty="0" err="1"/>
+              <a:t>Chức</a:t>
+            </a:r>
+            <a:r>
+              <a:rPr lang="en-US" b="1" dirty="0"/>
+              <a:t> </a:t>
+            </a:r>
+            <a:r>
+              <a:rPr lang="en-US" b="1" dirty="0" err="1"/>
+              <a:t>năng</a:t>
+            </a:r>
+            <a:r>
+              <a:rPr lang="en-US" b="1" dirty="0"/>
+              <a:t> </a:t>
+            </a:r>
+            <a:r>
+              <a:rPr lang="en-US" b="1" dirty="0" err="1"/>
+              <a:t>chính</a:t>
+            </a:r>
+            <a:r>
+              <a:rPr lang="en-US" b="1" dirty="0"/>
+              <a:t>:</a:t>
+            </a:r>
+          </a:p>
+          <a:p>
+            <a:pPr marL="742950" lvl="1" indent="-285750">
+              <a:lnSpc>
+                <a:spcPct val="150000"/>
+              </a:lnSpc>
+              <a:buFont typeface="Courier New" panose="02070309020205020404" pitchFamily="49" charset="0"/>
+              <a:buChar char="o"/>
+            </a:pPr>
+            <a:r>
+              <a:rPr lang="en-US" dirty="0" err="1"/>
+              <a:t>Tạo</a:t>
+            </a:r>
+            <a:r>
+              <a:rPr lang="en-US" dirty="0"/>
+              <a:t> </a:t>
+            </a:r>
+            <a:r>
+              <a:rPr lang="en-US" dirty="0" err="1"/>
+              <a:t>hồ</a:t>
+            </a:r>
+            <a:r>
+              <a:rPr lang="en-US" dirty="0"/>
+              <a:t> </a:t>
+            </a:r>
+            <a:r>
+              <a:rPr lang="en-US" dirty="0" err="1"/>
+              <a:t>sơ</a:t>
+            </a:r>
+            <a:r>
+              <a:rPr lang="en-US" dirty="0"/>
+              <a:t> </a:t>
+            </a:r>
+            <a:r>
+              <a:rPr lang="en-US" dirty="0" err="1"/>
+              <a:t>ứng</a:t>
+            </a:r>
+            <a:r>
+              <a:rPr lang="en-US" dirty="0"/>
+              <a:t> </a:t>
+            </a:r>
+            <a:r>
+              <a:rPr lang="en-US" dirty="0" err="1"/>
+              <a:t>tuyển</a:t>
+            </a:r>
+            <a:endParaRPr lang="en-US" dirty="0"/>
+          </a:p>
+          <a:p>
+            <a:pPr marL="742950" lvl="1" indent="-285750">
+              <a:lnSpc>
+                <a:spcPct val="150000"/>
+              </a:lnSpc>
+              <a:buFont typeface="Courier New" panose="02070309020205020404" pitchFamily="49" charset="0"/>
+              <a:buChar char="o"/>
+            </a:pPr>
+            <a:r>
+              <a:rPr lang="en-US" dirty="0" err="1"/>
+              <a:t>Tạo</a:t>
+            </a:r>
+            <a:r>
+              <a:rPr lang="en-US" dirty="0"/>
+              <a:t> </a:t>
+            </a:r>
+            <a:r>
+              <a:rPr lang="en-US" dirty="0" err="1"/>
+              <a:t>hồ</a:t>
+            </a:r>
+            <a:r>
+              <a:rPr lang="en-US" dirty="0"/>
+              <a:t> </a:t>
+            </a:r>
+            <a:r>
+              <a:rPr lang="en-US" dirty="0" err="1"/>
+              <a:t>sơ</a:t>
+            </a:r>
+            <a:r>
+              <a:rPr lang="en-US" dirty="0"/>
+              <a:t> </a:t>
+            </a:r>
+            <a:r>
+              <a:rPr lang="en-US" dirty="0" err="1"/>
+              <a:t>tuyển</a:t>
+            </a:r>
+            <a:r>
+              <a:rPr lang="en-US" dirty="0"/>
+              <a:t> </a:t>
+            </a:r>
+            <a:r>
+              <a:rPr lang="en-US" dirty="0" err="1"/>
+              <a:t>dụng</a:t>
+            </a:r>
+            <a:endParaRPr lang="en-US" dirty="0"/>
+          </a:p>
+          <a:p>
+            <a:pPr marL="742950" lvl="1" indent="-285750">
+              <a:lnSpc>
+                <a:spcPct val="150000"/>
+              </a:lnSpc>
+              <a:buFont typeface="Courier New" panose="02070309020205020404" pitchFamily="49" charset="0"/>
+              <a:buChar char="o"/>
+            </a:pPr>
+            <a:r>
+              <a:rPr lang="en-US" dirty="0" err="1"/>
+              <a:t>Gợi</a:t>
+            </a:r>
+            <a:r>
+              <a:rPr lang="en-US" dirty="0"/>
+              <a:t> ý </a:t>
+            </a:r>
+            <a:r>
+              <a:rPr lang="en-US" dirty="0" err="1"/>
+              <a:t>hồ</a:t>
+            </a:r>
+            <a:r>
+              <a:rPr lang="en-US" dirty="0"/>
+              <a:t> </a:t>
+            </a:r>
+            <a:r>
+              <a:rPr lang="en-US" dirty="0" err="1"/>
+              <a:t>sơ</a:t>
+            </a:r>
+            <a:r>
+              <a:rPr lang="en-US" dirty="0"/>
+              <a:t> </a:t>
+            </a:r>
+            <a:r>
+              <a:rPr lang="en-US" dirty="0" err="1"/>
+              <a:t>ứng</a:t>
+            </a:r>
+            <a:r>
+              <a:rPr lang="en-US" dirty="0"/>
+              <a:t> </a:t>
+            </a:r>
+            <a:r>
+              <a:rPr lang="en-US" dirty="0" err="1"/>
+              <a:t>tuyển</a:t>
+            </a:r>
+            <a:r>
+              <a:rPr lang="en-US" dirty="0"/>
+              <a:t> </a:t>
+            </a:r>
+            <a:r>
+              <a:rPr lang="en-US" dirty="0" err="1"/>
+              <a:t>hoặc</a:t>
+            </a:r>
+            <a:r>
+              <a:rPr lang="en-US" dirty="0"/>
+              <a:t> </a:t>
+            </a:r>
+            <a:r>
+              <a:rPr lang="en-US" dirty="0" err="1"/>
+              <a:t>hồ</a:t>
+            </a:r>
+            <a:r>
+              <a:rPr lang="en-US" dirty="0"/>
+              <a:t> </a:t>
+            </a:r>
+            <a:r>
+              <a:rPr lang="en-US" dirty="0" err="1"/>
+              <a:t>sơ</a:t>
+            </a:r>
+            <a:r>
+              <a:rPr lang="en-US" dirty="0"/>
+              <a:t> </a:t>
+            </a:r>
+            <a:r>
+              <a:rPr lang="en-US" dirty="0" err="1"/>
+              <a:t>tuyển</a:t>
+            </a:r>
+            <a:r>
+              <a:rPr lang="en-US" dirty="0"/>
+              <a:t> </a:t>
+            </a:r>
+            <a:r>
+              <a:rPr lang="en-US" dirty="0" err="1"/>
+              <a:t>dụng</a:t>
+            </a:r>
+            <a:r>
+              <a:rPr lang="en-US" dirty="0"/>
+              <a:t> </a:t>
+            </a:r>
+            <a:r>
+              <a:rPr lang="en-US" dirty="0" err="1"/>
+              <a:t>phù</a:t>
+            </a:r>
+            <a:r>
+              <a:rPr lang="en-US" dirty="0"/>
+              <a:t> </a:t>
+            </a:r>
+            <a:r>
+              <a:rPr lang="en-US" dirty="0" err="1"/>
+              <a:t>hợp</a:t>
+            </a:r>
+            <a:endParaRPr lang="en-US" dirty="0"/>
+          </a:p>
+          <a:p>
+            <a:pPr marL="285750" indent="-285750">
+              <a:lnSpc>
+                <a:spcPct val="150000"/>
+              </a:lnSpc>
+              <a:buFontTx/>
+              <a:buChar char="-"/>
+            </a:pPr>
+            <a:r>
+              <a:rPr lang="en-US" dirty="0"/>
+              <a:t>70+ </a:t>
+            </a:r>
+            <a:r>
+              <a:rPr lang="en-US" b="1" dirty="0"/>
+              <a:t>API</a:t>
+            </a:r>
+            <a:endParaRPr lang="en-US" dirty="0"/>
+          </a:p>
+          <a:p>
+            <a:pPr marL="285750" indent="-285750">
+              <a:lnSpc>
+                <a:spcPct val="150000"/>
+              </a:lnSpc>
+              <a:buFontTx/>
+              <a:buChar char="-"/>
+            </a:pPr>
+            <a:r>
+              <a:rPr lang="en-US" dirty="0"/>
+              <a:t>40+ </a:t>
+            </a:r>
+            <a:r>
+              <a:rPr lang="en-US" b="1" dirty="0" err="1"/>
+              <a:t>Bảng</a:t>
+            </a:r>
+            <a:r>
+              <a:rPr lang="en-US" b="1" dirty="0"/>
+              <a:t> </a:t>
+            </a:r>
+            <a:r>
+              <a:rPr lang="en-US" b="1" dirty="0" err="1"/>
+              <a:t>dữ</a:t>
+            </a:r>
+            <a:r>
+              <a:rPr lang="en-US" b="1" dirty="0"/>
+              <a:t> </a:t>
+            </a:r>
+            <a:r>
+              <a:rPr lang="en-US" b="1" dirty="0" err="1"/>
+              <a:t>liệu</a:t>
+            </a:r>
+            <a:endParaRPr lang="en-US" dirty="0"/>
+          </a:p>
+          <a:p>
+            <a:pPr marL="285750" indent="-285750">
+              <a:buFontTx/>
+              <a:buChar char="-"/>
+            </a:pPr>
+            <a:endParaRPr lang="en-US" dirty="0"/>
+          </a:p>
+          <a:p>
+            <a:pPr marL="285750" indent="-285750">
+              <a:buFontTx/>
+              <a:buChar char="-"/>
+            </a:pPr>
+            <a:endParaRPr lang="en-US" dirty="0"/>
+          </a:p>
+        </p:txBody>
+      </p:sp>
+    </p:spTree>
+    <p:extLst>
+      <p:ext uri="{BB962C8B-B14F-4D97-AF65-F5344CB8AC3E}">
+        <p14:creationId xmlns:p14="http://schemas.microsoft.com/office/powerpoint/2010/main" val="2224299541"/>
+      </p:ext>
+    </p:extLst>
+  </p:cSld>
+  <p:clrMapOvr>
+    <a:masterClrMapping/>
+  </p:clrMapOvr>
+</p:sld>
+</file>
+
+<file path=ppt/slides/slide6.xml><?xml version="1.0" encoding="utf-8"?>
 <p:sld xmlns:a="http://schemas.openxmlformats.org/drawingml/2006/main" xmlns:r="http://schemas.openxmlformats.org/officeDocument/2006/relationships" xmlns:p="http://schemas.openxmlformats.org/presentationml/2006/main">
   <p:cSld>
     <p:spTree>
@@ -13529,98 +9997,6 @@
       </p:sp>
       <p:sp>
         <p:nvSpPr>
-          <p:cNvPr id="3" name="Content Placeholder 2"/>
-          <p:cNvSpPr>
-            <a:spLocks noGrp="1"/>
-          </p:cNvSpPr>
-          <p:nvPr>
-            <p:ph idx="1"/>
-          </p:nvPr>
-        </p:nvSpPr>
-        <p:spPr/>
-        <p:txBody>
-          <a:bodyPr/>
-          <a:lstStyle/>
-          <a:p>
-            <a:pPr marL="514350" indent="-514350">
-              <a:lnSpc>
-                <a:spcPct val="200000"/>
-              </a:lnSpc>
-              <a:buFont typeface="+mj-lt"/>
-              <a:buAutoNum type="arabicPeriod"/>
-            </a:pPr>
-            <a:r>
-              <a:rPr lang="en-US" dirty="0" err="1"/>
-              <a:t>Quy</a:t>
-            </a:r>
-            <a:r>
-              <a:rPr lang="en-US" dirty="0"/>
-              <a:t> </a:t>
-            </a:r>
-            <a:r>
-              <a:rPr lang="en-US" dirty="0" err="1"/>
-              <a:t>trình</a:t>
-            </a:r>
-            <a:r>
-              <a:rPr lang="en-US" dirty="0"/>
-              <a:t> </a:t>
-            </a:r>
-            <a:r>
-              <a:rPr lang="en-US" dirty="0" err="1"/>
-              <a:t>đăng</a:t>
-            </a:r>
-            <a:r>
-              <a:rPr lang="en-US" dirty="0"/>
-              <a:t> </a:t>
-            </a:r>
-            <a:r>
-              <a:rPr lang="en-US" dirty="0" err="1"/>
-              <a:t>tuyển</a:t>
-            </a:r>
-            <a:endParaRPr lang="en-US" dirty="0"/>
-          </a:p>
-          <a:p>
-            <a:pPr marL="514350" indent="-514350">
-              <a:lnSpc>
-                <a:spcPct val="200000"/>
-              </a:lnSpc>
-              <a:buFont typeface="+mj-lt"/>
-              <a:buAutoNum type="arabicPeriod"/>
-            </a:pPr>
-            <a:r>
-              <a:rPr lang="en-US" dirty="0" err="1"/>
-              <a:t>Quy</a:t>
-            </a:r>
-            <a:r>
-              <a:rPr lang="en-US" dirty="0"/>
-              <a:t> </a:t>
-            </a:r>
-            <a:r>
-              <a:rPr lang="en-US" dirty="0" err="1"/>
-              <a:t>trình</a:t>
-            </a:r>
-            <a:r>
-              <a:rPr lang="en-US" dirty="0"/>
-              <a:t> </a:t>
-            </a:r>
-            <a:r>
-              <a:rPr lang="en-US" dirty="0" err="1"/>
-              <a:t>ứng</a:t>
-            </a:r>
-            <a:r>
-              <a:rPr lang="en-US" dirty="0"/>
-              <a:t> </a:t>
-            </a:r>
-            <a:r>
-              <a:rPr lang="en-US" dirty="0" err="1"/>
-              <a:t>tuyển</a:t>
-            </a:r>
-            <a:endParaRPr lang="en-US" dirty="0"/>
-          </a:p>
-        </p:txBody>
-      </p:sp>
-      <p:sp>
-        <p:nvSpPr>
           <p:cNvPr id="4" name="Slide Number Placeholder 3"/>
           <p:cNvSpPr>
             <a:spLocks noGrp="1"/>
@@ -13637,9 +10013,490 @@
             <a:fld id="{2210AAD2-7BE5-41A1-B723-8B6F5F112607}" type="slidenum">
               <a:rPr lang="de-DE" smtClean="0"/>
               <a:pPr/>
-              <a:t>8</a:t>
+              <a:t>6</a:t>
             </a:fld>
             <a:endParaRPr lang="de-DE"/>
+          </a:p>
+        </p:txBody>
+      </p:sp>
+      <p:pic>
+        <p:nvPicPr>
+          <p:cNvPr id="8" name="Picture 7">
+            <a:extLst>
+              <a:ext uri="{FF2B5EF4-FFF2-40B4-BE49-F238E27FC236}">
+                <a16:creationId xmlns:a16="http://schemas.microsoft.com/office/drawing/2014/main" id="{398BA15D-4B00-7DBD-C4CB-341183894962}"/>
+              </a:ext>
+            </a:extLst>
+          </p:cNvPr>
+          <p:cNvPicPr>
+            <a:picLocks noChangeAspect="1"/>
+          </p:cNvPicPr>
+          <p:nvPr/>
+        </p:nvPicPr>
+        <p:blipFill>
+          <a:blip r:embed="rId3" cstate="print">
+            <a:extLst>
+              <a:ext uri="{28A0092B-C50C-407E-A947-70E740481C1C}">
+                <a14:useLocalDpi xmlns:a14="http://schemas.microsoft.com/office/drawing/2010/main" val="0"/>
+              </a:ext>
+            </a:extLst>
+          </a:blip>
+          <a:srcRect/>
+          <a:stretch/>
+        </p:blipFill>
+        <p:spPr>
+          <a:xfrm>
+            <a:off x="954680" y="1803857"/>
+            <a:ext cx="689294" cy="886332"/>
+          </a:xfrm>
+          <a:prstGeom prst="rect">
+            <a:avLst/>
+          </a:prstGeom>
+        </p:spPr>
+      </p:pic>
+      <p:sp>
+        <p:nvSpPr>
+          <p:cNvPr id="11" name="TextBox 10">
+            <a:extLst>
+              <a:ext uri="{FF2B5EF4-FFF2-40B4-BE49-F238E27FC236}">
+                <a16:creationId xmlns:a16="http://schemas.microsoft.com/office/drawing/2014/main" id="{A764970C-1599-D5D2-6BFA-55851E0843C8}"/>
+              </a:ext>
+            </a:extLst>
+          </p:cNvPr>
+          <p:cNvSpPr txBox="1"/>
+          <p:nvPr/>
+        </p:nvSpPr>
+        <p:spPr>
+          <a:xfrm>
+            <a:off x="380747" y="2775897"/>
+            <a:ext cx="2197083" cy="369332"/>
+          </a:xfrm>
+          <a:prstGeom prst="rect">
+            <a:avLst/>
+          </a:prstGeom>
+          <a:noFill/>
+        </p:spPr>
+        <p:txBody>
+          <a:bodyPr wrap="square" rtlCol="0">
+            <a:spAutoFit/>
+          </a:bodyPr>
+          <a:lstStyle/>
+          <a:p>
+            <a:r>
+              <a:rPr lang="en-US" dirty="0" err="1"/>
+              <a:t>Tạo</a:t>
+            </a:r>
+            <a:r>
+              <a:rPr lang="en-US" dirty="0"/>
+              <a:t> </a:t>
+            </a:r>
+            <a:r>
+              <a:rPr lang="en-US" dirty="0" err="1"/>
+              <a:t>hồ</a:t>
+            </a:r>
+            <a:r>
+              <a:rPr lang="en-US" dirty="0"/>
+              <a:t> </a:t>
+            </a:r>
+            <a:r>
+              <a:rPr lang="en-US" dirty="0" err="1"/>
+              <a:t>sơ</a:t>
+            </a:r>
+            <a:r>
+              <a:rPr lang="en-US" dirty="0"/>
+              <a:t> </a:t>
+            </a:r>
+            <a:r>
+              <a:rPr lang="en-US" dirty="0" err="1"/>
+              <a:t>ứng</a:t>
+            </a:r>
+            <a:r>
+              <a:rPr lang="en-US" dirty="0"/>
+              <a:t> </a:t>
+            </a:r>
+            <a:r>
+              <a:rPr lang="en-US" dirty="0" err="1"/>
+              <a:t>tuyển</a:t>
+            </a:r>
+            <a:endParaRPr lang="vi-VN" dirty="0"/>
+          </a:p>
+        </p:txBody>
+      </p:sp>
+      <p:pic>
+        <p:nvPicPr>
+          <p:cNvPr id="15" name="Picture 14">
+            <a:extLst>
+              <a:ext uri="{FF2B5EF4-FFF2-40B4-BE49-F238E27FC236}">
+                <a16:creationId xmlns:a16="http://schemas.microsoft.com/office/drawing/2014/main" id="{CE77F2DB-9A62-2D8E-DD75-881BAE2EF141}"/>
+              </a:ext>
+            </a:extLst>
+          </p:cNvPr>
+          <p:cNvPicPr>
+            <a:picLocks noChangeAspect="1"/>
+          </p:cNvPicPr>
+          <p:nvPr/>
+        </p:nvPicPr>
+        <p:blipFill>
+          <a:blip r:embed="rId4" cstate="print">
+            <a:extLst>
+              <a:ext uri="{28A0092B-C50C-407E-A947-70E740481C1C}">
+                <a14:useLocalDpi xmlns:a14="http://schemas.microsoft.com/office/drawing/2010/main" val="0"/>
+              </a:ext>
+            </a:extLst>
+          </a:blip>
+          <a:srcRect/>
+          <a:stretch/>
+        </p:blipFill>
+        <p:spPr>
+          <a:xfrm>
+            <a:off x="6781123" y="1803857"/>
+            <a:ext cx="1181777" cy="886332"/>
+          </a:xfrm>
+          <a:prstGeom prst="rect">
+            <a:avLst/>
+          </a:prstGeom>
+        </p:spPr>
+      </p:pic>
+      <p:sp>
+        <p:nvSpPr>
+          <p:cNvPr id="16" name="TextBox 15">
+            <a:extLst>
+              <a:ext uri="{FF2B5EF4-FFF2-40B4-BE49-F238E27FC236}">
+                <a16:creationId xmlns:a16="http://schemas.microsoft.com/office/drawing/2014/main" id="{A611E057-478E-4FCF-7818-1477BA0D16CD}"/>
+              </a:ext>
+            </a:extLst>
+          </p:cNvPr>
+          <p:cNvSpPr txBox="1"/>
+          <p:nvPr/>
+        </p:nvSpPr>
+        <p:spPr>
+          <a:xfrm>
+            <a:off x="6273471" y="2789627"/>
+            <a:ext cx="2197083" cy="369332"/>
+          </a:xfrm>
+          <a:prstGeom prst="rect">
+            <a:avLst/>
+          </a:prstGeom>
+          <a:noFill/>
+        </p:spPr>
+        <p:txBody>
+          <a:bodyPr wrap="square" rtlCol="0">
+            <a:spAutoFit/>
+          </a:bodyPr>
+          <a:lstStyle/>
+          <a:p>
+            <a:r>
+              <a:rPr lang="en-US" dirty="0" err="1"/>
+              <a:t>Tạo</a:t>
+            </a:r>
+            <a:r>
+              <a:rPr lang="en-US" dirty="0"/>
+              <a:t> </a:t>
+            </a:r>
+            <a:r>
+              <a:rPr lang="en-US" dirty="0" err="1"/>
+              <a:t>hồ</a:t>
+            </a:r>
+            <a:r>
+              <a:rPr lang="en-US" dirty="0"/>
+              <a:t> </a:t>
+            </a:r>
+            <a:r>
+              <a:rPr lang="en-US" dirty="0" err="1"/>
+              <a:t>sơ</a:t>
+            </a:r>
+            <a:r>
+              <a:rPr lang="en-US" dirty="0"/>
+              <a:t> </a:t>
+            </a:r>
+            <a:r>
+              <a:rPr lang="en-US" dirty="0" err="1"/>
+              <a:t>tuyển</a:t>
+            </a:r>
+            <a:r>
+              <a:rPr lang="en-US" dirty="0"/>
+              <a:t> </a:t>
+            </a:r>
+            <a:r>
+              <a:rPr lang="en-US" dirty="0" err="1"/>
+              <a:t>dụng</a:t>
+            </a:r>
+            <a:endParaRPr lang="vi-VN" dirty="0"/>
+          </a:p>
+        </p:txBody>
+      </p:sp>
+      <p:pic>
+        <p:nvPicPr>
+          <p:cNvPr id="17" name="Picture 16">
+            <a:extLst>
+              <a:ext uri="{FF2B5EF4-FFF2-40B4-BE49-F238E27FC236}">
+                <a16:creationId xmlns:a16="http://schemas.microsoft.com/office/drawing/2014/main" id="{29E2A406-1EA7-64B7-DA88-0FB72E49DCE4}"/>
+              </a:ext>
+            </a:extLst>
+          </p:cNvPr>
+          <p:cNvPicPr>
+            <a:picLocks noChangeAspect="1"/>
+          </p:cNvPicPr>
+          <p:nvPr/>
+        </p:nvPicPr>
+        <p:blipFill>
+          <a:blip r:embed="rId5">
+            <a:extLst>
+              <a:ext uri="{28A0092B-C50C-407E-A947-70E740481C1C}">
+                <a14:useLocalDpi xmlns:a14="http://schemas.microsoft.com/office/drawing/2010/main" val="0"/>
+              </a:ext>
+            </a:extLst>
+          </a:blip>
+          <a:srcRect/>
+          <a:stretch/>
+        </p:blipFill>
+        <p:spPr>
+          <a:xfrm>
+            <a:off x="3982483" y="3145229"/>
+            <a:ext cx="886332" cy="886332"/>
+          </a:xfrm>
+          <a:prstGeom prst="rect">
+            <a:avLst/>
+          </a:prstGeom>
+        </p:spPr>
+      </p:pic>
+      <p:sp>
+        <p:nvSpPr>
+          <p:cNvPr id="18" name="TextBox 17">
+            <a:extLst>
+              <a:ext uri="{FF2B5EF4-FFF2-40B4-BE49-F238E27FC236}">
+                <a16:creationId xmlns:a16="http://schemas.microsoft.com/office/drawing/2014/main" id="{7BAC34D6-B765-4A31-0987-ACAC89C3B48A}"/>
+              </a:ext>
+            </a:extLst>
+          </p:cNvPr>
+          <p:cNvSpPr txBox="1"/>
+          <p:nvPr/>
+        </p:nvSpPr>
+        <p:spPr>
+          <a:xfrm>
+            <a:off x="3327109" y="4130999"/>
+            <a:ext cx="2197083" cy="369332"/>
+          </a:xfrm>
+          <a:prstGeom prst="rect">
+            <a:avLst/>
+          </a:prstGeom>
+          <a:noFill/>
+        </p:spPr>
+        <p:txBody>
+          <a:bodyPr wrap="square" rtlCol="0">
+            <a:spAutoFit/>
+          </a:bodyPr>
+          <a:lstStyle/>
+          <a:p>
+            <a:r>
+              <a:rPr lang="en-US" dirty="0" err="1"/>
+              <a:t>Gợi</a:t>
+            </a:r>
+            <a:r>
+              <a:rPr lang="en-US" dirty="0"/>
+              <a:t> ý </a:t>
+            </a:r>
+            <a:r>
+              <a:rPr lang="en-US" dirty="0" err="1"/>
+              <a:t>hồ</a:t>
+            </a:r>
+            <a:r>
+              <a:rPr lang="en-US" dirty="0"/>
+              <a:t> </a:t>
+            </a:r>
+            <a:r>
+              <a:rPr lang="en-US" dirty="0" err="1"/>
+              <a:t>sơ</a:t>
+            </a:r>
+            <a:r>
+              <a:rPr lang="en-US" dirty="0"/>
+              <a:t> </a:t>
+            </a:r>
+            <a:r>
+              <a:rPr lang="en-US" dirty="0" err="1"/>
+              <a:t>phù</a:t>
+            </a:r>
+            <a:r>
+              <a:rPr lang="en-US" dirty="0"/>
+              <a:t> </a:t>
+            </a:r>
+            <a:r>
+              <a:rPr lang="en-US" dirty="0" err="1"/>
+              <a:t>hợp</a:t>
+            </a:r>
+            <a:endParaRPr lang="vi-VN" dirty="0"/>
+          </a:p>
+        </p:txBody>
+      </p:sp>
+      <p:pic>
+        <p:nvPicPr>
+          <p:cNvPr id="19" name="Picture 18">
+            <a:extLst>
+              <a:ext uri="{FF2B5EF4-FFF2-40B4-BE49-F238E27FC236}">
+                <a16:creationId xmlns:a16="http://schemas.microsoft.com/office/drawing/2014/main" id="{0AD0AA2B-DD5A-59FF-8002-A67A04739B94}"/>
+              </a:ext>
+            </a:extLst>
+          </p:cNvPr>
+          <p:cNvPicPr>
+            <a:picLocks noChangeAspect="1"/>
+          </p:cNvPicPr>
+          <p:nvPr/>
+        </p:nvPicPr>
+        <p:blipFill>
+          <a:blip r:embed="rId6" cstate="print">
+            <a:extLst>
+              <a:ext uri="{28A0092B-C50C-407E-A947-70E740481C1C}">
+                <a14:useLocalDpi xmlns:a14="http://schemas.microsoft.com/office/drawing/2010/main" val="0"/>
+              </a:ext>
+            </a:extLst>
+          </a:blip>
+          <a:srcRect/>
+          <a:stretch/>
+        </p:blipFill>
+        <p:spPr>
+          <a:xfrm>
+            <a:off x="3904661" y="5116769"/>
+            <a:ext cx="886332" cy="886332"/>
+          </a:xfrm>
+          <a:prstGeom prst="rect">
+            <a:avLst/>
+          </a:prstGeom>
+        </p:spPr>
+      </p:pic>
+      <p:sp>
+        <p:nvSpPr>
+          <p:cNvPr id="20" name="TextBox 19">
+            <a:extLst>
+              <a:ext uri="{FF2B5EF4-FFF2-40B4-BE49-F238E27FC236}">
+                <a16:creationId xmlns:a16="http://schemas.microsoft.com/office/drawing/2014/main" id="{93B5561D-A163-C3B9-1ACA-8362ACEE029A}"/>
+              </a:ext>
+            </a:extLst>
+          </p:cNvPr>
+          <p:cNvSpPr txBox="1"/>
+          <p:nvPr/>
+        </p:nvSpPr>
+        <p:spPr>
+          <a:xfrm>
+            <a:off x="3249287" y="6102539"/>
+            <a:ext cx="2197083" cy="369332"/>
+          </a:xfrm>
+          <a:prstGeom prst="rect">
+            <a:avLst/>
+          </a:prstGeom>
+          <a:noFill/>
+        </p:spPr>
+        <p:txBody>
+          <a:bodyPr wrap="square" rtlCol="0">
+            <a:spAutoFit/>
+          </a:bodyPr>
+          <a:lstStyle/>
+          <a:p>
+            <a:pPr algn="ctr"/>
+            <a:r>
+              <a:rPr lang="en-US" dirty="0" err="1"/>
+              <a:t>Ứng</a:t>
+            </a:r>
+            <a:r>
+              <a:rPr lang="en-US" dirty="0"/>
+              <a:t> </a:t>
+            </a:r>
+            <a:r>
+              <a:rPr lang="en-US" dirty="0" err="1"/>
+              <a:t>tuyển</a:t>
+            </a:r>
+            <a:endParaRPr lang="vi-VN" dirty="0"/>
+          </a:p>
+        </p:txBody>
+      </p:sp>
+      <p:sp>
+        <p:nvSpPr>
+          <p:cNvPr id="21" name="Arrow: Right 20">
+            <a:extLst>
+              <a:ext uri="{FF2B5EF4-FFF2-40B4-BE49-F238E27FC236}">
+                <a16:creationId xmlns:a16="http://schemas.microsoft.com/office/drawing/2014/main" id="{92C0072D-F5B6-0BD6-869C-2A3071B9DDB5}"/>
+              </a:ext>
+            </a:extLst>
+          </p:cNvPr>
+          <p:cNvSpPr/>
+          <p:nvPr/>
+        </p:nvSpPr>
+        <p:spPr>
+          <a:xfrm rot="2187105">
+            <a:off x="2606905" y="3414989"/>
+            <a:ext cx="671209" cy="204281"/>
+          </a:xfrm>
+          <a:prstGeom prst="rightArrow">
+            <a:avLst/>
+          </a:prstGeom>
+        </p:spPr>
+        <p:style>
+          <a:lnRef idx="2">
+            <a:schemeClr val="accent3">
+              <a:shade val="50000"/>
+            </a:schemeClr>
+          </a:lnRef>
+          <a:fillRef idx="1">
+            <a:schemeClr val="accent3"/>
+          </a:fillRef>
+          <a:effectRef idx="0">
+            <a:schemeClr val="accent3"/>
+          </a:effectRef>
+          <a:fontRef idx="minor">
+            <a:schemeClr val="lt1"/>
+          </a:fontRef>
+        </p:style>
+        <p:txBody>
+          <a:bodyPr rtlCol="0" anchor="ctr"/>
+          <a:lstStyle/>
+          <a:p>
+            <a:pPr algn="ctr"/>
+            <a:endParaRPr lang="vi-VN"/>
+          </a:p>
+        </p:txBody>
+      </p:sp>
+      <p:sp>
+        <p:nvSpPr>
+          <p:cNvPr id="22" name="Arrow: Right 21">
+            <a:extLst>
+              <a:ext uri="{FF2B5EF4-FFF2-40B4-BE49-F238E27FC236}">
+                <a16:creationId xmlns:a16="http://schemas.microsoft.com/office/drawing/2014/main" id="{13B9CF3F-C871-80F9-0237-F75CFBF1F38E}"/>
+              </a:ext>
+            </a:extLst>
+          </p:cNvPr>
+          <p:cNvSpPr/>
+          <p:nvPr/>
+        </p:nvSpPr>
+        <p:spPr>
+          <a:xfrm rot="8435057">
+            <a:off x="5512715" y="3430877"/>
+            <a:ext cx="671209" cy="204281"/>
+          </a:xfrm>
+          <a:prstGeom prst="rightArrow">
+            <a:avLst/>
+          </a:prstGeom>
+        </p:spPr>
+        <p:style>
+          <a:lnRef idx="2">
+            <a:schemeClr val="accent3">
+              <a:shade val="50000"/>
+            </a:schemeClr>
+          </a:lnRef>
+          <a:fillRef idx="1">
+            <a:schemeClr val="accent3"/>
+          </a:fillRef>
+          <a:effectRef idx="0">
+            <a:schemeClr val="accent3"/>
+          </a:effectRef>
+          <a:fontRef idx="minor">
+            <a:schemeClr val="lt1"/>
+          </a:fontRef>
+        </p:style>
+        <p:txBody>
+          <a:bodyPr rtlCol="0" anchor="ctr"/>
+          <a:lstStyle/>
+          <a:p>
+            <a:pPr algn="ctr"/>
+            <a:endParaRPr lang="vi-VN"/>
           </a:p>
         </p:txBody>
       </p:sp>
@@ -13674,7 +10531,802 @@
                             </p:stCondLst>
                             <p:childTnLst>
                               <p:par>
-                                <p:cTn id="5" presetID="22" presetClass="entr" presetSubtype="8" fill="hold" grpId="0" nodeType="clickEffect">
+                                <p:cTn id="5" presetID="1" presetClass="entr" presetSubtype="0" fill="hold" nodeType="clickEffect">
+                                  <p:stCondLst>
+                                    <p:cond delay="0"/>
+                                  </p:stCondLst>
+                                  <p:childTnLst>
+                                    <p:set>
+                                      <p:cBhvr>
+                                        <p:cTn id="6" dur="1" fill="hold">
+                                          <p:stCondLst>
+                                            <p:cond delay="0"/>
+                                          </p:stCondLst>
+                                        </p:cTn>
+                                        <p:tgtEl>
+                                          <p:spTgt spid="8"/>
+                                        </p:tgtEl>
+                                        <p:attrNameLst>
+                                          <p:attrName>style.visibility</p:attrName>
+                                        </p:attrNameLst>
+                                      </p:cBhvr>
+                                      <p:to>
+                                        <p:strVal val="visible"/>
+                                      </p:to>
+                                    </p:set>
+                                  </p:childTnLst>
+                                </p:cTn>
+                              </p:par>
+                              <p:par>
+                                <p:cTn id="7" presetID="1" presetClass="entr" presetSubtype="0" fill="hold" grpId="0" nodeType="withEffect">
+                                  <p:stCondLst>
+                                    <p:cond delay="0"/>
+                                  </p:stCondLst>
+                                  <p:childTnLst>
+                                    <p:set>
+                                      <p:cBhvr>
+                                        <p:cTn id="8" dur="1" fill="hold">
+                                          <p:stCondLst>
+                                            <p:cond delay="0"/>
+                                          </p:stCondLst>
+                                        </p:cTn>
+                                        <p:tgtEl>
+                                          <p:spTgt spid="11"/>
+                                        </p:tgtEl>
+                                        <p:attrNameLst>
+                                          <p:attrName>style.visibility</p:attrName>
+                                        </p:attrNameLst>
+                                      </p:cBhvr>
+                                      <p:to>
+                                        <p:strVal val="visible"/>
+                                      </p:to>
+                                    </p:set>
+                                  </p:childTnLst>
+                                </p:cTn>
+                              </p:par>
+                            </p:childTnLst>
+                          </p:cTn>
+                        </p:par>
+                      </p:childTnLst>
+                    </p:cTn>
+                  </p:par>
+                  <p:par>
+                    <p:cTn id="9" fill="hold">
+                      <p:stCondLst>
+                        <p:cond delay="indefinite"/>
+                      </p:stCondLst>
+                      <p:childTnLst>
+                        <p:par>
+                          <p:cTn id="10" fill="hold">
+                            <p:stCondLst>
+                              <p:cond delay="0"/>
+                            </p:stCondLst>
+                            <p:childTnLst>
+                              <p:par>
+                                <p:cTn id="11" presetID="1" presetClass="entr" presetSubtype="0" fill="hold" nodeType="clickEffect">
+                                  <p:stCondLst>
+                                    <p:cond delay="0"/>
+                                  </p:stCondLst>
+                                  <p:childTnLst>
+                                    <p:set>
+                                      <p:cBhvr>
+                                        <p:cTn id="12" dur="1" fill="hold">
+                                          <p:stCondLst>
+                                            <p:cond delay="0"/>
+                                          </p:stCondLst>
+                                        </p:cTn>
+                                        <p:tgtEl>
+                                          <p:spTgt spid="15"/>
+                                        </p:tgtEl>
+                                        <p:attrNameLst>
+                                          <p:attrName>style.visibility</p:attrName>
+                                        </p:attrNameLst>
+                                      </p:cBhvr>
+                                      <p:to>
+                                        <p:strVal val="visible"/>
+                                      </p:to>
+                                    </p:set>
+                                  </p:childTnLst>
+                                </p:cTn>
+                              </p:par>
+                              <p:par>
+                                <p:cTn id="13" presetID="1" presetClass="entr" presetSubtype="0" fill="hold" grpId="0" nodeType="withEffect">
+                                  <p:stCondLst>
+                                    <p:cond delay="0"/>
+                                  </p:stCondLst>
+                                  <p:childTnLst>
+                                    <p:set>
+                                      <p:cBhvr>
+                                        <p:cTn id="14" dur="1" fill="hold">
+                                          <p:stCondLst>
+                                            <p:cond delay="0"/>
+                                          </p:stCondLst>
+                                        </p:cTn>
+                                        <p:tgtEl>
+                                          <p:spTgt spid="16"/>
+                                        </p:tgtEl>
+                                        <p:attrNameLst>
+                                          <p:attrName>style.visibility</p:attrName>
+                                        </p:attrNameLst>
+                                      </p:cBhvr>
+                                      <p:to>
+                                        <p:strVal val="visible"/>
+                                      </p:to>
+                                    </p:set>
+                                  </p:childTnLst>
+                                </p:cTn>
+                              </p:par>
+                            </p:childTnLst>
+                          </p:cTn>
+                        </p:par>
+                      </p:childTnLst>
+                    </p:cTn>
+                  </p:par>
+                  <p:par>
+                    <p:cTn id="15" fill="hold">
+                      <p:stCondLst>
+                        <p:cond delay="indefinite"/>
+                      </p:stCondLst>
+                      <p:childTnLst>
+                        <p:par>
+                          <p:cTn id="16" fill="hold">
+                            <p:stCondLst>
+                              <p:cond delay="0"/>
+                            </p:stCondLst>
+                            <p:childTnLst>
+                              <p:par>
+                                <p:cTn id="17" presetID="1" presetClass="entr" presetSubtype="0" fill="hold" nodeType="clickEffect">
+                                  <p:stCondLst>
+                                    <p:cond delay="0"/>
+                                  </p:stCondLst>
+                                  <p:childTnLst>
+                                    <p:set>
+                                      <p:cBhvr>
+                                        <p:cTn id="18" dur="1" fill="hold">
+                                          <p:stCondLst>
+                                            <p:cond delay="0"/>
+                                          </p:stCondLst>
+                                        </p:cTn>
+                                        <p:tgtEl>
+                                          <p:spTgt spid="17"/>
+                                        </p:tgtEl>
+                                        <p:attrNameLst>
+                                          <p:attrName>style.visibility</p:attrName>
+                                        </p:attrNameLst>
+                                      </p:cBhvr>
+                                      <p:to>
+                                        <p:strVal val="visible"/>
+                                      </p:to>
+                                    </p:set>
+                                  </p:childTnLst>
+                                </p:cTn>
+                              </p:par>
+                              <p:par>
+                                <p:cTn id="19" presetID="1" presetClass="entr" presetSubtype="0" fill="hold" grpId="0" nodeType="withEffect">
+                                  <p:stCondLst>
+                                    <p:cond delay="0"/>
+                                  </p:stCondLst>
+                                  <p:childTnLst>
+                                    <p:set>
+                                      <p:cBhvr>
+                                        <p:cTn id="20" dur="1" fill="hold">
+                                          <p:stCondLst>
+                                            <p:cond delay="0"/>
+                                          </p:stCondLst>
+                                        </p:cTn>
+                                        <p:tgtEl>
+                                          <p:spTgt spid="18"/>
+                                        </p:tgtEl>
+                                        <p:attrNameLst>
+                                          <p:attrName>style.visibility</p:attrName>
+                                        </p:attrNameLst>
+                                      </p:cBhvr>
+                                      <p:to>
+                                        <p:strVal val="visible"/>
+                                      </p:to>
+                                    </p:set>
+                                  </p:childTnLst>
+                                </p:cTn>
+                              </p:par>
+                              <p:par>
+                                <p:cTn id="21" presetID="1" presetClass="entr" presetSubtype="0" fill="hold" grpId="0" nodeType="withEffect">
+                                  <p:stCondLst>
+                                    <p:cond delay="0"/>
+                                  </p:stCondLst>
+                                  <p:childTnLst>
+                                    <p:set>
+                                      <p:cBhvr>
+                                        <p:cTn id="22" dur="1" fill="hold">
+                                          <p:stCondLst>
+                                            <p:cond delay="0"/>
+                                          </p:stCondLst>
+                                        </p:cTn>
+                                        <p:tgtEl>
+                                          <p:spTgt spid="21"/>
+                                        </p:tgtEl>
+                                        <p:attrNameLst>
+                                          <p:attrName>style.visibility</p:attrName>
+                                        </p:attrNameLst>
+                                      </p:cBhvr>
+                                      <p:to>
+                                        <p:strVal val="visible"/>
+                                      </p:to>
+                                    </p:set>
+                                  </p:childTnLst>
+                                </p:cTn>
+                              </p:par>
+                              <p:par>
+                                <p:cTn id="23" presetID="1" presetClass="entr" presetSubtype="0" fill="hold" grpId="0" nodeType="withEffect">
+                                  <p:stCondLst>
+                                    <p:cond delay="0"/>
+                                  </p:stCondLst>
+                                  <p:childTnLst>
+                                    <p:set>
+                                      <p:cBhvr>
+                                        <p:cTn id="24" dur="1" fill="hold">
+                                          <p:stCondLst>
+                                            <p:cond delay="0"/>
+                                          </p:stCondLst>
+                                        </p:cTn>
+                                        <p:tgtEl>
+                                          <p:spTgt spid="22"/>
+                                        </p:tgtEl>
+                                        <p:attrNameLst>
+                                          <p:attrName>style.visibility</p:attrName>
+                                        </p:attrNameLst>
+                                      </p:cBhvr>
+                                      <p:to>
+                                        <p:strVal val="visible"/>
+                                      </p:to>
+                                    </p:set>
+                                  </p:childTnLst>
+                                </p:cTn>
+                              </p:par>
+                            </p:childTnLst>
+                          </p:cTn>
+                        </p:par>
+                      </p:childTnLst>
+                    </p:cTn>
+                  </p:par>
+                  <p:par>
+                    <p:cTn id="25" fill="hold">
+                      <p:stCondLst>
+                        <p:cond delay="indefinite"/>
+                      </p:stCondLst>
+                      <p:childTnLst>
+                        <p:par>
+                          <p:cTn id="26" fill="hold">
+                            <p:stCondLst>
+                              <p:cond delay="0"/>
+                            </p:stCondLst>
+                            <p:childTnLst>
+                              <p:par>
+                                <p:cTn id="27" presetID="1" presetClass="entr" presetSubtype="0" fill="hold" nodeType="clickEffect">
+                                  <p:stCondLst>
+                                    <p:cond delay="0"/>
+                                  </p:stCondLst>
+                                  <p:childTnLst>
+                                    <p:set>
+                                      <p:cBhvr>
+                                        <p:cTn id="28" dur="1" fill="hold">
+                                          <p:stCondLst>
+                                            <p:cond delay="0"/>
+                                          </p:stCondLst>
+                                        </p:cTn>
+                                        <p:tgtEl>
+                                          <p:spTgt spid="19"/>
+                                        </p:tgtEl>
+                                        <p:attrNameLst>
+                                          <p:attrName>style.visibility</p:attrName>
+                                        </p:attrNameLst>
+                                      </p:cBhvr>
+                                      <p:to>
+                                        <p:strVal val="visible"/>
+                                      </p:to>
+                                    </p:set>
+                                  </p:childTnLst>
+                                </p:cTn>
+                              </p:par>
+                              <p:par>
+                                <p:cTn id="29" presetID="1" presetClass="entr" presetSubtype="0" fill="hold" grpId="0" nodeType="withEffect">
+                                  <p:stCondLst>
+                                    <p:cond delay="0"/>
+                                  </p:stCondLst>
+                                  <p:childTnLst>
+                                    <p:set>
+                                      <p:cBhvr>
+                                        <p:cTn id="30" dur="1" fill="hold">
+                                          <p:stCondLst>
+                                            <p:cond delay="0"/>
+                                          </p:stCondLst>
+                                        </p:cTn>
+                                        <p:tgtEl>
+                                          <p:spTgt spid="20"/>
+                                        </p:tgtEl>
+                                        <p:attrNameLst>
+                                          <p:attrName>style.visibility</p:attrName>
+                                        </p:attrNameLst>
+                                      </p:cBhvr>
+                                      <p:to>
+                                        <p:strVal val="visible"/>
+                                      </p:to>
+                                    </p:set>
+                                  </p:childTnLst>
+                                </p:cTn>
+                              </p:par>
+                            </p:childTnLst>
+                          </p:cTn>
+                        </p:par>
+                      </p:childTnLst>
+                    </p:cTn>
+                  </p:par>
+                </p:childTnLst>
+              </p:cTn>
+              <p:prevCondLst>
+                <p:cond evt="onPrev" delay="0">
+                  <p:tgtEl>
+                    <p:sldTgt/>
+                  </p:tgtEl>
+                </p:cond>
+              </p:prevCondLst>
+              <p:nextCondLst>
+                <p:cond evt="onNext" delay="0">
+                  <p:tgtEl>
+                    <p:sldTgt/>
+                  </p:tgtEl>
+                </p:cond>
+              </p:nextCondLst>
+            </p:seq>
+          </p:childTnLst>
+        </p:cTn>
+      </p:par>
+    </p:tnLst>
+    <p:bldLst>
+      <p:bldP spid="11" grpId="0"/>
+      <p:bldP spid="16" grpId="0"/>
+      <p:bldP spid="18" grpId="0"/>
+      <p:bldP spid="20" grpId="0"/>
+      <p:bldP spid="21" grpId="0" animBg="1"/>
+      <p:bldP spid="22" grpId="0" animBg="1"/>
+    </p:bldLst>
+  </p:timing>
+</p:sld>
+</file>
+
+<file path=ppt/slides/slide7.xml><?xml version="1.0" encoding="utf-8"?>
+<p:sld xmlns:a="http://schemas.openxmlformats.org/drawingml/2006/main" xmlns:r="http://schemas.openxmlformats.org/officeDocument/2006/relationships" xmlns:p="http://schemas.openxmlformats.org/presentationml/2006/main">
+  <p:cSld>
+    <p:spTree>
+      <p:nvGrpSpPr>
+        <p:cNvPr id="1" name=""/>
+        <p:cNvGrpSpPr/>
+        <p:nvPr/>
+      </p:nvGrpSpPr>
+      <p:grpSpPr>
+        <a:xfrm>
+          <a:off x="0" y="0"/>
+          <a:ext cx="0" cy="0"/>
+          <a:chOff x="0" y="0"/>
+          <a:chExt cx="0" cy="0"/>
+        </a:xfrm>
+      </p:grpSpPr>
+      <p:sp>
+        <p:nvSpPr>
+          <p:cNvPr id="2" name="Title 1"/>
+          <p:cNvSpPr>
+            <a:spLocks noGrp="1"/>
+          </p:cNvSpPr>
+          <p:nvPr>
+            <p:ph type="title"/>
+          </p:nvPr>
+        </p:nvSpPr>
+        <p:spPr/>
+        <p:txBody>
+          <a:bodyPr/>
+          <a:lstStyle/>
+          <a:p>
+            <a:r>
+              <a:rPr lang="en-US"/>
+              <a:t>Tổng kết</a:t>
+            </a:r>
+            <a:endParaRPr lang="de-DE"/>
+          </a:p>
+        </p:txBody>
+      </p:sp>
+      <p:sp>
+        <p:nvSpPr>
+          <p:cNvPr id="3" name="Content Placeholder 2"/>
+          <p:cNvSpPr>
+            <a:spLocks noGrp="1"/>
+          </p:cNvSpPr>
+          <p:nvPr>
+            <p:ph idx="1"/>
+          </p:nvPr>
+        </p:nvSpPr>
+        <p:spPr>
+          <a:xfrm>
+            <a:off x="266700" y="1690689"/>
+            <a:ext cx="8610600" cy="4643585"/>
+          </a:xfrm>
+        </p:spPr>
+        <p:txBody>
+          <a:bodyPr>
+            <a:normAutofit fontScale="92500" lnSpcReduction="10000"/>
+          </a:bodyPr>
+          <a:lstStyle/>
+          <a:p>
+            <a:pPr marL="0" indent="0">
+              <a:buNone/>
+            </a:pPr>
+            <a:r>
+              <a:rPr lang="en-US" sz="4500" dirty="0" err="1"/>
+              <a:t>Lợi</a:t>
+            </a:r>
+            <a:r>
+              <a:rPr lang="en-US" sz="4500" dirty="0"/>
+              <a:t> </a:t>
+            </a:r>
+            <a:r>
+              <a:rPr lang="en-US" sz="4500" dirty="0" err="1"/>
+              <a:t>ích</a:t>
+            </a:r>
+            <a:r>
+              <a:rPr lang="en-US" sz="4500" dirty="0"/>
+              <a:t>:</a:t>
+            </a:r>
+          </a:p>
+          <a:p>
+            <a:pPr lvl="1">
+              <a:lnSpc>
+                <a:spcPct val="120000"/>
+              </a:lnSpc>
+              <a:buBlip>
+                <a:blip r:embed="rId3"/>
+              </a:buBlip>
+            </a:pPr>
+            <a:r>
+              <a:rPr lang="vi-VN" sz="3800" dirty="0" err="1"/>
+              <a:t>Giúp</a:t>
+            </a:r>
+            <a:r>
+              <a:rPr lang="vi-VN" sz="3800" dirty="0"/>
+              <a:t> </a:t>
+            </a:r>
+            <a:r>
+              <a:rPr lang="vi-VN" sz="3800" dirty="0" err="1"/>
+              <a:t>mọi</a:t>
+            </a:r>
+            <a:r>
+              <a:rPr lang="vi-VN" sz="3800" dirty="0"/>
+              <a:t> </a:t>
+            </a:r>
+            <a:r>
+              <a:rPr lang="vi-VN" sz="3800" dirty="0" err="1"/>
+              <a:t>người</a:t>
+            </a:r>
+            <a:r>
+              <a:rPr lang="vi-VN" sz="3800" dirty="0"/>
+              <a:t> </a:t>
+            </a:r>
+            <a:r>
+              <a:rPr lang="vi-VN" sz="3800" dirty="0" err="1"/>
+              <a:t>tìm</a:t>
+            </a:r>
+            <a:r>
+              <a:rPr lang="vi-VN" sz="3800" dirty="0"/>
+              <a:t> </a:t>
+            </a:r>
+            <a:r>
+              <a:rPr lang="vi-VN" sz="3800" dirty="0" err="1"/>
+              <a:t>việc</a:t>
+            </a:r>
+            <a:r>
+              <a:rPr lang="vi-VN" sz="3800" dirty="0"/>
+              <a:t> nhanh </a:t>
+            </a:r>
+            <a:r>
+              <a:rPr lang="vi-VN" sz="3800" dirty="0" err="1"/>
+              <a:t>chóng</a:t>
+            </a:r>
+            <a:r>
+              <a:rPr lang="vi-VN" sz="3800" dirty="0"/>
+              <a:t> hơn</a:t>
+            </a:r>
+            <a:r>
+              <a:rPr lang="en-US" sz="3800" dirty="0"/>
+              <a:t>.</a:t>
+            </a:r>
+          </a:p>
+          <a:p>
+            <a:pPr lvl="1">
+              <a:lnSpc>
+                <a:spcPct val="120000"/>
+              </a:lnSpc>
+              <a:buBlip>
+                <a:blip r:embed="rId3"/>
+              </a:buBlip>
+            </a:pPr>
+            <a:r>
+              <a:rPr lang="en-US" sz="3800" dirty="0" err="1"/>
+              <a:t>Giới</a:t>
+            </a:r>
+            <a:r>
+              <a:rPr lang="en-US" sz="3800" dirty="0"/>
+              <a:t> </a:t>
+            </a:r>
+            <a:r>
+              <a:rPr lang="en-US" sz="3800" dirty="0" err="1"/>
+              <a:t>thiệu</a:t>
+            </a:r>
+            <a:r>
+              <a:rPr lang="en-US" sz="3800" dirty="0"/>
+              <a:t> </a:t>
+            </a:r>
+            <a:r>
+              <a:rPr lang="en-US" sz="3800" dirty="0" err="1"/>
+              <a:t>thông</a:t>
+            </a:r>
+            <a:r>
+              <a:rPr lang="en-US" sz="3800" dirty="0"/>
+              <a:t> tin </a:t>
+            </a:r>
+            <a:r>
+              <a:rPr lang="en-US" sz="3800" dirty="0" err="1"/>
+              <a:t>cá</a:t>
+            </a:r>
+            <a:r>
+              <a:rPr lang="en-US" sz="3800" dirty="0"/>
+              <a:t> </a:t>
+            </a:r>
+            <a:r>
+              <a:rPr lang="en-US" sz="3800" dirty="0" err="1"/>
+              <a:t>nhân</a:t>
+            </a:r>
+            <a:r>
+              <a:rPr lang="en-US" sz="3800" dirty="0"/>
+              <a:t> </a:t>
+            </a:r>
+            <a:r>
+              <a:rPr lang="en-US" sz="3800" dirty="0" err="1"/>
+              <a:t>đến</a:t>
+            </a:r>
+            <a:r>
+              <a:rPr lang="en-US" sz="3800" dirty="0"/>
+              <a:t> </a:t>
+            </a:r>
+            <a:r>
+              <a:rPr lang="en-US" sz="3800" dirty="0" err="1"/>
+              <a:t>các</a:t>
+            </a:r>
+            <a:r>
+              <a:rPr lang="en-US" sz="3800" dirty="0"/>
+              <a:t> </a:t>
+            </a:r>
+            <a:r>
+              <a:rPr lang="en-US" sz="3800" dirty="0" err="1"/>
+              <a:t>doanh</a:t>
+            </a:r>
+            <a:r>
+              <a:rPr lang="en-US" sz="3800" dirty="0"/>
+              <a:t> </a:t>
+            </a:r>
+            <a:r>
+              <a:rPr lang="en-US" sz="3800" dirty="0" err="1"/>
+              <a:t>nghiệp</a:t>
+            </a:r>
+            <a:r>
+              <a:rPr lang="en-US" sz="3800" dirty="0"/>
+              <a:t> </a:t>
+            </a:r>
+            <a:r>
+              <a:rPr lang="en-US" sz="3800" dirty="0" err="1"/>
+              <a:t>tiềm</a:t>
+            </a:r>
+            <a:r>
+              <a:rPr lang="en-US" sz="3800" dirty="0"/>
+              <a:t> </a:t>
+            </a:r>
+            <a:r>
+              <a:rPr lang="en-US" sz="3800" dirty="0" err="1"/>
+              <a:t>năng</a:t>
+            </a:r>
+            <a:r>
+              <a:rPr lang="en-US" sz="3800" dirty="0"/>
+              <a:t>.</a:t>
+            </a:r>
+          </a:p>
+          <a:p>
+            <a:pPr lvl="1">
+              <a:lnSpc>
+                <a:spcPct val="120000"/>
+              </a:lnSpc>
+              <a:buBlip>
+                <a:blip r:embed="rId3"/>
+              </a:buBlip>
+            </a:pPr>
+            <a:r>
+              <a:rPr lang="vi-VN" sz="3800" dirty="0" err="1"/>
+              <a:t>Tiếp</a:t>
+            </a:r>
+            <a:r>
+              <a:rPr lang="vi-VN" sz="3800" dirty="0"/>
+              <a:t> </a:t>
+            </a:r>
+            <a:r>
+              <a:rPr lang="vi-VN" sz="3800" dirty="0" err="1"/>
+              <a:t>cận</a:t>
+            </a:r>
+            <a:r>
+              <a:rPr lang="vi-VN" sz="3800" dirty="0"/>
+              <a:t> </a:t>
+            </a:r>
+            <a:r>
+              <a:rPr lang="vi-VN" sz="3800" dirty="0" err="1"/>
+              <a:t>được</a:t>
+            </a:r>
+            <a:r>
+              <a:rPr lang="vi-VN" sz="3800" dirty="0"/>
+              <a:t> </a:t>
+            </a:r>
+            <a:r>
+              <a:rPr lang="vi-VN" sz="3800" dirty="0" err="1"/>
+              <a:t>với</a:t>
+            </a:r>
+            <a:r>
+              <a:rPr lang="vi-VN" sz="3800" dirty="0"/>
+              <a:t> </a:t>
+            </a:r>
+            <a:r>
+              <a:rPr lang="vi-VN" sz="3800" dirty="0" err="1"/>
+              <a:t>nhiều</a:t>
+            </a:r>
+            <a:r>
+              <a:rPr lang="vi-VN" sz="3800" dirty="0"/>
+              <a:t> </a:t>
+            </a:r>
+            <a:r>
+              <a:rPr lang="vi-VN" sz="3800" dirty="0" err="1"/>
+              <a:t>ứng</a:t>
+            </a:r>
+            <a:r>
+              <a:rPr lang="vi-VN" sz="3800" dirty="0"/>
+              <a:t> viên hơn</a:t>
+            </a:r>
+            <a:endParaRPr lang="en-US" sz="3800" dirty="0"/>
+          </a:p>
+          <a:p>
+            <a:pPr lvl="1">
+              <a:lnSpc>
+                <a:spcPct val="120000"/>
+              </a:lnSpc>
+              <a:buBlip>
+                <a:blip r:embed="rId3"/>
+              </a:buBlip>
+            </a:pPr>
+            <a:r>
+              <a:rPr lang="en-US" sz="3800" dirty="0" err="1"/>
+              <a:t>Tìm</a:t>
+            </a:r>
+            <a:r>
+              <a:rPr lang="en-US" sz="3800" dirty="0"/>
+              <a:t> </a:t>
+            </a:r>
+            <a:r>
+              <a:rPr lang="en-US" sz="3800" dirty="0" err="1"/>
+              <a:t>kiếm</a:t>
+            </a:r>
+            <a:r>
+              <a:rPr lang="en-US" sz="3800" dirty="0"/>
+              <a:t> </a:t>
+            </a:r>
+            <a:r>
+              <a:rPr lang="en-US" sz="3800" dirty="0" err="1"/>
+              <a:t>các</a:t>
+            </a:r>
+            <a:r>
+              <a:rPr lang="en-US" sz="3800" dirty="0"/>
+              <a:t> </a:t>
+            </a:r>
+            <a:r>
+              <a:rPr lang="en-US" sz="3800" dirty="0" err="1"/>
+              <a:t>ứng</a:t>
+            </a:r>
+            <a:r>
+              <a:rPr lang="en-US" sz="3800" dirty="0"/>
+              <a:t> </a:t>
+            </a:r>
+            <a:r>
+              <a:rPr lang="en-US" sz="3800" dirty="0" err="1"/>
+              <a:t>viên</a:t>
+            </a:r>
+            <a:r>
+              <a:rPr lang="en-US" sz="3800" dirty="0"/>
+              <a:t> </a:t>
+            </a:r>
+            <a:r>
+              <a:rPr lang="en-US" sz="3800" dirty="0" err="1"/>
+              <a:t>phù</a:t>
+            </a:r>
+            <a:r>
+              <a:rPr lang="en-US" sz="3800" dirty="0"/>
+              <a:t> </a:t>
+            </a:r>
+            <a:r>
+              <a:rPr lang="en-US" sz="3800" dirty="0" err="1"/>
+              <a:t>hợp</a:t>
+            </a:r>
+            <a:r>
+              <a:rPr lang="en-US" sz="3800" dirty="0"/>
+              <a:t> </a:t>
+            </a:r>
+            <a:r>
+              <a:rPr lang="en-US" sz="3800" dirty="0" err="1"/>
+              <a:t>nhất</a:t>
+            </a:r>
+            <a:endParaRPr lang="en-US" dirty="0"/>
+          </a:p>
+          <a:p>
+            <a:pPr lvl="1"/>
+            <a:endParaRPr lang="de-DE" dirty="0"/>
+          </a:p>
+        </p:txBody>
+      </p:sp>
+      <p:sp>
+        <p:nvSpPr>
+          <p:cNvPr id="4" name="Slide Number Placeholder 3"/>
+          <p:cNvSpPr>
+            <a:spLocks noGrp="1"/>
+          </p:cNvSpPr>
+          <p:nvPr>
+            <p:ph type="sldNum" sz="quarter" idx="12"/>
+          </p:nvPr>
+        </p:nvSpPr>
+        <p:spPr/>
+        <p:txBody>
+          <a:bodyPr/>
+          <a:lstStyle/>
+          <a:p>
+            <a:fld id="{2210AAD2-7BE5-41A1-B723-8B6F5F112607}" type="slidenum">
+              <a:rPr lang="de-DE" smtClean="0"/>
+              <a:pPr/>
+              <a:t>7</a:t>
+            </a:fld>
+            <a:endParaRPr lang="de-DE"/>
+          </a:p>
+        </p:txBody>
+      </p:sp>
+    </p:spTree>
+    <p:extLst>
+      <p:ext uri="{BB962C8B-B14F-4D97-AF65-F5344CB8AC3E}">
+        <p14:creationId xmlns:p14="http://schemas.microsoft.com/office/powerpoint/2010/main" val="2069395694"/>
+      </p:ext>
+    </p:extLst>
+  </p:cSld>
+  <p:clrMapOvr>
+    <a:masterClrMapping/>
+  </p:clrMapOvr>
+  <p:timing>
+    <p:tnLst>
+      <p:par>
+        <p:cTn id="1" dur="indefinite" restart="never" nodeType="tmRoot">
+          <p:childTnLst>
+            <p:seq concurrent="1" nextAc="seek">
+              <p:cTn id="2" dur="indefinite" nodeType="mainSeq">
+                <p:childTnLst>
+                  <p:par>
+                    <p:cTn id="3" fill="hold">
+                      <p:stCondLst>
+                        <p:cond delay="indefinite"/>
+                      </p:stCondLst>
+                      <p:childTnLst>
+                        <p:par>
+                          <p:cTn id="4" fill="hold">
+                            <p:stCondLst>
+                              <p:cond delay="0"/>
+                            </p:stCondLst>
+                            <p:childTnLst>
+                              <p:par>
+                                <p:cTn id="5" presetID="22" presetClass="entr" presetSubtype="4" fill="hold" grpId="0" nodeType="clickEffect">
                                   <p:stCondLst>
                                     <p:cond delay="0"/>
                                   </p:stCondLst>
@@ -13701,7 +11353,7 @@
                                         <p:strVal val="visible"/>
                                       </p:to>
                                     </p:set>
-                                    <p:animEffect transition="in" filter="wipe(left)">
+                                    <p:animEffect transition="in" filter="wipe(down)">
                                       <p:cBhvr>
                                         <p:cTn id="7" dur="500"/>
                                         <p:tgtEl>
@@ -13716,33 +11368,15 @@
                                   </p:childTnLst>
                                 </p:cTn>
                               </p:par>
-                            </p:childTnLst>
-                          </p:cTn>
-                        </p:par>
-                      </p:childTnLst>
-                    </p:cTn>
-                  </p:par>
-                  <p:par>
-                    <p:cTn id="8" fill="hold">
-                      <p:stCondLst>
-                        <p:cond delay="indefinite"/>
-                      </p:stCondLst>
-                      <p:childTnLst>
-                        <p:par>
-                          <p:cTn id="9" fill="hold">
-                            <p:stCondLst>
-                              <p:cond delay="0"/>
-                            </p:stCondLst>
-                            <p:childTnLst>
                               <p:par>
-                                <p:cTn id="10" presetID="22" presetClass="entr" presetSubtype="8" fill="hold" grpId="0" nodeType="clickEffect">
+                                <p:cTn id="8" presetID="22" presetClass="entr" presetSubtype="4" fill="hold" grpId="0" nodeType="withEffect">
                                   <p:stCondLst>
                                     <p:cond delay="0"/>
                                   </p:stCondLst>
                                   <p:childTnLst>
                                     <p:set>
                                       <p:cBhvr>
-                                        <p:cTn id="11" dur="1" fill="hold">
+                                        <p:cTn id="9" dur="1" fill="hold">
                                           <p:stCondLst>
                                             <p:cond delay="0"/>
                                           </p:stCondLst>
@@ -13762,13 +11396,142 @@
                                         <p:strVal val="visible"/>
                                       </p:to>
                                     </p:set>
-                                    <p:animEffect transition="in" filter="wipe(left)">
+                                    <p:animEffect transition="in" filter="wipe(down)">
                                       <p:cBhvr>
-                                        <p:cTn id="12" dur="500"/>
+                                        <p:cTn id="10" dur="500"/>
                                         <p:tgtEl>
                                           <p:spTgt spid="3">
                                             <p:txEl>
                                               <p:pRg st="1" end="1"/>
+                                            </p:txEl>
+                                          </p:spTgt>
+                                        </p:tgtEl>
+                                      </p:cBhvr>
+                                    </p:animEffect>
+                                  </p:childTnLst>
+                                </p:cTn>
+                              </p:par>
+                              <p:par>
+                                <p:cTn id="11" presetID="22" presetClass="entr" presetSubtype="4" fill="hold" grpId="0" nodeType="withEffect">
+                                  <p:stCondLst>
+                                    <p:cond delay="0"/>
+                                  </p:stCondLst>
+                                  <p:childTnLst>
+                                    <p:set>
+                                      <p:cBhvr>
+                                        <p:cTn id="12" dur="1" fill="hold">
+                                          <p:stCondLst>
+                                            <p:cond delay="0"/>
+                                          </p:stCondLst>
+                                        </p:cTn>
+                                        <p:tgtEl>
+                                          <p:spTgt spid="3">
+                                            <p:txEl>
+                                              <p:pRg st="2" end="2"/>
+                                            </p:txEl>
+                                          </p:spTgt>
+                                        </p:tgtEl>
+                                        <p:attrNameLst>
+                                          <p:attrName>style.visibility</p:attrName>
+                                        </p:attrNameLst>
+                                      </p:cBhvr>
+                                      <p:to>
+                                        <p:strVal val="visible"/>
+                                      </p:to>
+                                    </p:set>
+                                    <p:animEffect transition="in" filter="wipe(down)">
+                                      <p:cBhvr>
+                                        <p:cTn id="13" dur="500"/>
+                                        <p:tgtEl>
+                                          <p:spTgt spid="3">
+                                            <p:txEl>
+                                              <p:pRg st="2" end="2"/>
+                                            </p:txEl>
+                                          </p:spTgt>
+                                        </p:tgtEl>
+                                      </p:cBhvr>
+                                    </p:animEffect>
+                                  </p:childTnLst>
+                                </p:cTn>
+                              </p:par>
+                              <p:par>
+                                <p:cTn id="14" presetID="22" presetClass="entr" presetSubtype="4" fill="hold" grpId="0" nodeType="withEffect">
+                                  <p:stCondLst>
+                                    <p:cond delay="0"/>
+                                  </p:stCondLst>
+                                  <p:childTnLst>
+                                    <p:set>
+                                      <p:cBhvr>
+                                        <p:cTn id="15" dur="1" fill="hold">
+                                          <p:stCondLst>
+                                            <p:cond delay="0"/>
+                                          </p:stCondLst>
+                                        </p:cTn>
+                                        <p:tgtEl>
+                                          <p:spTgt spid="3">
+                                            <p:txEl>
+                                              <p:pRg st="3" end="3"/>
+                                            </p:txEl>
+                                          </p:spTgt>
+                                        </p:tgtEl>
+                                        <p:attrNameLst>
+                                          <p:attrName>style.visibility</p:attrName>
+                                        </p:attrNameLst>
+                                      </p:cBhvr>
+                                      <p:to>
+                                        <p:strVal val="visible"/>
+                                      </p:to>
+                                    </p:set>
+                                    <p:animEffect transition="in" filter="wipe(down)">
+                                      <p:cBhvr>
+                                        <p:cTn id="16" dur="500"/>
+                                        <p:tgtEl>
+                                          <p:spTgt spid="3">
+                                            <p:txEl>
+                                              <p:pRg st="3" end="3"/>
+                                            </p:txEl>
+                                          </p:spTgt>
+                                        </p:tgtEl>
+                                      </p:cBhvr>
+                                    </p:animEffect>
+                                  </p:childTnLst>
+                                </p:cTn>
+                              </p:par>
+                              <p:par>
+                                <p:cTn id="17" presetID="22" presetClass="entr" presetSubtype="4" fill="hold" grpId="0" nodeType="withEffect">
+                                  <p:stCondLst>
+                                    <p:cond delay="0"/>
+                                  </p:stCondLst>
+                                  <p:childTnLst>
+                                    <p:set>
+                                      <p:cBhvr>
+                                        <p:cTn id="18" dur="1" fill="hold">
+                                          <p:stCondLst>
+                                            <p:cond delay="0"/>
+                                          </p:stCondLst>
+                                        </p:cTn>
+                                        <p:tgtEl>
+                                          <p:spTgt spid="3">
+                                            <p:txEl>
+                                              <p:pRg st="4" end="4"/>
+                                            </p:txEl>
+                                          </p:spTgt>
+                                        </p:tgtEl>
+                                        <p:attrNameLst>
+                                          <p:attrName>style.visibility</p:attrName>
+                                        </p:attrNameLst>
+                                      </p:cBhvr>
+                                      <p:to>
+                                        <p:strVal val="visible"/>
+                                      </p:to>
+                                    </p:set>
+                                    <p:animEffect transition="in" filter="wipe(down)">
+                                      <p:cBhvr>
+                                        <p:cTn id="19" dur="500"/>
+                                        <p:tgtEl>
+                                          <p:spTgt spid="3">
+                                            <p:txEl>
+                                              <p:pRg st="4" end="4"/>
                                             </p:txEl>
                                           </p:spTgt>
                                         </p:tgtEl>
@@ -13805,13 +11568,13 @@
       </p:par>
     </p:tnLst>
     <p:bldLst>
-      <p:bldP spid="3" grpId="0" uiExpand="1" build="p"/>
+      <p:bldP spid="3" grpId="0" build="p"/>
     </p:bldLst>
   </p:timing>
 </p:sld>
 </file>
 
-<file path=ppt/slides/slide9.xml><?xml version="1.0" encoding="utf-8"?>
+<file path=ppt/slides/slide8.xml><?xml version="1.0" encoding="utf-8"?>
 <p:sld xmlns:a="http://schemas.openxmlformats.org/drawingml/2006/main" xmlns:r="http://schemas.openxmlformats.org/officeDocument/2006/relationships" xmlns:p="http://schemas.openxmlformats.org/presentationml/2006/main">
   <p:cSld>
     <p:spTree>
@@ -13863,13 +11626,13 @@
         </p:nvSpPr>
         <p:spPr>
           <a:xfrm>
-            <a:off x="266700" y="1690689"/>
-            <a:ext cx="8610600" cy="4643585"/>
+            <a:off x="266700" y="1690690"/>
+            <a:ext cx="8610600" cy="2009113"/>
           </a:xfrm>
         </p:spPr>
         <p:txBody>
           <a:bodyPr>
-            <a:normAutofit fontScale="92500" lnSpcReduction="10000"/>
+            <a:normAutofit/>
           </a:bodyPr>
           <a:lstStyle/>
           <a:p>
@@ -13877,314 +11640,198 @@
               <a:buNone/>
             </a:pPr>
             <a:r>
-              <a:rPr lang="en-US" sz="4500" dirty="0" err="1"/>
-              <a:t>Lợi</a:t>
-            </a:r>
-            <a:r>
-              <a:rPr lang="en-US" sz="4500" dirty="0"/>
+              <a:rPr lang="en-US" dirty="0" err="1"/>
+              <a:t>Hạn</a:t>
+            </a:r>
+            <a:r>
+              <a:rPr lang="en-US" dirty="0"/>
               <a:t> </a:t>
             </a:r>
             <a:r>
-              <a:rPr lang="en-US" sz="4500" dirty="0" err="1"/>
-              <a:t>ích</a:t>
-            </a:r>
-            <a:r>
-              <a:rPr lang="en-US" sz="4500" dirty="0"/>
+              <a:rPr lang="en-US" dirty="0" err="1"/>
+              <a:t>chế</a:t>
+            </a:r>
+            <a:r>
+              <a:rPr lang="en-US" dirty="0"/>
               <a:t>:</a:t>
             </a:r>
           </a:p>
           <a:p>
             <a:pPr lvl="1">
-              <a:lnSpc>
-                <a:spcPct val="120000"/>
-              </a:lnSpc>
               <a:buBlip>
-                <a:blip r:embed="rId3"/>
+                <a:blip r:embed="rId2"/>
               </a:buBlip>
             </a:pPr>
             <a:r>
-              <a:rPr lang="vi-VN" sz="3800" dirty="0" err="1"/>
-              <a:t>Giúp</a:t>
-            </a:r>
-            <a:r>
-              <a:rPr lang="vi-VN" sz="3800" dirty="0"/>
+              <a:rPr lang="en-US" dirty="0" err="1"/>
+              <a:t>Giới</a:t>
+            </a:r>
+            <a:r>
+              <a:rPr lang="en-US" dirty="0"/>
               <a:t> </a:t>
             </a:r>
             <a:r>
-              <a:rPr lang="vi-VN" sz="3800" dirty="0" err="1"/>
-              <a:t>mọi</a:t>
-            </a:r>
-            <a:r>
-              <a:rPr lang="vi-VN" sz="3800" dirty="0"/>
+              <a:rPr lang="en-US" dirty="0" err="1"/>
+              <a:t>hạn</a:t>
+            </a:r>
+            <a:r>
+              <a:rPr lang="en-US" dirty="0"/>
               <a:t> </a:t>
             </a:r>
             <a:r>
-              <a:rPr lang="vi-VN" sz="3800" dirty="0" err="1"/>
-              <a:t>người</a:t>
-            </a:r>
-            <a:r>
-              <a:rPr lang="vi-VN" sz="3800" dirty="0"/>
+              <a:rPr lang="en-US" dirty="0" err="1"/>
+              <a:t>về</a:t>
+            </a:r>
+            <a:r>
+              <a:rPr lang="en-US" dirty="0"/>
               <a:t> </a:t>
             </a:r>
             <a:r>
-              <a:rPr lang="vi-VN" sz="3800" dirty="0" err="1"/>
-              <a:t>tìm</a:t>
-            </a:r>
-            <a:r>
-              <a:rPr lang="vi-VN" sz="3800" dirty="0"/>
+              <a:rPr lang="en-US" dirty="0" err="1"/>
+              <a:t>số</a:t>
+            </a:r>
+            <a:r>
+              <a:rPr lang="en-US" dirty="0"/>
               <a:t> </a:t>
             </a:r>
             <a:r>
-              <a:rPr lang="vi-VN" sz="3800" dirty="0" err="1"/>
-              <a:t>việc</a:t>
-            </a:r>
-            <a:r>
-              <a:rPr lang="vi-VN" sz="3800" dirty="0"/>
-              <a:t> nhanh </a:t>
-            </a:r>
-            <a:r>
-              <a:rPr lang="vi-VN" sz="3800" dirty="0" err="1"/>
-              <a:t>chóng</a:t>
-            </a:r>
-            <a:r>
-              <a:rPr lang="vi-VN" sz="3800" dirty="0"/>
-              <a:t> hơn</a:t>
-            </a:r>
-            <a:r>
-              <a:rPr lang="en-US" sz="3800" dirty="0"/>
-              <a:t>.</a:t>
-            </a:r>
+              <a:rPr lang="en-US" dirty="0" err="1"/>
+              <a:t>lượng</a:t>
+            </a:r>
+            <a:r>
+              <a:rPr lang="en-US" dirty="0"/>
+              <a:t> </a:t>
+            </a:r>
+            <a:r>
+              <a:rPr lang="en-US" dirty="0" err="1"/>
+              <a:t>chức</a:t>
+            </a:r>
+            <a:r>
+              <a:rPr lang="en-US" dirty="0"/>
+              <a:t> </a:t>
+            </a:r>
+            <a:r>
+              <a:rPr lang="en-US" dirty="0" err="1"/>
+              <a:t>năng</a:t>
+            </a:r>
+            <a:endParaRPr lang="en-US" dirty="0"/>
           </a:p>
           <a:p>
             <a:pPr lvl="1">
-              <a:lnSpc>
-                <a:spcPct val="120000"/>
-              </a:lnSpc>
               <a:buBlip>
-                <a:blip r:embed="rId3"/>
+                <a:blip r:embed="rId2"/>
               </a:buBlip>
             </a:pPr>
             <a:r>
-              <a:rPr lang="en-US" sz="3800" dirty="0" err="1"/>
-              <a:t>Giới</a:t>
-            </a:r>
-            <a:r>
-              <a:rPr lang="en-US" sz="3800" dirty="0"/>
+              <a:rPr lang="en-US" dirty="0" err="1"/>
+              <a:t>Tốc</a:t>
+            </a:r>
+            <a:r>
+              <a:rPr lang="en-US" dirty="0"/>
               <a:t> </a:t>
             </a:r>
             <a:r>
-              <a:rPr lang="en-US" sz="3800" dirty="0" err="1"/>
-              <a:t>thiệu</a:t>
-            </a:r>
-            <a:r>
-              <a:rPr lang="en-US" sz="3800" dirty="0"/>
+              <a:rPr lang="en-US" dirty="0" err="1"/>
+              <a:t>độ</a:t>
+            </a:r>
+            <a:r>
+              <a:rPr lang="en-US" dirty="0"/>
               <a:t> </a:t>
             </a:r>
             <a:r>
-              <a:rPr lang="en-US" sz="3800" dirty="0" err="1"/>
-              <a:t>thông</a:t>
-            </a:r>
-            <a:r>
-              <a:rPr lang="en-US" sz="3800" dirty="0"/>
-              <a:t> tin </a:t>
-            </a:r>
-            <a:r>
-              <a:rPr lang="en-US" sz="3800" dirty="0" err="1"/>
-              <a:t>cá</a:t>
-            </a:r>
-            <a:r>
-              <a:rPr lang="en-US" sz="3800" dirty="0"/>
+              <a:rPr lang="en-US" dirty="0" err="1"/>
+              <a:t>xữ</a:t>
+            </a:r>
+            <a:r>
+              <a:rPr lang="en-US" dirty="0"/>
               <a:t> </a:t>
             </a:r>
             <a:r>
-              <a:rPr lang="en-US" sz="3800" dirty="0" err="1"/>
-              <a:t>nhân</a:t>
-            </a:r>
-            <a:r>
-              <a:rPr lang="en-US" sz="3800" dirty="0"/>
+              <a:rPr lang="en-US" dirty="0" err="1"/>
+              <a:t>lý</a:t>
+            </a:r>
+            <a:r>
+              <a:rPr lang="en-US" dirty="0"/>
               <a:t> </a:t>
             </a:r>
             <a:r>
-              <a:rPr lang="en-US" sz="3800" dirty="0" err="1"/>
-              <a:t>đến</a:t>
-            </a:r>
-            <a:r>
-              <a:rPr lang="en-US" sz="3800" dirty="0"/>
+              <a:rPr lang="en-US" dirty="0" err="1"/>
+              <a:t>còn</a:t>
+            </a:r>
+            <a:r>
+              <a:rPr lang="en-US" dirty="0"/>
               <a:t> </a:t>
             </a:r>
             <a:r>
-              <a:rPr lang="en-US" sz="3800" dirty="0" err="1"/>
-              <a:t>các</a:t>
-            </a:r>
-            <a:r>
-              <a:rPr lang="en-US" sz="3800" dirty="0"/>
-              <a:t> </a:t>
-            </a:r>
-            <a:r>
-              <a:rPr lang="en-US" sz="3800" dirty="0" err="1"/>
-              <a:t>doanh</a:t>
-            </a:r>
-            <a:r>
-              <a:rPr lang="en-US" sz="3800" dirty="0"/>
-              <a:t> </a:t>
-            </a:r>
-            <a:r>
-              <a:rPr lang="en-US" sz="3800" dirty="0" err="1"/>
-              <a:t>nghiệp</a:t>
-            </a:r>
-            <a:r>
-              <a:rPr lang="en-US" sz="3800" dirty="0"/>
-              <a:t> </a:t>
-            </a:r>
-            <a:r>
-              <a:rPr lang="en-US" sz="3800" dirty="0" err="1"/>
-              <a:t>tiềm</a:t>
-            </a:r>
-            <a:r>
-              <a:rPr lang="en-US" sz="3800" dirty="0"/>
-              <a:t> </a:t>
-            </a:r>
-            <a:r>
-              <a:rPr lang="en-US" sz="3800" dirty="0" err="1"/>
-              <a:t>năng</a:t>
-            </a:r>
-            <a:r>
-              <a:rPr lang="en-US" sz="3800" dirty="0"/>
-              <a:t>.</a:t>
-            </a:r>
+              <a:rPr lang="en-US" dirty="0" err="1"/>
+              <a:t>chậm</a:t>
+            </a:r>
+            <a:endParaRPr lang="en-US" dirty="0"/>
           </a:p>
           <a:p>
             <a:pPr lvl="1">
-              <a:lnSpc>
-                <a:spcPct val="120000"/>
-              </a:lnSpc>
               <a:buBlip>
-                <a:blip r:embed="rId3"/>
+                <a:blip r:embed="rId2"/>
               </a:buBlip>
             </a:pPr>
             <a:r>
-              <a:rPr lang="vi-VN" sz="3800" dirty="0" err="1"/>
-              <a:t>Tiếp</a:t>
-            </a:r>
-            <a:r>
-              <a:rPr lang="vi-VN" sz="3800" dirty="0"/>
+              <a:rPr lang="en-US" dirty="0" err="1"/>
+              <a:t>Dữ</a:t>
+            </a:r>
+            <a:r>
+              <a:rPr lang="en-US" dirty="0"/>
               <a:t> </a:t>
             </a:r>
             <a:r>
-              <a:rPr lang="vi-VN" sz="3800" dirty="0" err="1"/>
-              <a:t>cận</a:t>
-            </a:r>
-            <a:r>
-              <a:rPr lang="vi-VN" sz="3800" dirty="0"/>
+              <a:rPr lang="en-US" dirty="0" err="1"/>
+              <a:t>liệu</a:t>
+            </a:r>
+            <a:r>
+              <a:rPr lang="en-US" dirty="0"/>
               <a:t> </a:t>
             </a:r>
             <a:r>
-              <a:rPr lang="vi-VN" sz="3800" dirty="0" err="1"/>
-              <a:t>được</a:t>
-            </a:r>
-            <a:r>
-              <a:rPr lang="vi-VN" sz="3800" dirty="0"/>
+              <a:rPr lang="en-US" dirty="0" err="1"/>
+              <a:t>vẫn</a:t>
+            </a:r>
+            <a:r>
+              <a:rPr lang="en-US" dirty="0"/>
               <a:t> </a:t>
             </a:r>
             <a:r>
-              <a:rPr lang="vi-VN" sz="3800" dirty="0" err="1"/>
-              <a:t>với</a:t>
-            </a:r>
-            <a:r>
-              <a:rPr lang="vi-VN" sz="3800" dirty="0"/>
+              <a:rPr lang="en-US" dirty="0" err="1"/>
+              <a:t>chưa</a:t>
+            </a:r>
+            <a:r>
+              <a:rPr lang="en-US" dirty="0"/>
               <a:t> </a:t>
             </a:r>
             <a:r>
-              <a:rPr lang="vi-VN" sz="3800" dirty="0" err="1"/>
-              <a:t>nhiều</a:t>
-            </a:r>
-            <a:r>
-              <a:rPr lang="vi-VN" sz="3800" dirty="0"/>
+              <a:rPr lang="en-US" dirty="0" err="1"/>
+              <a:t>tối</a:t>
+            </a:r>
+            <a:r>
+              <a:rPr lang="en-US" dirty="0"/>
               <a:t> </a:t>
             </a:r>
             <a:r>
-              <a:rPr lang="vi-VN" sz="3800" dirty="0" err="1"/>
-              <a:t>ứng</a:t>
-            </a:r>
-            <a:r>
-              <a:rPr lang="vi-VN" sz="3800" dirty="0"/>
-              <a:t> viên hơn</a:t>
-            </a:r>
-            <a:endParaRPr lang="en-US" sz="3800" dirty="0"/>
+              <a:rPr lang="en-US" dirty="0" err="1"/>
+              <a:t>ưu</a:t>
+            </a:r>
+            <a:endParaRPr lang="en-US" dirty="0"/>
+          </a:p>
+          <a:p>
+            <a:pPr marL="457200" lvl="1" indent="0">
+              <a:buNone/>
+            </a:pPr>
+            <a:endParaRPr lang="en-US" dirty="0"/>
           </a:p>
           <a:p>
             <a:pPr lvl="1">
-              <a:lnSpc>
-                <a:spcPct val="120000"/>
-              </a:lnSpc>
               <a:buBlip>
-                <a:blip r:embed="rId3"/>
+                <a:blip r:embed="rId2"/>
               </a:buBlip>
             </a:pPr>
-            <a:r>
-              <a:rPr lang="en-US" sz="3800" dirty="0" err="1"/>
-              <a:t>Tìm</a:t>
-            </a:r>
-            <a:r>
-              <a:rPr lang="en-US" sz="3800" dirty="0"/>
-              <a:t> </a:t>
-            </a:r>
-            <a:r>
-              <a:rPr lang="en-US" sz="3800" dirty="0" err="1"/>
-              <a:t>kiếm</a:t>
-            </a:r>
-            <a:r>
-              <a:rPr lang="en-US" sz="3800" dirty="0"/>
-              <a:t> </a:t>
-            </a:r>
-            <a:r>
-              <a:rPr lang="en-US" sz="3800" dirty="0" err="1"/>
-              <a:t>các</a:t>
-            </a:r>
-            <a:r>
-              <a:rPr lang="en-US" sz="3800" dirty="0"/>
-              <a:t> </a:t>
-            </a:r>
-            <a:r>
-              <a:rPr lang="en-US" sz="3800" dirty="0" err="1"/>
-              <a:t>ứng</a:t>
-            </a:r>
-            <a:r>
-              <a:rPr lang="en-US" sz="3800" dirty="0"/>
-              <a:t> </a:t>
-            </a:r>
-            <a:r>
-              <a:rPr lang="en-US" sz="3800" dirty="0" err="1"/>
-              <a:t>viên</a:t>
-            </a:r>
-            <a:r>
-              <a:rPr lang="en-US" sz="3800" dirty="0"/>
-              <a:t> </a:t>
-            </a:r>
-            <a:r>
-              <a:rPr lang="en-US" sz="3800" dirty="0" err="1"/>
-              <a:t>phù</a:t>
-            </a:r>
-            <a:r>
-              <a:rPr lang="en-US" sz="3800" dirty="0"/>
-              <a:t> </a:t>
-            </a:r>
-            <a:r>
-              <a:rPr lang="en-US" sz="3800" dirty="0" err="1"/>
-              <a:t>hợp</a:t>
-            </a:r>
-            <a:r>
-              <a:rPr lang="en-US" sz="3800" dirty="0"/>
-              <a:t> </a:t>
-            </a:r>
-            <a:r>
-              <a:rPr lang="en-US" sz="3800" dirty="0" err="1"/>
-              <a:t>nhất</a:t>
-            </a:r>
-            <a:endParaRPr lang="en-US" dirty="0"/>
-          </a:p>
-          <a:p>
-            <a:pPr lvl="1"/>
             <a:endParaRPr lang="de-DE" dirty="0"/>
           </a:p>
         </p:txBody>
@@ -14207,16 +11854,496 @@
             <a:fld id="{2210AAD2-7BE5-41A1-B723-8B6F5F112607}" type="slidenum">
               <a:rPr lang="de-DE" smtClean="0"/>
               <a:pPr/>
-              <a:t>9</a:t>
+              <a:t>8</a:t>
             </a:fld>
             <a:endParaRPr lang="de-DE"/>
+          </a:p>
+        </p:txBody>
+      </p:sp>
+      <p:sp>
+        <p:nvSpPr>
+          <p:cNvPr id="5" name="Content Placeholder 2"/>
+          <p:cNvSpPr txBox="1">
+            <a:spLocks/>
+          </p:cNvSpPr>
+          <p:nvPr/>
+        </p:nvSpPr>
+        <p:spPr>
+          <a:xfrm>
+            <a:off x="266700" y="3967089"/>
+            <a:ext cx="8610600" cy="2262493"/>
+          </a:xfrm>
+          <a:prstGeom prst="rect">
+            <a:avLst/>
+          </a:prstGeom>
+        </p:spPr>
+        <p:txBody>
+          <a:bodyPr vert="horz" lIns="91440" tIns="45720" rIns="91440" bIns="45720" rtlCol="0">
+            <a:normAutofit/>
+          </a:bodyPr>
+          <a:lstStyle>
+            <a:lvl1pPr marL="228600" indent="-228600" algn="l" defTabSz="914400" rtl="0" eaLnBrk="1" latinLnBrk="0" hangingPunct="1">
+              <a:lnSpc>
+                <a:spcPct val="90000"/>
+              </a:lnSpc>
+              <a:spcBef>
+                <a:spcPts val="1000"/>
+              </a:spcBef>
+              <a:buFont typeface="Arial" panose="020B0604020202020204" pitchFamily="34" charset="0"/>
+              <a:buChar char="•"/>
+              <a:defRPr sz="2800" kern="1200">
+                <a:solidFill>
+                  <a:schemeClr val="tx1"/>
+                </a:solidFill>
+                <a:latin typeface="+mn-lt"/>
+                <a:ea typeface="+mn-ea"/>
+                <a:cs typeface="+mn-cs"/>
+              </a:defRPr>
+            </a:lvl1pPr>
+            <a:lvl2pPr marL="685800" indent="-228600" algn="l" defTabSz="914400" rtl="0" eaLnBrk="1" latinLnBrk="0" hangingPunct="1">
+              <a:lnSpc>
+                <a:spcPct val="90000"/>
+              </a:lnSpc>
+              <a:spcBef>
+                <a:spcPts val="500"/>
+              </a:spcBef>
+              <a:buFont typeface="Wingdings" panose="05000000000000000000" pitchFamily="2" charset="2"/>
+              <a:buChar char="§"/>
+              <a:defRPr sz="2400" kern="1200">
+                <a:solidFill>
+                  <a:schemeClr val="tx1"/>
+                </a:solidFill>
+                <a:latin typeface="+mn-lt"/>
+                <a:ea typeface="+mn-ea"/>
+                <a:cs typeface="+mn-cs"/>
+              </a:defRPr>
+            </a:lvl2pPr>
+            <a:lvl3pPr marL="1143000" indent="-228600" algn="l" defTabSz="914400" rtl="0" eaLnBrk="1" latinLnBrk="0" hangingPunct="1">
+              <a:lnSpc>
+                <a:spcPct val="90000"/>
+              </a:lnSpc>
+              <a:spcBef>
+                <a:spcPts val="500"/>
+              </a:spcBef>
+              <a:buFont typeface="Arial" panose="020B0604020202020204" pitchFamily="34" charset="0"/>
+              <a:buChar char="•"/>
+              <a:defRPr sz="2000" kern="1200">
+                <a:solidFill>
+                  <a:schemeClr val="tx1"/>
+                </a:solidFill>
+                <a:latin typeface="+mn-lt"/>
+                <a:ea typeface="+mn-ea"/>
+                <a:cs typeface="+mn-cs"/>
+              </a:defRPr>
+            </a:lvl3pPr>
+            <a:lvl4pPr marL="1600200" indent="-228600" algn="l" defTabSz="914400" rtl="0" eaLnBrk="1" latinLnBrk="0" hangingPunct="1">
+              <a:lnSpc>
+                <a:spcPct val="90000"/>
+              </a:lnSpc>
+              <a:spcBef>
+                <a:spcPts val="500"/>
+              </a:spcBef>
+              <a:buFont typeface="Arial" panose="020B0604020202020204" pitchFamily="34" charset="0"/>
+              <a:buChar char="•"/>
+              <a:defRPr sz="1800" kern="1200">
+                <a:solidFill>
+                  <a:schemeClr val="tx1"/>
+                </a:solidFill>
+                <a:latin typeface="+mn-lt"/>
+                <a:ea typeface="+mn-ea"/>
+                <a:cs typeface="+mn-cs"/>
+              </a:defRPr>
+            </a:lvl4pPr>
+            <a:lvl5pPr marL="2057400" indent="-228600" algn="l" defTabSz="914400" rtl="0" eaLnBrk="1" latinLnBrk="0" hangingPunct="1">
+              <a:lnSpc>
+                <a:spcPct val="90000"/>
+              </a:lnSpc>
+              <a:spcBef>
+                <a:spcPts val="500"/>
+              </a:spcBef>
+              <a:buFont typeface="Arial" panose="020B0604020202020204" pitchFamily="34" charset="0"/>
+              <a:buChar char="•"/>
+              <a:defRPr sz="1800" kern="1200">
+                <a:solidFill>
+                  <a:schemeClr val="tx1"/>
+                </a:solidFill>
+                <a:latin typeface="+mn-lt"/>
+                <a:ea typeface="+mn-ea"/>
+                <a:cs typeface="+mn-cs"/>
+              </a:defRPr>
+            </a:lvl5pPr>
+            <a:lvl6pPr marL="2514600" indent="-228600" algn="l" defTabSz="914400" rtl="0" eaLnBrk="1" latinLnBrk="0" hangingPunct="1">
+              <a:lnSpc>
+                <a:spcPct val="90000"/>
+              </a:lnSpc>
+              <a:spcBef>
+                <a:spcPts val="500"/>
+              </a:spcBef>
+              <a:buFont typeface="Arial" panose="020B0604020202020204" pitchFamily="34" charset="0"/>
+              <a:buChar char="•"/>
+              <a:defRPr sz="1800" kern="1200">
+                <a:solidFill>
+                  <a:schemeClr val="tx1"/>
+                </a:solidFill>
+                <a:latin typeface="+mn-lt"/>
+                <a:ea typeface="+mn-ea"/>
+                <a:cs typeface="+mn-cs"/>
+              </a:defRPr>
+            </a:lvl6pPr>
+            <a:lvl7pPr marL="2971800" indent="-228600" algn="l" defTabSz="914400" rtl="0" eaLnBrk="1" latinLnBrk="0" hangingPunct="1">
+              <a:lnSpc>
+                <a:spcPct val="90000"/>
+              </a:lnSpc>
+              <a:spcBef>
+                <a:spcPts val="500"/>
+              </a:spcBef>
+              <a:buFont typeface="Arial" panose="020B0604020202020204" pitchFamily="34" charset="0"/>
+              <a:buChar char="•"/>
+              <a:defRPr sz="1800" kern="1200">
+                <a:solidFill>
+                  <a:schemeClr val="tx1"/>
+                </a:solidFill>
+                <a:latin typeface="+mn-lt"/>
+                <a:ea typeface="+mn-ea"/>
+                <a:cs typeface="+mn-cs"/>
+              </a:defRPr>
+            </a:lvl7pPr>
+            <a:lvl8pPr marL="3429000" indent="-228600" algn="l" defTabSz="914400" rtl="0" eaLnBrk="1" latinLnBrk="0" hangingPunct="1">
+              <a:lnSpc>
+                <a:spcPct val="90000"/>
+              </a:lnSpc>
+              <a:spcBef>
+                <a:spcPts val="500"/>
+              </a:spcBef>
+              <a:buFont typeface="Arial" panose="020B0604020202020204" pitchFamily="34" charset="0"/>
+              <a:buChar char="•"/>
+              <a:defRPr sz="1800" kern="1200">
+                <a:solidFill>
+                  <a:schemeClr val="tx1"/>
+                </a:solidFill>
+                <a:latin typeface="+mn-lt"/>
+                <a:ea typeface="+mn-ea"/>
+                <a:cs typeface="+mn-cs"/>
+              </a:defRPr>
+            </a:lvl8pPr>
+            <a:lvl9pPr marL="3886200" indent="-228600" algn="l" defTabSz="914400" rtl="0" eaLnBrk="1" latinLnBrk="0" hangingPunct="1">
+              <a:lnSpc>
+                <a:spcPct val="90000"/>
+              </a:lnSpc>
+              <a:spcBef>
+                <a:spcPts val="500"/>
+              </a:spcBef>
+              <a:buFont typeface="Arial" panose="020B0604020202020204" pitchFamily="34" charset="0"/>
+              <a:buChar char="•"/>
+              <a:defRPr sz="1800" kern="1200">
+                <a:solidFill>
+                  <a:schemeClr val="tx1"/>
+                </a:solidFill>
+                <a:latin typeface="+mn-lt"/>
+                <a:ea typeface="+mn-ea"/>
+                <a:cs typeface="+mn-cs"/>
+              </a:defRPr>
+            </a:lvl9pPr>
+          </a:lstStyle>
+          <a:p>
+            <a:pPr marL="0" indent="0">
+              <a:buFont typeface="Arial" panose="020B0604020202020204" pitchFamily="34" charset="0"/>
+              <a:buNone/>
+            </a:pPr>
+            <a:r>
+              <a:rPr lang="en-US" dirty="0" err="1"/>
+              <a:t>Hướng</a:t>
+            </a:r>
+            <a:r>
+              <a:rPr lang="en-US" dirty="0"/>
+              <a:t> </a:t>
+            </a:r>
+            <a:r>
+              <a:rPr lang="en-US" dirty="0" err="1"/>
+              <a:t>phát</a:t>
+            </a:r>
+            <a:r>
+              <a:rPr lang="en-US" dirty="0"/>
+              <a:t> </a:t>
+            </a:r>
+            <a:r>
+              <a:rPr lang="en-US" dirty="0" err="1"/>
+              <a:t>triển</a:t>
+            </a:r>
+            <a:r>
+              <a:rPr lang="en-US" dirty="0"/>
+              <a:t>:</a:t>
+            </a:r>
+          </a:p>
+          <a:p>
+            <a:pPr lvl="1">
+              <a:buBlip>
+                <a:blip r:embed="rId3"/>
+              </a:buBlip>
+            </a:pPr>
+            <a:r>
+              <a:rPr lang="en-US" dirty="0" err="1"/>
+              <a:t>Thêm</a:t>
+            </a:r>
+            <a:r>
+              <a:rPr lang="en-US" dirty="0"/>
+              <a:t> </a:t>
+            </a:r>
+            <a:r>
+              <a:rPr lang="en-US" dirty="0" err="1"/>
+              <a:t>hoạt</a:t>
+            </a:r>
+            <a:r>
+              <a:rPr lang="en-US" dirty="0"/>
+              <a:t> </a:t>
+            </a:r>
+            <a:r>
+              <a:rPr lang="en-US" dirty="0" err="1"/>
+              <a:t>động</a:t>
+            </a:r>
+            <a:r>
+              <a:rPr lang="en-US" dirty="0"/>
+              <a:t> </a:t>
+            </a:r>
+            <a:r>
+              <a:rPr lang="en-US" dirty="0" err="1"/>
+              <a:t>và</a:t>
+            </a:r>
+            <a:r>
+              <a:rPr lang="en-US" dirty="0"/>
+              <a:t> </a:t>
+            </a:r>
+            <a:r>
+              <a:rPr lang="en-US" dirty="0" err="1"/>
+              <a:t>giải</a:t>
+            </a:r>
+            <a:r>
+              <a:rPr lang="en-US" dirty="0"/>
+              <a:t> </a:t>
+            </a:r>
+            <a:r>
+              <a:rPr lang="en-US" dirty="0" err="1"/>
+              <a:t>thưởng</a:t>
+            </a:r>
+            <a:r>
+              <a:rPr lang="en-US" dirty="0"/>
+              <a:t> </a:t>
+            </a:r>
+            <a:r>
+              <a:rPr lang="en-US" dirty="0" err="1"/>
+              <a:t>trong</a:t>
+            </a:r>
+            <a:r>
+              <a:rPr lang="en-US" dirty="0"/>
+              <a:t> </a:t>
+            </a:r>
+            <a:r>
+              <a:rPr lang="en-US" dirty="0" err="1"/>
+              <a:t>hồ</a:t>
+            </a:r>
+            <a:r>
+              <a:rPr lang="en-US" dirty="0"/>
+              <a:t> </a:t>
+            </a:r>
+            <a:r>
+              <a:rPr lang="en-US" dirty="0" err="1"/>
+              <a:t>sơ</a:t>
+            </a:r>
+            <a:r>
+              <a:rPr lang="en-US" dirty="0"/>
+              <a:t> </a:t>
+            </a:r>
+            <a:r>
+              <a:rPr lang="en-US" dirty="0" err="1"/>
+              <a:t>ứng</a:t>
+            </a:r>
+            <a:r>
+              <a:rPr lang="en-US" dirty="0"/>
+              <a:t> </a:t>
+            </a:r>
+            <a:r>
+              <a:rPr lang="en-US" dirty="0" err="1"/>
+              <a:t>tuyển</a:t>
+            </a:r>
+            <a:endParaRPr lang="en-US" dirty="0"/>
+          </a:p>
+          <a:p>
+            <a:pPr lvl="1">
+              <a:buBlip>
+                <a:blip r:embed="rId3"/>
+              </a:buBlip>
+            </a:pPr>
+            <a:r>
+              <a:rPr lang="en-US" dirty="0" err="1"/>
+              <a:t>Phát</a:t>
+            </a:r>
+            <a:r>
+              <a:rPr lang="en-US" dirty="0"/>
+              <a:t> </a:t>
+            </a:r>
+            <a:r>
+              <a:rPr lang="en-US" dirty="0" err="1"/>
+              <a:t>triển</a:t>
+            </a:r>
+            <a:r>
+              <a:rPr lang="en-US" dirty="0"/>
+              <a:t> </a:t>
+            </a:r>
+            <a:r>
+              <a:rPr lang="en-US" dirty="0" err="1"/>
+              <a:t>thêm</a:t>
+            </a:r>
+            <a:r>
+              <a:rPr lang="en-US" dirty="0"/>
+              <a:t> </a:t>
+            </a:r>
+            <a:r>
+              <a:rPr lang="en-US" dirty="0" err="1"/>
+              <a:t>các</a:t>
+            </a:r>
+            <a:r>
+              <a:rPr lang="en-US" dirty="0"/>
+              <a:t> </a:t>
+            </a:r>
+            <a:r>
+              <a:rPr lang="en-US" dirty="0" err="1"/>
+              <a:t>tính</a:t>
+            </a:r>
+            <a:r>
+              <a:rPr lang="en-US" dirty="0"/>
+              <a:t> </a:t>
+            </a:r>
+            <a:r>
+              <a:rPr lang="en-US" dirty="0" err="1"/>
+              <a:t>năng</a:t>
+            </a:r>
+            <a:r>
+              <a:rPr lang="en-US" dirty="0"/>
+              <a:t> </a:t>
+            </a:r>
+            <a:r>
+              <a:rPr lang="en-US" dirty="0" err="1"/>
+              <a:t>đăng</a:t>
+            </a:r>
+            <a:r>
+              <a:rPr lang="en-US" dirty="0"/>
+              <a:t> </a:t>
+            </a:r>
+            <a:r>
+              <a:rPr lang="en-US" dirty="0" err="1"/>
+              <a:t>bài</a:t>
+            </a:r>
+            <a:r>
+              <a:rPr lang="en-US" dirty="0"/>
+              <a:t> </a:t>
+            </a:r>
+            <a:r>
+              <a:rPr lang="en-US" dirty="0" err="1"/>
+              <a:t>viết</a:t>
+            </a:r>
+            <a:r>
+              <a:rPr lang="en-US" dirty="0"/>
+              <a:t>, </a:t>
+            </a:r>
+            <a:r>
+              <a:rPr lang="en-US" dirty="0" err="1"/>
+              <a:t>nhắn</a:t>
+            </a:r>
+            <a:r>
+              <a:rPr lang="en-US" dirty="0"/>
+              <a:t> tin</a:t>
+            </a:r>
+          </a:p>
+          <a:p>
+            <a:pPr lvl="1">
+              <a:buBlip>
+                <a:blip r:embed="rId3"/>
+              </a:buBlip>
+            </a:pPr>
+            <a:r>
+              <a:rPr lang="en-US" dirty="0" err="1"/>
+              <a:t>Cải</a:t>
+            </a:r>
+            <a:r>
+              <a:rPr lang="en-US" dirty="0"/>
+              <a:t> </a:t>
+            </a:r>
+            <a:r>
+              <a:rPr lang="en-US" dirty="0" err="1"/>
+              <a:t>thiện</a:t>
+            </a:r>
+            <a:r>
+              <a:rPr lang="en-US" dirty="0"/>
+              <a:t> </a:t>
+            </a:r>
+            <a:r>
+              <a:rPr lang="en-US" dirty="0" err="1"/>
+              <a:t>tốc</a:t>
+            </a:r>
+            <a:r>
+              <a:rPr lang="en-US" dirty="0"/>
+              <a:t> </a:t>
+            </a:r>
+            <a:r>
+              <a:rPr lang="en-US" dirty="0" err="1"/>
+              <a:t>độ</a:t>
+            </a:r>
+            <a:r>
+              <a:rPr lang="en-US" dirty="0"/>
+              <a:t> </a:t>
+            </a:r>
+            <a:r>
+              <a:rPr lang="en-US" dirty="0" err="1"/>
+              <a:t>xữ</a:t>
+            </a:r>
+            <a:r>
+              <a:rPr lang="en-US" dirty="0"/>
+              <a:t> </a:t>
+            </a:r>
+            <a:r>
+              <a:rPr lang="en-US" dirty="0" err="1"/>
+              <a:t>lý</a:t>
+            </a:r>
+            <a:r>
+              <a:rPr lang="en-US" dirty="0"/>
+              <a:t> </a:t>
+            </a:r>
+            <a:r>
+              <a:rPr lang="en-US" dirty="0" err="1"/>
+              <a:t>dữ</a:t>
+            </a:r>
+            <a:r>
+              <a:rPr lang="en-US" dirty="0"/>
+              <a:t> </a:t>
+            </a:r>
+            <a:r>
+              <a:rPr lang="en-US" dirty="0" err="1"/>
+              <a:t>liệu</a:t>
+            </a:r>
+            <a:endParaRPr lang="en-US" dirty="0"/>
+          </a:p>
+          <a:p>
+            <a:pPr marL="457200" lvl="1" indent="0">
+              <a:buFont typeface="Wingdings" panose="05000000000000000000" pitchFamily="2" charset="2"/>
+              <a:buNone/>
+            </a:pPr>
+            <a:endParaRPr lang="en-US" dirty="0"/>
+          </a:p>
+          <a:p>
+            <a:pPr lvl="1">
+              <a:buFont typeface="Wingdings" panose="05000000000000000000" pitchFamily="2" charset="2"/>
+              <a:buBlip>
+                <a:blip r:embed="rId2"/>
+              </a:buBlip>
+            </a:pPr>
+            <a:endParaRPr lang="de-DE" dirty="0"/>
           </a:p>
         </p:txBody>
       </p:sp>
     </p:spTree>
     <p:extLst>
       <p:ext uri="{BB962C8B-B14F-4D97-AF65-F5344CB8AC3E}">
-        <p14:creationId xmlns:p14="http://schemas.microsoft.com/office/powerpoint/2010/main" val="2069395694"/>
+        <p14:creationId xmlns:p14="http://schemas.microsoft.com/office/powerpoint/2010/main" val="2807078726"/>
       </p:ext>
     </p:extLst>
   </p:cSld>
@@ -14448,6 +12575,205 @@
                       </p:childTnLst>
                     </p:cTn>
                   </p:par>
+                  <p:par>
+                    <p:cTn id="20" fill="hold">
+                      <p:stCondLst>
+                        <p:cond delay="indefinite"/>
+                      </p:stCondLst>
+                      <p:childTnLst>
+                        <p:par>
+                          <p:cTn id="21" fill="hold">
+                            <p:stCondLst>
+                              <p:cond delay="0"/>
+                            </p:stCondLst>
+                            <p:childTnLst>
+                              <p:par>
+                                <p:cTn id="22" presetID="22" presetClass="entr" presetSubtype="8" fill="hold" grpId="0" nodeType="clickEffect">
+                                  <p:stCondLst>
+                                    <p:cond delay="0"/>
+                                  </p:stCondLst>
+                                  <p:childTnLst>
+                                    <p:set>
+                                      <p:cBhvr>
+                                        <p:cTn id="23" dur="1" fill="hold">
+                                          <p:stCondLst>
+                                            <p:cond delay="0"/>
+                                          </p:stCondLst>
+                                        </p:cTn>
+                                        <p:tgtEl>
+                                          <p:spTgt spid="5">
+                                            <p:txEl>
+                                              <p:pRg st="0" end="0"/>
+                                            </p:txEl>
+                                          </p:spTgt>
+                                        </p:tgtEl>
+                                        <p:attrNameLst>
+                                          <p:attrName>style.visibility</p:attrName>
+                                        </p:attrNameLst>
+                                      </p:cBhvr>
+                                      <p:to>
+                                        <p:strVal val="visible"/>
+                                      </p:to>
+                                    </p:set>
+                                    <p:animEffect transition="in" filter="wipe(left)">
+                                      <p:cBhvr>
+                                        <p:cTn id="24" dur="500"/>
+                                        <p:tgtEl>
+                                          <p:spTgt spid="5">
+                                            <p:txEl>
+                                              <p:pRg st="0" end="0"/>
+                                            </p:txEl>
+                                          </p:spTgt>
+                                        </p:tgtEl>
+                                      </p:cBhvr>
+                                    </p:animEffect>
+                                  </p:childTnLst>
+                                </p:cTn>
+                              </p:par>
+                              <p:par>
+                                <p:cTn id="25" presetID="22" presetClass="entr" presetSubtype="8" fill="hold" grpId="0" nodeType="withEffect">
+                                  <p:stCondLst>
+                                    <p:cond delay="0"/>
+                                  </p:stCondLst>
+                                  <p:childTnLst>
+                                    <p:set>
+                                      <p:cBhvr>
+                                        <p:cTn id="26" dur="1" fill="hold">
+                                          <p:stCondLst>
+                                            <p:cond delay="0"/>
+                                          </p:stCondLst>
+                                        </p:cTn>
+                                        <p:tgtEl>
+                                          <p:spTgt spid="5">
+                                            <p:txEl>
+                                              <p:pRg st="1" end="1"/>
+                                            </p:txEl>
+                                          </p:spTgt>
+                                        </p:tgtEl>
+                                        <p:attrNameLst>
+                                          <p:attrName>style.visibility</p:attrName>
+                                        </p:attrNameLst>
+                                      </p:cBhvr>
+                                      <p:to>
+                                        <p:strVal val="visible"/>
+                                      </p:to>
+                                    </p:set>
+                                    <p:animEffect transition="in" filter="wipe(left)">
+                                      <p:cBhvr>
+                                        <p:cTn id="27" dur="500"/>
+                                        <p:tgtEl>
+                                          <p:spTgt spid="5">
+                                            <p:txEl>
+                                              <p:pRg st="1" end="1"/>
+                                            </p:txEl>
+                                          </p:spTgt>
+                                        </p:tgtEl>
+                                      </p:cBhvr>
+                                    </p:animEffect>
+                                  </p:childTnLst>
+                                </p:cTn>
+                              </p:par>
+                            </p:childTnLst>
+                          </p:cTn>
+                        </p:par>
+                        <p:par>
+                          <p:cTn id="28" fill="hold">
+                            <p:stCondLst>
+                              <p:cond delay="500"/>
+                            </p:stCondLst>
+                            <p:childTnLst>
+                              <p:par>
+                                <p:cTn id="29" presetID="22" presetClass="entr" presetSubtype="8" fill="hold" grpId="0" nodeType="afterEffect">
+                                  <p:stCondLst>
+                                    <p:cond delay="0"/>
+                                  </p:stCondLst>
+                                  <p:childTnLst>
+                                    <p:set>
+                                      <p:cBhvr>
+                                        <p:cTn id="30" dur="1" fill="hold">
+                                          <p:stCondLst>
+                                            <p:cond delay="0"/>
+                                          </p:stCondLst>
+                                        </p:cTn>
+                                        <p:tgtEl>
+                                          <p:spTgt spid="5">
+                                            <p:txEl>
+                                              <p:pRg st="2" end="2"/>
+                                            </p:txEl>
+                                          </p:spTgt>
+                                        </p:tgtEl>
+                                        <p:attrNameLst>
+                                          <p:attrName>style.visibility</p:attrName>
+                                        </p:attrNameLst>
+                                      </p:cBhvr>
+                                      <p:to>
+                                        <p:strVal val="visible"/>
+                                      </p:to>
+                                    </p:set>
+                                    <p:animEffect transition="in" filter="wipe(left)">
+                                      <p:cBhvr>
+                                        <p:cTn id="31" dur="500"/>
+                                        <p:tgtEl>
+                                          <p:spTgt spid="5">
+                                            <p:txEl>
+                                              <p:pRg st="2" end="2"/>
+                                            </p:txEl>
+                                          </p:spTgt>
+                                        </p:tgtEl>
+                                      </p:cBhvr>
+                                    </p:animEffect>
+                                  </p:childTnLst>
+                                </p:cTn>
+                              </p:par>
+                              <p:par>
+                                <p:cTn id="32" presetID="22" presetClass="entr" presetSubtype="8" fill="hold" grpId="0" nodeType="withEffect">
+                                  <p:stCondLst>
+                                    <p:cond delay="0"/>
+                                  </p:stCondLst>
+                                  <p:childTnLst>
+                                    <p:set>
+                                      <p:cBhvr>
+                                        <p:cTn id="33" dur="1" fill="hold">
+                                          <p:stCondLst>
+                                            <p:cond delay="0"/>
+                                          </p:stCondLst>
+                                        </p:cTn>
+                                        <p:tgtEl>
+                                          <p:spTgt spid="5">
+                                            <p:txEl>
+                                              <p:pRg st="3" end="3"/>
+                                            </p:txEl>
+                                          </p:spTgt>
+                                        </p:tgtEl>
+                                        <p:attrNameLst>
+                                          <p:attrName>style.visibility</p:attrName>
+                                        </p:attrNameLst>
+                                      </p:cBhvr>
+                                      <p:to>
+                                        <p:strVal val="visible"/>
+                                      </p:to>
+                                    </p:set>
+                                    <p:animEffect transition="in" filter="wipe(left)">
+                                      <p:cBhvr>
+                                        <p:cTn id="34" dur="500"/>
+                                        <p:tgtEl>
+                                          <p:spTgt spid="5">
+                                            <p:txEl>
+                                              <p:pRg st="3" end="3"/>
+                                            </p:txEl>
+                                          </p:spTgt>
+                                        </p:tgtEl>
+                                      </p:cBhvr>
+                                    </p:animEffect>
+                                  </p:childTnLst>
+                                </p:cTn>
+                              </p:par>
+                            </p:childTnLst>
+                          </p:cTn>
+                        </p:par>
+                      </p:childTnLst>
+                    </p:cTn>
+                  </p:par>
                 </p:childTnLst>
               </p:cTn>
               <p:prevCondLst>
@@ -14471,6 +12797,7 @@
     </p:tnLst>
     <p:bldLst>
       <p:bldP spid="3" grpId="0" uiExpand="1" build="p"/>
+      <p:bldP spid="5" grpId="0" uiExpand="1" build="p"/>
     </p:bldLst>
   </p:timing>
 </p:sld>

--- a/documents/DATN.pptx
+++ b/documents/DATN.pptx
@@ -3228,7 +3228,7 @@
           <a:p>
             <a:fld id="{47B4F0E5-FA5B-4C8E-8772-562A41709B92}" type="datetimeFigureOut">
               <a:rPr lang="de-DE" smtClean="0"/>
-              <a:t>20.07.2022</a:t>
+              <a:t>21.07.2022</a:t>
             </a:fld>
             <a:endParaRPr lang="de-DE"/>
           </a:p>
@@ -4268,7 +4268,7 @@
           <a:p>
             <a:fld id="{9F4FA3F8-F4E3-4DDD-A8C1-F0A5EB9A6C48}" type="datetime1">
               <a:rPr lang="de-DE" smtClean="0"/>
-              <a:t>20.07.2022</a:t>
+              <a:t>21.07.2022</a:t>
             </a:fld>
             <a:endParaRPr lang="de-DE"/>
           </a:p>
@@ -4438,7 +4438,7 @@
           <a:p>
             <a:fld id="{B2575B6D-8322-4BC9-8839-96B3DFDCA2AC}" type="datetime1">
               <a:rPr lang="de-DE" smtClean="0"/>
-              <a:t>20.07.2022</a:t>
+              <a:t>21.07.2022</a:t>
             </a:fld>
             <a:endParaRPr lang="de-DE"/>
           </a:p>
@@ -4618,7 +4618,7 @@
           <a:p>
             <a:fld id="{92685AEF-900B-4F3A-9F76-4EEE9F095A2E}" type="datetime1">
               <a:rPr lang="de-DE" smtClean="0"/>
-              <a:t>20.07.2022</a:t>
+              <a:t>21.07.2022</a:t>
             </a:fld>
             <a:endParaRPr lang="de-DE"/>
           </a:p>
@@ -4804,7 +4804,7 @@
           <a:p>
             <a:fld id="{2752C806-D38C-41BC-B35B-DD506AFAF9F0}" type="datetime1">
               <a:rPr lang="de-DE" smtClean="0"/>
-              <a:t>20.07.2022</a:t>
+              <a:t>21.07.2022</a:t>
             </a:fld>
             <a:endParaRPr lang="de-DE"/>
           </a:p>
@@ -5070,7 +5070,7 @@
           <a:p>
             <a:fld id="{6E339CD7-94F2-47E8-A98C-36FBB9B1B89E}" type="datetime1">
               <a:rPr lang="de-DE" smtClean="0"/>
-              <a:t>20.07.2022</a:t>
+              <a:t>21.07.2022</a:t>
             </a:fld>
             <a:endParaRPr lang="de-DE"/>
           </a:p>
@@ -5302,7 +5302,7 @@
           <a:p>
             <a:fld id="{49C93994-B60C-4267-B09E-6D3413A1848E}" type="datetime1">
               <a:rPr lang="de-DE" smtClean="0"/>
-              <a:t>20.07.2022</a:t>
+              <a:t>21.07.2022</a:t>
             </a:fld>
             <a:endParaRPr lang="de-DE"/>
           </a:p>
@@ -5669,7 +5669,7 @@
           <a:p>
             <a:fld id="{4CAC6C42-9BE1-4B02-B2E4-33E3A2F7A137}" type="datetime1">
               <a:rPr lang="de-DE" smtClean="0"/>
-              <a:t>20.07.2022</a:t>
+              <a:t>21.07.2022</a:t>
             </a:fld>
             <a:endParaRPr lang="de-DE"/>
           </a:p>
@@ -5787,7 +5787,7 @@
           <a:p>
             <a:fld id="{77E91419-0523-4DFB-BE4C-A71716047A94}" type="datetime1">
               <a:rPr lang="de-DE" smtClean="0"/>
-              <a:t>20.07.2022</a:t>
+              <a:t>21.07.2022</a:t>
             </a:fld>
             <a:endParaRPr lang="de-DE"/>
           </a:p>
@@ -5882,7 +5882,7 @@
           <a:p>
             <a:fld id="{FB46E8CC-A018-41F6-9D0D-83D14C1F9F8D}" type="datetime1">
               <a:rPr lang="de-DE" smtClean="0"/>
-              <a:t>20.07.2022</a:t>
+              <a:t>21.07.2022</a:t>
             </a:fld>
             <a:endParaRPr lang="de-DE"/>
           </a:p>
@@ -6159,7 +6159,7 @@
           <a:p>
             <a:fld id="{24BA11C9-51B0-4F3F-A5A3-B5DF064F00E5}" type="datetime1">
               <a:rPr lang="de-DE" smtClean="0"/>
-              <a:t>20.07.2022</a:t>
+              <a:t>21.07.2022</a:t>
             </a:fld>
             <a:endParaRPr lang="de-DE"/>
           </a:p>
@@ -6416,7 +6416,7 @@
           <a:p>
             <a:fld id="{38924669-DE1E-41F3-B4B9-C8C747145D8B}" type="datetime1">
               <a:rPr lang="de-DE" smtClean="0"/>
-              <a:t>20.07.2022</a:t>
+              <a:t>21.07.2022</a:t>
             </a:fld>
             <a:endParaRPr lang="de-DE"/>
           </a:p>
@@ -6639,7 +6639,7 @@
           <a:p>
             <a:fld id="{E896873E-6FE5-4544-8883-D00AC79BE818}" type="datetime1">
               <a:rPr lang="de-DE" smtClean="0"/>
-              <a:t>20.07.2022</a:t>
+              <a:t>21.07.2022</a:t>
             </a:fld>
             <a:endParaRPr lang="de-DE"/>
           </a:p>
@@ -7114,7 +7114,7 @@
         <p:spPr>
           <a:xfrm>
             <a:off x="1947012" y="4627597"/>
-            <a:ext cx="2105025" cy="275031"/>
+            <a:ext cx="2624988" cy="1520284"/>
           </a:xfrm>
           <a:prstGeom prst="rect">
             <a:avLst/>
@@ -7295,14 +7295,22 @@
               </a:spcBef>
             </a:pPr>
             <a:r>
-              <a:rPr lang="en-US" sz="1800" b="1">
+              <a:rPr lang="en-US" sz="1800" b="1" dirty="0" err="1">
                 <a:latin typeface="SF Pro Text" panose="00000500000000000000" pitchFamily="2" charset="0"/>
                 <a:ea typeface="SF Pro Text" panose="00000500000000000000" pitchFamily="2" charset="0"/>
                 <a:cs typeface="+mj-cs"/>
               </a:rPr>
-              <a:t>Khóa 2017-2020</a:t>
-            </a:r>
-            <a:endParaRPr lang="de-DE" sz="1800" b="1">
+              <a:t>Khóa</a:t>
+            </a:r>
+            <a:r>
+              <a:rPr lang="en-US" sz="1800" b="1" dirty="0">
+                <a:latin typeface="SF Pro Text" panose="00000500000000000000" pitchFamily="2" charset="0"/>
+                <a:ea typeface="SF Pro Text" panose="00000500000000000000" pitchFamily="2" charset="0"/>
+                <a:cs typeface="+mj-cs"/>
+              </a:rPr>
+              <a:t> 2017-2020</a:t>
+            </a:r>
+            <a:endParaRPr lang="de-DE" sz="1800" b="1" dirty="0">
               <a:latin typeface="SF Pro Text" panose="00000500000000000000" pitchFamily="2" charset="0"/>
               <a:ea typeface="SF Pro Text" panose="00000500000000000000" pitchFamily="2" charset="0"/>
               <a:cs typeface="+mj-cs"/>
@@ -9634,7 +9642,7 @@
         <p:spPr>
           <a:xfrm>
             <a:off x="350196" y="2188720"/>
-            <a:ext cx="7480570" cy="3000821"/>
+            <a:ext cx="7480570" cy="2723823"/>
           </a:xfrm>
           <a:prstGeom prst="rect">
             <a:avLst/>
@@ -9924,13 +9932,6 @@
               <a:rPr lang="en-US" b="1" dirty="0" err="1"/>
               <a:t>liệu</a:t>
             </a:r>
-            <a:endParaRPr lang="en-US" dirty="0"/>
-          </a:p>
-          <a:p>
-            <a:pPr marL="285750" indent="-285750">
-              <a:buFontTx/>
-              <a:buChar char="-"/>
-            </a:pPr>
             <a:endParaRPr lang="en-US" dirty="0"/>
           </a:p>
           <a:p>

--- a/documents/DATN.pptx
+++ b/documents/DATN.pptx
@@ -7113,8 +7113,8 @@
         </p:nvSpPr>
         <p:spPr>
           <a:xfrm>
-            <a:off x="1947012" y="4627597"/>
-            <a:ext cx="2624988" cy="1520284"/>
+            <a:off x="1947011" y="4627597"/>
+            <a:ext cx="5912937" cy="1520284"/>
           </a:xfrm>
           <a:prstGeom prst="rect">
             <a:avLst/>
@@ -7300,7 +7300,7 @@
                 <a:ea typeface="SF Pro Text" panose="00000500000000000000" pitchFamily="2" charset="0"/>
                 <a:cs typeface="+mj-cs"/>
               </a:rPr>
-              <a:t>Khóa</a:t>
+              <a:t>Giáo</a:t>
             </a:r>
             <a:r>
               <a:rPr lang="en-US" sz="1800" b="1" dirty="0">
@@ -7308,7 +7308,217 @@
                 <a:ea typeface="SF Pro Text" panose="00000500000000000000" pitchFamily="2" charset="0"/>
                 <a:cs typeface="+mj-cs"/>
               </a:rPr>
-              <a:t> 2017-2020</a:t>
+              <a:t> </a:t>
+            </a:r>
+            <a:r>
+              <a:rPr lang="en-US" sz="1800" b="1" dirty="0" err="1">
+                <a:latin typeface="SF Pro Text" panose="00000500000000000000" pitchFamily="2" charset="0"/>
+                <a:ea typeface="SF Pro Text" panose="00000500000000000000" pitchFamily="2" charset="0"/>
+                <a:cs typeface="+mj-cs"/>
+              </a:rPr>
+              <a:t>viên</a:t>
+            </a:r>
+            <a:r>
+              <a:rPr lang="en-US" sz="1800" b="1" dirty="0">
+                <a:latin typeface="SF Pro Text" panose="00000500000000000000" pitchFamily="2" charset="0"/>
+                <a:ea typeface="SF Pro Text" panose="00000500000000000000" pitchFamily="2" charset="0"/>
+                <a:cs typeface="+mj-cs"/>
+              </a:rPr>
+              <a:t> </a:t>
+            </a:r>
+            <a:r>
+              <a:rPr lang="en-US" sz="1800" b="1" dirty="0" err="1">
+                <a:latin typeface="SF Pro Text" panose="00000500000000000000" pitchFamily="2" charset="0"/>
+                <a:ea typeface="SF Pro Text" panose="00000500000000000000" pitchFamily="2" charset="0"/>
+                <a:cs typeface="+mj-cs"/>
+              </a:rPr>
+              <a:t>hướng</a:t>
+            </a:r>
+            <a:r>
+              <a:rPr lang="en-US" sz="1800" b="1" dirty="0">
+                <a:latin typeface="SF Pro Text" panose="00000500000000000000" pitchFamily="2" charset="0"/>
+                <a:ea typeface="SF Pro Text" panose="00000500000000000000" pitchFamily="2" charset="0"/>
+                <a:cs typeface="+mj-cs"/>
+              </a:rPr>
+              <a:t> </a:t>
+            </a:r>
+            <a:r>
+              <a:rPr lang="en-US" sz="1800" b="1" dirty="0" err="1">
+                <a:latin typeface="SF Pro Text" panose="00000500000000000000" pitchFamily="2" charset="0"/>
+                <a:ea typeface="SF Pro Text" panose="00000500000000000000" pitchFamily="2" charset="0"/>
+                <a:cs typeface="+mj-cs"/>
+              </a:rPr>
+              <a:t>dẫn</a:t>
+            </a:r>
+            <a:r>
+              <a:rPr lang="en-US" sz="1800" b="1" dirty="0">
+                <a:latin typeface="SF Pro Text" panose="00000500000000000000" pitchFamily="2" charset="0"/>
+                <a:ea typeface="SF Pro Text" panose="00000500000000000000" pitchFamily="2" charset="0"/>
+                <a:cs typeface="+mj-cs"/>
+              </a:rPr>
+              <a:t>: </a:t>
+            </a:r>
+            <a:r>
+              <a:rPr lang="en-US" sz="1800" b="1" dirty="0" err="1">
+                <a:latin typeface="SF Pro Text" panose="00000500000000000000" pitchFamily="2" charset="0"/>
+                <a:ea typeface="SF Pro Text" panose="00000500000000000000" pitchFamily="2" charset="0"/>
+                <a:cs typeface="+mj-cs"/>
+              </a:rPr>
+              <a:t>ThS</a:t>
+            </a:r>
+            <a:r>
+              <a:rPr lang="en-US" sz="1800" b="1" dirty="0">
+                <a:latin typeface="SF Pro Text" panose="00000500000000000000" pitchFamily="2" charset="0"/>
+                <a:ea typeface="SF Pro Text" panose="00000500000000000000" pitchFamily="2" charset="0"/>
+                <a:cs typeface="+mj-cs"/>
+              </a:rPr>
+              <a:t>. </a:t>
+            </a:r>
+            <a:r>
+              <a:rPr lang="en-US" sz="1800" b="1" dirty="0" err="1">
+                <a:latin typeface="SF Pro Text" panose="00000500000000000000" pitchFamily="2" charset="0"/>
+                <a:ea typeface="SF Pro Text" panose="00000500000000000000" pitchFamily="2" charset="0"/>
+                <a:cs typeface="+mj-cs"/>
+              </a:rPr>
+              <a:t>Lữ</a:t>
+            </a:r>
+            <a:r>
+              <a:rPr lang="en-US" sz="1800" b="1" dirty="0">
+                <a:latin typeface="SF Pro Text" panose="00000500000000000000" pitchFamily="2" charset="0"/>
+                <a:ea typeface="SF Pro Text" panose="00000500000000000000" pitchFamily="2" charset="0"/>
+                <a:cs typeface="+mj-cs"/>
+              </a:rPr>
+              <a:t> Cao </a:t>
+            </a:r>
+            <a:r>
+              <a:rPr lang="en-US" sz="1800" b="1" dirty="0" err="1">
+                <a:latin typeface="SF Pro Text" panose="00000500000000000000" pitchFamily="2" charset="0"/>
+                <a:ea typeface="SF Pro Text" panose="00000500000000000000" pitchFamily="2" charset="0"/>
+                <a:cs typeface="+mj-cs"/>
+              </a:rPr>
+              <a:t>Tiến</a:t>
+            </a:r>
+            <a:endParaRPr lang="en-US" sz="1800" b="1" dirty="0">
+              <a:latin typeface="SF Pro Text" panose="00000500000000000000" pitchFamily="2" charset="0"/>
+              <a:ea typeface="SF Pro Text" panose="00000500000000000000" pitchFamily="2" charset="0"/>
+              <a:cs typeface="+mj-cs"/>
+            </a:endParaRPr>
+          </a:p>
+          <a:p>
+            <a:pPr algn="l">
+              <a:spcBef>
+                <a:spcPct val="0"/>
+              </a:spcBef>
+            </a:pPr>
+            <a:r>
+              <a:rPr lang="en-US" sz="1800" b="1" dirty="0" err="1">
+                <a:latin typeface="SF Pro Text" panose="00000500000000000000" pitchFamily="2" charset="0"/>
+                <a:ea typeface="SF Pro Text" panose="00000500000000000000" pitchFamily="2" charset="0"/>
+                <a:cs typeface="+mj-cs"/>
+              </a:rPr>
+              <a:t>Sinh</a:t>
+            </a:r>
+            <a:r>
+              <a:rPr lang="en-US" sz="1800" b="1" dirty="0">
+                <a:latin typeface="SF Pro Text" panose="00000500000000000000" pitchFamily="2" charset="0"/>
+                <a:ea typeface="SF Pro Text" panose="00000500000000000000" pitchFamily="2" charset="0"/>
+                <a:cs typeface="+mj-cs"/>
+              </a:rPr>
+              <a:t> </a:t>
+            </a:r>
+            <a:r>
+              <a:rPr lang="en-US" sz="1800" b="1" dirty="0" err="1">
+                <a:latin typeface="SF Pro Text" panose="00000500000000000000" pitchFamily="2" charset="0"/>
+                <a:ea typeface="SF Pro Text" panose="00000500000000000000" pitchFamily="2" charset="0"/>
+                <a:cs typeface="+mj-cs"/>
+              </a:rPr>
+              <a:t>viên</a:t>
+            </a:r>
+            <a:r>
+              <a:rPr lang="en-US" sz="1800" b="1" dirty="0">
+                <a:latin typeface="SF Pro Text" panose="00000500000000000000" pitchFamily="2" charset="0"/>
+                <a:ea typeface="SF Pro Text" panose="00000500000000000000" pitchFamily="2" charset="0"/>
+                <a:cs typeface="+mj-cs"/>
+              </a:rPr>
+              <a:t> </a:t>
+            </a:r>
+            <a:r>
+              <a:rPr lang="en-US" sz="1800" b="1" dirty="0" err="1">
+                <a:latin typeface="SF Pro Text" panose="00000500000000000000" pitchFamily="2" charset="0"/>
+                <a:ea typeface="SF Pro Text" panose="00000500000000000000" pitchFamily="2" charset="0"/>
+                <a:cs typeface="+mj-cs"/>
+              </a:rPr>
+              <a:t>thực</a:t>
+            </a:r>
+            <a:r>
+              <a:rPr lang="en-US" sz="1800" b="1" dirty="0">
+                <a:latin typeface="SF Pro Text" panose="00000500000000000000" pitchFamily="2" charset="0"/>
+                <a:ea typeface="SF Pro Text" panose="00000500000000000000" pitchFamily="2" charset="0"/>
+                <a:cs typeface="+mj-cs"/>
+              </a:rPr>
+              <a:t> </a:t>
+            </a:r>
+            <a:r>
+              <a:rPr lang="en-US" sz="1800" b="1" dirty="0" err="1">
+                <a:latin typeface="SF Pro Text" panose="00000500000000000000" pitchFamily="2" charset="0"/>
+                <a:ea typeface="SF Pro Text" panose="00000500000000000000" pitchFamily="2" charset="0"/>
+                <a:cs typeface="+mj-cs"/>
+              </a:rPr>
+              <a:t>hiện</a:t>
+            </a:r>
+            <a:r>
+              <a:rPr lang="en-US" sz="1800" b="1" dirty="0">
+                <a:latin typeface="SF Pro Text" panose="00000500000000000000" pitchFamily="2" charset="0"/>
+                <a:ea typeface="SF Pro Text" panose="00000500000000000000" pitchFamily="2" charset="0"/>
+                <a:cs typeface="+mj-cs"/>
+              </a:rPr>
+              <a:t>:</a:t>
+            </a:r>
+          </a:p>
+          <a:p>
+            <a:pPr algn="l">
+              <a:spcBef>
+                <a:spcPct val="0"/>
+              </a:spcBef>
+            </a:pPr>
+            <a:r>
+              <a:rPr lang="en-US" sz="1800" b="1" dirty="0">
+                <a:latin typeface="SF Pro Text" panose="00000500000000000000" pitchFamily="2" charset="0"/>
+                <a:ea typeface="SF Pro Text" panose="00000500000000000000" pitchFamily="2" charset="0"/>
+                <a:cs typeface="+mj-cs"/>
+              </a:rPr>
+              <a:t>	Nguyễn Gia Huy	0306171248</a:t>
+            </a:r>
+          </a:p>
+          <a:p>
+            <a:pPr algn="l">
+              <a:spcBef>
+                <a:spcPct val="0"/>
+              </a:spcBef>
+            </a:pPr>
+            <a:r>
+              <a:rPr lang="en-US" sz="1800" b="1" dirty="0">
+                <a:latin typeface="SF Pro Text" panose="00000500000000000000" pitchFamily="2" charset="0"/>
+                <a:ea typeface="SF Pro Text" panose="00000500000000000000" pitchFamily="2" charset="0"/>
+                <a:cs typeface="+mj-cs"/>
+              </a:rPr>
+              <a:t>	</a:t>
+            </a:r>
+            <a:r>
+              <a:rPr lang="en-US" sz="1800" b="1" dirty="0" err="1">
+                <a:latin typeface="SF Pro Text" panose="00000500000000000000" pitchFamily="2" charset="0"/>
+                <a:ea typeface="SF Pro Text" panose="00000500000000000000" pitchFamily="2" charset="0"/>
+                <a:cs typeface="+mj-cs"/>
+              </a:rPr>
+              <a:t>Khóa</a:t>
+            </a:r>
+            <a:r>
+              <a:rPr lang="en-US" sz="1800" b="1" dirty="0">
+                <a:latin typeface="SF Pro Text" panose="00000500000000000000" pitchFamily="2" charset="0"/>
+                <a:ea typeface="SF Pro Text" panose="00000500000000000000" pitchFamily="2" charset="0"/>
+                <a:cs typeface="+mj-cs"/>
+              </a:rPr>
+              <a:t> 2017 - 2020</a:t>
             </a:r>
             <a:endParaRPr lang="de-DE" sz="1800" b="1" dirty="0">
               <a:latin typeface="SF Pro Text" panose="00000500000000000000" pitchFamily="2" charset="0"/>
@@ -7337,7 +7547,7 @@
               <a:rPr lang="de-DE" smtClean="0"/>
               <a:t>1</a:t>
             </a:fld>
-            <a:endParaRPr lang="de-DE"/>
+            <a:endParaRPr lang="de-DE" dirty="0"/>
           </a:p>
         </p:txBody>
       </p:sp>
@@ -11741,7 +11951,7 @@
             </a:r>
             <a:r>
               <a:rPr lang="en-US" dirty="0" err="1"/>
-              <a:t>xữ</a:t>
+              <a:t>xử</a:t>
             </a:r>
             <a:r>
               <a:rPr lang="en-US" dirty="0"/>

--- a/documents/DATN.pptx
+++ b/documents/DATN.pptx
@@ -946,7 +946,7 @@
               <a:latin typeface="Times New Roman" panose="02020603050405020304" pitchFamily="18" charset="0"/>
               <a:cs typeface="Times New Roman" panose="02020603050405020304" pitchFamily="18" charset="0"/>
             </a:rPr>
-            <a:t>PHÂN TÍCH HỆ THỐNG</a:t>
+            <a:t>PHÂN TÍCH</a:t>
           </a:r>
         </a:p>
       </dgm:t>
@@ -982,22 +982,15 @@
         <a:p>
           <a:pPr algn="l"/>
           <a:r>
-            <a:rPr lang="en-US">
+            <a:rPr lang="en-US" dirty="0">
               <a:solidFill>
                 <a:schemeClr val="bg1"/>
               </a:solidFill>
               <a:latin typeface="Times New Roman" panose="02020603050405020304" pitchFamily="18" charset="0"/>
               <a:cs typeface="Times New Roman" panose="02020603050405020304" pitchFamily="18" charset="0"/>
             </a:rPr>
-            <a:t>TỔNG KẾTDEMO</a:t>
+            <a:t>TỔNG KẾT</a:t>
           </a:r>
-          <a:endParaRPr lang="en-US" dirty="0">
-            <a:solidFill>
-              <a:schemeClr val="bg1"/>
-            </a:solidFill>
-            <a:latin typeface="Times New Roman" panose="02020603050405020304" pitchFamily="18" charset="0"/>
-            <a:cs typeface="Times New Roman" panose="02020603050405020304" pitchFamily="18" charset="0"/>
-          </a:endParaRPr>
         </a:p>
       </dgm:t>
     </dgm:pt>
@@ -1330,12 +1323,12 @@
         </a:fontRef>
       </dsp:style>
       <dsp:txBody>
-        <a:bodyPr spcFirstLastPara="0" vert="horz" wrap="square" lIns="595835" tIns="148590" rIns="277368" bIns="148590" numCol="1" spcCol="1270" anchor="ctr" anchorCtr="0">
+        <a:bodyPr spcFirstLastPara="0" vert="horz" wrap="square" lIns="595835" tIns="240030" rIns="448056" bIns="240030" numCol="1" spcCol="1270" anchor="ctr" anchorCtr="0">
           <a:noAutofit/>
         </a:bodyPr>
         <a:lstStyle/>
         <a:p>
-          <a:pPr marL="0" lvl="0" indent="0" algn="l" defTabSz="1733550">
+          <a:pPr marL="0" lvl="0" indent="0" algn="l" defTabSz="2800350">
             <a:lnSpc>
               <a:spcPct val="90000"/>
             </a:lnSpc>
@@ -1348,7 +1341,7 @@
             <a:buNone/>
           </a:pPr>
           <a:r>
-            <a:rPr lang="en-US" sz="3900" kern="1200" dirty="0">
+            <a:rPr lang="en-US" sz="6300" kern="1200" dirty="0">
               <a:solidFill>
                 <a:schemeClr val="bg1"/>
               </a:solidFill>
@@ -1495,12 +1488,12 @@
         </a:fontRef>
       </dsp:style>
       <dsp:txBody>
-        <a:bodyPr spcFirstLastPara="0" vert="horz" wrap="square" lIns="595835" tIns="148590" rIns="277368" bIns="148590" numCol="1" spcCol="1270" anchor="ctr" anchorCtr="0">
+        <a:bodyPr spcFirstLastPara="0" vert="horz" wrap="square" lIns="595835" tIns="240030" rIns="448056" bIns="240030" numCol="1" spcCol="1270" anchor="ctr" anchorCtr="0">
           <a:noAutofit/>
         </a:bodyPr>
         <a:lstStyle/>
         <a:p>
-          <a:pPr marL="0" lvl="0" indent="0" algn="l" defTabSz="1733550">
+          <a:pPr marL="0" lvl="0" indent="0" algn="l" defTabSz="2800350">
             <a:lnSpc>
               <a:spcPct val="90000"/>
             </a:lnSpc>
@@ -1513,14 +1506,14 @@
             <a:buNone/>
           </a:pPr>
           <a:r>
-            <a:rPr lang="en-US" sz="3900" kern="1200" dirty="0">
+            <a:rPr lang="en-US" sz="6300" kern="1200" dirty="0">
               <a:solidFill>
                 <a:schemeClr val="bg1"/>
               </a:solidFill>
               <a:latin typeface="Times New Roman" panose="02020603050405020304" pitchFamily="18" charset="0"/>
               <a:cs typeface="Times New Roman" panose="02020603050405020304" pitchFamily="18" charset="0"/>
             </a:rPr>
-            <a:t>PHÂN TÍCH HỆ THỐNG</a:t>
+            <a:t>PHÂN TÍCH</a:t>
           </a:r>
         </a:p>
       </dsp:txBody>
@@ -1660,12 +1653,12 @@
         </a:fontRef>
       </dsp:style>
       <dsp:txBody>
-        <a:bodyPr spcFirstLastPara="0" vert="horz" wrap="square" lIns="595835" tIns="148590" rIns="277368" bIns="148590" numCol="1" spcCol="1270" anchor="ctr" anchorCtr="0">
+        <a:bodyPr spcFirstLastPara="0" vert="horz" wrap="square" lIns="595835" tIns="240030" rIns="448056" bIns="240030" numCol="1" spcCol="1270" anchor="ctr" anchorCtr="0">
           <a:noAutofit/>
         </a:bodyPr>
         <a:lstStyle/>
         <a:p>
-          <a:pPr marL="0" lvl="0" indent="0" algn="l" defTabSz="1733550">
+          <a:pPr marL="0" lvl="0" indent="0" algn="l" defTabSz="2800350">
             <a:lnSpc>
               <a:spcPct val="90000"/>
             </a:lnSpc>
@@ -1678,7 +1671,7 @@
             <a:buNone/>
           </a:pPr>
           <a:r>
-            <a:rPr lang="en-US" sz="3900" kern="1200" dirty="0">
+            <a:rPr lang="en-US" sz="6300" kern="1200" dirty="0">
               <a:solidFill>
                 <a:schemeClr val="bg1"/>
               </a:solidFill>
@@ -1825,12 +1818,12 @@
         </a:fontRef>
       </dsp:style>
       <dsp:txBody>
-        <a:bodyPr spcFirstLastPara="0" vert="horz" wrap="square" lIns="595835" tIns="148590" rIns="277368" bIns="148590" numCol="1" spcCol="1270" anchor="ctr" anchorCtr="0">
+        <a:bodyPr spcFirstLastPara="0" vert="horz" wrap="square" lIns="595835" tIns="240030" rIns="448056" bIns="240030" numCol="1" spcCol="1270" anchor="ctr" anchorCtr="0">
           <a:noAutofit/>
         </a:bodyPr>
         <a:lstStyle/>
         <a:p>
-          <a:pPr marL="0" lvl="0" indent="0" algn="l" defTabSz="1733550">
+          <a:pPr marL="0" lvl="0" indent="0" algn="l" defTabSz="2800350">
             <a:lnSpc>
               <a:spcPct val="90000"/>
             </a:lnSpc>
@@ -1843,22 +1836,15 @@
             <a:buNone/>
           </a:pPr>
           <a:r>
-            <a:rPr lang="en-US" sz="3900" kern="1200">
+            <a:rPr lang="en-US" sz="6300" kern="1200" dirty="0">
               <a:solidFill>
                 <a:schemeClr val="bg1"/>
               </a:solidFill>
               <a:latin typeface="Times New Roman" panose="02020603050405020304" pitchFamily="18" charset="0"/>
               <a:cs typeface="Times New Roman" panose="02020603050405020304" pitchFamily="18" charset="0"/>
             </a:rPr>
-            <a:t>TỔNG KẾTDEMO</a:t>
+            <a:t>TỔNG KẾT</a:t>
           </a:r>
-          <a:endParaRPr lang="en-US" sz="3900" kern="1200" dirty="0">
-            <a:solidFill>
-              <a:schemeClr val="bg1"/>
-            </a:solidFill>
-            <a:latin typeface="Times New Roman" panose="02020603050405020304" pitchFamily="18" charset="0"/>
-            <a:cs typeface="Times New Roman" panose="02020603050405020304" pitchFamily="18" charset="0"/>
-          </a:endParaRPr>
         </a:p>
       </dsp:txBody>
       <dsp:txXfrm rot="10800000">
@@ -7659,7 +7645,7 @@
           <p:nvPr>
             <p:extLst>
               <p:ext uri="{D42A27DB-BD31-4B8C-83A1-F6EECF244321}">
-                <p14:modId xmlns:p14="http://schemas.microsoft.com/office/powerpoint/2010/main" val="2270859323"/>
+                <p14:modId xmlns:p14="http://schemas.microsoft.com/office/powerpoint/2010/main" val="2623709528"/>
               </p:ext>
             </p:extLst>
           </p:nvPr>
@@ -11356,8 +11342,12 @@
               </a:buBlip>
             </a:pPr>
             <a:r>
+              <a:rPr lang="vi-VN" sz="3800" dirty="0"/>
+              <a:t>Doanh </a:t>
+            </a:r>
+            <a:r>
               <a:rPr lang="vi-VN" sz="3800" dirty="0" err="1"/>
-              <a:t>Tiếp</a:t>
+              <a:t>nghiệp</a:t>
             </a:r>
             <a:r>
               <a:rPr lang="vi-VN" sz="3800" dirty="0"/>
@@ -11365,7 +11355,7 @@
             </a:r>
             <a:r>
               <a:rPr lang="vi-VN" sz="3800" dirty="0" err="1"/>
-              <a:t>cận</a:t>
+              <a:t>tiếp</a:t>
             </a:r>
             <a:r>
               <a:rPr lang="vi-VN" sz="3800" dirty="0"/>
@@ -11373,7 +11363,7 @@
             </a:r>
             <a:r>
               <a:rPr lang="vi-VN" sz="3800" dirty="0" err="1"/>
-              <a:t>được</a:t>
+              <a:t>cận</a:t>
             </a:r>
             <a:r>
               <a:rPr lang="vi-VN" sz="3800" dirty="0"/>
@@ -11381,7 +11371,7 @@
             </a:r>
             <a:r>
               <a:rPr lang="vi-VN" sz="3800" dirty="0" err="1"/>
-              <a:t>với</a:t>
+              <a:t>được</a:t>
             </a:r>
             <a:r>
               <a:rPr lang="vi-VN" sz="3800" dirty="0"/>
@@ -11389,7 +11379,7 @@
             </a:r>
             <a:r>
               <a:rPr lang="vi-VN" sz="3800" dirty="0" err="1"/>
-              <a:t>nhiều</a:t>
+              <a:t>với</a:t>
             </a:r>
             <a:r>
               <a:rPr lang="vi-VN" sz="3800" dirty="0"/>
@@ -11397,34 +11387,27 @@
             </a:r>
             <a:r>
               <a:rPr lang="vi-VN" sz="3800" dirty="0" err="1"/>
+              <a:t>nhiều</a:t>
+            </a:r>
+            <a:r>
+              <a:rPr lang="vi-VN" sz="3800" dirty="0"/>
+              <a:t> </a:t>
+            </a:r>
+            <a:r>
+              <a:rPr lang="vi-VN" sz="3800" dirty="0" err="1"/>
               <a:t>ứng</a:t>
             </a:r>
             <a:r>
               <a:rPr lang="vi-VN" sz="3800" dirty="0"/>
               <a:t> viên hơn</a:t>
             </a:r>
-            <a:endParaRPr lang="en-US" sz="3800" dirty="0"/>
-          </a:p>
-          <a:p>
-            <a:pPr lvl="1">
-              <a:lnSpc>
-                <a:spcPct val="120000"/>
-              </a:lnSpc>
-              <a:buBlip>
-                <a:blip r:embed="rId3"/>
-              </a:buBlip>
-            </a:pPr>
-            <a:r>
-              <a:rPr lang="en-US" sz="3800" dirty="0" err="1"/>
-              <a:t>Tìm</a:t>
-            </a:r>
             <a:r>
               <a:rPr lang="en-US" sz="3800" dirty="0"/>
               <a:t> </a:t>
             </a:r>
             <a:r>
               <a:rPr lang="en-US" sz="3800" dirty="0" err="1"/>
-              <a:t>kiếm</a:t>
+              <a:t>phù</a:t>
             </a:r>
             <a:r>
               <a:rPr lang="en-US" sz="3800" dirty="0"/>
@@ -11432,47 +11415,7 @@
             </a:r>
             <a:r>
               <a:rPr lang="en-US" sz="3800" dirty="0" err="1"/>
-              <a:t>các</a:t>
-            </a:r>
-            <a:r>
-              <a:rPr lang="en-US" sz="3800" dirty="0"/>
-              <a:t> </a:t>
-            </a:r>
-            <a:r>
-              <a:rPr lang="en-US" sz="3800" dirty="0" err="1"/>
-              <a:t>ứng</a:t>
-            </a:r>
-            <a:r>
-              <a:rPr lang="en-US" sz="3800" dirty="0"/>
-              <a:t> </a:t>
-            </a:r>
-            <a:r>
-              <a:rPr lang="en-US" sz="3800" dirty="0" err="1"/>
-              <a:t>viên</a:t>
-            </a:r>
-            <a:r>
-              <a:rPr lang="en-US" sz="3800" dirty="0"/>
-              <a:t> </a:t>
-            </a:r>
-            <a:r>
-              <a:rPr lang="en-US" sz="3800" dirty="0" err="1"/>
-              <a:t>phù</a:t>
-            </a:r>
-            <a:r>
-              <a:rPr lang="en-US" sz="3800" dirty="0"/>
-              <a:t> </a:t>
-            </a:r>
-            <a:r>
-              <a:rPr lang="en-US" sz="3800" dirty="0" err="1"/>
               <a:t>hợp</a:t>
-            </a:r>
-            <a:r>
-              <a:rPr lang="en-US" sz="3800" dirty="0"/>
-              <a:t> </a:t>
-            </a:r>
-            <a:r>
-              <a:rPr lang="en-US" sz="3800" dirty="0" err="1"/>
-              <a:t>nhất</a:t>
             </a:r>
             <a:endParaRPr lang="en-US" dirty="0"/>
           </a:p>
@@ -11708,49 +11651,6 @@
                                   </p:childTnLst>
                                 </p:cTn>
                               </p:par>
-                              <p:par>
-                                <p:cTn id="17" presetID="22" presetClass="entr" presetSubtype="4" fill="hold" grpId="0" nodeType="withEffect">
-                                  <p:stCondLst>
-                                    <p:cond delay="0"/>
-                                  </p:stCondLst>
-                                  <p:childTnLst>
-                                    <p:set>
-                                      <p:cBhvr>
-                                        <p:cTn id="18" dur="1" fill="hold">
-                                          <p:stCondLst>
-                                            <p:cond delay="0"/>
-                                          </p:stCondLst>
-                                        </p:cTn>
-                                        <p:tgtEl>
-                                          <p:spTgt spid="3">
-                                            <p:txEl>
-                                              <p:pRg st="4" end="4"/>
-                                            </p:txEl>
-                                          </p:spTgt>
-                                        </p:tgtEl>
-                                        <p:attrNameLst>
-                                          <p:attrName>style.visibility</p:attrName>
-                                        </p:attrNameLst>
-                                      </p:cBhvr>
-                                      <p:to>
-                                        <p:strVal val="visible"/>
-                                      </p:to>
-                                    </p:set>
-                                    <p:animEffect transition="in" filter="wipe(down)">
-                                      <p:cBhvr>
-                                        <p:cTn id="19" dur="500"/>
-                                        <p:tgtEl>
-                                          <p:spTgt spid="3">
-                                            <p:txEl>
-                                              <p:pRg st="4" end="4"/>
-                                            </p:txEl>
-                                          </p:spTgt>
-                                        </p:tgtEl>
-                                      </p:cBhvr>
-                                    </p:animEffect>
-                                  </p:childTnLst>
-                                </p:cTn>
-                              </p:par>
                             </p:childTnLst>
                           </p:cTn>
                         </p:par>
@@ -12505,7 +12405,7 @@
             </a:r>
             <a:r>
               <a:rPr lang="en-US" dirty="0" err="1"/>
-              <a:t>xữ</a:t>
+              <a:t>xử</a:t>
             </a:r>
             <a:r>
               <a:rPr lang="en-US" dirty="0"/>
